--- a/CyberCon2023/KeiraPaterson_Cyber_2023.pptx
+++ b/CyberCon2023/KeiraPaterson_Cyber_2023.pptx
@@ -273,7 +273,7 @@
           </a:bodyPr>
           <a:p>
             <a:pPr algn="r"/>
-            <a:fld id="{01296EA6-1450-40E3-8BCE-2A158BE927B4}" type="slidenum">
+            <a:fld id="{206A42D6-B77B-4E57-8A95-7BE09DCAA934}" type="slidenum">
               <a:rPr b="0" lang="en-AU" sz="1400" spc="-1" strike="noStrike">
                 <a:latin typeface="Times New Roman"/>
               </a:rPr>
@@ -310,7 +310,7 @@
       </p:grpSpPr>
       <p:sp>
         <p:nvSpPr>
-          <p:cNvPr id="233" name="PlaceHolder 1"/>
+          <p:cNvPr id="235" name="PlaceHolder 1"/>
           <p:cNvSpPr>
             <a:spLocks noGrp="1"/>
           </p:cNvSpPr>
@@ -321,16 +321,16 @@
         <p:spPr>
           <a:xfrm>
             <a:off x="216000" y="812520"/>
-            <a:ext cx="7125480" cy="4007160"/>
-          </a:xfrm>
-          <a:prstGeom prst="rect">
-            <a:avLst/>
-          </a:prstGeom>
-        </p:spPr>
-      </p:sp>
-      <p:sp>
-        <p:nvSpPr>
-          <p:cNvPr id="234" name="PlaceHolder 2"/>
+            <a:ext cx="7125120" cy="4006800"/>
+          </a:xfrm>
+          <a:prstGeom prst="rect">
+            <a:avLst/>
+          </a:prstGeom>
+        </p:spPr>
+      </p:sp>
+      <p:sp>
+        <p:nvSpPr>
+          <p:cNvPr id="236" name="PlaceHolder 2"/>
           <p:cNvSpPr>
             <a:spLocks noGrp="1"/>
           </p:cNvSpPr>
@@ -341,7 +341,7 @@
         <p:spPr>
           <a:xfrm>
             <a:off x="360000" y="5078520"/>
-            <a:ext cx="6118920" cy="3740400"/>
+            <a:ext cx="6118560" cy="3740040"/>
           </a:xfrm>
           <a:prstGeom prst="rect">
             <a:avLst/>
@@ -352,7 +352,7 @@
             <a:noAutofit/>
           </a:bodyPr>
           <a:p>
-            <a:pPr marL="216000" indent="-215280">
+            <a:pPr marL="216000" indent="-214920">
               <a:lnSpc>
                 <a:spcPct val="100000"/>
               </a:lnSpc>
@@ -368,7 +368,7 @@
             </a:endParaRPr>
           </a:p>
           <a:p>
-            <a:pPr marL="216000" indent="-215280">
+            <a:pPr marL="216000" indent="-214920">
               <a:lnSpc>
                 <a:spcPct val="100000"/>
               </a:lnSpc>
@@ -406,7 +406,7 @@
       </p:grpSpPr>
       <p:sp>
         <p:nvSpPr>
-          <p:cNvPr id="266" name="PlaceHolder 1"/>
+          <p:cNvPr id="268" name="PlaceHolder 1"/>
           <p:cNvSpPr>
             <a:spLocks noGrp="1"/>
           </p:cNvSpPr>
@@ -417,16 +417,16 @@
         <p:spPr>
           <a:xfrm>
             <a:off x="685800" y="1143000"/>
-            <a:ext cx="5481720" cy="3081600"/>
-          </a:xfrm>
-          <a:prstGeom prst="rect">
-            <a:avLst/>
-          </a:prstGeom>
-        </p:spPr>
-      </p:sp>
-      <p:sp>
-        <p:nvSpPr>
-          <p:cNvPr id="267" name="PlaceHolder 2"/>
+            <a:ext cx="5481360" cy="3081240"/>
+          </a:xfrm>
+          <a:prstGeom prst="rect">
+            <a:avLst/>
+          </a:prstGeom>
+        </p:spPr>
+      </p:sp>
+      <p:sp>
+        <p:nvSpPr>
+          <p:cNvPr id="269" name="PlaceHolder 2"/>
           <p:cNvSpPr>
             <a:spLocks noGrp="1"/>
           </p:cNvSpPr>
@@ -437,7 +437,7 @@
         <p:spPr>
           <a:xfrm>
             <a:off x="685800" y="4400640"/>
-            <a:ext cx="5481720" cy="3595680"/>
+            <a:ext cx="5481360" cy="3595320"/>
           </a:xfrm>
           <a:prstGeom prst="rect">
             <a:avLst/>
@@ -448,7 +448,7 @@
             <a:noAutofit/>
           </a:bodyPr>
           <a:p>
-            <a:pPr marL="216000" indent="-215280">
+            <a:pPr marL="216000" indent="-214920">
               <a:lnSpc>
                 <a:spcPct val="100000"/>
               </a:lnSpc>
@@ -467,7 +467,7 @@
             </a:endParaRPr>
           </a:p>
           <a:p>
-            <a:pPr marL="216000" indent="-215280">
+            <a:pPr marL="216000" indent="-214920">
               <a:lnSpc>
                 <a:spcPct val="100000"/>
               </a:lnSpc>
@@ -493,7 +493,7 @@
             </a:endParaRPr>
           </a:p>
           <a:p>
-            <a:pPr marL="216000" indent="-215280">
+            <a:pPr marL="216000" indent="-214920">
               <a:lnSpc>
                 <a:spcPct val="100000"/>
               </a:lnSpc>
@@ -519,7 +519,7 @@
             </a:endParaRPr>
           </a:p>
           <a:p>
-            <a:pPr marL="216000" indent="-215280">
+            <a:pPr marL="216000" indent="-214920">
               <a:lnSpc>
                 <a:spcPct val="100000"/>
               </a:lnSpc>
@@ -545,7 +545,7 @@
             </a:endParaRPr>
           </a:p>
           <a:p>
-            <a:pPr marL="216000" indent="-215280">
+            <a:pPr marL="216000" indent="-214920">
               <a:lnSpc>
                 <a:spcPct val="100000"/>
               </a:lnSpc>
@@ -561,14 +561,14 @@
       </p:sp>
       <p:sp>
         <p:nvSpPr>
-          <p:cNvPr id="268" name="CustomShape 3"/>
+          <p:cNvPr id="270" name="CustomShape 3"/>
           <p:cNvSpPr/>
           <p:nvPr/>
         </p:nvSpPr>
         <p:spPr>
           <a:xfrm>
             <a:off x="3884760" y="8685360"/>
-            <a:ext cx="2967120" cy="453960"/>
+            <a:ext cx="2966760" cy="453600"/>
           </a:xfrm>
           <a:prstGeom prst="rect">
             <a:avLst/>
@@ -597,7 +597,7 @@
                 <a:tab algn="l" pos="0"/>
               </a:tabLst>
             </a:pPr>
-            <a:fld id="{59EF758E-4E57-437C-8065-2EEA5728C8C0}" type="slidenum">
+            <a:fld id="{96BBCB62-F271-4A63-ACEA-A17C297EAD16}" type="slidenum">
               <a:rPr b="0" lang="en-US" sz="1400" spc="-1" strike="noStrike">
                 <a:solidFill>
                   <a:srgbClr val="000000"/>
@@ -636,7 +636,7 @@
       </p:grpSpPr>
       <p:sp>
         <p:nvSpPr>
-          <p:cNvPr id="269" name="PlaceHolder 1"/>
+          <p:cNvPr id="271" name="PlaceHolder 1"/>
           <p:cNvSpPr>
             <a:spLocks noGrp="1"/>
           </p:cNvSpPr>
@@ -647,16 +647,16 @@
         <p:spPr>
           <a:xfrm>
             <a:off x="685800" y="1143000"/>
-            <a:ext cx="5481720" cy="3081600"/>
-          </a:xfrm>
-          <a:prstGeom prst="rect">
-            <a:avLst/>
-          </a:prstGeom>
-        </p:spPr>
-      </p:sp>
-      <p:sp>
-        <p:nvSpPr>
-          <p:cNvPr id="270" name="PlaceHolder 2"/>
+            <a:ext cx="5481360" cy="3081240"/>
+          </a:xfrm>
+          <a:prstGeom prst="rect">
+            <a:avLst/>
+          </a:prstGeom>
+        </p:spPr>
+      </p:sp>
+      <p:sp>
+        <p:nvSpPr>
+          <p:cNvPr id="272" name="PlaceHolder 2"/>
           <p:cNvSpPr>
             <a:spLocks noGrp="1"/>
           </p:cNvSpPr>
@@ -667,7 +667,7 @@
         <p:spPr>
           <a:xfrm>
             <a:off x="685800" y="4400640"/>
-            <a:ext cx="5481720" cy="3595680"/>
+            <a:ext cx="5481360" cy="3595320"/>
           </a:xfrm>
           <a:prstGeom prst="rect">
             <a:avLst/>
@@ -678,7 +678,7 @@
             <a:noAutofit/>
           </a:bodyPr>
           <a:p>
-            <a:pPr>
+            <a:pPr marL="216000" indent="-216000">
               <a:lnSpc>
                 <a:spcPct val="100000"/>
               </a:lnSpc>
@@ -703,7 +703,7 @@
             </a:endParaRPr>
           </a:p>
           <a:p>
-            <a:pPr>
+            <a:pPr marL="216000" indent="-216000">
               <a:lnSpc>
                 <a:spcPct val="100000"/>
               </a:lnSpc>
@@ -728,7 +728,7 @@
             </a:endParaRPr>
           </a:p>
           <a:p>
-            <a:pPr>
+            <a:pPr marL="216000" indent="-216000">
               <a:lnSpc>
                 <a:spcPct val="100000"/>
               </a:lnSpc>
@@ -762,7 +762,7 @@
             </a:endParaRPr>
           </a:p>
           <a:p>
-            <a:pPr>
+            <a:pPr marL="216000" indent="-216000">
               <a:lnSpc>
                 <a:spcPct val="100000"/>
               </a:lnSpc>
@@ -799,7 +799,7 @@
             </a:endParaRPr>
           </a:p>
           <a:p>
-            <a:pPr>
+            <a:pPr marL="216000" indent="-216000">
               <a:lnSpc>
                 <a:spcPct val="100000"/>
               </a:lnSpc>
@@ -828,14 +828,14 @@
       </p:sp>
       <p:sp>
         <p:nvSpPr>
-          <p:cNvPr id="271" name="CustomShape 3"/>
+          <p:cNvPr id="273" name="CustomShape 3"/>
           <p:cNvSpPr/>
           <p:nvPr/>
         </p:nvSpPr>
         <p:spPr>
           <a:xfrm>
             <a:off x="3884760" y="8685360"/>
-            <a:ext cx="2967120" cy="453960"/>
+            <a:ext cx="2966760" cy="453600"/>
           </a:xfrm>
           <a:prstGeom prst="rect">
             <a:avLst/>
@@ -864,7 +864,7 @@
                 <a:tab algn="l" pos="0"/>
               </a:tabLst>
             </a:pPr>
-            <a:fld id="{73325D29-DCBE-44D5-A407-A48F1FF28D49}" type="slidenum">
+            <a:fld id="{40C3AF16-18AB-4123-9864-B030A69DC6C6}" type="slidenum">
               <a:rPr b="0" lang="en-US" sz="1400" spc="-1" strike="noStrike">
                 <a:solidFill>
                   <a:srgbClr val="000000"/>
@@ -881,14 +881,14 @@
       </p:sp>
       <p:sp>
         <p:nvSpPr>
-          <p:cNvPr id="272" name="CustomShape 4"/>
+          <p:cNvPr id="274" name="CustomShape 4"/>
           <p:cNvSpPr/>
           <p:nvPr/>
         </p:nvSpPr>
         <p:spPr>
           <a:xfrm>
             <a:off x="685800" y="4400640"/>
-            <a:ext cx="5578200" cy="4685760"/>
+            <a:ext cx="5577840" cy="4685400"/>
           </a:xfrm>
           <a:prstGeom prst="rect">
             <a:avLst/>
@@ -929,7 +929,7 @@
       </p:grpSpPr>
       <p:sp>
         <p:nvSpPr>
-          <p:cNvPr id="273" name="PlaceHolder 1"/>
+          <p:cNvPr id="275" name="PlaceHolder 1"/>
           <p:cNvSpPr>
             <a:spLocks noGrp="1"/>
           </p:cNvSpPr>
@@ -940,23 +940,23 @@
         <p:spPr>
           <a:xfrm>
             <a:off x="685800" y="1143000"/>
-            <a:ext cx="5481720" cy="3081600"/>
-          </a:xfrm>
-          <a:prstGeom prst="rect">
-            <a:avLst/>
-          </a:prstGeom>
-        </p:spPr>
-      </p:sp>
-      <p:sp>
-        <p:nvSpPr>
-          <p:cNvPr id="274" name="CustomShape 2"/>
+            <a:ext cx="5481360" cy="3081240"/>
+          </a:xfrm>
+          <a:prstGeom prst="rect">
+            <a:avLst/>
+          </a:prstGeom>
+        </p:spPr>
+      </p:sp>
+      <p:sp>
+        <p:nvSpPr>
+          <p:cNvPr id="276" name="CustomShape 2"/>
           <p:cNvSpPr/>
           <p:nvPr/>
         </p:nvSpPr>
         <p:spPr>
           <a:xfrm>
             <a:off x="3884760" y="8685360"/>
-            <a:ext cx="2967120" cy="453960"/>
+            <a:ext cx="2966760" cy="453600"/>
           </a:xfrm>
           <a:prstGeom prst="rect">
             <a:avLst/>
@@ -985,7 +985,7 @@
                 <a:tab algn="l" pos="0"/>
               </a:tabLst>
             </a:pPr>
-            <a:fld id="{FE10436B-6CDA-4AB2-9755-AE2BE20FE7C4}" type="slidenum">
+            <a:fld id="{69656FCA-3A7F-4A20-920F-DEC237B7A4C8}" type="slidenum">
               <a:rPr b="0" lang="en-US" sz="1400" spc="-1" strike="noStrike">
                 <a:solidFill>
                   <a:srgbClr val="000000"/>
@@ -1002,14 +1002,14 @@
       </p:sp>
       <p:sp>
         <p:nvSpPr>
-          <p:cNvPr id="275" name="CustomShape 3"/>
+          <p:cNvPr id="277" name="CustomShape 3"/>
           <p:cNvSpPr/>
           <p:nvPr/>
         </p:nvSpPr>
         <p:spPr>
           <a:xfrm>
             <a:off x="720000" y="4415400"/>
-            <a:ext cx="5398920" cy="4685760"/>
+            <a:ext cx="5398560" cy="4685400"/>
           </a:xfrm>
           <a:prstGeom prst="rect">
             <a:avLst/>
@@ -1028,14 +1028,14 @@
       </p:sp>
       <p:sp>
         <p:nvSpPr>
-          <p:cNvPr id="276" name="TextShape 4"/>
-          <p:cNvSpPr txBox="1"/>
+          <p:cNvPr id="278" name="CustomShape 4"/>
+          <p:cNvSpPr/>
           <p:nvPr/>
         </p:nvSpPr>
         <p:spPr>
           <a:xfrm>
             <a:off x="721080" y="4415400"/>
-            <a:ext cx="5398920" cy="3595680"/>
+            <a:ext cx="5398560" cy="3595320"/>
           </a:xfrm>
           <a:prstGeom prst="rect">
             <a:avLst/>
@@ -1045,12 +1045,18 @@
             <a:noFill/>
           </a:ln>
         </p:spPr>
+        <p:style>
+          <a:lnRef idx="0"/>
+          <a:fillRef idx="0"/>
+          <a:effectRef idx="0"/>
+          <a:fontRef idx="minor"/>
+        </p:style>
         <p:txBody>
           <a:bodyPr lIns="0" rIns="0" tIns="0" bIns="0">
             <a:noAutofit/>
           </a:bodyPr>
           <a:p>
-            <a:pPr marL="360" indent="-215280">
+            <a:pPr marL="360" indent="-214920">
               <a:lnSpc>
                 <a:spcPct val="100000"/>
               </a:lnSpc>
@@ -1073,7 +1079,7 @@
             </a:endParaRPr>
           </a:p>
           <a:p>
-            <a:pPr marL="360" indent="-215280">
+            <a:pPr marL="360" indent="-214920">
               <a:lnSpc>
                 <a:spcPct val="100000"/>
               </a:lnSpc>
@@ -1089,7 +1095,7 @@
             </a:endParaRPr>
           </a:p>
           <a:p>
-            <a:pPr marL="360" indent="-215280">
+            <a:pPr marL="360" indent="-214920">
               <a:lnSpc>
                 <a:spcPct val="100000"/>
               </a:lnSpc>
@@ -1112,7 +1118,7 @@
             </a:endParaRPr>
           </a:p>
           <a:p>
-            <a:pPr marL="360" indent="-215280">
+            <a:pPr marL="360" indent="-214920">
               <a:lnSpc>
                 <a:spcPct val="100000"/>
               </a:lnSpc>
@@ -1128,7 +1134,7 @@
             </a:endParaRPr>
           </a:p>
           <a:p>
-            <a:pPr marL="360" indent="-215280">
+            <a:pPr marL="360" indent="-214920">
               <a:lnSpc>
                 <a:spcPct val="100000"/>
               </a:lnSpc>
@@ -1151,7 +1157,7 @@
             </a:endParaRPr>
           </a:p>
           <a:p>
-            <a:pPr marL="360" indent="-215280">
+            <a:pPr marL="360" indent="-214920">
               <a:lnSpc>
                 <a:spcPct val="100000"/>
               </a:lnSpc>
@@ -1167,7 +1173,7 @@
             </a:endParaRPr>
           </a:p>
           <a:p>
-            <a:pPr marL="360" indent="-215280">
+            <a:pPr marL="360" indent="-214920">
               <a:lnSpc>
                 <a:spcPct val="100000"/>
               </a:lnSpc>
@@ -1215,7 +1221,7 @@
       </p:grpSpPr>
       <p:sp>
         <p:nvSpPr>
-          <p:cNvPr id="277" name="PlaceHolder 1"/>
+          <p:cNvPr id="279" name="PlaceHolder 1"/>
           <p:cNvSpPr>
             <a:spLocks noGrp="1"/>
           </p:cNvSpPr>
@@ -1226,16 +1232,16 @@
         <p:spPr>
           <a:xfrm>
             <a:off x="685800" y="1143000"/>
-            <a:ext cx="5481720" cy="3081600"/>
-          </a:xfrm>
-          <a:prstGeom prst="rect">
-            <a:avLst/>
-          </a:prstGeom>
-        </p:spPr>
-      </p:sp>
-      <p:sp>
-        <p:nvSpPr>
-          <p:cNvPr id="278" name="PlaceHolder 2"/>
+            <a:ext cx="5481360" cy="3081240"/>
+          </a:xfrm>
+          <a:prstGeom prst="rect">
+            <a:avLst/>
+          </a:prstGeom>
+        </p:spPr>
+      </p:sp>
+      <p:sp>
+        <p:nvSpPr>
+          <p:cNvPr id="280" name="PlaceHolder 2"/>
           <p:cNvSpPr>
             <a:spLocks noGrp="1"/>
           </p:cNvSpPr>
@@ -1246,7 +1252,7 @@
         <p:spPr>
           <a:xfrm>
             <a:off x="900000" y="4500000"/>
-            <a:ext cx="5398920" cy="3595680"/>
+            <a:ext cx="5398560" cy="3595320"/>
           </a:xfrm>
           <a:prstGeom prst="rect">
             <a:avLst/>
@@ -1257,7 +1263,7 @@
             <a:noAutofit/>
           </a:bodyPr>
           <a:p>
-            <a:pPr marL="360" indent="-215280">
+            <a:pPr marL="360" indent="-214920">
               <a:lnSpc>
                 <a:spcPct val="100000"/>
               </a:lnSpc>
@@ -1280,7 +1286,7 @@
             </a:endParaRPr>
           </a:p>
           <a:p>
-            <a:pPr marL="360" indent="-215280">
+            <a:pPr marL="360" indent="-214920">
               <a:lnSpc>
                 <a:spcPct val="100000"/>
               </a:lnSpc>
@@ -1303,7 +1309,7 @@
             </a:endParaRPr>
           </a:p>
           <a:p>
-            <a:pPr marL="360" indent="-215280">
+            <a:pPr marL="360" indent="-214920">
               <a:lnSpc>
                 <a:spcPct val="100000"/>
               </a:lnSpc>
@@ -1326,7 +1332,7 @@
             </a:endParaRPr>
           </a:p>
           <a:p>
-            <a:pPr marL="360" indent="-215280">
+            <a:pPr marL="360" indent="-214920">
               <a:lnSpc>
                 <a:spcPct val="100000"/>
               </a:lnSpc>
@@ -1349,7 +1355,7 @@
             </a:endParaRPr>
           </a:p>
           <a:p>
-            <a:pPr marL="360" indent="-215280">
+            <a:pPr marL="360" indent="-214920">
               <a:lnSpc>
                 <a:spcPct val="100000"/>
               </a:lnSpc>
@@ -1372,7 +1378,7 @@
             </a:endParaRPr>
           </a:p>
           <a:p>
-            <a:pPr marL="360" indent="-215280">
+            <a:pPr marL="360" indent="-214920">
               <a:lnSpc>
                 <a:spcPct val="100000"/>
               </a:lnSpc>
@@ -1398,14 +1404,14 @@
       </p:sp>
       <p:sp>
         <p:nvSpPr>
-          <p:cNvPr id="279" name="CustomShape 3"/>
+          <p:cNvPr id="281" name="CustomShape 3"/>
           <p:cNvSpPr/>
           <p:nvPr/>
         </p:nvSpPr>
         <p:spPr>
           <a:xfrm>
             <a:off x="3884760" y="8685360"/>
-            <a:ext cx="2967120" cy="453960"/>
+            <a:ext cx="2966760" cy="453600"/>
           </a:xfrm>
           <a:prstGeom prst="rect">
             <a:avLst/>
@@ -1434,7 +1440,7 @@
                 <a:tab algn="l" pos="0"/>
               </a:tabLst>
             </a:pPr>
-            <a:fld id="{A204476A-F62B-4856-B27F-6887B3899B2F}" type="slidenum">
+            <a:fld id="{E652FEA7-5280-4625-9310-317C4619A87E}" type="slidenum">
               <a:rPr b="0" lang="en-US" sz="1400" spc="-1" strike="noStrike">
                 <a:solidFill>
                   <a:srgbClr val="000000"/>
@@ -1473,7 +1479,7 @@
       </p:grpSpPr>
       <p:sp>
         <p:nvSpPr>
-          <p:cNvPr id="280" name="PlaceHolder 1"/>
+          <p:cNvPr id="282" name="PlaceHolder 1"/>
           <p:cNvSpPr>
             <a:spLocks noGrp="1"/>
           </p:cNvSpPr>
@@ -1484,16 +1490,16 @@
         <p:spPr>
           <a:xfrm>
             <a:off x="685800" y="1143000"/>
-            <a:ext cx="5481720" cy="3081600"/>
-          </a:xfrm>
-          <a:prstGeom prst="rect">
-            <a:avLst/>
-          </a:prstGeom>
-        </p:spPr>
-      </p:sp>
-      <p:sp>
-        <p:nvSpPr>
-          <p:cNvPr id="281" name="PlaceHolder 2"/>
+            <a:ext cx="5481360" cy="3081240"/>
+          </a:xfrm>
+          <a:prstGeom prst="rect">
+            <a:avLst/>
+          </a:prstGeom>
+        </p:spPr>
+      </p:sp>
+      <p:sp>
+        <p:nvSpPr>
+          <p:cNvPr id="283" name="PlaceHolder 2"/>
           <p:cNvSpPr>
             <a:spLocks noGrp="1"/>
           </p:cNvSpPr>
@@ -1504,7 +1510,7 @@
         <p:spPr>
           <a:xfrm>
             <a:off x="900000" y="4500000"/>
-            <a:ext cx="5398920" cy="3595680"/>
+            <a:ext cx="5398560" cy="3595320"/>
           </a:xfrm>
           <a:prstGeom prst="rect">
             <a:avLst/>
@@ -1515,7 +1521,7 @@
             <a:noAutofit/>
           </a:bodyPr>
           <a:p>
-            <a:pPr marL="216000" indent="-216000">
+            <a:pPr marL="216000" indent="-215640">
               <a:lnSpc>
                 <a:spcPct val="100000"/>
               </a:lnSpc>
@@ -1538,7 +1544,7 @@
             </a:endParaRPr>
           </a:p>
           <a:p>
-            <a:pPr marL="216000" indent="-216000">
+            <a:pPr marL="216000" indent="-215640">
               <a:lnSpc>
                 <a:spcPct val="100000"/>
               </a:lnSpc>
@@ -1551,7 +1557,7 @@
             </a:endParaRPr>
           </a:p>
           <a:p>
-            <a:pPr marL="216000" indent="-216000">
+            <a:pPr marL="216000" indent="-215640">
               <a:lnSpc>
                 <a:spcPct val="100000"/>
               </a:lnSpc>
@@ -1574,7 +1580,7 @@
             </a:endParaRPr>
           </a:p>
           <a:p>
-            <a:pPr marL="216000" indent="-216000">
+            <a:pPr marL="216000" indent="-215640">
               <a:lnSpc>
                 <a:spcPct val="100000"/>
               </a:lnSpc>
@@ -1587,7 +1593,7 @@
             </a:endParaRPr>
           </a:p>
           <a:p>
-            <a:pPr marL="216000" indent="-216000">
+            <a:pPr marL="216000" indent="-215640">
               <a:lnSpc>
                 <a:spcPct val="100000"/>
               </a:lnSpc>
@@ -1610,7 +1616,7 @@
             </a:endParaRPr>
           </a:p>
           <a:p>
-            <a:pPr marL="216000" indent="-216000">
+            <a:pPr marL="216000" indent="-215640">
               <a:lnSpc>
                 <a:spcPct val="100000"/>
               </a:lnSpc>
@@ -1623,7 +1629,7 @@
             </a:endParaRPr>
           </a:p>
           <a:p>
-            <a:pPr marL="216000" indent="-216000">
+            <a:pPr marL="216000" indent="-215640">
               <a:lnSpc>
                 <a:spcPct val="100000"/>
               </a:lnSpc>
@@ -1646,7 +1652,7 @@
             </a:endParaRPr>
           </a:p>
           <a:p>
-            <a:pPr marL="216000" indent="-216000">
+            <a:pPr marL="216000" indent="-215640">
               <a:lnSpc>
                 <a:spcPct val="100000"/>
               </a:lnSpc>
@@ -1659,7 +1665,7 @@
             </a:endParaRPr>
           </a:p>
           <a:p>
-            <a:pPr marL="216000" indent="-216000">
+            <a:pPr marL="216000" indent="-215640">
               <a:lnSpc>
                 <a:spcPct val="100000"/>
               </a:lnSpc>
@@ -1675,14 +1681,14 @@
       </p:sp>
       <p:sp>
         <p:nvSpPr>
-          <p:cNvPr id="282" name="CustomShape 3"/>
+          <p:cNvPr id="284" name="CustomShape 3"/>
           <p:cNvSpPr/>
           <p:nvPr/>
         </p:nvSpPr>
         <p:spPr>
           <a:xfrm>
             <a:off x="3884760" y="8685360"/>
-            <a:ext cx="2967120" cy="453960"/>
+            <a:ext cx="2966760" cy="453600"/>
           </a:xfrm>
           <a:prstGeom prst="rect">
             <a:avLst/>
@@ -1711,7 +1717,7 @@
                 <a:tab algn="l" pos="0"/>
               </a:tabLst>
             </a:pPr>
-            <a:fld id="{32683C67-11D8-4BE7-897C-F85BB2393077}" type="slidenum">
+            <a:fld id="{47F9EC76-6A6E-4B83-BBB9-A75054775A26}" type="slidenum">
               <a:rPr b="0" lang="en-US" sz="1400" spc="-1" strike="noStrike">
                 <a:solidFill>
                   <a:srgbClr val="000000"/>
@@ -1750,7 +1756,7 @@
       </p:grpSpPr>
       <p:sp>
         <p:nvSpPr>
-          <p:cNvPr id="283" name="PlaceHolder 1"/>
+          <p:cNvPr id="285" name="PlaceHolder 1"/>
           <p:cNvSpPr>
             <a:spLocks noGrp="1"/>
           </p:cNvSpPr>
@@ -1761,16 +1767,16 @@
         <p:spPr>
           <a:xfrm>
             <a:off x="685800" y="1143000"/>
-            <a:ext cx="5481720" cy="3081600"/>
-          </a:xfrm>
-          <a:prstGeom prst="rect">
-            <a:avLst/>
-          </a:prstGeom>
-        </p:spPr>
-      </p:sp>
-      <p:sp>
-        <p:nvSpPr>
-          <p:cNvPr id="284" name="PlaceHolder 2"/>
+            <a:ext cx="5481360" cy="3081240"/>
+          </a:xfrm>
+          <a:prstGeom prst="rect">
+            <a:avLst/>
+          </a:prstGeom>
+        </p:spPr>
+      </p:sp>
+      <p:sp>
+        <p:nvSpPr>
+          <p:cNvPr id="286" name="PlaceHolder 2"/>
           <p:cNvSpPr>
             <a:spLocks noGrp="1"/>
           </p:cNvSpPr>
@@ -1781,7 +1787,7 @@
         <p:spPr>
           <a:xfrm>
             <a:off x="685800" y="4400640"/>
-            <a:ext cx="5481720" cy="3595680"/>
+            <a:ext cx="5481360" cy="3595320"/>
           </a:xfrm>
           <a:prstGeom prst="rect">
             <a:avLst/>
@@ -1792,7 +1798,7 @@
             <a:noAutofit/>
           </a:bodyPr>
           <a:p>
-            <a:pPr>
+            <a:pPr marL="216000" indent="-216000">
               <a:lnSpc>
                 <a:spcPct val="100000"/>
               </a:lnSpc>
@@ -1817,7 +1823,7 @@
             </a:endParaRPr>
           </a:p>
           <a:p>
-            <a:pPr>
+            <a:pPr marL="216000" indent="-216000">
               <a:lnSpc>
                 <a:spcPct val="100000"/>
               </a:lnSpc>
@@ -1842,7 +1848,7 @@
             </a:endParaRPr>
           </a:p>
           <a:p>
-            <a:pPr>
+            <a:pPr marL="216000" indent="-216000">
               <a:lnSpc>
                 <a:spcPct val="100000"/>
               </a:lnSpc>
@@ -1885,7 +1891,7 @@
             </a:endParaRPr>
           </a:p>
           <a:p>
-            <a:pPr>
+            <a:pPr marL="216000" indent="-216000">
               <a:lnSpc>
                 <a:spcPct val="100000"/>
               </a:lnSpc>
@@ -1910,7 +1916,7 @@
             </a:endParaRPr>
           </a:p>
           <a:p>
-            <a:pPr>
+            <a:pPr marL="216000" indent="-216000">
               <a:lnSpc>
                 <a:spcPct val="100000"/>
               </a:lnSpc>
@@ -1929,14 +1935,14 @@
       </p:sp>
       <p:sp>
         <p:nvSpPr>
-          <p:cNvPr id="285" name="CustomShape 3"/>
+          <p:cNvPr id="287" name="CustomShape 3"/>
           <p:cNvSpPr/>
           <p:nvPr/>
         </p:nvSpPr>
         <p:spPr>
           <a:xfrm>
             <a:off x="3884760" y="8685360"/>
-            <a:ext cx="2967120" cy="453960"/>
+            <a:ext cx="2966760" cy="453600"/>
           </a:xfrm>
           <a:prstGeom prst="rect">
             <a:avLst/>
@@ -1965,7 +1971,7 @@
                 <a:tab algn="l" pos="0"/>
               </a:tabLst>
             </a:pPr>
-            <a:fld id="{D619B2A0-51B3-4DB1-8C43-B34827EE251D}" type="slidenum">
+            <a:fld id="{6D8EACB2-3862-4B4B-9B87-C3A4170C13F4}" type="slidenum">
               <a:rPr b="0" lang="en-US" sz="1400" spc="-1" strike="noStrike">
                 <a:solidFill>
                   <a:srgbClr val="000000"/>
@@ -1982,14 +1988,14 @@
       </p:sp>
       <p:sp>
         <p:nvSpPr>
-          <p:cNvPr id="286" name="CustomShape 4"/>
+          <p:cNvPr id="288" name="CustomShape 4"/>
           <p:cNvSpPr/>
           <p:nvPr/>
         </p:nvSpPr>
         <p:spPr>
           <a:xfrm>
             <a:off x="720000" y="4860000"/>
-            <a:ext cx="5398200" cy="3958200"/>
+            <a:ext cx="5397840" cy="3957840"/>
           </a:xfrm>
           <a:prstGeom prst="rect">
             <a:avLst/>
@@ -2032,14 +2038,14 @@
       </p:sp>
       <p:sp>
         <p:nvSpPr>
-          <p:cNvPr id="287" name="CustomShape 5"/>
+          <p:cNvPr id="289" name="CustomShape 5"/>
           <p:cNvSpPr/>
           <p:nvPr/>
         </p:nvSpPr>
         <p:spPr>
           <a:xfrm>
             <a:off x="685800" y="4500000"/>
-            <a:ext cx="5432400" cy="4138920"/>
+            <a:ext cx="5432040" cy="4138560"/>
           </a:xfrm>
           <a:prstGeom prst="rect">
             <a:avLst/>
@@ -2080,7 +2086,7 @@
       </p:grpSpPr>
       <p:sp>
         <p:nvSpPr>
-          <p:cNvPr id="288" name="PlaceHolder 1"/>
+          <p:cNvPr id="290" name="PlaceHolder 1"/>
           <p:cNvSpPr>
             <a:spLocks noGrp="1"/>
           </p:cNvSpPr>
@@ -2091,16 +2097,16 @@
         <p:spPr>
           <a:xfrm>
             <a:off x="685800" y="1143000"/>
-            <a:ext cx="5481720" cy="3081600"/>
-          </a:xfrm>
-          <a:prstGeom prst="rect">
-            <a:avLst/>
-          </a:prstGeom>
-        </p:spPr>
-      </p:sp>
-      <p:sp>
-        <p:nvSpPr>
-          <p:cNvPr id="289" name="PlaceHolder 2"/>
+            <a:ext cx="5481360" cy="3081240"/>
+          </a:xfrm>
+          <a:prstGeom prst="rect">
+            <a:avLst/>
+          </a:prstGeom>
+        </p:spPr>
+      </p:sp>
+      <p:sp>
+        <p:nvSpPr>
+          <p:cNvPr id="291" name="PlaceHolder 2"/>
           <p:cNvSpPr>
             <a:spLocks noGrp="1"/>
           </p:cNvSpPr>
@@ -2111,7 +2117,7 @@
         <p:spPr>
           <a:xfrm>
             <a:off x="720000" y="4500000"/>
-            <a:ext cx="5481720" cy="3595680"/>
+            <a:ext cx="5481360" cy="3595320"/>
           </a:xfrm>
           <a:prstGeom prst="rect">
             <a:avLst/>
@@ -2122,7 +2128,7 @@
             <a:noAutofit/>
           </a:bodyPr>
           <a:p>
-            <a:pPr>
+            <a:pPr marL="216000" indent="-216000">
               <a:lnSpc>
                 <a:spcPct val="100000"/>
               </a:lnSpc>
@@ -2147,7 +2153,7 @@
             </a:endParaRPr>
           </a:p>
           <a:p>
-            <a:pPr>
+            <a:pPr marL="216000" indent="-216000">
               <a:lnSpc>
                 <a:spcPct val="100000"/>
               </a:lnSpc>
@@ -2172,7 +2178,7 @@
             </a:endParaRPr>
           </a:p>
           <a:p>
-            <a:pPr>
+            <a:pPr marL="216000" indent="-216000">
               <a:lnSpc>
                 <a:spcPct val="100000"/>
               </a:lnSpc>
@@ -2197,7 +2203,7 @@
             </a:endParaRPr>
           </a:p>
           <a:p>
-            <a:pPr>
+            <a:pPr marL="216000" indent="-216000">
               <a:lnSpc>
                 <a:spcPct val="100000"/>
               </a:lnSpc>
@@ -2222,7 +2228,7 @@
             </a:endParaRPr>
           </a:p>
           <a:p>
-            <a:pPr>
+            <a:pPr marL="216000" indent="-216000">
               <a:lnSpc>
                 <a:spcPct val="100000"/>
               </a:lnSpc>
@@ -2247,7 +2253,7 @@
             </a:endParaRPr>
           </a:p>
           <a:p>
-            <a:pPr>
+            <a:pPr marL="216000" indent="-216000">
               <a:lnSpc>
                 <a:spcPct val="100000"/>
               </a:lnSpc>
@@ -2272,7 +2278,7 @@
             </a:endParaRPr>
           </a:p>
           <a:p>
-            <a:pPr marL="216000" indent="-213120">
+            <a:pPr marL="216000" indent="-212760">
               <a:lnSpc>
                 <a:spcPct val="100000"/>
               </a:lnSpc>
@@ -2288,14 +2294,14 @@
       </p:sp>
       <p:sp>
         <p:nvSpPr>
-          <p:cNvPr id="290" name="CustomShape 3"/>
+          <p:cNvPr id="292" name="CustomShape 3"/>
           <p:cNvSpPr/>
           <p:nvPr/>
         </p:nvSpPr>
         <p:spPr>
           <a:xfrm>
             <a:off x="3884760" y="8685360"/>
-            <a:ext cx="2967120" cy="453960"/>
+            <a:ext cx="2966760" cy="453600"/>
           </a:xfrm>
           <a:prstGeom prst="rect">
             <a:avLst/>
@@ -2324,7 +2330,7 @@
                 <a:tab algn="l" pos="0"/>
               </a:tabLst>
             </a:pPr>
-            <a:fld id="{D1D9A757-59D4-4074-80EA-7E6CE6BC97DA}" type="slidenum">
+            <a:fld id="{5E39291B-DC1F-4CA4-BE22-9A4F8884F1D1}" type="slidenum">
               <a:rPr b="0" lang="en-US" sz="1400" spc="-1" strike="noStrike">
                 <a:solidFill>
                   <a:srgbClr val="000000"/>
@@ -2341,14 +2347,14 @@
       </p:sp>
       <p:sp>
         <p:nvSpPr>
-          <p:cNvPr id="291" name="CustomShape 4"/>
+          <p:cNvPr id="293" name="CustomShape 4"/>
           <p:cNvSpPr/>
           <p:nvPr/>
         </p:nvSpPr>
         <p:spPr>
           <a:xfrm>
             <a:off x="720000" y="4860000"/>
-            <a:ext cx="5398200" cy="3958200"/>
+            <a:ext cx="5397840" cy="3957840"/>
           </a:xfrm>
           <a:prstGeom prst="rect">
             <a:avLst/>
@@ -2391,14 +2397,14 @@
       </p:sp>
       <p:sp>
         <p:nvSpPr>
-          <p:cNvPr id="292" name="CustomShape 5"/>
+          <p:cNvPr id="294" name="CustomShape 5"/>
           <p:cNvSpPr/>
           <p:nvPr/>
         </p:nvSpPr>
         <p:spPr>
           <a:xfrm>
             <a:off x="720000" y="4500000"/>
-            <a:ext cx="5578920" cy="4364280"/>
+            <a:ext cx="5578560" cy="4363920"/>
           </a:xfrm>
           <a:prstGeom prst="rect">
             <a:avLst/>
@@ -2439,7 +2445,7 @@
       </p:grpSpPr>
       <p:sp>
         <p:nvSpPr>
-          <p:cNvPr id="293" name="PlaceHolder 1"/>
+          <p:cNvPr id="295" name="PlaceHolder 1"/>
           <p:cNvSpPr>
             <a:spLocks noGrp="1"/>
           </p:cNvSpPr>
@@ -2450,16 +2456,16 @@
         <p:spPr>
           <a:xfrm>
             <a:off x="685800" y="1143000"/>
-            <a:ext cx="5481720" cy="3081600"/>
-          </a:xfrm>
-          <a:prstGeom prst="rect">
-            <a:avLst/>
-          </a:prstGeom>
-        </p:spPr>
-      </p:sp>
-      <p:sp>
-        <p:nvSpPr>
-          <p:cNvPr id="294" name="PlaceHolder 2"/>
+            <a:ext cx="5481360" cy="3081240"/>
+          </a:xfrm>
+          <a:prstGeom prst="rect">
+            <a:avLst/>
+          </a:prstGeom>
+        </p:spPr>
+      </p:sp>
+      <p:sp>
+        <p:nvSpPr>
+          <p:cNvPr id="296" name="PlaceHolder 2"/>
           <p:cNvSpPr>
             <a:spLocks noGrp="1"/>
           </p:cNvSpPr>
@@ -2470,7 +2476,7 @@
         <p:spPr>
           <a:xfrm>
             <a:off x="685800" y="4400640"/>
-            <a:ext cx="5481720" cy="3595680"/>
+            <a:ext cx="5481360" cy="3595320"/>
           </a:xfrm>
           <a:prstGeom prst="rect">
             <a:avLst/>
@@ -2481,7 +2487,7 @@
             <a:noAutofit/>
           </a:bodyPr>
           <a:p>
-            <a:pPr>
+            <a:pPr marL="216000" indent="-216000">
               <a:lnSpc>
                 <a:spcPct val="100000"/>
               </a:lnSpc>
@@ -2503,7 +2509,7 @@
             </a:endParaRPr>
           </a:p>
           <a:p>
-            <a:pPr>
+            <a:pPr marL="216000" indent="-216000">
               <a:lnSpc>
                 <a:spcPct val="100000"/>
               </a:lnSpc>
@@ -2516,7 +2522,7 @@
             </a:endParaRPr>
           </a:p>
           <a:p>
-            <a:pPr>
+            <a:pPr marL="216000" indent="-216000">
               <a:lnSpc>
                 <a:spcPct val="100000"/>
               </a:lnSpc>
@@ -2538,7 +2544,7 @@
             </a:endParaRPr>
           </a:p>
           <a:p>
-            <a:pPr>
+            <a:pPr marL="216000" indent="-216000">
               <a:lnSpc>
                 <a:spcPct val="100000"/>
               </a:lnSpc>
@@ -2551,7 +2557,7 @@
             </a:endParaRPr>
           </a:p>
           <a:p>
-            <a:pPr>
+            <a:pPr marL="216000" indent="-216000">
               <a:lnSpc>
                 <a:spcPct val="100000"/>
               </a:lnSpc>
@@ -2573,7 +2579,7 @@
             </a:endParaRPr>
           </a:p>
           <a:p>
-            <a:pPr>
+            <a:pPr marL="216000" indent="-216000">
               <a:lnSpc>
                 <a:spcPct val="100000"/>
               </a:lnSpc>
@@ -2598,7 +2604,7 @@
             </a:endParaRPr>
           </a:p>
           <a:p>
-            <a:pPr marL="216000" indent="-213120">
+            <a:pPr marL="216000" indent="-212760">
               <a:lnSpc>
                 <a:spcPct val="100000"/>
               </a:lnSpc>
@@ -2614,14 +2620,14 @@
       </p:sp>
       <p:sp>
         <p:nvSpPr>
-          <p:cNvPr id="295" name="CustomShape 3"/>
+          <p:cNvPr id="297" name="CustomShape 3"/>
           <p:cNvSpPr/>
           <p:nvPr/>
         </p:nvSpPr>
         <p:spPr>
           <a:xfrm>
             <a:off x="3884760" y="8685360"/>
-            <a:ext cx="2967120" cy="453960"/>
+            <a:ext cx="2966760" cy="453600"/>
           </a:xfrm>
           <a:prstGeom prst="rect">
             <a:avLst/>
@@ -2650,7 +2656,7 @@
                 <a:tab algn="l" pos="0"/>
               </a:tabLst>
             </a:pPr>
-            <a:fld id="{A820D4E0-FEC5-452A-AE28-E1FA52E5790F}" type="slidenum">
+            <a:fld id="{F552311C-8EE5-4CFB-85B8-7D2BA1DE80DB}" type="slidenum">
               <a:rPr b="0" lang="en-US" sz="1400" spc="-1" strike="noStrike">
                 <a:solidFill>
                   <a:srgbClr val="000000"/>
@@ -2667,14 +2673,14 @@
       </p:sp>
       <p:sp>
         <p:nvSpPr>
-          <p:cNvPr id="296" name="CustomShape 4"/>
+          <p:cNvPr id="298" name="CustomShape 4"/>
           <p:cNvSpPr/>
           <p:nvPr/>
         </p:nvSpPr>
         <p:spPr>
           <a:xfrm>
             <a:off x="360000" y="4400640"/>
-            <a:ext cx="6478200" cy="5378400"/>
+            <a:ext cx="6477840" cy="5378040"/>
           </a:xfrm>
           <a:prstGeom prst="rect">
             <a:avLst/>
@@ -2784,14 +2790,14 @@
       </p:sp>
       <p:sp>
         <p:nvSpPr>
-          <p:cNvPr id="297" name="CustomShape 5"/>
+          <p:cNvPr id="299" name="CustomShape 5"/>
           <p:cNvSpPr/>
           <p:nvPr/>
         </p:nvSpPr>
         <p:spPr>
           <a:xfrm>
             <a:off x="536760" y="4695480"/>
-            <a:ext cx="5942160" cy="3988800"/>
+            <a:ext cx="5941800" cy="3988440"/>
           </a:xfrm>
           <a:prstGeom prst="rect">
             <a:avLst/>
@@ -2832,7 +2838,7 @@
       </p:grpSpPr>
       <p:sp>
         <p:nvSpPr>
-          <p:cNvPr id="298" name="PlaceHolder 1"/>
+          <p:cNvPr id="300" name="PlaceHolder 1"/>
           <p:cNvSpPr>
             <a:spLocks noGrp="1"/>
           </p:cNvSpPr>
@@ -2843,16 +2849,16 @@
         <p:spPr>
           <a:xfrm>
             <a:off x="685800" y="1143000"/>
-            <a:ext cx="5481720" cy="3081600"/>
-          </a:xfrm>
-          <a:prstGeom prst="rect">
-            <a:avLst/>
-          </a:prstGeom>
-        </p:spPr>
-      </p:sp>
-      <p:sp>
-        <p:nvSpPr>
-          <p:cNvPr id="299" name="PlaceHolder 2"/>
+            <a:ext cx="5481360" cy="3081240"/>
+          </a:xfrm>
+          <a:prstGeom prst="rect">
+            <a:avLst/>
+          </a:prstGeom>
+        </p:spPr>
+      </p:sp>
+      <p:sp>
+        <p:nvSpPr>
+          <p:cNvPr id="301" name="PlaceHolder 2"/>
           <p:cNvSpPr>
             <a:spLocks noGrp="1"/>
           </p:cNvSpPr>
@@ -2863,7 +2869,7 @@
         <p:spPr>
           <a:xfrm>
             <a:off x="685800" y="4400640"/>
-            <a:ext cx="5481720" cy="3595680"/>
+            <a:ext cx="5481360" cy="3595320"/>
           </a:xfrm>
           <a:prstGeom prst="rect">
             <a:avLst/>
@@ -2874,7 +2880,7 @@
             <a:noAutofit/>
           </a:bodyPr>
           <a:p>
-            <a:pPr>
+            <a:pPr marL="216000" indent="-216000">
               <a:lnSpc>
                 <a:spcPct val="100000"/>
               </a:lnSpc>
@@ -2899,7 +2905,7 @@
             </a:endParaRPr>
           </a:p>
           <a:p>
-            <a:pPr>
+            <a:pPr marL="216000" indent="-216000">
               <a:lnSpc>
                 <a:spcPct val="100000"/>
               </a:lnSpc>
@@ -2912,7 +2918,7 @@
             </a:endParaRPr>
           </a:p>
           <a:p>
-            <a:pPr>
+            <a:pPr marL="216000" indent="-216000">
               <a:lnSpc>
                 <a:spcPct val="100000"/>
               </a:lnSpc>
@@ -2934,7 +2940,7 @@
             </a:endParaRPr>
           </a:p>
           <a:p>
-            <a:pPr>
+            <a:pPr marL="216000" indent="-216000">
               <a:lnSpc>
                 <a:spcPct val="100000"/>
               </a:lnSpc>
@@ -2947,7 +2953,7 @@
             </a:endParaRPr>
           </a:p>
           <a:p>
-            <a:pPr>
+            <a:pPr marL="216000" indent="-216000">
               <a:lnSpc>
                 <a:spcPct val="100000"/>
               </a:lnSpc>
@@ -2969,7 +2975,7 @@
             </a:endParaRPr>
           </a:p>
           <a:p>
-            <a:pPr>
+            <a:pPr marL="216000" indent="-216000">
               <a:lnSpc>
                 <a:spcPct val="100000"/>
               </a:lnSpc>
@@ -2982,7 +2988,7 @@
             </a:endParaRPr>
           </a:p>
           <a:p>
-            <a:pPr>
+            <a:pPr marL="216000" indent="-216000">
               <a:lnSpc>
                 <a:spcPct val="100000"/>
               </a:lnSpc>
@@ -3004,7 +3010,7 @@
             </a:endParaRPr>
           </a:p>
           <a:p>
-            <a:pPr>
+            <a:pPr marL="216000" indent="-216000">
               <a:lnSpc>
                 <a:spcPct val="100000"/>
               </a:lnSpc>
@@ -3020,14 +3026,14 @@
       </p:sp>
       <p:sp>
         <p:nvSpPr>
-          <p:cNvPr id="300" name="CustomShape 3"/>
+          <p:cNvPr id="302" name="CustomShape 3"/>
           <p:cNvSpPr/>
           <p:nvPr/>
         </p:nvSpPr>
         <p:spPr>
           <a:xfrm>
             <a:off x="3884760" y="8685360"/>
-            <a:ext cx="2967120" cy="453960"/>
+            <a:ext cx="2966760" cy="453600"/>
           </a:xfrm>
           <a:prstGeom prst="rect">
             <a:avLst/>
@@ -3056,7 +3062,7 @@
                 <a:tab algn="l" pos="0"/>
               </a:tabLst>
             </a:pPr>
-            <a:fld id="{4523A883-EE25-499A-8052-B81266E53FA7}" type="slidenum">
+            <a:fld id="{B10814D9-800B-4985-B6DE-02C8E04DB24A}" type="slidenum">
               <a:rPr b="0" lang="en-US" sz="1400" spc="-1" strike="noStrike">
                 <a:solidFill>
                   <a:srgbClr val="000000"/>
@@ -3073,14 +3079,14 @@
       </p:sp>
       <p:sp>
         <p:nvSpPr>
-          <p:cNvPr id="301" name="CustomShape 4"/>
+          <p:cNvPr id="303" name="CustomShape 4"/>
           <p:cNvSpPr/>
           <p:nvPr/>
         </p:nvSpPr>
         <p:spPr>
           <a:xfrm>
             <a:off x="685800" y="4584960"/>
-            <a:ext cx="5578920" cy="4233960"/>
+            <a:ext cx="5578560" cy="4233600"/>
           </a:xfrm>
           <a:prstGeom prst="rect">
             <a:avLst/>
@@ -3121,7 +3127,7 @@
       </p:grpSpPr>
       <p:sp>
         <p:nvSpPr>
-          <p:cNvPr id="302" name="PlaceHolder 1"/>
+          <p:cNvPr id="304" name="PlaceHolder 1"/>
           <p:cNvSpPr>
             <a:spLocks noGrp="1"/>
           </p:cNvSpPr>
@@ -3132,16 +3138,16 @@
         <p:spPr>
           <a:xfrm>
             <a:off x="685800" y="1143000"/>
-            <a:ext cx="5481720" cy="3081600"/>
-          </a:xfrm>
-          <a:prstGeom prst="rect">
-            <a:avLst/>
-          </a:prstGeom>
-        </p:spPr>
-      </p:sp>
-      <p:sp>
-        <p:nvSpPr>
-          <p:cNvPr id="303" name="PlaceHolder 2"/>
+            <a:ext cx="5481360" cy="3081240"/>
+          </a:xfrm>
+          <a:prstGeom prst="rect">
+            <a:avLst/>
+          </a:prstGeom>
+        </p:spPr>
+      </p:sp>
+      <p:sp>
+        <p:nvSpPr>
+          <p:cNvPr id="305" name="PlaceHolder 2"/>
           <p:cNvSpPr>
             <a:spLocks noGrp="1"/>
           </p:cNvSpPr>
@@ -3152,7 +3158,7 @@
         <p:spPr>
           <a:xfrm>
             <a:off x="685800" y="4400640"/>
-            <a:ext cx="5481720" cy="3595680"/>
+            <a:ext cx="5481360" cy="3595320"/>
           </a:xfrm>
           <a:prstGeom prst="rect">
             <a:avLst/>
@@ -3163,7 +3169,7 @@
             <a:noAutofit/>
           </a:bodyPr>
           <a:p>
-            <a:pPr>
+            <a:pPr marL="216000" indent="-216000">
               <a:lnSpc>
                 <a:spcPct val="100000"/>
               </a:lnSpc>
@@ -3185,7 +3191,7 @@
             </a:endParaRPr>
           </a:p>
           <a:p>
-            <a:pPr>
+            <a:pPr marL="216000" indent="-216000">
               <a:lnSpc>
                 <a:spcPct val="100000"/>
               </a:lnSpc>
@@ -3207,7 +3213,7 @@
             </a:endParaRPr>
           </a:p>
           <a:p>
-            <a:pPr>
+            <a:pPr marL="216000" indent="-216000">
               <a:lnSpc>
                 <a:spcPct val="100000"/>
               </a:lnSpc>
@@ -3229,7 +3235,7 @@
             </a:endParaRPr>
           </a:p>
           <a:p>
-            <a:pPr>
+            <a:pPr marL="216000" indent="-216000">
               <a:lnSpc>
                 <a:spcPct val="100000"/>
               </a:lnSpc>
@@ -3242,7 +3248,7 @@
             </a:endParaRPr>
           </a:p>
           <a:p>
-            <a:pPr>
+            <a:pPr marL="216000" indent="-216000">
               <a:lnSpc>
                 <a:spcPct val="100000"/>
               </a:lnSpc>
@@ -3264,7 +3270,7 @@
             </a:endParaRPr>
           </a:p>
           <a:p>
-            <a:pPr>
+            <a:pPr marL="216000" indent="-216000">
               <a:lnSpc>
                 <a:spcPct val="100000"/>
               </a:lnSpc>
@@ -3277,7 +3283,7 @@
             </a:endParaRPr>
           </a:p>
           <a:p>
-            <a:pPr>
+            <a:pPr marL="216000" indent="-216000">
               <a:lnSpc>
                 <a:spcPct val="100000"/>
               </a:lnSpc>
@@ -3317,7 +3323,7 @@
             </a:endParaRPr>
           </a:p>
           <a:p>
-            <a:pPr>
+            <a:pPr marL="216000" indent="-216000">
               <a:lnSpc>
                 <a:spcPct val="100000"/>
               </a:lnSpc>
@@ -3330,7 +3336,7 @@
             </a:endParaRPr>
           </a:p>
           <a:p>
-            <a:pPr>
+            <a:pPr marL="216000" indent="-216000">
               <a:lnSpc>
                 <a:spcPct val="100000"/>
               </a:lnSpc>
@@ -3352,7 +3358,7 @@
             </a:endParaRPr>
           </a:p>
           <a:p>
-            <a:pPr>
+            <a:pPr marL="216000" indent="-216000">
               <a:lnSpc>
                 <a:spcPct val="100000"/>
               </a:lnSpc>
@@ -3365,7 +3371,7 @@
             </a:endParaRPr>
           </a:p>
           <a:p>
-            <a:pPr marL="216000" indent="-213120">
+            <a:pPr marL="216000" indent="-212760">
               <a:lnSpc>
                 <a:spcPct val="100000"/>
               </a:lnSpc>
@@ -3381,14 +3387,14 @@
       </p:sp>
       <p:sp>
         <p:nvSpPr>
-          <p:cNvPr id="304" name="CustomShape 3"/>
+          <p:cNvPr id="306" name="CustomShape 3"/>
           <p:cNvSpPr/>
           <p:nvPr/>
         </p:nvSpPr>
         <p:spPr>
           <a:xfrm>
             <a:off x="3884760" y="8685360"/>
-            <a:ext cx="2967120" cy="453960"/>
+            <a:ext cx="2966760" cy="453600"/>
           </a:xfrm>
           <a:prstGeom prst="rect">
             <a:avLst/>
@@ -3417,7 +3423,7 @@
                 <a:tab algn="l" pos="0"/>
               </a:tabLst>
             </a:pPr>
-            <a:fld id="{1F1F99D0-AF27-4E2E-A243-02E7587FD928}" type="slidenum">
+            <a:fld id="{9AC5828E-AC82-4E7C-A526-26509F43513B}" type="slidenum">
               <a:rPr b="0" lang="en-US" sz="1400" spc="-1" strike="noStrike">
                 <a:solidFill>
                   <a:srgbClr val="000000"/>
@@ -3434,14 +3440,14 @@
       </p:sp>
       <p:sp>
         <p:nvSpPr>
-          <p:cNvPr id="305" name="CustomShape 4"/>
+          <p:cNvPr id="307" name="CustomShape 4"/>
           <p:cNvSpPr/>
           <p:nvPr/>
         </p:nvSpPr>
         <p:spPr>
           <a:xfrm>
             <a:off x="685800" y="4584960"/>
-            <a:ext cx="5578920" cy="4233960"/>
+            <a:ext cx="5578560" cy="4233600"/>
           </a:xfrm>
           <a:prstGeom prst="rect">
             <a:avLst/>
@@ -3482,7 +3488,7 @@
       </p:grpSpPr>
       <p:sp>
         <p:nvSpPr>
-          <p:cNvPr id="235" name="PlaceHolder 1"/>
+          <p:cNvPr id="237" name="PlaceHolder 1"/>
           <p:cNvSpPr>
             <a:spLocks noGrp="1"/>
           </p:cNvSpPr>
@@ -3493,23 +3499,23 @@
         <p:spPr>
           <a:xfrm>
             <a:off x="685800" y="1143000"/>
-            <a:ext cx="5481720" cy="3081600"/>
-          </a:xfrm>
-          <a:prstGeom prst="rect">
-            <a:avLst/>
-          </a:prstGeom>
-        </p:spPr>
-      </p:sp>
-      <p:sp>
-        <p:nvSpPr>
-          <p:cNvPr id="236" name="CustomShape 2"/>
+            <a:ext cx="5481360" cy="3081240"/>
+          </a:xfrm>
+          <a:prstGeom prst="rect">
+            <a:avLst/>
+          </a:prstGeom>
+        </p:spPr>
+      </p:sp>
+      <p:sp>
+        <p:nvSpPr>
+          <p:cNvPr id="238" name="CustomShape 2"/>
           <p:cNvSpPr/>
           <p:nvPr/>
         </p:nvSpPr>
         <p:spPr>
           <a:xfrm>
             <a:off x="3884760" y="8685360"/>
-            <a:ext cx="2967120" cy="453960"/>
+            <a:ext cx="2966760" cy="453600"/>
           </a:xfrm>
           <a:prstGeom prst="rect">
             <a:avLst/>
@@ -3538,7 +3544,7 @@
                 <a:tab algn="l" pos="0"/>
               </a:tabLst>
             </a:pPr>
-            <a:fld id="{2AC01D6C-A612-421A-88C3-0CE6362FDA70}" type="slidenum">
+            <a:fld id="{923FE910-B287-4A13-85CD-556400B275E0}" type="slidenum">
               <a:rPr b="0" lang="en-US" sz="1400" spc="-1" strike="noStrike">
                 <a:solidFill>
                   <a:srgbClr val="000000"/>
@@ -3555,14 +3561,14 @@
       </p:sp>
       <p:sp>
         <p:nvSpPr>
-          <p:cNvPr id="237" name="CustomShape 3"/>
+          <p:cNvPr id="239" name="CustomShape 3"/>
           <p:cNvSpPr/>
           <p:nvPr/>
         </p:nvSpPr>
         <p:spPr>
           <a:xfrm>
             <a:off x="360360" y="4424040"/>
-            <a:ext cx="6297840" cy="5654160"/>
+            <a:ext cx="6297480" cy="5653800"/>
           </a:xfrm>
           <a:prstGeom prst="rect">
             <a:avLst/>
@@ -3581,14 +3587,14 @@
       </p:sp>
       <p:sp>
         <p:nvSpPr>
-          <p:cNvPr id="238" name="TextShape 4"/>
-          <p:cNvSpPr txBox="1"/>
+          <p:cNvPr id="240" name="CustomShape 4"/>
+          <p:cNvSpPr/>
           <p:nvPr/>
         </p:nvSpPr>
         <p:spPr>
           <a:xfrm>
             <a:off x="360360" y="5078520"/>
-            <a:ext cx="6118920" cy="3740400"/>
+            <a:ext cx="6118560" cy="3740040"/>
           </a:xfrm>
           <a:prstGeom prst="rect">
             <a:avLst/>
@@ -3598,12 +3604,18 @@
             <a:noFill/>
           </a:ln>
         </p:spPr>
+        <p:style>
+          <a:lnRef idx="0"/>
+          <a:fillRef idx="0"/>
+          <a:effectRef idx="0"/>
+          <a:fontRef idx="minor"/>
+        </p:style>
         <p:txBody>
           <a:bodyPr lIns="0" rIns="0" tIns="0" bIns="0">
             <a:noAutofit/>
           </a:bodyPr>
           <a:p>
-            <a:pPr marL="216000" indent="-215280">
+            <a:pPr marL="216000" indent="-214920">
               <a:lnSpc>
                 <a:spcPct val="100000"/>
               </a:lnSpc>
@@ -3614,35 +3626,35 @@
                 <a:tab algn="l" pos="0"/>
               </a:tabLst>
             </a:pPr>
-            <a:endParaRPr b="0" lang="en-AU" sz="2000" spc="-1" strike="noStrike">
-              <a:latin typeface="Arial"/>
-            </a:endParaRPr>
-          </a:p>
-          <a:p>
-            <a:pPr marL="216000" indent="-215280">
-              <a:lnSpc>
-                <a:spcPct val="100000"/>
-              </a:lnSpc>
-              <a:tabLst>
-                <a:tab algn="l" pos="0"/>
-              </a:tabLst>
-            </a:pPr>
-            <a:endParaRPr b="0" lang="en-AU" sz="2000" spc="-1" strike="noStrike">
-              <a:latin typeface="Arial"/>
-            </a:endParaRPr>
-          </a:p>
-        </p:txBody>
-      </p:sp>
-      <p:sp>
-        <p:nvSpPr>
-          <p:cNvPr id="239" name="TextShape 5"/>
-          <p:cNvSpPr txBox="1"/>
+            <a:endParaRPr b="0" lang="en-AU" sz="1800" spc="-1" strike="noStrike">
+              <a:latin typeface="Arial"/>
+            </a:endParaRPr>
+          </a:p>
+          <a:p>
+            <a:pPr marL="216000" indent="-214920">
+              <a:lnSpc>
+                <a:spcPct val="100000"/>
+              </a:lnSpc>
+              <a:tabLst>
+                <a:tab algn="l" pos="0"/>
+              </a:tabLst>
+            </a:pPr>
+            <a:endParaRPr b="0" lang="en-AU" sz="1800" spc="-1" strike="noStrike">
+              <a:latin typeface="Arial"/>
+            </a:endParaRPr>
+          </a:p>
+        </p:txBody>
+      </p:sp>
+      <p:sp>
+        <p:nvSpPr>
+          <p:cNvPr id="241" name="CustomShape 5"/>
+          <p:cNvSpPr/>
           <p:nvPr/>
         </p:nvSpPr>
         <p:spPr>
           <a:xfrm>
             <a:off x="360360" y="5078520"/>
-            <a:ext cx="6118920" cy="3740400"/>
+            <a:ext cx="6118560" cy="3740040"/>
           </a:xfrm>
           <a:prstGeom prst="rect">
             <a:avLst/>
@@ -3652,12 +3664,18 @@
             <a:noFill/>
           </a:ln>
         </p:spPr>
+        <p:style>
+          <a:lnRef idx="0"/>
+          <a:fillRef idx="0"/>
+          <a:effectRef idx="0"/>
+          <a:fontRef idx="minor"/>
+        </p:style>
         <p:txBody>
           <a:bodyPr lIns="0" rIns="0" tIns="0" bIns="0">
             <a:noAutofit/>
           </a:bodyPr>
           <a:p>
-            <a:pPr marL="216000" indent="-215280">
+            <a:pPr marL="216000" indent="-214920">
               <a:lnSpc>
                 <a:spcPct val="100000"/>
               </a:lnSpc>
@@ -3668,35 +3686,35 @@
                 <a:tab algn="l" pos="0"/>
               </a:tabLst>
             </a:pPr>
-            <a:endParaRPr b="0" lang="en-AU" sz="2000" spc="-1" strike="noStrike">
-              <a:latin typeface="Arial"/>
-            </a:endParaRPr>
-          </a:p>
-          <a:p>
-            <a:pPr marL="216000" indent="-215280">
-              <a:lnSpc>
-                <a:spcPct val="100000"/>
-              </a:lnSpc>
-              <a:tabLst>
-                <a:tab algn="l" pos="0"/>
-              </a:tabLst>
-            </a:pPr>
-            <a:endParaRPr b="0" lang="en-AU" sz="2000" spc="-1" strike="noStrike">
-              <a:latin typeface="Arial"/>
-            </a:endParaRPr>
-          </a:p>
-        </p:txBody>
-      </p:sp>
-      <p:sp>
-        <p:nvSpPr>
-          <p:cNvPr id="240" name="TextShape 6"/>
-          <p:cNvSpPr txBox="1"/>
+            <a:endParaRPr b="0" lang="en-AU" sz="1800" spc="-1" strike="noStrike">
+              <a:latin typeface="Arial"/>
+            </a:endParaRPr>
+          </a:p>
+          <a:p>
+            <a:pPr marL="216000" indent="-214920">
+              <a:lnSpc>
+                <a:spcPct val="100000"/>
+              </a:lnSpc>
+              <a:tabLst>
+                <a:tab algn="l" pos="0"/>
+              </a:tabLst>
+            </a:pPr>
+            <a:endParaRPr b="0" lang="en-AU" sz="1800" spc="-1" strike="noStrike">
+              <a:latin typeface="Arial"/>
+            </a:endParaRPr>
+          </a:p>
+        </p:txBody>
+      </p:sp>
+      <p:sp>
+        <p:nvSpPr>
+          <p:cNvPr id="242" name="CustomShape 6"/>
+          <p:cNvSpPr/>
           <p:nvPr/>
         </p:nvSpPr>
         <p:spPr>
           <a:xfrm>
             <a:off x="483120" y="4500000"/>
-            <a:ext cx="5996160" cy="4685760"/>
+            <a:ext cx="5995800" cy="4685400"/>
           </a:xfrm>
           <a:prstGeom prst="rect">
             <a:avLst/>
@@ -3706,11 +3724,22 @@
             <a:noFill/>
           </a:ln>
         </p:spPr>
+        <p:style>
+          <a:lnRef idx="0"/>
+          <a:fillRef idx="0"/>
+          <a:effectRef idx="0"/>
+          <a:fontRef idx="minor"/>
+        </p:style>
         <p:txBody>
           <a:bodyPr lIns="90000" rIns="90000" tIns="45000" bIns="45000">
             <a:noAutofit/>
           </a:bodyPr>
           <a:p>
+            <a:pPr>
+              <a:lnSpc>
+                <a:spcPct val="100000"/>
+              </a:lnSpc>
+            </a:pPr>
             <a:r>
               <a:rPr b="0" lang="en-AU" sz="1400" spc="-1" strike="noStrike">
                 <a:latin typeface="Arial"/>
@@ -3722,11 +3751,21 @@
             </a:endParaRPr>
           </a:p>
           <a:p>
+            <a:pPr>
+              <a:lnSpc>
+                <a:spcPct val="100000"/>
+              </a:lnSpc>
+            </a:pPr>
             <a:endParaRPr b="0" lang="en-AU" sz="1400" spc="-1" strike="noStrike">
               <a:latin typeface="Arial"/>
             </a:endParaRPr>
           </a:p>
           <a:p>
+            <a:pPr>
+              <a:lnSpc>
+                <a:spcPct val="100000"/>
+              </a:lnSpc>
+            </a:pPr>
             <a:r>
               <a:rPr b="0" lang="en-AU" sz="1400" spc="-1" strike="noStrike">
                 <a:latin typeface="Arial"/>
@@ -3738,11 +3777,21 @@
             </a:endParaRPr>
           </a:p>
           <a:p>
+            <a:pPr>
+              <a:lnSpc>
+                <a:spcPct val="100000"/>
+              </a:lnSpc>
+            </a:pPr>
             <a:endParaRPr b="0" lang="en-AU" sz="1400" spc="-1" strike="noStrike">
               <a:latin typeface="Arial"/>
             </a:endParaRPr>
           </a:p>
           <a:p>
+            <a:pPr>
+              <a:lnSpc>
+                <a:spcPct val="100000"/>
+              </a:lnSpc>
+            </a:pPr>
             <a:r>
               <a:rPr b="0" lang="en-AU" sz="1400" spc="-1" strike="noStrike">
                 <a:latin typeface="Arial"/>
@@ -3754,11 +3803,21 @@
             </a:endParaRPr>
           </a:p>
           <a:p>
+            <a:pPr>
+              <a:lnSpc>
+                <a:spcPct val="100000"/>
+              </a:lnSpc>
+            </a:pPr>
             <a:endParaRPr b="0" lang="en-AU" sz="1400" spc="-1" strike="noStrike">
               <a:latin typeface="Arial"/>
             </a:endParaRPr>
           </a:p>
           <a:p>
+            <a:pPr>
+              <a:lnSpc>
+                <a:spcPct val="100000"/>
+              </a:lnSpc>
+            </a:pPr>
             <a:r>
               <a:rPr b="0" lang="en-AU" sz="1400" spc="-1" strike="noStrike">
                 <a:latin typeface="Arial"/>
@@ -3770,11 +3829,21 @@
             </a:endParaRPr>
           </a:p>
           <a:p>
+            <a:pPr>
+              <a:lnSpc>
+                <a:spcPct val="100000"/>
+              </a:lnSpc>
+            </a:pPr>
             <a:endParaRPr b="0" lang="en-AU" sz="1400" spc="-1" strike="noStrike">
               <a:latin typeface="Arial"/>
             </a:endParaRPr>
           </a:p>
           <a:p>
+            <a:pPr>
+              <a:lnSpc>
+                <a:spcPct val="100000"/>
+              </a:lnSpc>
+            </a:pPr>
             <a:r>
               <a:rPr b="0" lang="en-AU" sz="1400" spc="-1" strike="noStrike">
                 <a:latin typeface="Arial"/>
@@ -3786,11 +3855,21 @@
             </a:endParaRPr>
           </a:p>
           <a:p>
+            <a:pPr>
+              <a:lnSpc>
+                <a:spcPct val="100000"/>
+              </a:lnSpc>
+            </a:pPr>
             <a:endParaRPr b="0" lang="en-AU" sz="1400" spc="-1" strike="noStrike">
               <a:latin typeface="Arial"/>
             </a:endParaRPr>
           </a:p>
           <a:p>
+            <a:pPr>
+              <a:lnSpc>
+                <a:spcPct val="100000"/>
+              </a:lnSpc>
+            </a:pPr>
             <a:r>
               <a:rPr b="0" lang="en-AU" sz="1400" spc="-1" strike="noStrike">
                 <a:latin typeface="Arial"/>
@@ -3827,7 +3906,7 @@
       </p:grpSpPr>
       <p:sp>
         <p:nvSpPr>
-          <p:cNvPr id="306" name="PlaceHolder 1"/>
+          <p:cNvPr id="308" name="PlaceHolder 1"/>
           <p:cNvSpPr>
             <a:spLocks noGrp="1"/>
           </p:cNvSpPr>
@@ -3838,16 +3917,16 @@
         <p:spPr>
           <a:xfrm>
             <a:off x="685800" y="1143000"/>
-            <a:ext cx="5481720" cy="3081600"/>
-          </a:xfrm>
-          <a:prstGeom prst="rect">
-            <a:avLst/>
-          </a:prstGeom>
-        </p:spPr>
-      </p:sp>
-      <p:sp>
-        <p:nvSpPr>
-          <p:cNvPr id="307" name="PlaceHolder 2"/>
+            <a:ext cx="5481360" cy="3081240"/>
+          </a:xfrm>
+          <a:prstGeom prst="rect">
+            <a:avLst/>
+          </a:prstGeom>
+        </p:spPr>
+      </p:sp>
+      <p:sp>
+        <p:nvSpPr>
+          <p:cNvPr id="309" name="PlaceHolder 2"/>
           <p:cNvSpPr>
             <a:spLocks noGrp="1"/>
           </p:cNvSpPr>
@@ -3858,7 +3937,7 @@
         <p:spPr>
           <a:xfrm>
             <a:off x="540000" y="4401360"/>
-            <a:ext cx="5578920" cy="4417560"/>
+            <a:ext cx="5578560" cy="4417200"/>
           </a:xfrm>
           <a:prstGeom prst="rect">
             <a:avLst/>
@@ -3869,7 +3948,7 @@
             <a:noAutofit/>
           </a:bodyPr>
           <a:p>
-            <a:pPr marL="216000" indent="-215280">
+            <a:pPr marL="216000" indent="-214920">
               <a:lnSpc>
                 <a:spcPct val="100000"/>
               </a:lnSpc>
@@ -3892,7 +3971,7 @@
             </a:endParaRPr>
           </a:p>
           <a:p>
-            <a:pPr marL="216000" indent="-215280">
+            <a:pPr marL="216000" indent="-214920">
               <a:lnSpc>
                 <a:spcPct val="100000"/>
               </a:lnSpc>
@@ -3915,7 +3994,7 @@
             </a:endParaRPr>
           </a:p>
           <a:p>
-            <a:pPr marL="216000" indent="-215280">
+            <a:pPr marL="216000" indent="-214920">
               <a:lnSpc>
                 <a:spcPct val="100000"/>
               </a:lnSpc>
@@ -3938,7 +4017,7 @@
             </a:endParaRPr>
           </a:p>
           <a:p>
-            <a:pPr marL="216000" indent="-215280">
+            <a:pPr marL="216000" indent="-214920">
               <a:lnSpc>
                 <a:spcPct val="100000"/>
               </a:lnSpc>
@@ -3961,7 +4040,7 @@
             </a:endParaRPr>
           </a:p>
           <a:p>
-            <a:pPr marL="216000" indent="-215280">
+            <a:pPr marL="216000" indent="-214920">
               <a:lnSpc>
                 <a:spcPct val="100000"/>
               </a:lnSpc>
@@ -3984,7 +4063,7 @@
             </a:endParaRPr>
           </a:p>
           <a:p>
-            <a:pPr marL="216000" indent="-215280">
+            <a:pPr marL="216000" indent="-214920">
               <a:lnSpc>
                 <a:spcPct val="100000"/>
               </a:lnSpc>
@@ -4007,7 +4086,7 @@
             </a:endParaRPr>
           </a:p>
           <a:p>
-            <a:pPr marL="216000" indent="-215280">
+            <a:pPr marL="216000" indent="-214920">
               <a:lnSpc>
                 <a:spcPct val="100000"/>
               </a:lnSpc>
@@ -4030,7 +4109,7 @@
             </a:endParaRPr>
           </a:p>
           <a:p>
-            <a:pPr marL="216000" indent="-215280">
+            <a:pPr marL="216000" indent="-214920">
               <a:lnSpc>
                 <a:spcPct val="100000"/>
               </a:lnSpc>
@@ -4053,7 +4132,7 @@
             </a:endParaRPr>
           </a:p>
           <a:p>
-            <a:pPr marL="216000" indent="-215280">
+            <a:pPr marL="216000" indent="-214920">
               <a:lnSpc>
                 <a:spcPct val="100000"/>
               </a:lnSpc>
@@ -4069,7 +4148,7 @@
             </a:endParaRPr>
           </a:p>
           <a:p>
-            <a:pPr marL="216000" indent="-215280">
+            <a:pPr marL="216000" indent="-214920">
               <a:lnSpc>
                 <a:spcPct val="100000"/>
               </a:lnSpc>
@@ -4088,14 +4167,14 @@
       </p:sp>
       <p:sp>
         <p:nvSpPr>
-          <p:cNvPr id="308" name="CustomShape 3"/>
+          <p:cNvPr id="310" name="CustomShape 3"/>
           <p:cNvSpPr/>
           <p:nvPr/>
         </p:nvSpPr>
         <p:spPr>
           <a:xfrm>
             <a:off x="3884760" y="8685360"/>
-            <a:ext cx="2967120" cy="453960"/>
+            <a:ext cx="2966760" cy="453600"/>
           </a:xfrm>
           <a:prstGeom prst="rect">
             <a:avLst/>
@@ -4124,7 +4203,7 @@
                 <a:tab algn="l" pos="0"/>
               </a:tabLst>
             </a:pPr>
-            <a:fld id="{24D92E6D-2987-4255-999D-C137CC9A650B}" type="slidenum">
+            <a:fld id="{2A7909B3-D189-43AB-AA7B-D5646EF5FCC4}" type="slidenum">
               <a:rPr b="0" lang="en-US" sz="1400" spc="-1" strike="noStrike">
                 <a:solidFill>
                   <a:srgbClr val="000000"/>
@@ -4163,7 +4242,7 @@
       </p:grpSpPr>
       <p:sp>
         <p:nvSpPr>
-          <p:cNvPr id="309" name="PlaceHolder 1"/>
+          <p:cNvPr id="311" name="PlaceHolder 1"/>
           <p:cNvSpPr>
             <a:spLocks noGrp="1"/>
           </p:cNvSpPr>
@@ -4174,16 +4253,16 @@
         <p:spPr>
           <a:xfrm>
             <a:off x="685800" y="1143000"/>
-            <a:ext cx="5481720" cy="3081600"/>
-          </a:xfrm>
-          <a:prstGeom prst="rect">
-            <a:avLst/>
-          </a:prstGeom>
-        </p:spPr>
-      </p:sp>
-      <p:sp>
-        <p:nvSpPr>
-          <p:cNvPr id="310" name="PlaceHolder 2"/>
+            <a:ext cx="5481360" cy="3081240"/>
+          </a:xfrm>
+          <a:prstGeom prst="rect">
+            <a:avLst/>
+          </a:prstGeom>
+        </p:spPr>
+      </p:sp>
+      <p:sp>
+        <p:nvSpPr>
+          <p:cNvPr id="312" name="PlaceHolder 2"/>
           <p:cNvSpPr>
             <a:spLocks noGrp="1"/>
           </p:cNvSpPr>
@@ -4194,7 +4273,7 @@
         <p:spPr>
           <a:xfrm>
             <a:off x="685800" y="4400640"/>
-            <a:ext cx="5481720" cy="3595680"/>
+            <a:ext cx="5481360" cy="3595320"/>
           </a:xfrm>
           <a:prstGeom prst="rect">
             <a:avLst/>
@@ -4205,7 +4284,7 @@
             <a:noAutofit/>
           </a:bodyPr>
           <a:p>
-            <a:pPr marL="216000" indent="-215280">
+            <a:pPr marL="216000" indent="-214920">
               <a:lnSpc>
                 <a:spcPct val="100000"/>
               </a:lnSpc>
@@ -4227,7 +4306,7 @@
             </a:endParaRPr>
           </a:p>
           <a:p>
-            <a:pPr marL="216000" indent="-215280">
+            <a:pPr marL="216000" indent="-214920">
               <a:lnSpc>
                 <a:spcPct val="100000"/>
               </a:lnSpc>
@@ -4250,7 +4329,7 @@
             </a:endParaRPr>
           </a:p>
           <a:p>
-            <a:pPr marL="216000" indent="-215280">
+            <a:pPr marL="216000" indent="-214920">
               <a:lnSpc>
                 <a:spcPct val="100000"/>
               </a:lnSpc>
@@ -4273,7 +4352,7 @@
             </a:endParaRPr>
           </a:p>
           <a:p>
-            <a:pPr marL="216000" indent="-215280">
+            <a:pPr marL="216000" indent="-214920">
               <a:lnSpc>
                 <a:spcPct val="100000"/>
               </a:lnSpc>
@@ -4296,7 +4375,7 @@
             </a:endParaRPr>
           </a:p>
           <a:p>
-            <a:pPr marL="216000" indent="-215280">
+            <a:pPr marL="216000" indent="-214920">
               <a:lnSpc>
                 <a:spcPct val="100000"/>
               </a:lnSpc>
@@ -4319,7 +4398,7 @@
             </a:endParaRPr>
           </a:p>
           <a:p>
-            <a:pPr marL="216000" indent="-215280">
+            <a:pPr marL="216000" indent="-214920">
               <a:lnSpc>
                 <a:spcPct val="100000"/>
               </a:lnSpc>
@@ -4342,7 +4421,7 @@
             </a:endParaRPr>
           </a:p>
           <a:p>
-            <a:pPr marL="216000" indent="-215280">
+            <a:pPr marL="216000" indent="-214920">
               <a:lnSpc>
                 <a:spcPct val="100000"/>
               </a:lnSpc>
@@ -4368,14 +4447,14 @@
       </p:sp>
       <p:sp>
         <p:nvSpPr>
-          <p:cNvPr id="311" name="CustomShape 3"/>
+          <p:cNvPr id="313" name="CustomShape 3"/>
           <p:cNvSpPr/>
           <p:nvPr/>
         </p:nvSpPr>
         <p:spPr>
           <a:xfrm>
             <a:off x="3884760" y="8685360"/>
-            <a:ext cx="2967120" cy="453960"/>
+            <a:ext cx="2966760" cy="453600"/>
           </a:xfrm>
           <a:prstGeom prst="rect">
             <a:avLst/>
@@ -4404,7 +4483,7 @@
                 <a:tab algn="l" pos="0"/>
               </a:tabLst>
             </a:pPr>
-            <a:fld id="{1493B9A0-703C-4D8A-9AF3-6DDB30A73928}" type="slidenum">
+            <a:fld id="{6D921168-D484-4E1B-A5C6-39B3B35530FD}" type="slidenum">
               <a:rPr b="0" lang="en-US" sz="1400" spc="-1" strike="noStrike">
                 <a:solidFill>
                   <a:srgbClr val="000000"/>
@@ -4443,7 +4522,7 @@
       </p:grpSpPr>
       <p:sp>
         <p:nvSpPr>
-          <p:cNvPr id="312" name="PlaceHolder 1"/>
+          <p:cNvPr id="314" name="PlaceHolder 1"/>
           <p:cNvSpPr>
             <a:spLocks noGrp="1"/>
           </p:cNvSpPr>
@@ -4454,16 +4533,16 @@
         <p:spPr>
           <a:xfrm>
             <a:off x="685800" y="1143000"/>
-            <a:ext cx="5481720" cy="3081600"/>
-          </a:xfrm>
-          <a:prstGeom prst="rect">
-            <a:avLst/>
-          </a:prstGeom>
-        </p:spPr>
-      </p:sp>
-      <p:sp>
-        <p:nvSpPr>
-          <p:cNvPr id="313" name="PlaceHolder 2"/>
+            <a:ext cx="5481360" cy="3081240"/>
+          </a:xfrm>
+          <a:prstGeom prst="rect">
+            <a:avLst/>
+          </a:prstGeom>
+        </p:spPr>
+      </p:sp>
+      <p:sp>
+        <p:nvSpPr>
+          <p:cNvPr id="315" name="PlaceHolder 2"/>
           <p:cNvSpPr>
             <a:spLocks noGrp="1"/>
           </p:cNvSpPr>
@@ -4474,7 +4553,7 @@
         <p:spPr>
           <a:xfrm>
             <a:off x="707760" y="4400640"/>
-            <a:ext cx="5481720" cy="3595680"/>
+            <a:ext cx="5481360" cy="3595320"/>
           </a:xfrm>
           <a:prstGeom prst="rect">
             <a:avLst/>
@@ -4485,7 +4564,7 @@
             <a:noAutofit/>
           </a:bodyPr>
           <a:p>
-            <a:pPr marL="216000" indent="-213120">
+            <a:pPr marL="216000" indent="-212760">
               <a:lnSpc>
                 <a:spcPct val="100000"/>
               </a:lnSpc>
@@ -4507,7 +4586,7 @@
             </a:endParaRPr>
           </a:p>
           <a:p>
-            <a:pPr marL="216000" indent="-213120">
+            <a:pPr marL="216000" indent="-212760">
               <a:lnSpc>
                 <a:spcPct val="100000"/>
               </a:lnSpc>
@@ -4529,7 +4608,7 @@
             </a:endParaRPr>
           </a:p>
           <a:p>
-            <a:pPr marL="216000" indent="-213120">
+            <a:pPr marL="216000" indent="-212760">
               <a:lnSpc>
                 <a:spcPct val="100000"/>
               </a:lnSpc>
@@ -4551,7 +4630,7 @@
             </a:endParaRPr>
           </a:p>
           <a:p>
-            <a:pPr marL="216000" indent="-213120">
+            <a:pPr marL="216000" indent="-212760">
               <a:lnSpc>
                 <a:spcPct val="100000"/>
               </a:lnSpc>
@@ -4573,7 +4652,7 @@
             </a:endParaRPr>
           </a:p>
           <a:p>
-            <a:pPr marL="216000" indent="-213120">
+            <a:pPr marL="216000" indent="-212760">
               <a:lnSpc>
                 <a:spcPct val="100000"/>
               </a:lnSpc>
@@ -4595,7 +4674,7 @@
             </a:endParaRPr>
           </a:p>
           <a:p>
-            <a:pPr marL="216000" indent="-213120">
+            <a:pPr marL="216000" indent="-212760">
               <a:lnSpc>
                 <a:spcPct val="100000"/>
               </a:lnSpc>
@@ -4617,7 +4696,7 @@
             </a:endParaRPr>
           </a:p>
           <a:p>
-            <a:pPr marL="216000" indent="-213120">
+            <a:pPr marL="216000" indent="-212760">
               <a:lnSpc>
                 <a:spcPct val="100000"/>
               </a:lnSpc>
@@ -4639,7 +4718,7 @@
             </a:endParaRPr>
           </a:p>
           <a:p>
-            <a:pPr marL="216000" indent="-213120">
+            <a:pPr marL="216000" indent="-212760">
               <a:lnSpc>
                 <a:spcPct val="100000"/>
               </a:lnSpc>
@@ -4664,14 +4743,14 @@
       </p:sp>
       <p:sp>
         <p:nvSpPr>
-          <p:cNvPr id="314" name="CustomShape 3"/>
+          <p:cNvPr id="316" name="CustomShape 3"/>
           <p:cNvSpPr/>
           <p:nvPr/>
         </p:nvSpPr>
         <p:spPr>
           <a:xfrm>
             <a:off x="3884760" y="8685360"/>
-            <a:ext cx="2967120" cy="453960"/>
+            <a:ext cx="2966760" cy="453600"/>
           </a:xfrm>
           <a:prstGeom prst="rect">
             <a:avLst/>
@@ -4700,14 +4779,14 @@
                 <a:tab algn="l" pos="0"/>
               </a:tabLst>
             </a:pPr>
-            <a:fld id="{1DC7EBC2-D04B-4F4F-97B3-C435517D2BA5}" type="slidenum">
+            <a:fld id="{C404CA37-945E-4413-BB3C-C6628DC0776D}" type="slidenum">
               <a:rPr b="0" lang="en-US" sz="1400" spc="-1" strike="noStrike">
                 <a:solidFill>
                   <a:srgbClr val="000000"/>
                 </a:solidFill>
                 <a:latin typeface="Times New Roman"/>
               </a:rPr>
-              <a:t>33</a:t>
+              <a:t>&lt;number&gt;</a:t>
             </a:fld>
             <a:endParaRPr b="0" lang="en-AU" sz="1400" spc="-1" strike="noStrike">
               <a:latin typeface="Arial"/>
@@ -4717,14 +4796,14 @@
       </p:sp>
       <p:sp>
         <p:nvSpPr>
-          <p:cNvPr id="315" name="CustomShape 4"/>
+          <p:cNvPr id="317" name="CustomShape 4"/>
           <p:cNvSpPr/>
           <p:nvPr/>
         </p:nvSpPr>
         <p:spPr>
           <a:xfrm>
             <a:off x="707760" y="4535280"/>
-            <a:ext cx="5412240" cy="4283640"/>
+            <a:ext cx="5411880" cy="4283280"/>
           </a:xfrm>
           <a:prstGeom prst="rect">
             <a:avLst/>
@@ -4765,7 +4844,7 @@
       </p:grpSpPr>
       <p:sp>
         <p:nvSpPr>
-          <p:cNvPr id="316" name="PlaceHolder 1"/>
+          <p:cNvPr id="318" name="PlaceHolder 1"/>
           <p:cNvSpPr>
             <a:spLocks noGrp="1"/>
           </p:cNvSpPr>
@@ -4776,16 +4855,16 @@
         <p:spPr>
           <a:xfrm>
             <a:off x="685800" y="1143000"/>
-            <a:ext cx="5481720" cy="3081600"/>
-          </a:xfrm>
-          <a:prstGeom prst="rect">
-            <a:avLst/>
-          </a:prstGeom>
-        </p:spPr>
-      </p:sp>
-      <p:sp>
-        <p:nvSpPr>
-          <p:cNvPr id="317" name="PlaceHolder 2"/>
+            <a:ext cx="5481360" cy="3081240"/>
+          </a:xfrm>
+          <a:prstGeom prst="rect">
+            <a:avLst/>
+          </a:prstGeom>
+        </p:spPr>
+      </p:sp>
+      <p:sp>
+        <p:nvSpPr>
+          <p:cNvPr id="319" name="PlaceHolder 2"/>
           <p:cNvSpPr>
             <a:spLocks noGrp="1"/>
           </p:cNvSpPr>
@@ -4796,7 +4875,7 @@
         <p:spPr>
           <a:xfrm>
             <a:off x="685800" y="4400640"/>
-            <a:ext cx="5481720" cy="3595680"/>
+            <a:ext cx="5481360" cy="3595320"/>
           </a:xfrm>
           <a:prstGeom prst="rect">
             <a:avLst/>
@@ -4807,7 +4886,7 @@
             <a:noAutofit/>
           </a:bodyPr>
           <a:p>
-            <a:pPr marL="216000" indent="-216000">
+            <a:pPr marL="216000" indent="-215640">
               <a:lnSpc>
                 <a:spcPct val="100000"/>
               </a:lnSpc>
@@ -4829,7 +4908,7 @@
             </a:endParaRPr>
           </a:p>
           <a:p>
-            <a:pPr marL="216000" indent="-216000">
+            <a:pPr marL="216000" indent="-215640">
               <a:lnSpc>
                 <a:spcPct val="100000"/>
               </a:lnSpc>
@@ -4852,7 +4931,7 @@
             </a:endParaRPr>
           </a:p>
           <a:p>
-            <a:pPr marL="216000" indent="-216000">
+            <a:pPr marL="216000" indent="-215640">
               <a:lnSpc>
                 <a:spcPct val="100000"/>
               </a:lnSpc>
@@ -4875,7 +4954,7 @@
             </a:endParaRPr>
           </a:p>
           <a:p>
-            <a:pPr marL="216000" indent="-216000">
+            <a:pPr marL="216000" indent="-215640">
               <a:lnSpc>
                 <a:spcPct val="100000"/>
               </a:lnSpc>
@@ -4898,7 +4977,7 @@
             </a:endParaRPr>
           </a:p>
           <a:p>
-            <a:pPr marL="216000" indent="-216000">
+            <a:pPr marL="216000" indent="-215640">
               <a:lnSpc>
                 <a:spcPct val="100000"/>
               </a:lnSpc>
@@ -4921,7 +5000,7 @@
             </a:endParaRPr>
           </a:p>
           <a:p>
-            <a:pPr marL="216000" indent="-216000">
+            <a:pPr marL="216000" indent="-215640">
               <a:lnSpc>
                 <a:spcPct val="100000"/>
               </a:lnSpc>
@@ -4944,7 +5023,7 @@
             </a:endParaRPr>
           </a:p>
           <a:p>
-            <a:pPr marL="216000" indent="-216000">
+            <a:pPr marL="216000" indent="-215640">
               <a:lnSpc>
                 <a:spcPct val="100000"/>
               </a:lnSpc>
@@ -4970,14 +5049,14 @@
       </p:sp>
       <p:sp>
         <p:nvSpPr>
-          <p:cNvPr id="318" name="CustomShape 3"/>
+          <p:cNvPr id="320" name="CustomShape 3"/>
           <p:cNvSpPr/>
           <p:nvPr/>
         </p:nvSpPr>
         <p:spPr>
           <a:xfrm>
             <a:off x="3884760" y="8685360"/>
-            <a:ext cx="2967120" cy="453960"/>
+            <a:ext cx="2966760" cy="453600"/>
           </a:xfrm>
           <a:prstGeom prst="rect">
             <a:avLst/>
@@ -5006,14 +5085,14 @@
                 <a:tab algn="l" pos="0"/>
               </a:tabLst>
             </a:pPr>
-            <a:fld id="{460DAA11-EF73-412D-8129-EEE1BD359DE3}" type="slidenum">
+            <a:fld id="{F99B801A-8FCC-4D54-9F8A-3116F58ECEBE}" type="slidenum">
               <a:rPr b="0" lang="en-US" sz="1400" spc="-1" strike="noStrike">
                 <a:solidFill>
                   <a:srgbClr val="000000"/>
                 </a:solidFill>
                 <a:latin typeface="Times New Roman"/>
               </a:rPr>
-              <a:t>33</a:t>
+              <a:t>&lt;number&gt;</a:t>
             </a:fld>
             <a:endParaRPr b="0" lang="en-AU" sz="1400" spc="-1" strike="noStrike">
               <a:latin typeface="Arial"/>
@@ -5045,7 +5124,7 @@
       </p:grpSpPr>
       <p:sp>
         <p:nvSpPr>
-          <p:cNvPr id="319" name="PlaceHolder 1"/>
+          <p:cNvPr id="321" name="PlaceHolder 1"/>
           <p:cNvSpPr>
             <a:spLocks noGrp="1"/>
           </p:cNvSpPr>
@@ -5056,16 +5135,16 @@
         <p:spPr>
           <a:xfrm>
             <a:off x="685800" y="1143000"/>
-            <a:ext cx="5481720" cy="3081600"/>
-          </a:xfrm>
-          <a:prstGeom prst="rect">
-            <a:avLst/>
-          </a:prstGeom>
-        </p:spPr>
-      </p:sp>
-      <p:sp>
-        <p:nvSpPr>
-          <p:cNvPr id="320" name="PlaceHolder 2"/>
+            <a:ext cx="5481360" cy="3081240"/>
+          </a:xfrm>
+          <a:prstGeom prst="rect">
+            <a:avLst/>
+          </a:prstGeom>
+        </p:spPr>
+      </p:sp>
+      <p:sp>
+        <p:nvSpPr>
+          <p:cNvPr id="322" name="PlaceHolder 2"/>
           <p:cNvSpPr>
             <a:spLocks noGrp="1"/>
           </p:cNvSpPr>
@@ -5076,7 +5155,7 @@
         <p:spPr>
           <a:xfrm>
             <a:off x="685800" y="4400640"/>
-            <a:ext cx="5481720" cy="3595680"/>
+            <a:ext cx="5481360" cy="3595320"/>
           </a:xfrm>
           <a:prstGeom prst="rect">
             <a:avLst/>
@@ -5087,7 +5166,7 @@
             <a:noAutofit/>
           </a:bodyPr>
           <a:p>
-            <a:pPr marL="216000" indent="-216000">
+            <a:pPr marL="216000" indent="-215640">
               <a:lnSpc>
                 <a:spcPct val="100000"/>
               </a:lnSpc>
@@ -5106,7 +5185,7 @@
             </a:endParaRPr>
           </a:p>
           <a:p>
-            <a:pPr marL="216000" indent="-216000">
+            <a:pPr marL="216000" indent="-215640">
               <a:lnSpc>
                 <a:spcPct val="100000"/>
               </a:lnSpc>
@@ -5119,7 +5198,7 @@
             </a:endParaRPr>
           </a:p>
           <a:p>
-            <a:pPr marL="216000" indent="-216000">
+            <a:pPr marL="216000" indent="-215640">
               <a:lnSpc>
                 <a:spcPct val="100000"/>
               </a:lnSpc>
@@ -5139,7 +5218,7 @@
             </a:endParaRPr>
           </a:p>
           <a:p>
-            <a:pPr marL="216000" indent="-216000">
+            <a:pPr marL="216000" indent="-215640">
               <a:lnSpc>
                 <a:spcPct val="100000"/>
               </a:lnSpc>
@@ -5152,7 +5231,7 @@
             </a:endParaRPr>
           </a:p>
           <a:p>
-            <a:pPr marL="216000" indent="-216000">
+            <a:pPr marL="216000" indent="-215640">
               <a:lnSpc>
                 <a:spcPct val="100000"/>
               </a:lnSpc>
@@ -5172,7 +5251,7 @@
             </a:endParaRPr>
           </a:p>
           <a:p>
-            <a:pPr marL="216000" indent="-216000">
+            <a:pPr marL="216000" indent="-215640">
               <a:lnSpc>
                 <a:spcPct val="100000"/>
               </a:lnSpc>
@@ -5185,7 +5264,7 @@
             </a:endParaRPr>
           </a:p>
           <a:p>
-            <a:pPr marL="216000" indent="-216000">
+            <a:pPr marL="216000" indent="-215640">
               <a:lnSpc>
                 <a:spcPct val="100000"/>
               </a:lnSpc>
@@ -5205,7 +5284,7 @@
             </a:endParaRPr>
           </a:p>
           <a:p>
-            <a:pPr marL="216000" indent="-216000">
+            <a:pPr marL="216000" indent="-215640">
               <a:lnSpc>
                 <a:spcPct val="100000"/>
               </a:lnSpc>
@@ -5218,7 +5297,7 @@
             </a:endParaRPr>
           </a:p>
           <a:p>
-            <a:pPr marL="216000" indent="-216000">
+            <a:pPr marL="216000" indent="-215640">
               <a:lnSpc>
                 <a:spcPct val="100000"/>
               </a:lnSpc>
@@ -5241,14 +5320,14 @@
       </p:sp>
       <p:sp>
         <p:nvSpPr>
-          <p:cNvPr id="321" name="CustomShape 3"/>
+          <p:cNvPr id="323" name="CustomShape 3"/>
           <p:cNvSpPr/>
           <p:nvPr/>
         </p:nvSpPr>
         <p:spPr>
           <a:xfrm>
             <a:off x="3884760" y="8685360"/>
-            <a:ext cx="2967120" cy="453960"/>
+            <a:ext cx="2966760" cy="453600"/>
           </a:xfrm>
           <a:prstGeom prst="rect">
             <a:avLst/>
@@ -5277,14 +5356,14 @@
                 <a:tab algn="l" pos="0"/>
               </a:tabLst>
             </a:pPr>
-            <a:fld id="{DBE57E62-7FB9-4F92-BBBC-369DAF926003}" type="slidenum">
+            <a:fld id="{B91F0FDD-D899-47B3-8C02-9DE638418640}" type="slidenum">
               <a:rPr b="0" lang="en-US" sz="1400" spc="-1" strike="noStrike">
                 <a:solidFill>
                   <a:srgbClr val="000000"/>
                 </a:solidFill>
                 <a:latin typeface="Times New Roman"/>
               </a:rPr>
-              <a:t>33</a:t>
+              <a:t>&lt;number&gt;</a:t>
             </a:fld>
             <a:endParaRPr b="0" lang="en-AU" sz="1400" spc="-1" strike="noStrike">
               <a:latin typeface="Arial"/>
@@ -5316,7 +5395,7 @@
       </p:grpSpPr>
       <p:sp>
         <p:nvSpPr>
-          <p:cNvPr id="322" name="PlaceHolder 1"/>
+          <p:cNvPr id="324" name="PlaceHolder 1"/>
           <p:cNvSpPr>
             <a:spLocks noGrp="1"/>
           </p:cNvSpPr>
@@ -5327,16 +5406,16 @@
         <p:spPr>
           <a:xfrm>
             <a:off x="685800" y="1143000"/>
-            <a:ext cx="5481720" cy="3081600"/>
-          </a:xfrm>
-          <a:prstGeom prst="rect">
-            <a:avLst/>
-          </a:prstGeom>
-        </p:spPr>
-      </p:sp>
-      <p:sp>
-        <p:nvSpPr>
-          <p:cNvPr id="323" name="PlaceHolder 2"/>
+            <a:ext cx="5481360" cy="3081240"/>
+          </a:xfrm>
+          <a:prstGeom prst="rect">
+            <a:avLst/>
+          </a:prstGeom>
+        </p:spPr>
+      </p:sp>
+      <p:sp>
+        <p:nvSpPr>
+          <p:cNvPr id="325" name="PlaceHolder 2"/>
           <p:cNvSpPr>
             <a:spLocks noGrp="1"/>
           </p:cNvSpPr>
@@ -5347,7 +5426,7 @@
         <p:spPr>
           <a:xfrm>
             <a:off x="685800" y="4400640"/>
-            <a:ext cx="5481720" cy="3595680"/>
+            <a:ext cx="5481360" cy="3595320"/>
           </a:xfrm>
           <a:prstGeom prst="rect">
             <a:avLst/>
@@ -5358,7 +5437,7 @@
             <a:noAutofit/>
           </a:bodyPr>
           <a:p>
-            <a:pPr marL="216000" indent="-215280">
+            <a:pPr marL="216000" indent="-214920">
               <a:lnSpc>
                 <a:spcPct val="100000"/>
               </a:lnSpc>
@@ -5378,7 +5457,7 @@
             </a:endParaRPr>
           </a:p>
           <a:p>
-            <a:pPr marL="216000" indent="-215280">
+            <a:pPr marL="216000" indent="-214920">
               <a:lnSpc>
                 <a:spcPct val="100000"/>
               </a:lnSpc>
@@ -5391,7 +5470,7 @@
             </a:endParaRPr>
           </a:p>
           <a:p>
-            <a:pPr marL="216000" indent="-215280">
+            <a:pPr marL="216000" indent="-214920">
               <a:lnSpc>
                 <a:spcPct val="100000"/>
               </a:lnSpc>
@@ -5411,7 +5490,7 @@
             </a:endParaRPr>
           </a:p>
           <a:p>
-            <a:pPr marL="216000" indent="-215280">
+            <a:pPr marL="216000" indent="-214920">
               <a:lnSpc>
                 <a:spcPct val="100000"/>
               </a:lnSpc>
@@ -5424,7 +5503,7 @@
             </a:endParaRPr>
           </a:p>
           <a:p>
-            <a:pPr marL="216000" indent="-215280">
+            <a:pPr marL="216000" indent="-214920">
               <a:lnSpc>
                 <a:spcPct val="100000"/>
               </a:lnSpc>
@@ -5444,7 +5523,7 @@
             </a:endParaRPr>
           </a:p>
           <a:p>
-            <a:pPr marL="216000" indent="-215280">
+            <a:pPr marL="216000" indent="-214920">
               <a:lnSpc>
                 <a:spcPct val="100000"/>
               </a:lnSpc>
@@ -5457,7 +5536,7 @@
             </a:endParaRPr>
           </a:p>
           <a:p>
-            <a:pPr marL="216000" indent="-215280">
+            <a:pPr marL="216000" indent="-214920">
               <a:lnSpc>
                 <a:spcPct val="100000"/>
               </a:lnSpc>
@@ -5480,14 +5559,14 @@
       </p:sp>
       <p:sp>
         <p:nvSpPr>
-          <p:cNvPr id="324" name="CustomShape 3"/>
+          <p:cNvPr id="326" name="CustomShape 3"/>
           <p:cNvSpPr/>
           <p:nvPr/>
         </p:nvSpPr>
         <p:spPr>
           <a:xfrm>
             <a:off x="3884760" y="8685360"/>
-            <a:ext cx="2967120" cy="453960"/>
+            <a:ext cx="2966760" cy="453600"/>
           </a:xfrm>
           <a:prstGeom prst="rect">
             <a:avLst/>
@@ -5516,14 +5595,14 @@
                 <a:tab algn="l" pos="0"/>
               </a:tabLst>
             </a:pPr>
-            <a:fld id="{38D8BEB5-2A77-49AC-B8D4-56C7D25586EF}" type="slidenum">
+            <a:fld id="{B02C546E-1E5B-47D8-B26D-3387B7B0DF66}" type="slidenum">
               <a:rPr b="0" lang="en-US" sz="1400" spc="-1" strike="noStrike">
                 <a:solidFill>
                   <a:srgbClr val="000000"/>
                 </a:solidFill>
                 <a:latin typeface="Times New Roman"/>
               </a:rPr>
-              <a:t>33</a:t>
+              <a:t>&lt;number&gt;</a:t>
             </a:fld>
             <a:endParaRPr b="0" lang="en-AU" sz="1400" spc="-1" strike="noStrike">
               <a:latin typeface="Arial"/>
@@ -5555,7 +5634,7 @@
       </p:grpSpPr>
       <p:sp>
         <p:nvSpPr>
-          <p:cNvPr id="325" name="PlaceHolder 1"/>
+          <p:cNvPr id="327" name="PlaceHolder 1"/>
           <p:cNvSpPr>
             <a:spLocks noGrp="1"/>
           </p:cNvSpPr>
@@ -5566,16 +5645,16 @@
         <p:spPr>
           <a:xfrm>
             <a:off x="685800" y="1143000"/>
-            <a:ext cx="5481720" cy="3081600"/>
-          </a:xfrm>
-          <a:prstGeom prst="rect">
-            <a:avLst/>
-          </a:prstGeom>
-        </p:spPr>
-      </p:sp>
-      <p:sp>
-        <p:nvSpPr>
-          <p:cNvPr id="326" name="PlaceHolder 2"/>
+            <a:ext cx="5481360" cy="3081240"/>
+          </a:xfrm>
+          <a:prstGeom prst="rect">
+            <a:avLst/>
+          </a:prstGeom>
+        </p:spPr>
+      </p:sp>
+      <p:sp>
+        <p:nvSpPr>
+          <p:cNvPr id="328" name="PlaceHolder 2"/>
           <p:cNvSpPr>
             <a:spLocks noGrp="1"/>
           </p:cNvSpPr>
@@ -5586,7 +5665,7 @@
         <p:spPr>
           <a:xfrm>
             <a:off x="685800" y="4400640"/>
-            <a:ext cx="5481720" cy="3595680"/>
+            <a:ext cx="5481360" cy="3595320"/>
           </a:xfrm>
           <a:prstGeom prst="rect">
             <a:avLst/>
@@ -5597,7 +5676,7 @@
             <a:noAutofit/>
           </a:bodyPr>
           <a:p>
-            <a:pPr marL="216000" indent="-215280">
+            <a:pPr marL="216000" indent="-214920">
               <a:lnSpc>
                 <a:spcPct val="100000"/>
               </a:lnSpc>
@@ -5610,7 +5689,7 @@
             </a:endParaRPr>
           </a:p>
           <a:p>
-            <a:pPr marL="216000" indent="-215280">
+            <a:pPr marL="216000" indent="-214920">
               <a:lnSpc>
                 <a:spcPct val="100000"/>
               </a:lnSpc>
@@ -5630,7 +5709,7 @@
             </a:endParaRPr>
           </a:p>
           <a:p>
-            <a:pPr marL="216000" indent="-215280">
+            <a:pPr marL="216000" indent="-214920">
               <a:lnSpc>
                 <a:spcPct val="100000"/>
               </a:lnSpc>
@@ -5643,7 +5722,7 @@
             </a:endParaRPr>
           </a:p>
           <a:p>
-            <a:pPr marL="216000" indent="-215280">
+            <a:pPr marL="216000" indent="-214920">
               <a:lnSpc>
                 <a:spcPct val="100000"/>
               </a:lnSpc>
@@ -5663,7 +5742,7 @@
             </a:endParaRPr>
           </a:p>
           <a:p>
-            <a:pPr marL="216000" indent="-215280">
+            <a:pPr marL="216000" indent="-214920">
               <a:lnSpc>
                 <a:spcPct val="100000"/>
               </a:lnSpc>
@@ -5676,7 +5755,7 @@
             </a:endParaRPr>
           </a:p>
           <a:p>
-            <a:pPr marL="216000" indent="-215280">
+            <a:pPr marL="216000" indent="-214920">
               <a:lnSpc>
                 <a:spcPct val="100000"/>
               </a:lnSpc>
@@ -5696,7 +5775,7 @@
             </a:endParaRPr>
           </a:p>
           <a:p>
-            <a:pPr marL="216000" indent="-215280">
+            <a:pPr marL="216000" indent="-214920">
               <a:lnSpc>
                 <a:spcPct val="100000"/>
               </a:lnSpc>
@@ -5709,7 +5788,7 @@
             </a:endParaRPr>
           </a:p>
           <a:p>
-            <a:pPr marL="216000" indent="-215280">
+            <a:pPr marL="216000" indent="-214920">
               <a:lnSpc>
                 <a:spcPct val="100000"/>
               </a:lnSpc>
@@ -5732,14 +5811,14 @@
       </p:sp>
       <p:sp>
         <p:nvSpPr>
-          <p:cNvPr id="327" name="CustomShape 3"/>
+          <p:cNvPr id="329" name="CustomShape 3"/>
           <p:cNvSpPr/>
           <p:nvPr/>
         </p:nvSpPr>
         <p:spPr>
           <a:xfrm>
             <a:off x="3884760" y="8685360"/>
-            <a:ext cx="2967120" cy="453960"/>
+            <a:ext cx="2966760" cy="453600"/>
           </a:xfrm>
           <a:prstGeom prst="rect">
             <a:avLst/>
@@ -5768,14 +5847,14 @@
                 <a:tab algn="l" pos="0"/>
               </a:tabLst>
             </a:pPr>
-            <a:fld id="{7B55F58A-61A9-49ED-80B7-8A1803075DE4}" type="slidenum">
+            <a:fld id="{7A7E3C70-7E1E-4342-8D00-8EFD95EBC56F}" type="slidenum">
               <a:rPr b="0" lang="en-US" sz="1400" spc="-1" strike="noStrike">
                 <a:solidFill>
                   <a:srgbClr val="000000"/>
                 </a:solidFill>
                 <a:latin typeface="Times New Roman"/>
               </a:rPr>
-              <a:t>33</a:t>
+              <a:t>&lt;number&gt;</a:t>
             </a:fld>
             <a:endParaRPr b="0" lang="en-AU" sz="1400" spc="-1" strike="noStrike">
               <a:latin typeface="Arial"/>
@@ -5807,7 +5886,7 @@
       </p:grpSpPr>
       <p:sp>
         <p:nvSpPr>
-          <p:cNvPr id="328" name="PlaceHolder 1"/>
+          <p:cNvPr id="330" name="PlaceHolder 1"/>
           <p:cNvSpPr>
             <a:spLocks noGrp="1"/>
           </p:cNvSpPr>
@@ -5818,16 +5897,16 @@
         <p:spPr>
           <a:xfrm>
             <a:off x="685800" y="1143000"/>
-            <a:ext cx="5481720" cy="3081600"/>
-          </a:xfrm>
-          <a:prstGeom prst="rect">
-            <a:avLst/>
-          </a:prstGeom>
-        </p:spPr>
-      </p:sp>
-      <p:sp>
-        <p:nvSpPr>
-          <p:cNvPr id="329" name="PlaceHolder 2"/>
+            <a:ext cx="5481360" cy="3081240"/>
+          </a:xfrm>
+          <a:prstGeom prst="rect">
+            <a:avLst/>
+          </a:prstGeom>
+        </p:spPr>
+      </p:sp>
+      <p:sp>
+        <p:nvSpPr>
+          <p:cNvPr id="331" name="PlaceHolder 2"/>
           <p:cNvSpPr>
             <a:spLocks noGrp="1"/>
           </p:cNvSpPr>
@@ -5838,7 +5917,7 @@
         <p:spPr>
           <a:xfrm>
             <a:off x="685800" y="4400640"/>
-            <a:ext cx="5481720" cy="3595680"/>
+            <a:ext cx="5481360" cy="3595320"/>
           </a:xfrm>
           <a:prstGeom prst="rect">
             <a:avLst/>
@@ -5849,7 +5928,7 @@
             <a:noAutofit/>
           </a:bodyPr>
           <a:p>
-            <a:pPr marL="216000" indent="-215280">
+            <a:pPr marL="216000" indent="-214920">
               <a:lnSpc>
                 <a:spcPct val="100000"/>
               </a:lnSpc>
@@ -5872,7 +5951,7 @@
             </a:endParaRPr>
           </a:p>
           <a:p>
-            <a:pPr marL="216000" indent="-215280">
+            <a:pPr marL="216000" indent="-214920">
               <a:lnSpc>
                 <a:spcPct val="100000"/>
               </a:lnSpc>
@@ -5895,7 +5974,7 @@
             </a:endParaRPr>
           </a:p>
           <a:p>
-            <a:pPr marL="216000" indent="-215280">
+            <a:pPr marL="216000" indent="-214920">
               <a:lnSpc>
                 <a:spcPct val="100000"/>
               </a:lnSpc>
@@ -5918,7 +5997,7 @@
             </a:endParaRPr>
           </a:p>
           <a:p>
-            <a:pPr marL="216000" indent="-215280">
+            <a:pPr marL="216000" indent="-214920">
               <a:lnSpc>
                 <a:spcPct val="100000"/>
               </a:lnSpc>
@@ -5941,7 +6020,7 @@
             </a:endParaRPr>
           </a:p>
           <a:p>
-            <a:pPr marL="216000" indent="-215280">
+            <a:pPr marL="216000" indent="-214920">
               <a:lnSpc>
                 <a:spcPct val="100000"/>
               </a:lnSpc>
@@ -5967,14 +6046,14 @@
       </p:sp>
       <p:sp>
         <p:nvSpPr>
-          <p:cNvPr id="330" name="CustomShape 3"/>
+          <p:cNvPr id="332" name="CustomShape 3"/>
           <p:cNvSpPr/>
           <p:nvPr/>
         </p:nvSpPr>
         <p:spPr>
           <a:xfrm>
             <a:off x="3884760" y="8685360"/>
-            <a:ext cx="2967120" cy="453960"/>
+            <a:ext cx="2966760" cy="453600"/>
           </a:xfrm>
           <a:prstGeom prst="rect">
             <a:avLst/>
@@ -6003,14 +6082,14 @@
                 <a:tab algn="l" pos="0"/>
               </a:tabLst>
             </a:pPr>
-            <a:fld id="{3FDDA57E-C028-437F-A804-71BB41951A7D}" type="slidenum">
+            <a:fld id="{5C574EBD-67EB-4EC3-89D5-349FC161ECEB}" type="slidenum">
               <a:rPr b="0" lang="en-US" sz="1400" spc="-1" strike="noStrike">
                 <a:solidFill>
                   <a:srgbClr val="000000"/>
                 </a:solidFill>
                 <a:latin typeface="Times New Roman"/>
               </a:rPr>
-              <a:t>33</a:t>
+              <a:t>&lt;number&gt;</a:t>
             </a:fld>
             <a:endParaRPr b="0" lang="en-AU" sz="1400" spc="-1" strike="noStrike">
               <a:latin typeface="Arial"/>
@@ -6042,7 +6121,7 @@
       </p:grpSpPr>
       <p:sp>
         <p:nvSpPr>
-          <p:cNvPr id="331" name="PlaceHolder 1"/>
+          <p:cNvPr id="333" name="PlaceHolder 1"/>
           <p:cNvSpPr>
             <a:spLocks noGrp="1"/>
           </p:cNvSpPr>
@@ -6053,16 +6132,16 @@
         <p:spPr>
           <a:xfrm>
             <a:off x="685800" y="1143000"/>
-            <a:ext cx="5481720" cy="3081600"/>
-          </a:xfrm>
-          <a:prstGeom prst="rect">
-            <a:avLst/>
-          </a:prstGeom>
-        </p:spPr>
-      </p:sp>
-      <p:sp>
-        <p:nvSpPr>
-          <p:cNvPr id="332" name="PlaceHolder 2"/>
+            <a:ext cx="5481360" cy="3081240"/>
+          </a:xfrm>
+          <a:prstGeom prst="rect">
+            <a:avLst/>
+          </a:prstGeom>
+        </p:spPr>
+      </p:sp>
+      <p:sp>
+        <p:nvSpPr>
+          <p:cNvPr id="334" name="PlaceHolder 2"/>
           <p:cNvSpPr>
             <a:spLocks noGrp="1"/>
           </p:cNvSpPr>
@@ -6073,7 +6152,7 @@
         <p:spPr>
           <a:xfrm>
             <a:off x="685800" y="4400640"/>
-            <a:ext cx="5481720" cy="3595680"/>
+            <a:ext cx="5481360" cy="3595320"/>
           </a:xfrm>
           <a:prstGeom prst="rect">
             <a:avLst/>
@@ -6084,7 +6163,7 @@
             <a:noAutofit/>
           </a:bodyPr>
           <a:p>
-            <a:pPr marL="216000" indent="-213120">
+            <a:pPr marL="216000" indent="-212760">
               <a:lnSpc>
                 <a:spcPct val="100000"/>
               </a:lnSpc>
@@ -6097,7 +6176,7 @@
             </a:endParaRPr>
           </a:p>
           <a:p>
-            <a:pPr marL="1800" indent="-213120">
+            <a:pPr marL="1800" indent="-212760">
               <a:lnSpc>
                 <a:spcPct val="100000"/>
               </a:lnSpc>
@@ -6119,14 +6198,14 @@
       </p:sp>
       <p:sp>
         <p:nvSpPr>
-          <p:cNvPr id="333" name="CustomShape 3"/>
+          <p:cNvPr id="335" name="CustomShape 3"/>
           <p:cNvSpPr/>
           <p:nvPr/>
         </p:nvSpPr>
         <p:spPr>
           <a:xfrm>
             <a:off x="3884760" y="8685360"/>
-            <a:ext cx="2967120" cy="453960"/>
+            <a:ext cx="2966760" cy="453600"/>
           </a:xfrm>
           <a:prstGeom prst="rect">
             <a:avLst/>
@@ -6155,14 +6234,14 @@
                 <a:tab algn="l" pos="0"/>
               </a:tabLst>
             </a:pPr>
-            <a:fld id="{B49AB667-831A-48D4-B915-45E9782D1A93}" type="slidenum">
+            <a:fld id="{252996FB-D92D-45A1-8DAF-AA257699C0EB}" type="slidenum">
               <a:rPr b="0" lang="en-US" sz="1400" spc="-1" strike="noStrike">
                 <a:solidFill>
                   <a:srgbClr val="000000"/>
                 </a:solidFill>
                 <a:latin typeface="Times New Roman"/>
               </a:rPr>
-              <a:t>33</a:t>
+              <a:t>&lt;number&gt;</a:t>
             </a:fld>
             <a:endParaRPr b="0" lang="en-AU" sz="1400" spc="-1" strike="noStrike">
               <a:latin typeface="Arial"/>
@@ -6194,7 +6273,7 @@
       </p:grpSpPr>
       <p:sp>
         <p:nvSpPr>
-          <p:cNvPr id="334" name="PlaceHolder 1"/>
+          <p:cNvPr id="336" name="PlaceHolder 1"/>
           <p:cNvSpPr>
             <a:spLocks noGrp="1"/>
           </p:cNvSpPr>
@@ -6205,16 +6284,16 @@
         <p:spPr>
           <a:xfrm>
             <a:off x="685800" y="1143000"/>
-            <a:ext cx="5481720" cy="3081600"/>
-          </a:xfrm>
-          <a:prstGeom prst="rect">
-            <a:avLst/>
-          </a:prstGeom>
-        </p:spPr>
-      </p:sp>
-      <p:sp>
-        <p:nvSpPr>
-          <p:cNvPr id="335" name="PlaceHolder 2"/>
+            <a:ext cx="5481360" cy="3081240"/>
+          </a:xfrm>
+          <a:prstGeom prst="rect">
+            <a:avLst/>
+          </a:prstGeom>
+        </p:spPr>
+      </p:sp>
+      <p:sp>
+        <p:nvSpPr>
+          <p:cNvPr id="337" name="PlaceHolder 2"/>
           <p:cNvSpPr>
             <a:spLocks noGrp="1"/>
           </p:cNvSpPr>
@@ -6225,7 +6304,7 @@
         <p:spPr>
           <a:xfrm>
             <a:off x="685800" y="4400640"/>
-            <a:ext cx="5481720" cy="3595680"/>
+            <a:ext cx="5481360" cy="3595320"/>
           </a:xfrm>
           <a:prstGeom prst="rect">
             <a:avLst/>
@@ -6236,7 +6315,7 @@
             <a:noAutofit/>
           </a:bodyPr>
           <a:p>
-            <a:pPr marL="216000" indent="-215280">
+            <a:pPr marL="216000" indent="-214920">
               <a:lnSpc>
                 <a:spcPct val="100000"/>
               </a:lnSpc>
@@ -6256,7 +6335,7 @@
             </a:endParaRPr>
           </a:p>
           <a:p>
-            <a:pPr marL="216000" indent="-215280">
+            <a:pPr marL="216000" indent="-214920">
               <a:lnSpc>
                 <a:spcPct val="100000"/>
               </a:lnSpc>
@@ -6269,7 +6348,7 @@
             </a:endParaRPr>
           </a:p>
           <a:p>
-            <a:pPr marL="216000" indent="-215280">
+            <a:pPr marL="216000" indent="-214920">
               <a:lnSpc>
                 <a:spcPct val="100000"/>
               </a:lnSpc>
@@ -6289,7 +6368,7 @@
             </a:endParaRPr>
           </a:p>
           <a:p>
-            <a:pPr marL="216000" indent="-215280">
+            <a:pPr marL="216000" indent="-214920">
               <a:lnSpc>
                 <a:spcPct val="100000"/>
               </a:lnSpc>
@@ -6302,7 +6381,7 @@
             </a:endParaRPr>
           </a:p>
           <a:p>
-            <a:pPr marL="216000" indent="-215280">
+            <a:pPr marL="216000" indent="-214920">
               <a:lnSpc>
                 <a:spcPct val="100000"/>
               </a:lnSpc>
@@ -6322,7 +6401,7 @@
             </a:endParaRPr>
           </a:p>
           <a:p>
-            <a:pPr marL="216000" indent="-215280">
+            <a:pPr marL="216000" indent="-214920">
               <a:lnSpc>
                 <a:spcPct val="100000"/>
               </a:lnSpc>
@@ -6335,7 +6414,7 @@
             </a:endParaRPr>
           </a:p>
           <a:p>
-            <a:pPr marL="216000" indent="-215280">
+            <a:pPr marL="216000" indent="-214920">
               <a:lnSpc>
                 <a:spcPct val="100000"/>
               </a:lnSpc>
@@ -6355,7 +6434,7 @@
             </a:endParaRPr>
           </a:p>
           <a:p>
-            <a:pPr marL="216000" indent="-215280">
+            <a:pPr marL="216000" indent="-214920">
               <a:lnSpc>
                 <a:spcPct val="100000"/>
               </a:lnSpc>
@@ -6368,7 +6447,7 @@
             </a:endParaRPr>
           </a:p>
           <a:p>
-            <a:pPr marL="216000" indent="-215280">
+            <a:pPr marL="216000" indent="-214920">
               <a:lnSpc>
                 <a:spcPct val="100000"/>
               </a:lnSpc>
@@ -6388,7 +6467,7 @@
             </a:endParaRPr>
           </a:p>
           <a:p>
-            <a:pPr marL="216000" indent="-215280">
+            <a:pPr marL="216000" indent="-214920">
               <a:lnSpc>
                 <a:spcPct val="100000"/>
               </a:lnSpc>
@@ -6401,7 +6480,7 @@
             </a:endParaRPr>
           </a:p>
           <a:p>
-            <a:pPr marL="216000" indent="-215280">
+            <a:pPr marL="216000" indent="-214920">
               <a:lnSpc>
                 <a:spcPct val="100000"/>
               </a:lnSpc>
@@ -6421,7 +6500,7 @@
             </a:endParaRPr>
           </a:p>
           <a:p>
-            <a:pPr marL="216000" indent="-215280">
+            <a:pPr marL="216000" indent="-214920">
               <a:lnSpc>
                 <a:spcPct val="100000"/>
               </a:lnSpc>
@@ -6434,7 +6513,7 @@
             </a:endParaRPr>
           </a:p>
           <a:p>
-            <a:pPr marL="216000" indent="-215280">
+            <a:pPr marL="216000" indent="-214920">
               <a:lnSpc>
                 <a:spcPct val="100000"/>
               </a:lnSpc>
@@ -6457,14 +6536,14 @@
       </p:sp>
       <p:sp>
         <p:nvSpPr>
-          <p:cNvPr id="336" name="CustomShape 3"/>
+          <p:cNvPr id="338" name="CustomShape 3"/>
           <p:cNvSpPr/>
           <p:nvPr/>
         </p:nvSpPr>
         <p:spPr>
           <a:xfrm>
             <a:off x="3884760" y="8685360"/>
-            <a:ext cx="2967120" cy="453960"/>
+            <a:ext cx="2966760" cy="453600"/>
           </a:xfrm>
           <a:prstGeom prst="rect">
             <a:avLst/>
@@ -6493,14 +6572,14 @@
                 <a:tab algn="l" pos="0"/>
               </a:tabLst>
             </a:pPr>
-            <a:fld id="{5BBF9514-A742-47A7-98A3-5044EAC3E3F4}" type="slidenum">
+            <a:fld id="{1B96D524-5374-47F3-8B10-BFABD85715F1}" type="slidenum">
               <a:rPr b="0" lang="en-US" sz="1400" spc="-1" strike="noStrike">
                 <a:solidFill>
                   <a:srgbClr val="000000"/>
                 </a:solidFill>
                 <a:latin typeface="Times New Roman"/>
               </a:rPr>
-              <a:t>33</a:t>
+              <a:t>&lt;number&gt;</a:t>
             </a:fld>
             <a:endParaRPr b="0" lang="en-AU" sz="1400" spc="-1" strike="noStrike">
               <a:latin typeface="Arial"/>
@@ -6532,7 +6611,7 @@
       </p:grpSpPr>
       <p:sp>
         <p:nvSpPr>
-          <p:cNvPr id="241" name="PlaceHolder 1"/>
+          <p:cNvPr id="243" name="PlaceHolder 1"/>
           <p:cNvSpPr>
             <a:spLocks noGrp="1"/>
           </p:cNvSpPr>
@@ -6543,23 +6622,23 @@
         <p:spPr>
           <a:xfrm>
             <a:off x="685800" y="1143000"/>
-            <a:ext cx="5481720" cy="3081600"/>
-          </a:xfrm>
-          <a:prstGeom prst="rect">
-            <a:avLst/>
-          </a:prstGeom>
-        </p:spPr>
-      </p:sp>
-      <p:sp>
-        <p:nvSpPr>
-          <p:cNvPr id="242" name="CustomShape 2"/>
+            <a:ext cx="5481360" cy="3081240"/>
+          </a:xfrm>
+          <a:prstGeom prst="rect">
+            <a:avLst/>
+          </a:prstGeom>
+        </p:spPr>
+      </p:sp>
+      <p:sp>
+        <p:nvSpPr>
+          <p:cNvPr id="244" name="CustomShape 2"/>
           <p:cNvSpPr/>
           <p:nvPr/>
         </p:nvSpPr>
         <p:spPr>
           <a:xfrm>
             <a:off x="3884760" y="8685360"/>
-            <a:ext cx="2967120" cy="453960"/>
+            <a:ext cx="2966760" cy="453600"/>
           </a:xfrm>
           <a:prstGeom prst="rect">
             <a:avLst/>
@@ -6588,7 +6667,7 @@
                 <a:tab algn="l" pos="0"/>
               </a:tabLst>
             </a:pPr>
-            <a:fld id="{0632C82F-A0F7-4E91-A69A-E4F9C247B545}" type="slidenum">
+            <a:fld id="{3F69DFAE-6729-475B-B04F-430881670631}" type="slidenum">
               <a:rPr b="0" lang="en-US" sz="1400" spc="-1" strike="noStrike">
                 <a:solidFill>
                   <a:srgbClr val="000000"/>
@@ -6605,14 +6684,14 @@
       </p:sp>
       <p:sp>
         <p:nvSpPr>
-          <p:cNvPr id="243" name="TextShape 3"/>
-          <p:cNvSpPr txBox="1"/>
+          <p:cNvPr id="245" name="CustomShape 3"/>
+          <p:cNvSpPr/>
           <p:nvPr/>
         </p:nvSpPr>
         <p:spPr>
           <a:xfrm>
             <a:off x="360360" y="5078520"/>
-            <a:ext cx="6118920" cy="3740400"/>
+            <a:ext cx="6118560" cy="3740040"/>
           </a:xfrm>
           <a:prstGeom prst="rect">
             <a:avLst/>
@@ -6622,12 +6701,18 @@
             <a:noFill/>
           </a:ln>
         </p:spPr>
+        <p:style>
+          <a:lnRef idx="0"/>
+          <a:fillRef idx="0"/>
+          <a:effectRef idx="0"/>
+          <a:fontRef idx="minor"/>
+        </p:style>
         <p:txBody>
           <a:bodyPr lIns="0" rIns="0" tIns="0" bIns="0">
             <a:noAutofit/>
           </a:bodyPr>
           <a:p>
-            <a:pPr marL="216000" indent="-215280">
+            <a:pPr marL="216000" indent="-214920">
               <a:lnSpc>
                 <a:spcPct val="100000"/>
               </a:lnSpc>
@@ -6638,35 +6723,35 @@
                 <a:tab algn="l" pos="0"/>
               </a:tabLst>
             </a:pPr>
-            <a:endParaRPr b="0" lang="en-AU" sz="2000" spc="-1" strike="noStrike">
-              <a:latin typeface="Arial"/>
-            </a:endParaRPr>
-          </a:p>
-          <a:p>
-            <a:pPr marL="216000" indent="-215280">
-              <a:lnSpc>
-                <a:spcPct val="100000"/>
-              </a:lnSpc>
-              <a:tabLst>
-                <a:tab algn="l" pos="0"/>
-              </a:tabLst>
-            </a:pPr>
-            <a:endParaRPr b="0" lang="en-AU" sz="2000" spc="-1" strike="noStrike">
-              <a:latin typeface="Arial"/>
-            </a:endParaRPr>
-          </a:p>
-        </p:txBody>
-      </p:sp>
-      <p:sp>
-        <p:nvSpPr>
-          <p:cNvPr id="244" name="TextShape 4"/>
-          <p:cNvSpPr txBox="1"/>
+            <a:endParaRPr b="0" lang="en-AU" sz="1800" spc="-1" strike="noStrike">
+              <a:latin typeface="Arial"/>
+            </a:endParaRPr>
+          </a:p>
+          <a:p>
+            <a:pPr marL="216000" indent="-214920">
+              <a:lnSpc>
+                <a:spcPct val="100000"/>
+              </a:lnSpc>
+              <a:tabLst>
+                <a:tab algn="l" pos="0"/>
+              </a:tabLst>
+            </a:pPr>
+            <a:endParaRPr b="0" lang="en-AU" sz="1800" spc="-1" strike="noStrike">
+              <a:latin typeface="Arial"/>
+            </a:endParaRPr>
+          </a:p>
+        </p:txBody>
+      </p:sp>
+      <p:sp>
+        <p:nvSpPr>
+          <p:cNvPr id="246" name="CustomShape 4"/>
+          <p:cNvSpPr/>
           <p:nvPr/>
         </p:nvSpPr>
         <p:spPr>
           <a:xfrm>
             <a:off x="292680" y="4320000"/>
-            <a:ext cx="6367320" cy="4885560"/>
+            <a:ext cx="6366960" cy="4885200"/>
           </a:xfrm>
           <a:prstGeom prst="rect">
             <a:avLst/>
@@ -6676,11 +6761,22 @@
             <a:noFill/>
           </a:ln>
         </p:spPr>
+        <p:style>
+          <a:lnRef idx="0"/>
+          <a:fillRef idx="0"/>
+          <a:effectRef idx="0"/>
+          <a:fontRef idx="minor"/>
+        </p:style>
         <p:txBody>
           <a:bodyPr lIns="90000" rIns="90000" tIns="45000" bIns="45000">
             <a:noAutofit/>
           </a:bodyPr>
           <a:p>
+            <a:pPr>
+              <a:lnSpc>
+                <a:spcPct val="100000"/>
+              </a:lnSpc>
+            </a:pPr>
             <a:r>
               <a:rPr b="0" lang="en-AU" sz="1400" spc="-1" strike="noStrike">
                 <a:latin typeface="Arial"/>
@@ -6692,11 +6788,21 @@
             </a:endParaRPr>
           </a:p>
           <a:p>
+            <a:pPr>
+              <a:lnSpc>
+                <a:spcPct val="100000"/>
+              </a:lnSpc>
+            </a:pPr>
             <a:endParaRPr b="0" lang="en-AU" sz="1400" spc="-1" strike="noStrike">
               <a:latin typeface="Arial"/>
             </a:endParaRPr>
           </a:p>
           <a:p>
+            <a:pPr>
+              <a:lnSpc>
+                <a:spcPct val="100000"/>
+              </a:lnSpc>
+            </a:pPr>
             <a:r>
               <a:rPr b="0" lang="en-AU" sz="1400" spc="-1" strike="noStrike">
                 <a:latin typeface="Arial"/>
@@ -6708,11 +6814,21 @@
             </a:endParaRPr>
           </a:p>
           <a:p>
+            <a:pPr>
+              <a:lnSpc>
+                <a:spcPct val="100000"/>
+              </a:lnSpc>
+            </a:pPr>
             <a:endParaRPr b="0" lang="en-AU" sz="1400" spc="-1" strike="noStrike">
               <a:latin typeface="Arial"/>
             </a:endParaRPr>
           </a:p>
           <a:p>
+            <a:pPr>
+              <a:lnSpc>
+                <a:spcPct val="100000"/>
+              </a:lnSpc>
+            </a:pPr>
             <a:r>
               <a:rPr b="0" lang="en-AU" sz="1400" spc="-1" strike="noStrike">
                 <a:latin typeface="Arial"/>
@@ -6724,11 +6840,21 @@
             </a:endParaRPr>
           </a:p>
           <a:p>
+            <a:pPr>
+              <a:lnSpc>
+                <a:spcPct val="100000"/>
+              </a:lnSpc>
+            </a:pPr>
             <a:endParaRPr b="0" lang="en-AU" sz="1400" spc="-1" strike="noStrike">
               <a:latin typeface="Arial"/>
             </a:endParaRPr>
           </a:p>
           <a:p>
+            <a:pPr>
+              <a:lnSpc>
+                <a:spcPct val="100000"/>
+              </a:lnSpc>
+            </a:pPr>
             <a:r>
               <a:rPr b="0" lang="en-AU" sz="1400" spc="-1" strike="noStrike">
                 <a:latin typeface="Arial"/>
@@ -6740,11 +6866,21 @@
             </a:endParaRPr>
           </a:p>
           <a:p>
+            <a:pPr>
+              <a:lnSpc>
+                <a:spcPct val="100000"/>
+              </a:lnSpc>
+            </a:pPr>
             <a:endParaRPr b="0" lang="en-AU" sz="1400" spc="-1" strike="noStrike">
               <a:latin typeface="Arial"/>
             </a:endParaRPr>
           </a:p>
           <a:p>
+            <a:pPr>
+              <a:lnSpc>
+                <a:spcPct val="100000"/>
+              </a:lnSpc>
+            </a:pPr>
             <a:r>
               <a:rPr b="0" lang="en-AU" sz="1400" spc="-1" strike="noStrike">
                 <a:latin typeface="Arial"/>
@@ -6756,11 +6892,21 @@
             </a:endParaRPr>
           </a:p>
           <a:p>
+            <a:pPr>
+              <a:lnSpc>
+                <a:spcPct val="100000"/>
+              </a:lnSpc>
+            </a:pPr>
             <a:endParaRPr b="0" lang="en-AU" sz="1400" spc="-1" strike="noStrike">
               <a:latin typeface="Arial"/>
             </a:endParaRPr>
           </a:p>
           <a:p>
+            <a:pPr>
+              <a:lnSpc>
+                <a:spcPct val="100000"/>
+              </a:lnSpc>
+            </a:pPr>
             <a:r>
               <a:rPr b="0" lang="en-AU" sz="1400" spc="-1" strike="noStrike">
                 <a:latin typeface="Arial"/>
@@ -6797,7 +6943,7 @@
       </p:grpSpPr>
       <p:sp>
         <p:nvSpPr>
-          <p:cNvPr id="337" name="PlaceHolder 1"/>
+          <p:cNvPr id="339" name="PlaceHolder 1"/>
           <p:cNvSpPr>
             <a:spLocks noGrp="1"/>
           </p:cNvSpPr>
@@ -6808,16 +6954,16 @@
         <p:spPr>
           <a:xfrm>
             <a:off x="685800" y="1143000"/>
-            <a:ext cx="5481720" cy="3081600"/>
-          </a:xfrm>
-          <a:prstGeom prst="rect">
-            <a:avLst/>
-          </a:prstGeom>
-        </p:spPr>
-      </p:sp>
-      <p:sp>
-        <p:nvSpPr>
-          <p:cNvPr id="338" name="PlaceHolder 2"/>
+            <a:ext cx="5481360" cy="3081240"/>
+          </a:xfrm>
+          <a:prstGeom prst="rect">
+            <a:avLst/>
+          </a:prstGeom>
+        </p:spPr>
+      </p:sp>
+      <p:sp>
+        <p:nvSpPr>
+          <p:cNvPr id="340" name="PlaceHolder 2"/>
           <p:cNvSpPr>
             <a:spLocks noGrp="1"/>
           </p:cNvSpPr>
@@ -6828,7 +6974,7 @@
         <p:spPr>
           <a:xfrm>
             <a:off x="685800" y="4400640"/>
-            <a:ext cx="5481720" cy="3595680"/>
+            <a:ext cx="5481360" cy="3595320"/>
           </a:xfrm>
           <a:prstGeom prst="rect">
             <a:avLst/>
@@ -6839,7 +6985,7 @@
             <a:noAutofit/>
           </a:bodyPr>
           <a:p>
-            <a:pPr marL="216000" indent="-215280">
+            <a:pPr marL="216000" indent="-214920">
               <a:lnSpc>
                 <a:spcPct val="100000"/>
               </a:lnSpc>
@@ -6867,7 +7013,7 @@
             </a:endParaRPr>
           </a:p>
           <a:p>
-            <a:pPr marL="216000" indent="-215280">
+            <a:pPr marL="216000" indent="-214920">
               <a:lnSpc>
                 <a:spcPct val="100000"/>
               </a:lnSpc>
@@ -6880,7 +7026,7 @@
             </a:endParaRPr>
           </a:p>
           <a:p>
-            <a:pPr marL="216000" indent="-215280">
+            <a:pPr marL="216000" indent="-214920">
               <a:lnSpc>
                 <a:spcPct val="100000"/>
               </a:lnSpc>
@@ -6903,14 +7049,14 @@
       </p:sp>
       <p:sp>
         <p:nvSpPr>
-          <p:cNvPr id="339" name="CustomShape 3"/>
+          <p:cNvPr id="341" name="CustomShape 3"/>
           <p:cNvSpPr/>
           <p:nvPr/>
         </p:nvSpPr>
         <p:spPr>
           <a:xfrm>
             <a:off x="3884760" y="8685360"/>
-            <a:ext cx="2967120" cy="453960"/>
+            <a:ext cx="2966760" cy="453600"/>
           </a:xfrm>
           <a:prstGeom prst="rect">
             <a:avLst/>
@@ -6939,7 +7085,7 @@
                 <a:tab algn="l" pos="0"/>
               </a:tabLst>
             </a:pPr>
-            <a:fld id="{D05638DC-5C04-4F54-90E9-728CD3648EDD}" type="slidenum">
+            <a:fld id="{A97046E9-CD3A-461E-93E1-9C6E3DADBC05}" type="slidenum">
               <a:rPr b="0" lang="en-US" sz="1400" spc="-1" strike="noStrike">
                 <a:solidFill>
                   <a:srgbClr val="000000"/>
@@ -6978,7 +7124,7 @@
       </p:grpSpPr>
       <p:sp>
         <p:nvSpPr>
-          <p:cNvPr id="340" name="PlaceHolder 1"/>
+          <p:cNvPr id="342" name="PlaceHolder 1"/>
           <p:cNvSpPr>
             <a:spLocks noGrp="1"/>
           </p:cNvSpPr>
@@ -6989,16 +7135,16 @@
         <p:spPr>
           <a:xfrm>
             <a:off x="685800" y="1143000"/>
-            <a:ext cx="5481720" cy="3081600"/>
-          </a:xfrm>
-          <a:prstGeom prst="rect">
-            <a:avLst/>
-          </a:prstGeom>
-        </p:spPr>
-      </p:sp>
-      <p:sp>
-        <p:nvSpPr>
-          <p:cNvPr id="341" name="PlaceHolder 2"/>
+            <a:ext cx="5481360" cy="3081240"/>
+          </a:xfrm>
+          <a:prstGeom prst="rect">
+            <a:avLst/>
+          </a:prstGeom>
+        </p:spPr>
+      </p:sp>
+      <p:sp>
+        <p:nvSpPr>
+          <p:cNvPr id="343" name="PlaceHolder 2"/>
           <p:cNvSpPr>
             <a:spLocks noGrp="1"/>
           </p:cNvSpPr>
@@ -7009,7 +7155,7 @@
         <p:spPr>
           <a:xfrm>
             <a:off x="685800" y="4400640"/>
-            <a:ext cx="5481720" cy="3595680"/>
+            <a:ext cx="5481360" cy="3595320"/>
           </a:xfrm>
           <a:prstGeom prst="rect">
             <a:avLst/>
@@ -7020,7 +7166,7 @@
             <a:noAutofit/>
           </a:bodyPr>
           <a:p>
-            <a:pPr marL="216000" indent="-215280">
+            <a:pPr marL="216000" indent="-214920">
               <a:lnSpc>
                 <a:spcPct val="100000"/>
               </a:lnSpc>
@@ -7033,7 +7179,7 @@
             </a:endParaRPr>
           </a:p>
           <a:p>
-            <a:pPr marL="216000" indent="-215280">
+            <a:pPr marL="216000" indent="-214920">
               <a:lnSpc>
                 <a:spcPct val="100000"/>
               </a:lnSpc>
@@ -7067,7 +7213,7 @@
             </a:endParaRPr>
           </a:p>
           <a:p>
-            <a:pPr marL="216000" indent="-215280">
+            <a:pPr marL="216000" indent="-214920">
               <a:lnSpc>
                 <a:spcPct val="100000"/>
               </a:lnSpc>
@@ -7080,7 +7226,7 @@
             </a:endParaRPr>
           </a:p>
           <a:p>
-            <a:pPr marL="216000" indent="-215280">
+            <a:pPr marL="216000" indent="-214920">
               <a:lnSpc>
                 <a:spcPct val="100000"/>
               </a:lnSpc>
@@ -7100,7 +7246,7 @@
             </a:endParaRPr>
           </a:p>
           <a:p>
-            <a:pPr marL="216000" indent="-215280">
+            <a:pPr marL="216000" indent="-214920">
               <a:lnSpc>
                 <a:spcPct val="100000"/>
               </a:lnSpc>
@@ -7113,7 +7259,7 @@
             </a:endParaRPr>
           </a:p>
           <a:p>
-            <a:pPr marL="216000" indent="-215280">
+            <a:pPr marL="216000" indent="-214920">
               <a:lnSpc>
                 <a:spcPct val="100000"/>
               </a:lnSpc>
@@ -7133,7 +7279,7 @@
             </a:endParaRPr>
           </a:p>
           <a:p>
-            <a:pPr marL="216000" indent="-215280">
+            <a:pPr marL="216000" indent="-214920">
               <a:lnSpc>
                 <a:spcPct val="100000"/>
               </a:lnSpc>
@@ -7149,14 +7295,14 @@
       </p:sp>
       <p:sp>
         <p:nvSpPr>
-          <p:cNvPr id="342" name="CustomShape 3"/>
+          <p:cNvPr id="344" name="CustomShape 3"/>
           <p:cNvSpPr/>
           <p:nvPr/>
         </p:nvSpPr>
         <p:spPr>
           <a:xfrm>
             <a:off x="3884760" y="8685360"/>
-            <a:ext cx="2967120" cy="453960"/>
+            <a:ext cx="2966760" cy="453600"/>
           </a:xfrm>
           <a:prstGeom prst="rect">
             <a:avLst/>
@@ -7185,7 +7331,7 @@
                 <a:tab algn="l" pos="0"/>
               </a:tabLst>
             </a:pPr>
-            <a:fld id="{5FFB4DFC-1947-4BE2-BEFF-65F86F61AF6B}" type="slidenum">
+            <a:fld id="{95F060C4-7474-4BE8-925F-49C45027525B}" type="slidenum">
               <a:rPr b="0" lang="en-US" sz="1400" spc="-1" strike="noStrike">
                 <a:solidFill>
                   <a:srgbClr val="000000"/>
@@ -7224,7 +7370,7 @@
       </p:grpSpPr>
       <p:sp>
         <p:nvSpPr>
-          <p:cNvPr id="343" name="PlaceHolder 1"/>
+          <p:cNvPr id="345" name="PlaceHolder 1"/>
           <p:cNvSpPr>
             <a:spLocks noGrp="1"/>
           </p:cNvSpPr>
@@ -7235,16 +7381,16 @@
         <p:spPr>
           <a:xfrm>
             <a:off x="685800" y="1143000"/>
-            <a:ext cx="5481720" cy="3081600"/>
-          </a:xfrm>
-          <a:prstGeom prst="rect">
-            <a:avLst/>
-          </a:prstGeom>
-        </p:spPr>
-      </p:sp>
-      <p:sp>
-        <p:nvSpPr>
-          <p:cNvPr id="344" name="PlaceHolder 2"/>
+            <a:ext cx="5481360" cy="3081240"/>
+          </a:xfrm>
+          <a:prstGeom prst="rect">
+            <a:avLst/>
+          </a:prstGeom>
+        </p:spPr>
+      </p:sp>
+      <p:sp>
+        <p:nvSpPr>
+          <p:cNvPr id="346" name="PlaceHolder 2"/>
           <p:cNvSpPr>
             <a:spLocks noGrp="1"/>
           </p:cNvSpPr>
@@ -7255,7 +7401,7 @@
         <p:spPr>
           <a:xfrm>
             <a:off x="685800" y="4400640"/>
-            <a:ext cx="5481720" cy="3595680"/>
+            <a:ext cx="5481360" cy="3595320"/>
           </a:xfrm>
           <a:prstGeom prst="rect">
             <a:avLst/>
@@ -7266,7 +7412,7 @@
             <a:noAutofit/>
           </a:bodyPr>
           <a:p>
-            <a:pPr marL="216000" indent="-215280">
+            <a:pPr marL="216000" indent="-214920">
               <a:lnSpc>
                 <a:spcPct val="100000"/>
               </a:lnSpc>
@@ -7285,7 +7431,7 @@
             </a:endParaRPr>
           </a:p>
           <a:p>
-            <a:pPr marL="216000" indent="-215280">
+            <a:pPr marL="216000" indent="-214920">
               <a:lnSpc>
                 <a:spcPct val="100000"/>
               </a:lnSpc>
@@ -7298,7 +7444,7 @@
             </a:endParaRPr>
           </a:p>
           <a:p>
-            <a:pPr marL="216000" indent="-215280">
+            <a:pPr marL="216000" indent="-214920">
               <a:lnSpc>
                 <a:spcPct val="100000"/>
               </a:lnSpc>
@@ -7322,14 +7468,14 @@
       </p:sp>
       <p:sp>
         <p:nvSpPr>
-          <p:cNvPr id="345" name="CustomShape 3"/>
+          <p:cNvPr id="347" name="CustomShape 3"/>
           <p:cNvSpPr/>
           <p:nvPr/>
         </p:nvSpPr>
         <p:spPr>
           <a:xfrm>
             <a:off x="3884760" y="8685360"/>
-            <a:ext cx="2967120" cy="453960"/>
+            <a:ext cx="2966760" cy="453600"/>
           </a:xfrm>
           <a:prstGeom prst="rect">
             <a:avLst/>
@@ -7358,7 +7504,7 @@
                 <a:tab algn="l" pos="0"/>
               </a:tabLst>
             </a:pPr>
-            <a:fld id="{BB2FB8D6-5459-4E18-B189-47FA6B86E5B3}" type="slidenum">
+            <a:fld id="{72110E32-BE89-484B-97A0-F9B4AEC63E5D}" type="slidenum">
               <a:rPr b="0" lang="en-US" sz="1800" spc="-1" strike="noStrike">
                 <a:solidFill>
                   <a:srgbClr val="000000"/>
@@ -7397,7 +7543,7 @@
       </p:grpSpPr>
       <p:sp>
         <p:nvSpPr>
-          <p:cNvPr id="346" name="PlaceHolder 1"/>
+          <p:cNvPr id="348" name="PlaceHolder 1"/>
           <p:cNvSpPr>
             <a:spLocks noGrp="1"/>
           </p:cNvSpPr>
@@ -7408,16 +7554,16 @@
         <p:spPr>
           <a:xfrm>
             <a:off x="73440" y="812520"/>
-            <a:ext cx="7125120" cy="4007160"/>
-          </a:xfrm>
-          <a:prstGeom prst="rect">
-            <a:avLst/>
-          </a:prstGeom>
-        </p:spPr>
-      </p:sp>
-      <p:sp>
-        <p:nvSpPr>
-          <p:cNvPr id="347" name="PlaceHolder 2"/>
+            <a:ext cx="7124760" cy="4006800"/>
+          </a:xfrm>
+          <a:prstGeom prst="rect">
+            <a:avLst/>
+          </a:prstGeom>
+        </p:spPr>
+      </p:sp>
+      <p:sp>
+        <p:nvSpPr>
+          <p:cNvPr id="349" name="PlaceHolder 2"/>
           <p:cNvSpPr>
             <a:spLocks noGrp="1"/>
           </p:cNvSpPr>
@@ -7428,7 +7574,7 @@
         <p:spPr>
           <a:xfrm>
             <a:off x="756000" y="5078520"/>
-            <a:ext cx="5182920" cy="3020400"/>
+            <a:ext cx="5182560" cy="3020040"/>
           </a:xfrm>
           <a:prstGeom prst="rect">
             <a:avLst/>
@@ -7439,7 +7585,7 @@
             <a:noAutofit/>
           </a:bodyPr>
           <a:p>
-            <a:pPr marL="216000" indent="-215280">
+            <a:pPr marL="216000" indent="-214920">
               <a:lnSpc>
                 <a:spcPct val="100000"/>
               </a:lnSpc>
@@ -7452,7 +7598,7 @@
             </a:endParaRPr>
           </a:p>
           <a:p>
-            <a:pPr marL="216000" indent="-215280">
+            <a:pPr marL="216000" indent="-214920">
               <a:lnSpc>
                 <a:spcPct val="100000"/>
               </a:lnSpc>
@@ -7472,7 +7618,7 @@
             </a:endParaRPr>
           </a:p>
           <a:p>
-            <a:pPr marL="216000" indent="-215280">
+            <a:pPr marL="216000" indent="-214920">
               <a:lnSpc>
                 <a:spcPct val="100000"/>
               </a:lnSpc>
@@ -7485,7 +7631,7 @@
             </a:endParaRPr>
           </a:p>
           <a:p>
-            <a:pPr marL="216000" indent="-215280">
+            <a:pPr marL="216000" indent="-214920">
               <a:lnSpc>
                 <a:spcPct val="100000"/>
               </a:lnSpc>
@@ -7530,7 +7676,7 @@
       </p:grpSpPr>
       <p:sp>
         <p:nvSpPr>
-          <p:cNvPr id="245" name="PlaceHolder 1"/>
+          <p:cNvPr id="247" name="PlaceHolder 1"/>
           <p:cNvSpPr>
             <a:spLocks noGrp="1"/>
           </p:cNvSpPr>
@@ -7541,16 +7687,16 @@
         <p:spPr>
           <a:xfrm>
             <a:off x="685800" y="1143000"/>
-            <a:ext cx="5481720" cy="3081600"/>
-          </a:xfrm>
-          <a:prstGeom prst="rect">
-            <a:avLst/>
-          </a:prstGeom>
-        </p:spPr>
-      </p:sp>
-      <p:sp>
-        <p:nvSpPr>
-          <p:cNvPr id="246" name="PlaceHolder 2"/>
+            <a:ext cx="5481360" cy="3081240"/>
+          </a:xfrm>
+          <a:prstGeom prst="rect">
+            <a:avLst/>
+          </a:prstGeom>
+        </p:spPr>
+      </p:sp>
+      <p:sp>
+        <p:nvSpPr>
+          <p:cNvPr id="248" name="PlaceHolder 2"/>
           <p:cNvSpPr>
             <a:spLocks noGrp="1"/>
           </p:cNvSpPr>
@@ -7561,7 +7707,7 @@
         <p:spPr>
           <a:xfrm>
             <a:off x="685800" y="4400640"/>
-            <a:ext cx="5481720" cy="3595680"/>
+            <a:ext cx="5481360" cy="3595320"/>
           </a:xfrm>
           <a:prstGeom prst="rect">
             <a:avLst/>
@@ -7572,7 +7718,7 @@
             <a:noAutofit/>
           </a:bodyPr>
           <a:p>
-            <a:pPr marL="216000" indent="-212760">
+            <a:pPr marL="216000" indent="-212400">
               <a:lnSpc>
                 <a:spcPct val="100000"/>
               </a:lnSpc>
@@ -7585,7 +7731,7 @@
             </a:endParaRPr>
           </a:p>
           <a:p>
-            <a:pPr marL="216000" indent="-212760">
+            <a:pPr marL="216000" indent="-212400">
               <a:lnSpc>
                 <a:spcPct val="100000"/>
               </a:lnSpc>
@@ -7601,14 +7747,14 @@
       </p:sp>
       <p:sp>
         <p:nvSpPr>
-          <p:cNvPr id="247" name="CustomShape 3"/>
+          <p:cNvPr id="249" name="CustomShape 3"/>
           <p:cNvSpPr/>
           <p:nvPr/>
         </p:nvSpPr>
         <p:spPr>
           <a:xfrm>
             <a:off x="3884760" y="8685360"/>
-            <a:ext cx="2967120" cy="453960"/>
+            <a:ext cx="2966760" cy="453600"/>
           </a:xfrm>
           <a:prstGeom prst="rect">
             <a:avLst/>
@@ -7637,7 +7783,7 @@
                 <a:tab algn="l" pos="0"/>
               </a:tabLst>
             </a:pPr>
-            <a:fld id="{CDDD9FD3-655B-4ED2-8DC1-7F68851F3100}" type="slidenum">
+            <a:fld id="{B983A66A-6C1D-4B93-996E-C4785C14F4C3}" type="slidenum">
               <a:rPr b="0" lang="en-US" sz="1400" spc="-1" strike="noStrike">
                 <a:solidFill>
                   <a:srgbClr val="000000"/>
@@ -7676,7 +7822,7 @@
       </p:grpSpPr>
       <p:sp>
         <p:nvSpPr>
-          <p:cNvPr id="248" name="PlaceHolder 1"/>
+          <p:cNvPr id="250" name="PlaceHolder 1"/>
           <p:cNvSpPr>
             <a:spLocks noGrp="1"/>
           </p:cNvSpPr>
@@ -7687,16 +7833,16 @@
         <p:spPr>
           <a:xfrm>
             <a:off x="685800" y="1143000"/>
-            <a:ext cx="5481720" cy="3081600"/>
-          </a:xfrm>
-          <a:prstGeom prst="rect">
-            <a:avLst/>
-          </a:prstGeom>
-        </p:spPr>
-      </p:sp>
-      <p:sp>
-        <p:nvSpPr>
-          <p:cNvPr id="249" name="PlaceHolder 2"/>
+            <a:ext cx="5481360" cy="3081240"/>
+          </a:xfrm>
+          <a:prstGeom prst="rect">
+            <a:avLst/>
+          </a:prstGeom>
+        </p:spPr>
+      </p:sp>
+      <p:sp>
+        <p:nvSpPr>
+          <p:cNvPr id="251" name="PlaceHolder 2"/>
           <p:cNvSpPr>
             <a:spLocks noGrp="1"/>
           </p:cNvSpPr>
@@ -7707,7 +7853,7 @@
         <p:spPr>
           <a:xfrm>
             <a:off x="685800" y="4400640"/>
-            <a:ext cx="5481720" cy="3595680"/>
+            <a:ext cx="5481360" cy="3595320"/>
           </a:xfrm>
           <a:prstGeom prst="rect">
             <a:avLst/>
@@ -7718,7 +7864,7 @@
             <a:noAutofit/>
           </a:bodyPr>
           <a:p>
-            <a:pPr>
+            <a:pPr marL="216000" indent="-216000">
               <a:lnSpc>
                 <a:spcPct val="100000"/>
               </a:lnSpc>
@@ -7740,7 +7886,7 @@
             </a:endParaRPr>
           </a:p>
           <a:p>
-            <a:pPr>
+            <a:pPr marL="216000" indent="-216000">
               <a:lnSpc>
                 <a:spcPct val="100000"/>
               </a:lnSpc>
@@ -7753,7 +7899,7 @@
             </a:endParaRPr>
           </a:p>
           <a:p>
-            <a:pPr>
+            <a:pPr marL="216000" indent="-216000">
               <a:lnSpc>
                 <a:spcPct val="100000"/>
               </a:lnSpc>
@@ -7775,7 +7921,7 @@
             </a:endParaRPr>
           </a:p>
           <a:p>
-            <a:pPr>
+            <a:pPr marL="216000" indent="-216000">
               <a:lnSpc>
                 <a:spcPct val="100000"/>
               </a:lnSpc>
@@ -7788,7 +7934,7 @@
             </a:endParaRPr>
           </a:p>
           <a:p>
-            <a:pPr>
+            <a:pPr marL="216000" indent="-216000">
               <a:lnSpc>
                 <a:spcPct val="100000"/>
               </a:lnSpc>
@@ -7811,7 +7957,7 @@
             </a:endParaRPr>
           </a:p>
           <a:p>
-            <a:pPr>
+            <a:pPr marL="216000" indent="-216000">
               <a:lnSpc>
                 <a:spcPct val="100000"/>
               </a:lnSpc>
@@ -7824,7 +7970,7 @@
             </a:endParaRPr>
           </a:p>
           <a:p>
-            <a:pPr>
+            <a:pPr marL="216000" indent="-216000">
               <a:lnSpc>
                 <a:spcPct val="100000"/>
               </a:lnSpc>
@@ -7847,7 +7993,7 @@
             </a:endParaRPr>
           </a:p>
           <a:p>
-            <a:pPr>
+            <a:pPr marL="216000" indent="-216000">
               <a:lnSpc>
                 <a:spcPct val="100000"/>
               </a:lnSpc>
@@ -7860,7 +8006,7 @@
             </a:endParaRPr>
           </a:p>
           <a:p>
-            <a:pPr marL="216000" indent="-213120">
+            <a:pPr marL="216000" indent="-212760">
               <a:lnSpc>
                 <a:spcPct val="100000"/>
               </a:lnSpc>
@@ -7876,14 +8022,14 @@
       </p:sp>
       <p:sp>
         <p:nvSpPr>
-          <p:cNvPr id="250" name="CustomShape 3"/>
+          <p:cNvPr id="252" name="CustomShape 3"/>
           <p:cNvSpPr/>
           <p:nvPr/>
         </p:nvSpPr>
         <p:spPr>
           <a:xfrm>
             <a:off x="3884760" y="8685360"/>
-            <a:ext cx="2967120" cy="453960"/>
+            <a:ext cx="2966760" cy="453600"/>
           </a:xfrm>
           <a:prstGeom prst="rect">
             <a:avLst/>
@@ -7912,7 +8058,7 @@
                 <a:tab algn="l" pos="0"/>
               </a:tabLst>
             </a:pPr>
-            <a:fld id="{8D9F53CE-BDB8-48FE-89C7-FBA7AF813484}" type="slidenum">
+            <a:fld id="{09AC71BF-E6FC-4B8C-8F0D-4182C84ED93F}" type="slidenum">
               <a:rPr b="0" lang="en-US" sz="1400" spc="-1" strike="noStrike">
                 <a:solidFill>
                   <a:srgbClr val="000000"/>
@@ -7929,14 +8075,14 @@
       </p:sp>
       <p:sp>
         <p:nvSpPr>
-          <p:cNvPr id="251" name="CustomShape 4"/>
+          <p:cNvPr id="253" name="CustomShape 4"/>
           <p:cNvSpPr/>
           <p:nvPr/>
         </p:nvSpPr>
         <p:spPr>
           <a:xfrm>
             <a:off x="540000" y="5040000"/>
-            <a:ext cx="5938200" cy="2878200"/>
+            <a:ext cx="5937840" cy="2877840"/>
           </a:xfrm>
           <a:prstGeom prst="rect">
             <a:avLst/>
@@ -7977,7 +8123,7 @@
       </p:grpSpPr>
       <p:sp>
         <p:nvSpPr>
-          <p:cNvPr id="252" name="PlaceHolder 1"/>
+          <p:cNvPr id="254" name="PlaceHolder 1"/>
           <p:cNvSpPr>
             <a:spLocks noGrp="1"/>
           </p:cNvSpPr>
@@ -7988,16 +8134,16 @@
         <p:spPr>
           <a:xfrm>
             <a:off x="685800" y="1143000"/>
-            <a:ext cx="5481720" cy="3081600"/>
-          </a:xfrm>
-          <a:prstGeom prst="rect">
-            <a:avLst/>
-          </a:prstGeom>
-        </p:spPr>
-      </p:sp>
-      <p:sp>
-        <p:nvSpPr>
-          <p:cNvPr id="253" name="PlaceHolder 2"/>
+            <a:ext cx="5481360" cy="3081240"/>
+          </a:xfrm>
+          <a:prstGeom prst="rect">
+            <a:avLst/>
+          </a:prstGeom>
+        </p:spPr>
+      </p:sp>
+      <p:sp>
+        <p:nvSpPr>
+          <p:cNvPr id="255" name="PlaceHolder 2"/>
           <p:cNvSpPr>
             <a:spLocks noGrp="1"/>
           </p:cNvSpPr>
@@ -8008,7 +8154,7 @@
         <p:spPr>
           <a:xfrm>
             <a:off x="685800" y="4400640"/>
-            <a:ext cx="5481720" cy="3595680"/>
+            <a:ext cx="5481360" cy="3595320"/>
           </a:xfrm>
           <a:prstGeom prst="rect">
             <a:avLst/>
@@ -8019,7 +8165,7 @@
             <a:noAutofit/>
           </a:bodyPr>
           <a:p>
-            <a:pPr>
+            <a:pPr marL="216000" indent="-216000">
               <a:lnSpc>
                 <a:spcPct val="100000"/>
               </a:lnSpc>
@@ -8042,7 +8188,7 @@
             </a:endParaRPr>
           </a:p>
           <a:p>
-            <a:pPr marL="216000" indent="-214200">
+            <a:pPr marL="216000" indent="-213840">
               <a:lnSpc>
                 <a:spcPct val="100000"/>
               </a:lnSpc>
@@ -8055,7 +8201,7 @@
             </a:endParaRPr>
           </a:p>
           <a:p>
-            <a:pPr marL="216000" indent="-214200">
+            <a:pPr marL="216000" indent="-213840">
               <a:lnSpc>
                 <a:spcPct val="100000"/>
               </a:lnSpc>
@@ -8078,7 +8224,7 @@
             </a:endParaRPr>
           </a:p>
           <a:p>
-            <a:pPr marL="216000" indent="-214200">
+            <a:pPr marL="216000" indent="-213840">
               <a:lnSpc>
                 <a:spcPct val="100000"/>
               </a:lnSpc>
@@ -8091,7 +8237,7 @@
             </a:endParaRPr>
           </a:p>
           <a:p>
-            <a:pPr marL="216000" indent="-213120">
+            <a:pPr marL="216000" indent="-212760">
               <a:lnSpc>
                 <a:spcPct val="100000"/>
               </a:lnSpc>
@@ -8107,14 +8253,14 @@
       </p:sp>
       <p:sp>
         <p:nvSpPr>
-          <p:cNvPr id="254" name="CustomShape 3"/>
+          <p:cNvPr id="256" name="CustomShape 3"/>
           <p:cNvSpPr/>
           <p:nvPr/>
         </p:nvSpPr>
         <p:spPr>
           <a:xfrm>
             <a:off x="3884760" y="8685360"/>
-            <a:ext cx="2967120" cy="453960"/>
+            <a:ext cx="2966760" cy="453600"/>
           </a:xfrm>
           <a:prstGeom prst="rect">
             <a:avLst/>
@@ -8143,7 +8289,7 @@
                 <a:tab algn="l" pos="0"/>
               </a:tabLst>
             </a:pPr>
-            <a:fld id="{32ED5456-9EF7-4967-B52E-155A36BAFBC6}" type="slidenum">
+            <a:fld id="{E1115FC2-2639-4F47-BE53-132F8CE312D1}" type="slidenum">
               <a:rPr b="0" lang="en-US" sz="1400" spc="-1" strike="noStrike">
                 <a:solidFill>
                   <a:srgbClr val="000000"/>
@@ -8160,14 +8306,14 @@
       </p:sp>
       <p:sp>
         <p:nvSpPr>
-          <p:cNvPr id="255" name="CustomShape 4"/>
+          <p:cNvPr id="257" name="CustomShape 4"/>
           <p:cNvSpPr/>
           <p:nvPr/>
         </p:nvSpPr>
         <p:spPr>
           <a:xfrm>
             <a:off x="635760" y="4400640"/>
-            <a:ext cx="5482800" cy="3596760"/>
+            <a:ext cx="5482440" cy="3596400"/>
           </a:xfrm>
           <a:prstGeom prst="rect">
             <a:avLst/>
@@ -8208,7 +8354,7 @@
       </p:grpSpPr>
       <p:sp>
         <p:nvSpPr>
-          <p:cNvPr id="256" name="PlaceHolder 1"/>
+          <p:cNvPr id="258" name="PlaceHolder 1"/>
           <p:cNvSpPr>
             <a:spLocks noGrp="1"/>
           </p:cNvSpPr>
@@ -8219,16 +8365,16 @@
         <p:spPr>
           <a:xfrm>
             <a:off x="685800" y="1143000"/>
-            <a:ext cx="5481720" cy="3081600"/>
-          </a:xfrm>
-          <a:prstGeom prst="rect">
-            <a:avLst/>
-          </a:prstGeom>
-        </p:spPr>
-      </p:sp>
-      <p:sp>
-        <p:nvSpPr>
-          <p:cNvPr id="257" name="PlaceHolder 2"/>
+            <a:ext cx="5481360" cy="3081240"/>
+          </a:xfrm>
+          <a:prstGeom prst="rect">
+            <a:avLst/>
+          </a:prstGeom>
+        </p:spPr>
+      </p:sp>
+      <p:sp>
+        <p:nvSpPr>
+          <p:cNvPr id="259" name="PlaceHolder 2"/>
           <p:cNvSpPr>
             <a:spLocks noGrp="1"/>
           </p:cNvSpPr>
@@ -8239,7 +8385,7 @@
         <p:spPr>
           <a:xfrm>
             <a:off x="685800" y="4400640"/>
-            <a:ext cx="5481720" cy="3595680"/>
+            <a:ext cx="5481360" cy="3595320"/>
           </a:xfrm>
           <a:prstGeom prst="rect">
             <a:avLst/>
@@ -8250,7 +8396,7 @@
             <a:noAutofit/>
           </a:bodyPr>
           <a:p>
-            <a:pPr marL="216000" indent="-214200">
+            <a:pPr marL="216000" indent="-213840">
               <a:lnSpc>
                 <a:spcPct val="100000"/>
               </a:lnSpc>
@@ -8270,7 +8416,7 @@
             </a:endParaRPr>
           </a:p>
           <a:p>
-            <a:pPr marL="216000" indent="-214200">
+            <a:pPr marL="216000" indent="-213840">
               <a:lnSpc>
                 <a:spcPct val="100000"/>
               </a:lnSpc>
@@ -8283,7 +8429,7 @@
             </a:endParaRPr>
           </a:p>
           <a:p>
-            <a:pPr marL="216000" indent="-214200">
+            <a:pPr marL="216000" indent="-213840">
               <a:lnSpc>
                 <a:spcPct val="100000"/>
               </a:lnSpc>
@@ -8306,14 +8452,14 @@
       </p:sp>
       <p:sp>
         <p:nvSpPr>
-          <p:cNvPr id="258" name="CustomShape 3"/>
+          <p:cNvPr id="260" name="CustomShape 3"/>
           <p:cNvSpPr/>
           <p:nvPr/>
         </p:nvSpPr>
         <p:spPr>
           <a:xfrm>
             <a:off x="3884760" y="8685360"/>
-            <a:ext cx="2967120" cy="453960"/>
+            <a:ext cx="2966760" cy="453600"/>
           </a:xfrm>
           <a:prstGeom prst="rect">
             <a:avLst/>
@@ -8342,7 +8488,7 @@
                 <a:tab algn="l" pos="0"/>
               </a:tabLst>
             </a:pPr>
-            <a:fld id="{D7F2C690-117E-42B4-AD90-21CBC1C649E5}" type="slidenum">
+            <a:fld id="{9CE5AD14-87CE-480D-8B44-4991A5AE5E97}" type="slidenum">
               <a:rPr b="0" lang="en-US" sz="1400" spc="-1" strike="noStrike">
                 <a:solidFill>
                   <a:srgbClr val="000000"/>
@@ -8381,7 +8527,7 @@
       </p:grpSpPr>
       <p:sp>
         <p:nvSpPr>
-          <p:cNvPr id="259" name="PlaceHolder 1"/>
+          <p:cNvPr id="261" name="PlaceHolder 1"/>
           <p:cNvSpPr>
             <a:spLocks noGrp="1"/>
           </p:cNvSpPr>
@@ -8392,16 +8538,16 @@
         <p:spPr>
           <a:xfrm>
             <a:off x="721800" y="1179000"/>
-            <a:ext cx="5481720" cy="3081600"/>
-          </a:xfrm>
-          <a:prstGeom prst="rect">
-            <a:avLst/>
-          </a:prstGeom>
-        </p:spPr>
-      </p:sp>
-      <p:sp>
-        <p:nvSpPr>
-          <p:cNvPr id="260" name="PlaceHolder 2"/>
+            <a:ext cx="5481360" cy="3081240"/>
+          </a:xfrm>
+          <a:prstGeom prst="rect">
+            <a:avLst/>
+          </a:prstGeom>
+        </p:spPr>
+      </p:sp>
+      <p:sp>
+        <p:nvSpPr>
+          <p:cNvPr id="262" name="PlaceHolder 2"/>
           <p:cNvSpPr>
             <a:spLocks noGrp="1"/>
           </p:cNvSpPr>
@@ -8412,7 +8558,7 @@
         <p:spPr>
           <a:xfrm>
             <a:off x="685800" y="4400640"/>
-            <a:ext cx="5481720" cy="3595680"/>
+            <a:ext cx="5481360" cy="3595320"/>
           </a:xfrm>
           <a:prstGeom prst="rect">
             <a:avLst/>
@@ -8423,7 +8569,7 @@
             <a:noAutofit/>
           </a:bodyPr>
           <a:p>
-            <a:pPr>
+            <a:pPr marL="216000" indent="-216000">
               <a:lnSpc>
                 <a:spcPct val="100000"/>
               </a:lnSpc>
@@ -8448,7 +8594,7 @@
             </a:endParaRPr>
           </a:p>
           <a:p>
-            <a:pPr>
+            <a:pPr marL="216000" indent="-216000">
               <a:lnSpc>
                 <a:spcPct val="100000"/>
               </a:lnSpc>
@@ -8473,7 +8619,7 @@
             </a:endParaRPr>
           </a:p>
           <a:p>
-            <a:pPr>
+            <a:pPr marL="216000" indent="-216000">
               <a:lnSpc>
                 <a:spcPct val="100000"/>
               </a:lnSpc>
@@ -8498,7 +8644,7 @@
             </a:endParaRPr>
           </a:p>
           <a:p>
-            <a:pPr>
+            <a:pPr marL="216000" indent="-216000">
               <a:lnSpc>
                 <a:spcPct val="100000"/>
               </a:lnSpc>
@@ -8523,7 +8669,7 @@
             </a:endParaRPr>
           </a:p>
           <a:p>
-            <a:pPr>
+            <a:pPr marL="216000" indent="-216000">
               <a:lnSpc>
                 <a:spcPct val="100000"/>
               </a:lnSpc>
@@ -8548,7 +8694,7 @@
             </a:endParaRPr>
           </a:p>
           <a:p>
-            <a:pPr marL="216000" indent="-213120">
+            <a:pPr marL="216000" indent="-212760">
               <a:lnSpc>
                 <a:spcPct val="100000"/>
               </a:lnSpc>
@@ -8564,14 +8710,14 @@
       </p:sp>
       <p:sp>
         <p:nvSpPr>
-          <p:cNvPr id="261" name="CustomShape 3"/>
+          <p:cNvPr id="263" name="CustomShape 3"/>
           <p:cNvSpPr/>
           <p:nvPr/>
         </p:nvSpPr>
         <p:spPr>
           <a:xfrm>
             <a:off x="3884760" y="8685360"/>
-            <a:ext cx="2967120" cy="453960"/>
+            <a:ext cx="2966760" cy="453600"/>
           </a:xfrm>
           <a:prstGeom prst="rect">
             <a:avLst/>
@@ -8600,7 +8746,7 @@
                 <a:tab algn="l" pos="0"/>
               </a:tabLst>
             </a:pPr>
-            <a:fld id="{69EA3529-1607-478C-900F-5E59AA215C1F}" type="slidenum">
+            <a:fld id="{80A572B2-EFE5-492F-AD06-171A227E0A87}" type="slidenum">
               <a:rPr b="0" lang="en-US" sz="1400" spc="-1" strike="noStrike">
                 <a:solidFill>
                   <a:srgbClr val="000000"/>
@@ -8617,14 +8763,14 @@
       </p:sp>
       <p:sp>
         <p:nvSpPr>
-          <p:cNvPr id="262" name="CustomShape 4"/>
+          <p:cNvPr id="264" name="CustomShape 4"/>
           <p:cNvSpPr/>
           <p:nvPr/>
         </p:nvSpPr>
         <p:spPr>
           <a:xfrm>
             <a:off x="685800" y="4518360"/>
-            <a:ext cx="5793120" cy="4480560"/>
+            <a:ext cx="5792760" cy="4480200"/>
           </a:xfrm>
           <a:prstGeom prst="rect">
             <a:avLst/>
@@ -8665,7 +8811,7 @@
       </p:grpSpPr>
       <p:sp>
         <p:nvSpPr>
-          <p:cNvPr id="263" name="PlaceHolder 1"/>
+          <p:cNvPr id="265" name="PlaceHolder 1"/>
           <p:cNvSpPr>
             <a:spLocks noGrp="1"/>
           </p:cNvSpPr>
@@ -8676,16 +8822,16 @@
         <p:spPr>
           <a:xfrm>
             <a:off x="685800" y="1143000"/>
-            <a:ext cx="5481720" cy="3081600"/>
-          </a:xfrm>
-          <a:prstGeom prst="rect">
-            <a:avLst/>
-          </a:prstGeom>
-        </p:spPr>
-      </p:sp>
-      <p:sp>
-        <p:nvSpPr>
-          <p:cNvPr id="264" name="PlaceHolder 2"/>
+            <a:ext cx="5481360" cy="3081240"/>
+          </a:xfrm>
+          <a:prstGeom prst="rect">
+            <a:avLst/>
+          </a:prstGeom>
+        </p:spPr>
+      </p:sp>
+      <p:sp>
+        <p:nvSpPr>
+          <p:cNvPr id="266" name="PlaceHolder 2"/>
           <p:cNvSpPr>
             <a:spLocks noGrp="1"/>
           </p:cNvSpPr>
@@ -8696,7 +8842,7 @@
         <p:spPr>
           <a:xfrm>
             <a:off x="685800" y="4400640"/>
-            <a:ext cx="5481720" cy="3595680"/>
+            <a:ext cx="5481360" cy="3595320"/>
           </a:xfrm>
           <a:prstGeom prst="rect">
             <a:avLst/>
@@ -8707,7 +8853,7 @@
             <a:noAutofit/>
           </a:bodyPr>
           <a:p>
-            <a:pPr marL="216000" indent="-215280">
+            <a:pPr marL="216000" indent="-214920">
               <a:lnSpc>
                 <a:spcPct val="100000"/>
               </a:lnSpc>
@@ -8726,7 +8872,7 @@
             </a:endParaRPr>
           </a:p>
           <a:p>
-            <a:pPr marL="216000" indent="-214200">
+            <a:pPr marL="216000" indent="-213840">
               <a:lnSpc>
                 <a:spcPct val="100000"/>
               </a:lnSpc>
@@ -8739,7 +8885,7 @@
             </a:endParaRPr>
           </a:p>
           <a:p>
-            <a:pPr marL="216000" indent="-214200">
+            <a:pPr marL="216000" indent="-213840">
               <a:lnSpc>
                 <a:spcPct val="100000"/>
               </a:lnSpc>
@@ -8758,7 +8904,7 @@
             </a:endParaRPr>
           </a:p>
           <a:p>
-            <a:pPr marL="216000" indent="-214200">
+            <a:pPr marL="216000" indent="-213840">
               <a:lnSpc>
                 <a:spcPct val="100000"/>
               </a:lnSpc>
@@ -8771,7 +8917,7 @@
             </a:endParaRPr>
           </a:p>
           <a:p>
-            <a:pPr marL="216000" indent="-214200">
+            <a:pPr marL="216000" indent="-213840">
               <a:lnSpc>
                 <a:spcPct val="100000"/>
               </a:lnSpc>
@@ -8793,14 +8939,14 @@
       </p:sp>
       <p:sp>
         <p:nvSpPr>
-          <p:cNvPr id="265" name="CustomShape 3"/>
+          <p:cNvPr id="267" name="CustomShape 3"/>
           <p:cNvSpPr/>
           <p:nvPr/>
         </p:nvSpPr>
         <p:spPr>
           <a:xfrm>
             <a:off x="3884760" y="8685360"/>
-            <a:ext cx="2967120" cy="453960"/>
+            <a:ext cx="2966760" cy="453600"/>
           </a:xfrm>
           <a:prstGeom prst="rect">
             <a:avLst/>
@@ -8829,7 +8975,7 @@
                 <a:tab algn="l" pos="0"/>
               </a:tabLst>
             </a:pPr>
-            <a:fld id="{04511090-9291-49B7-B405-094658EBD479}" type="slidenum">
+            <a:fld id="{52A8F01D-AE67-45AF-B4BA-63A86FDDF371}" type="slidenum">
               <a:rPr b="0" lang="en-US" sz="1400" spc="-1" strike="noStrike">
                 <a:solidFill>
                   <a:srgbClr val="000000"/>
@@ -12990,7 +13136,7 @@
         <p:spPr>
           <a:xfrm>
             <a:off x="457200" y="1203480"/>
-            <a:ext cx="8229240" cy="2982960"/>
+            <a:ext cx="8228880" cy="2982600"/>
           </a:xfrm>
           <a:prstGeom prst="rect">
             <a:avLst/>
@@ -13013,12 +13159,12 @@
               <a:buChar char=""/>
             </a:pPr>
             <a:r>
-              <a:rPr b="0" lang="en-AU" sz="3200" spc="-1" strike="noStrike">
+              <a:rPr b="0" lang="en-AU" sz="1800" spc="-1" strike="noStrike">
                 <a:latin typeface="Arial"/>
               </a:rPr>
               <a:t>Click to edit the outline text format</a:t>
             </a:r>
-            <a:endParaRPr b="0" lang="en-AU" sz="3200" spc="-1" strike="noStrike">
+            <a:endParaRPr b="0" lang="en-AU" sz="1800" spc="-1" strike="noStrike">
               <a:latin typeface="Arial"/>
             </a:endParaRPr>
           </a:p>
@@ -13035,12 +13181,12 @@
               <a:buChar char=""/>
             </a:pPr>
             <a:r>
-              <a:rPr b="0" lang="en-AU" sz="2800" spc="-1" strike="noStrike">
+              <a:rPr b="0" lang="en-AU" sz="1800" spc="-1" strike="noStrike">
                 <a:latin typeface="Arial"/>
               </a:rPr>
               <a:t>Second Outline Level</a:t>
             </a:r>
-            <a:endParaRPr b="0" lang="en-AU" sz="2800" spc="-1" strike="noStrike">
+            <a:endParaRPr b="0" lang="en-AU" sz="1800" spc="-1" strike="noStrike">
               <a:latin typeface="Arial"/>
             </a:endParaRPr>
           </a:p>
@@ -13057,12 +13203,12 @@
               <a:buChar char=""/>
             </a:pPr>
             <a:r>
-              <a:rPr b="0" lang="en-AU" sz="2400" spc="-1" strike="noStrike">
+              <a:rPr b="0" lang="en-AU" sz="1800" spc="-1" strike="noStrike">
                 <a:latin typeface="Arial"/>
               </a:rPr>
               <a:t>Third Outline Level</a:t>
             </a:r>
-            <a:endParaRPr b="0" lang="en-AU" sz="2400" spc="-1" strike="noStrike">
+            <a:endParaRPr b="0" lang="en-AU" sz="1800" spc="-1" strike="noStrike">
               <a:latin typeface="Arial"/>
             </a:endParaRPr>
           </a:p>
@@ -13079,12 +13225,12 @@
               <a:buChar char=""/>
             </a:pPr>
             <a:r>
-              <a:rPr b="0" lang="en-AU" sz="2000" spc="-1" strike="noStrike">
+              <a:rPr b="0" lang="en-AU" sz="1800" spc="-1" strike="noStrike">
                 <a:latin typeface="Arial"/>
               </a:rPr>
               <a:t>Fourth Outline Level</a:t>
             </a:r>
-            <a:endParaRPr b="0" lang="en-AU" sz="2000" spc="-1" strike="noStrike">
+            <a:endParaRPr b="0" lang="en-AU" sz="1800" spc="-1" strike="noStrike">
               <a:latin typeface="Arial"/>
             </a:endParaRPr>
           </a:p>
@@ -13101,12 +13247,12 @@
               <a:buChar char=""/>
             </a:pPr>
             <a:r>
-              <a:rPr b="0" lang="en-AU" sz="2000" spc="-1" strike="noStrike">
+              <a:rPr b="0" lang="en-AU" sz="1800" spc="-1" strike="noStrike">
                 <a:latin typeface="Arial"/>
               </a:rPr>
               <a:t>Fifth Outline Level</a:t>
             </a:r>
-            <a:endParaRPr b="0" lang="en-AU" sz="2000" spc="-1" strike="noStrike">
+            <a:endParaRPr b="0" lang="en-AU" sz="1800" spc="-1" strike="noStrike">
               <a:latin typeface="Arial"/>
             </a:endParaRPr>
           </a:p>
@@ -13123,12 +13269,12 @@
               <a:buChar char=""/>
             </a:pPr>
             <a:r>
-              <a:rPr b="0" lang="en-AU" sz="2000" spc="-1" strike="noStrike">
+              <a:rPr b="0" lang="en-AU" sz="1800" spc="-1" strike="noStrike">
                 <a:latin typeface="Arial"/>
               </a:rPr>
               <a:t>Sixth Outline Level</a:t>
             </a:r>
-            <a:endParaRPr b="0" lang="en-AU" sz="2000" spc="-1" strike="noStrike">
+            <a:endParaRPr b="0" lang="en-AU" sz="1800" spc="-1" strike="noStrike">
               <a:latin typeface="Arial"/>
             </a:endParaRPr>
           </a:p>
@@ -13145,12 +13291,12 @@
               <a:buChar char=""/>
             </a:pPr>
             <a:r>
-              <a:rPr b="0" lang="en-AU" sz="2000" spc="-1" strike="noStrike">
+              <a:rPr b="0" lang="en-AU" sz="1800" spc="-1" strike="noStrike">
                 <a:latin typeface="Arial"/>
               </a:rPr>
               <a:t>Seventh Outline Level</a:t>
             </a:r>
-            <a:endParaRPr b="0" lang="en-AU" sz="2000" spc="-1" strike="noStrike">
+            <a:endParaRPr b="0" lang="en-AU" sz="1800" spc="-1" strike="noStrike">
               <a:latin typeface="Arial"/>
             </a:endParaRPr>
           </a:p>
@@ -13726,7 +13872,7 @@
         <p:spPr>
           <a:xfrm>
             <a:off x="0" y="0"/>
-            <a:ext cx="7192440" cy="5138640"/>
+            <a:ext cx="7192080" cy="5138280"/>
           </a:xfrm>
           <a:prstGeom prst="rect">
             <a:avLst/>
@@ -13745,7 +13891,7 @@
         <p:spPr>
           <a:xfrm>
             <a:off x="3960000" y="1270800"/>
-            <a:ext cx="5009040" cy="1962000"/>
+            <a:ext cx="5008680" cy="1961640"/>
           </a:xfrm>
           <a:prstGeom prst="rect">
             <a:avLst/>
@@ -13892,7 +14038,7 @@
         <p:spPr>
           <a:xfrm>
             <a:off x="2240280" y="3561840"/>
-            <a:ext cx="6671520" cy="677160"/>
+            <a:ext cx="6671160" cy="676800"/>
           </a:xfrm>
           <a:prstGeom prst="rect">
             <a:avLst/>
@@ -13969,7 +14115,7 @@
       </p:grpSpPr>
       <p:pic>
         <p:nvPicPr>
-          <p:cNvPr id="154" name="Google Shape;96;p2_24" descr=""/>
+          <p:cNvPr id="156" name="Google Shape;96;p2_24" descr=""/>
           <p:cNvPicPr/>
           <p:nvPr/>
         </p:nvPicPr>
@@ -13980,7 +14126,7 @@
         <p:spPr>
           <a:xfrm>
             <a:off x="0" y="-38160"/>
-            <a:ext cx="9139320" cy="534960"/>
+            <a:ext cx="9138960" cy="534600"/>
           </a:xfrm>
           <a:prstGeom prst="rect">
             <a:avLst/>
@@ -13999,7 +14145,7 @@
       </p:pic>
       <p:pic>
         <p:nvPicPr>
-          <p:cNvPr id="155" name="Google Shape;97;p2_25" descr=""/>
+          <p:cNvPr id="157" name="Google Shape;97;p2_25" descr=""/>
           <p:cNvPicPr/>
           <p:nvPr/>
         </p:nvPicPr>
@@ -14010,7 +14156,7 @@
         <p:spPr>
           <a:xfrm>
             <a:off x="0" y="4774320"/>
-            <a:ext cx="9139320" cy="354960"/>
+            <a:ext cx="9138960" cy="354600"/>
           </a:xfrm>
           <a:prstGeom prst="rect">
             <a:avLst/>
@@ -14029,7 +14175,7 @@
       </p:pic>
       <p:pic>
         <p:nvPicPr>
-          <p:cNvPr id="156" name="" descr=""/>
+          <p:cNvPr id="158" name="" descr=""/>
           <p:cNvPicPr/>
           <p:nvPr/>
         </p:nvPicPr>
@@ -14040,7 +14186,7 @@
         <p:spPr>
           <a:xfrm>
             <a:off x="2766240" y="1365120"/>
-            <a:ext cx="3610440" cy="2406600"/>
+            <a:ext cx="3610080" cy="2406240"/>
           </a:xfrm>
           <a:prstGeom prst="rect">
             <a:avLst/>
@@ -14052,7 +14198,7 @@
       </p:pic>
       <p:pic>
         <p:nvPicPr>
-          <p:cNvPr id="157" name="" descr=""/>
+          <p:cNvPr id="159" name="" descr=""/>
           <p:cNvPicPr/>
           <p:nvPr/>
         </p:nvPicPr>
@@ -14063,7 +14209,7 @@
         <p:spPr>
           <a:xfrm>
             <a:off x="2160000" y="1028160"/>
-            <a:ext cx="4936680" cy="3290760"/>
+            <a:ext cx="4936320" cy="3290400"/>
           </a:xfrm>
           <a:prstGeom prst="rect">
             <a:avLst/>
@@ -14105,7 +14251,7 @@
       </p:grpSpPr>
       <p:pic>
         <p:nvPicPr>
-          <p:cNvPr id="158" name="Google Shape;96;p2_4" descr=""/>
+          <p:cNvPr id="160" name="Google Shape;96;p2_4" descr=""/>
           <p:cNvPicPr/>
           <p:nvPr/>
         </p:nvPicPr>
@@ -14116,7 +14262,7 @@
         <p:spPr>
           <a:xfrm>
             <a:off x="0" y="-38160"/>
-            <a:ext cx="9139320" cy="534960"/>
+            <a:ext cx="9138960" cy="534600"/>
           </a:xfrm>
           <a:prstGeom prst="rect">
             <a:avLst/>
@@ -14135,7 +14281,7 @@
       </p:pic>
       <p:pic>
         <p:nvPicPr>
-          <p:cNvPr id="159" name="Google Shape;97;p2_5" descr=""/>
+          <p:cNvPr id="161" name="Google Shape;97;p2_5" descr=""/>
           <p:cNvPicPr/>
           <p:nvPr/>
         </p:nvPicPr>
@@ -14146,7 +14292,7 @@
         <p:spPr>
           <a:xfrm>
             <a:off x="0" y="4774320"/>
-            <a:ext cx="9139320" cy="354960"/>
+            <a:ext cx="9138960" cy="354600"/>
           </a:xfrm>
           <a:prstGeom prst="rect">
             <a:avLst/>
@@ -14165,14 +14311,14 @@
       </p:pic>
       <p:sp>
         <p:nvSpPr>
-          <p:cNvPr id="160" name="CustomShape 1"/>
+          <p:cNvPr id="162" name="CustomShape 1"/>
           <p:cNvSpPr/>
           <p:nvPr/>
         </p:nvSpPr>
         <p:spPr>
           <a:xfrm>
             <a:off x="360000" y="1800000"/>
-            <a:ext cx="8408520" cy="516240"/>
+            <a:ext cx="8408160" cy="516240"/>
           </a:xfrm>
           <a:prstGeom prst="rect">
             <a:avLst/>
@@ -14249,7 +14395,7 @@
       </p:grpSpPr>
       <p:pic>
         <p:nvPicPr>
-          <p:cNvPr id="161" name="Google Shape;96;p2_23" descr=""/>
+          <p:cNvPr id="163" name="Google Shape;96;p2_23" descr=""/>
           <p:cNvPicPr/>
           <p:nvPr/>
         </p:nvPicPr>
@@ -14260,7 +14406,7 @@
         <p:spPr>
           <a:xfrm>
             <a:off x="0" y="-38160"/>
-            <a:ext cx="9139320" cy="534960"/>
+            <a:ext cx="9138960" cy="534600"/>
           </a:xfrm>
           <a:prstGeom prst="rect">
             <a:avLst/>
@@ -14279,7 +14425,7 @@
       </p:pic>
       <p:pic>
         <p:nvPicPr>
-          <p:cNvPr id="162" name="Google Shape;97;p2_24" descr=""/>
+          <p:cNvPr id="164" name="Google Shape;97;p2_24" descr=""/>
           <p:cNvPicPr/>
           <p:nvPr/>
         </p:nvPicPr>
@@ -14290,7 +14436,7 @@
         <p:spPr>
           <a:xfrm>
             <a:off x="0" y="4774320"/>
-            <a:ext cx="9139320" cy="354960"/>
+            <a:ext cx="9138960" cy="354600"/>
           </a:xfrm>
           <a:prstGeom prst="rect">
             <a:avLst/>
@@ -14309,7 +14455,7 @@
       </p:pic>
       <p:pic>
         <p:nvPicPr>
-          <p:cNvPr id="163" name="" descr=""/>
+          <p:cNvPr id="165" name="" descr=""/>
           <p:cNvPicPr/>
           <p:nvPr/>
         </p:nvPicPr>
@@ -14320,7 +14466,7 @@
         <p:spPr>
           <a:xfrm>
             <a:off x="2766240" y="1365120"/>
-            <a:ext cx="3610440" cy="2406600"/>
+            <a:ext cx="3610080" cy="2406240"/>
           </a:xfrm>
           <a:prstGeom prst="rect">
             <a:avLst/>
@@ -14332,7 +14478,7 @@
       </p:pic>
       <p:pic>
         <p:nvPicPr>
-          <p:cNvPr id="164" name="" descr=""/>
+          <p:cNvPr id="166" name="" descr=""/>
           <p:cNvPicPr/>
           <p:nvPr/>
         </p:nvPicPr>
@@ -14343,7 +14489,7 @@
         <p:spPr>
           <a:xfrm>
             <a:off x="2442240" y="1260000"/>
-            <a:ext cx="4576680" cy="3050640"/>
+            <a:ext cx="4576320" cy="3050280"/>
           </a:xfrm>
           <a:prstGeom prst="rect">
             <a:avLst/>
@@ -14385,7 +14531,7 @@
       </p:grpSpPr>
       <p:pic>
         <p:nvPicPr>
-          <p:cNvPr id="165" name="Google Shape;96;p2_5" descr=""/>
+          <p:cNvPr id="167" name="Google Shape;96;p2_5" descr=""/>
           <p:cNvPicPr/>
           <p:nvPr/>
         </p:nvPicPr>
@@ -14396,7 +14542,7 @@
         <p:spPr>
           <a:xfrm>
             <a:off x="0" y="-38160"/>
-            <a:ext cx="9139320" cy="534960"/>
+            <a:ext cx="9138960" cy="534600"/>
           </a:xfrm>
           <a:prstGeom prst="rect">
             <a:avLst/>
@@ -14415,7 +14561,7 @@
       </p:pic>
       <p:pic>
         <p:nvPicPr>
-          <p:cNvPr id="166" name="Google Shape;97;p2_6" descr=""/>
+          <p:cNvPr id="168" name="Google Shape;97;p2_6" descr=""/>
           <p:cNvPicPr/>
           <p:nvPr/>
         </p:nvPicPr>
@@ -14426,7 +14572,7 @@
         <p:spPr>
           <a:xfrm>
             <a:off x="0" y="4774320"/>
-            <a:ext cx="9139320" cy="354960"/>
+            <a:ext cx="9138960" cy="354600"/>
           </a:xfrm>
           <a:prstGeom prst="rect">
             <a:avLst/>
@@ -14445,7 +14591,7 @@
       </p:pic>
       <p:pic>
         <p:nvPicPr>
-          <p:cNvPr id="167" name="" descr=""/>
+          <p:cNvPr id="169" name="" descr=""/>
           <p:cNvPicPr/>
           <p:nvPr/>
         </p:nvPicPr>
@@ -14456,7 +14602,7 @@
         <p:spPr>
           <a:xfrm>
             <a:off x="226080" y="1260000"/>
-            <a:ext cx="8593560" cy="2335680"/>
+            <a:ext cx="8593200" cy="2335320"/>
           </a:xfrm>
           <a:prstGeom prst="rect">
             <a:avLst/>
@@ -14468,7 +14614,7 @@
       </p:pic>
       <p:sp>
         <p:nvSpPr>
-          <p:cNvPr id="168" name="Line 1"/>
+          <p:cNvPr id="170" name="Line 1"/>
           <p:cNvSpPr/>
           <p:nvPr/>
         </p:nvSpPr>
@@ -14497,7 +14643,7 @@
       </p:sp>
       <p:sp>
         <p:nvSpPr>
-          <p:cNvPr id="169" name="Line 2"/>
+          <p:cNvPr id="171" name="Line 2"/>
           <p:cNvSpPr/>
           <p:nvPr/>
         </p:nvSpPr>
@@ -14526,7 +14672,7 @@
       </p:sp>
       <p:sp>
         <p:nvSpPr>
-          <p:cNvPr id="170" name="Line 3"/>
+          <p:cNvPr id="172" name="Line 3"/>
           <p:cNvSpPr/>
           <p:nvPr/>
         </p:nvSpPr>
@@ -14555,14 +14701,14 @@
       </p:sp>
       <p:sp>
         <p:nvSpPr>
-          <p:cNvPr id="171" name="CustomShape 4"/>
+          <p:cNvPr id="173" name="CustomShape 4"/>
           <p:cNvSpPr/>
           <p:nvPr/>
         </p:nvSpPr>
         <p:spPr>
           <a:xfrm>
             <a:off x="1769400" y="3857760"/>
-            <a:ext cx="898920" cy="601200"/>
+            <a:ext cx="898560" cy="600840"/>
           </a:xfrm>
           <a:prstGeom prst="rect">
             <a:avLst/>
@@ -14606,14 +14752,14 @@
       </p:sp>
       <p:sp>
         <p:nvSpPr>
-          <p:cNvPr id="172" name="CustomShape 5"/>
+          <p:cNvPr id="174" name="CustomShape 5"/>
           <p:cNvSpPr/>
           <p:nvPr/>
         </p:nvSpPr>
         <p:spPr>
           <a:xfrm>
             <a:off x="180000" y="3060000"/>
-            <a:ext cx="719640" cy="359640"/>
+            <a:ext cx="719280" cy="359280"/>
           </a:xfrm>
           <a:prstGeom prst="ellipse">
             <a:avLst/>
@@ -14665,7 +14811,7 @@
       </p:grpSpPr>
       <p:pic>
         <p:nvPicPr>
-          <p:cNvPr id="173" name="Google Shape;96;p2_29" descr=""/>
+          <p:cNvPr id="175" name="Google Shape;96;p2_29" descr=""/>
           <p:cNvPicPr/>
           <p:nvPr/>
         </p:nvPicPr>
@@ -14676,7 +14822,7 @@
         <p:spPr>
           <a:xfrm>
             <a:off x="0" y="-38160"/>
-            <a:ext cx="9139320" cy="534960"/>
+            <a:ext cx="9138960" cy="534600"/>
           </a:xfrm>
           <a:prstGeom prst="rect">
             <a:avLst/>
@@ -14695,7 +14841,7 @@
       </p:pic>
       <p:pic>
         <p:nvPicPr>
-          <p:cNvPr id="174" name="Google Shape;97;p2_29" descr=""/>
+          <p:cNvPr id="176" name="Google Shape;97;p2_29" descr=""/>
           <p:cNvPicPr/>
           <p:nvPr/>
         </p:nvPicPr>
@@ -14706,7 +14852,7 @@
         <p:spPr>
           <a:xfrm>
             <a:off x="0" y="4774320"/>
-            <a:ext cx="9139320" cy="354960"/>
+            <a:ext cx="9138960" cy="354600"/>
           </a:xfrm>
           <a:prstGeom prst="rect">
             <a:avLst/>
@@ -14725,7 +14871,7 @@
       </p:pic>
       <p:pic>
         <p:nvPicPr>
-          <p:cNvPr id="175" name="" descr=""/>
+          <p:cNvPr id="177" name="" descr=""/>
           <p:cNvPicPr/>
           <p:nvPr/>
         </p:nvPicPr>
@@ -14736,7 +14882,7 @@
         <p:spPr>
           <a:xfrm>
             <a:off x="2253960" y="1080000"/>
-            <a:ext cx="4945680" cy="3380400"/>
+            <a:ext cx="4945320" cy="3380040"/>
           </a:xfrm>
           <a:prstGeom prst="rect">
             <a:avLst/>
@@ -14778,7 +14924,7 @@
       </p:grpSpPr>
       <p:pic>
         <p:nvPicPr>
-          <p:cNvPr id="176" name="Google Shape;96;p2_12" descr=""/>
+          <p:cNvPr id="178" name="Google Shape;96;p2_12" descr=""/>
           <p:cNvPicPr/>
           <p:nvPr/>
         </p:nvPicPr>
@@ -14789,7 +14935,7 @@
         <p:spPr>
           <a:xfrm>
             <a:off x="0" y="-38160"/>
-            <a:ext cx="9139320" cy="534960"/>
+            <a:ext cx="9138960" cy="534600"/>
           </a:xfrm>
           <a:prstGeom prst="rect">
             <a:avLst/>
@@ -14808,7 +14954,7 @@
       </p:pic>
       <p:pic>
         <p:nvPicPr>
-          <p:cNvPr id="177" name="Google Shape;97;p2_13" descr=""/>
+          <p:cNvPr id="179" name="Google Shape;97;p2_13" descr=""/>
           <p:cNvPicPr/>
           <p:nvPr/>
         </p:nvPicPr>
@@ -14819,7 +14965,7 @@
         <p:spPr>
           <a:xfrm>
             <a:off x="0" y="4774320"/>
-            <a:ext cx="9139320" cy="354960"/>
+            <a:ext cx="9138960" cy="354600"/>
           </a:xfrm>
           <a:prstGeom prst="rect">
             <a:avLst/>
@@ -14838,14 +14984,14 @@
       </p:pic>
       <p:sp>
         <p:nvSpPr>
-          <p:cNvPr id="178" name="CustomShape 1"/>
+          <p:cNvPr id="180" name="CustomShape 1"/>
           <p:cNvSpPr/>
           <p:nvPr/>
         </p:nvSpPr>
         <p:spPr>
           <a:xfrm>
             <a:off x="360000" y="1800000"/>
-            <a:ext cx="8408520" cy="516240"/>
+            <a:ext cx="8408160" cy="516240"/>
           </a:xfrm>
           <a:prstGeom prst="rect">
             <a:avLst/>
@@ -14922,7 +15068,7 @@
       </p:grpSpPr>
       <p:pic>
         <p:nvPicPr>
-          <p:cNvPr id="179" name="Google Shape;96;p2_25" descr=""/>
+          <p:cNvPr id="181" name="Google Shape;96;p2_25" descr=""/>
           <p:cNvPicPr/>
           <p:nvPr/>
         </p:nvPicPr>
@@ -14933,7 +15079,7 @@
         <p:spPr>
           <a:xfrm>
             <a:off x="0" y="-38160"/>
-            <a:ext cx="9139320" cy="534960"/>
+            <a:ext cx="9138960" cy="534600"/>
           </a:xfrm>
           <a:prstGeom prst="rect">
             <a:avLst/>
@@ -14952,7 +15098,7 @@
       </p:pic>
       <p:pic>
         <p:nvPicPr>
-          <p:cNvPr id="180" name="Google Shape;97;p2_26" descr=""/>
+          <p:cNvPr id="182" name="Google Shape;97;p2_26" descr=""/>
           <p:cNvPicPr/>
           <p:nvPr/>
         </p:nvPicPr>
@@ -14963,7 +15109,7 @@
         <p:spPr>
           <a:xfrm>
             <a:off x="0" y="4774320"/>
-            <a:ext cx="9139320" cy="354960"/>
+            <a:ext cx="9138960" cy="354600"/>
           </a:xfrm>
           <a:prstGeom prst="rect">
             <a:avLst/>
@@ -14982,7 +15128,7 @@
       </p:pic>
       <p:pic>
         <p:nvPicPr>
-          <p:cNvPr id="181" name="" descr=""/>
+          <p:cNvPr id="183" name="" descr=""/>
           <p:cNvPicPr/>
           <p:nvPr/>
         </p:nvPicPr>
@@ -14993,7 +15139,7 @@
         <p:spPr>
           <a:xfrm>
             <a:off x="1980000" y="1260000"/>
-            <a:ext cx="5296680" cy="2971440"/>
+            <a:ext cx="5296320" cy="2971080"/>
           </a:xfrm>
           <a:prstGeom prst="rect">
             <a:avLst/>
@@ -15035,7 +15181,7 @@
       </p:grpSpPr>
       <p:pic>
         <p:nvPicPr>
-          <p:cNvPr id="182" name="Google Shape;96;p2_20" descr=""/>
+          <p:cNvPr id="184" name="Google Shape;96;p2_20" descr=""/>
           <p:cNvPicPr/>
           <p:nvPr/>
         </p:nvPicPr>
@@ -15046,7 +15192,7 @@
         <p:spPr>
           <a:xfrm>
             <a:off x="0" y="-38160"/>
-            <a:ext cx="9139320" cy="534960"/>
+            <a:ext cx="9138960" cy="534600"/>
           </a:xfrm>
           <a:prstGeom prst="rect">
             <a:avLst/>
@@ -15065,7 +15211,7 @@
       </p:pic>
       <p:pic>
         <p:nvPicPr>
-          <p:cNvPr id="183" name="Google Shape;97;p2_21" descr=""/>
+          <p:cNvPr id="185" name="Google Shape;97;p2_21" descr=""/>
           <p:cNvPicPr/>
           <p:nvPr/>
         </p:nvPicPr>
@@ -15076,7 +15222,7 @@
         <p:spPr>
           <a:xfrm>
             <a:off x="0" y="4774320"/>
-            <a:ext cx="9139320" cy="354960"/>
+            <a:ext cx="9138960" cy="354600"/>
           </a:xfrm>
           <a:prstGeom prst="rect">
             <a:avLst/>
@@ -15095,7 +15241,7 @@
       </p:pic>
       <p:pic>
         <p:nvPicPr>
-          <p:cNvPr id="184" name="" descr=""/>
+          <p:cNvPr id="186" name="" descr=""/>
           <p:cNvPicPr/>
           <p:nvPr/>
         </p:nvPicPr>
@@ -15106,7 +15252,7 @@
         <p:spPr>
           <a:xfrm>
             <a:off x="2741040" y="838800"/>
-            <a:ext cx="3644280" cy="4106520"/>
+            <a:ext cx="3643920" cy="4106160"/>
           </a:xfrm>
           <a:prstGeom prst="rect">
             <a:avLst/>
@@ -15148,7 +15294,7 @@
       </p:grpSpPr>
       <p:pic>
         <p:nvPicPr>
-          <p:cNvPr id="185" name="Google Shape;96;p2_17" descr=""/>
+          <p:cNvPr id="187" name="Google Shape;96;p2_17" descr=""/>
           <p:cNvPicPr/>
           <p:nvPr/>
         </p:nvPicPr>
@@ -15159,7 +15305,7 @@
         <p:spPr>
           <a:xfrm>
             <a:off x="0" y="-38160"/>
-            <a:ext cx="9139320" cy="534960"/>
+            <a:ext cx="9138960" cy="534600"/>
           </a:xfrm>
           <a:prstGeom prst="rect">
             <a:avLst/>
@@ -15178,7 +15324,7 @@
       </p:pic>
       <p:pic>
         <p:nvPicPr>
-          <p:cNvPr id="186" name="Google Shape;97;p2_18" descr=""/>
+          <p:cNvPr id="188" name="Google Shape;97;p2_18" descr=""/>
           <p:cNvPicPr/>
           <p:nvPr/>
         </p:nvPicPr>
@@ -15189,7 +15335,7 @@
         <p:spPr>
           <a:xfrm>
             <a:off x="0" y="4774320"/>
-            <a:ext cx="9139320" cy="354960"/>
+            <a:ext cx="9138960" cy="354600"/>
           </a:xfrm>
           <a:prstGeom prst="rect">
             <a:avLst/>
@@ -15208,7 +15354,7 @@
       </p:pic>
       <p:pic>
         <p:nvPicPr>
-          <p:cNvPr id="187" name="" descr=""/>
+          <p:cNvPr id="189" name="" descr=""/>
           <p:cNvPicPr/>
           <p:nvPr/>
         </p:nvPicPr>
@@ -15219,7 +15365,7 @@
         <p:spPr>
           <a:xfrm>
             <a:off x="2340000" y="1260000"/>
-            <a:ext cx="4607640" cy="3119760"/>
+            <a:ext cx="4607280" cy="3119400"/>
           </a:xfrm>
           <a:prstGeom prst="rect">
             <a:avLst/>
@@ -15261,7 +15407,7 @@
       </p:grpSpPr>
       <p:pic>
         <p:nvPicPr>
-          <p:cNvPr id="188" name="Google Shape;96;p2_30" descr=""/>
+          <p:cNvPr id="190" name="Google Shape;96;p2_30" descr=""/>
           <p:cNvPicPr/>
           <p:nvPr/>
         </p:nvPicPr>
@@ -15272,7 +15418,7 @@
         <p:spPr>
           <a:xfrm>
             <a:off x="0" y="-38160"/>
-            <a:ext cx="9139320" cy="534960"/>
+            <a:ext cx="9138960" cy="534600"/>
           </a:xfrm>
           <a:prstGeom prst="rect">
             <a:avLst/>
@@ -15291,7 +15437,7 @@
       </p:pic>
       <p:pic>
         <p:nvPicPr>
-          <p:cNvPr id="189" name="Google Shape;97;p2_30" descr=""/>
+          <p:cNvPr id="191" name="Google Shape;97;p2_30" descr=""/>
           <p:cNvPicPr/>
           <p:nvPr/>
         </p:nvPicPr>
@@ -15302,7 +15448,7 @@
         <p:spPr>
           <a:xfrm>
             <a:off x="0" y="4774320"/>
-            <a:ext cx="9139320" cy="354960"/>
+            <a:ext cx="9138960" cy="354600"/>
           </a:xfrm>
           <a:prstGeom prst="rect">
             <a:avLst/>
@@ -15321,7 +15467,7 @@
       </p:pic>
       <p:pic>
         <p:nvPicPr>
-          <p:cNvPr id="190" name="" descr=""/>
+          <p:cNvPr id="192" name="" descr=""/>
           <p:cNvPicPr/>
           <p:nvPr/>
         </p:nvPicPr>
@@ -15332,7 +15478,7 @@
         <p:spPr>
           <a:xfrm>
             <a:off x="1620000" y="1080000"/>
-            <a:ext cx="5841360" cy="3056400"/>
+            <a:ext cx="5841000" cy="3056040"/>
           </a:xfrm>
           <a:prstGeom prst="rect">
             <a:avLst/>
@@ -15385,7 +15531,7 @@
         <p:spPr>
           <a:xfrm>
             <a:off x="0" y="-38160"/>
-            <a:ext cx="9139320" cy="534960"/>
+            <a:ext cx="9138960" cy="534600"/>
           </a:xfrm>
           <a:prstGeom prst="rect">
             <a:avLst/>
@@ -15415,7 +15561,7 @@
         <p:spPr>
           <a:xfrm>
             <a:off x="0" y="4774320"/>
-            <a:ext cx="9139320" cy="354960"/>
+            <a:ext cx="9138960" cy="354600"/>
           </a:xfrm>
           <a:prstGeom prst="rect">
             <a:avLst/>
@@ -15441,7 +15587,7 @@
         <p:spPr>
           <a:xfrm>
             <a:off x="360000" y="1260000"/>
-            <a:ext cx="8408520" cy="559080"/>
+            <a:ext cx="8408160" cy="558720"/>
           </a:xfrm>
           <a:prstGeom prst="rect">
             <a:avLst/>
@@ -15467,7 +15613,7 @@
         <p:spPr>
           <a:xfrm>
             <a:off x="407160" y="1980000"/>
-            <a:ext cx="8408520" cy="455040"/>
+            <a:ext cx="8408160" cy="454680"/>
           </a:xfrm>
           <a:prstGeom prst="rect">
             <a:avLst/>
@@ -15497,7 +15643,7 @@
         <p:spPr>
           <a:xfrm>
             <a:off x="2422440" y="995760"/>
-            <a:ext cx="4237200" cy="3503880"/>
+            <a:ext cx="4236840" cy="3503520"/>
           </a:xfrm>
           <a:prstGeom prst="rect">
             <a:avLst/>
@@ -15539,7 +15685,7 @@
       </p:grpSpPr>
       <p:pic>
         <p:nvPicPr>
-          <p:cNvPr id="191" name="Google Shape;96;p2_13" descr=""/>
+          <p:cNvPr id="193" name="Google Shape;96;p2_13" descr=""/>
           <p:cNvPicPr/>
           <p:nvPr/>
         </p:nvPicPr>
@@ -15550,7 +15696,7 @@
         <p:spPr>
           <a:xfrm>
             <a:off x="0" y="-38160"/>
-            <a:ext cx="9139320" cy="534960"/>
+            <a:ext cx="9138960" cy="534600"/>
           </a:xfrm>
           <a:prstGeom prst="rect">
             <a:avLst/>
@@ -15569,7 +15715,7 @@
       </p:pic>
       <p:pic>
         <p:nvPicPr>
-          <p:cNvPr id="192" name="Google Shape;97;p2_14" descr=""/>
+          <p:cNvPr id="194" name="Google Shape;97;p2_14" descr=""/>
           <p:cNvPicPr/>
           <p:nvPr/>
         </p:nvPicPr>
@@ -15580,7 +15726,7 @@
         <p:spPr>
           <a:xfrm>
             <a:off x="0" y="4774320"/>
-            <a:ext cx="9139320" cy="354960"/>
+            <a:ext cx="9138960" cy="354600"/>
           </a:xfrm>
           <a:prstGeom prst="rect">
             <a:avLst/>
@@ -15599,14 +15745,14 @@
       </p:pic>
       <p:sp>
         <p:nvSpPr>
-          <p:cNvPr id="193" name="CustomShape 1"/>
+          <p:cNvPr id="195" name="CustomShape 1"/>
           <p:cNvSpPr/>
           <p:nvPr/>
         </p:nvSpPr>
         <p:spPr>
           <a:xfrm>
             <a:off x="360000" y="1800000"/>
-            <a:ext cx="8408520" cy="516240"/>
+            <a:ext cx="8408160" cy="516240"/>
           </a:xfrm>
           <a:prstGeom prst="rect">
             <a:avLst/>
@@ -15683,7 +15829,7 @@
       </p:grpSpPr>
       <p:pic>
         <p:nvPicPr>
-          <p:cNvPr id="194" name="Google Shape;96;p2_7" descr=""/>
+          <p:cNvPr id="196" name="Google Shape;96;p2_7" descr=""/>
           <p:cNvPicPr/>
           <p:nvPr/>
         </p:nvPicPr>
@@ -15694,7 +15840,7 @@
         <p:spPr>
           <a:xfrm>
             <a:off x="0" y="-38160"/>
-            <a:ext cx="9139320" cy="534960"/>
+            <a:ext cx="9138960" cy="534600"/>
           </a:xfrm>
           <a:prstGeom prst="rect">
             <a:avLst/>
@@ -15713,7 +15859,7 @@
       </p:pic>
       <p:pic>
         <p:nvPicPr>
-          <p:cNvPr id="195" name="Google Shape;97;p2_8" descr=""/>
+          <p:cNvPr id="197" name="Google Shape;97;p2_8" descr=""/>
           <p:cNvPicPr/>
           <p:nvPr/>
         </p:nvPicPr>
@@ -15724,7 +15870,7 @@
         <p:spPr>
           <a:xfrm>
             <a:off x="0" y="4774320"/>
-            <a:ext cx="9139320" cy="354960"/>
+            <a:ext cx="9138960" cy="354600"/>
           </a:xfrm>
           <a:prstGeom prst="rect">
             <a:avLst/>
@@ -15743,7 +15889,7 @@
       </p:pic>
       <p:pic>
         <p:nvPicPr>
-          <p:cNvPr id="196" name="" descr=""/>
+          <p:cNvPr id="198" name="" descr=""/>
           <p:cNvPicPr/>
           <p:nvPr/>
         </p:nvPicPr>
@@ -15754,7 +15900,7 @@
         <p:spPr>
           <a:xfrm>
             <a:off x="1794960" y="1800000"/>
-            <a:ext cx="5762520" cy="1617480"/>
+            <a:ext cx="5762160" cy="1617120"/>
           </a:xfrm>
           <a:prstGeom prst="rect">
             <a:avLst/>
@@ -15796,7 +15942,7 @@
       </p:grpSpPr>
       <p:pic>
         <p:nvPicPr>
-          <p:cNvPr id="197" name="Google Shape;96;p2_14" descr=""/>
+          <p:cNvPr id="199" name="Google Shape;96;p2_14" descr=""/>
           <p:cNvPicPr/>
           <p:nvPr/>
         </p:nvPicPr>
@@ -15807,7 +15953,7 @@
         <p:spPr>
           <a:xfrm>
             <a:off x="0" y="-38160"/>
-            <a:ext cx="9139320" cy="534960"/>
+            <a:ext cx="9138960" cy="534600"/>
           </a:xfrm>
           <a:prstGeom prst="rect">
             <a:avLst/>
@@ -15826,7 +15972,7 @@
       </p:pic>
       <p:pic>
         <p:nvPicPr>
-          <p:cNvPr id="198" name="Google Shape;97;p2_15" descr=""/>
+          <p:cNvPr id="200" name="Google Shape;97;p2_15" descr=""/>
           <p:cNvPicPr/>
           <p:nvPr/>
         </p:nvPicPr>
@@ -15837,7 +15983,7 @@
         <p:spPr>
           <a:xfrm>
             <a:off x="0" y="4774320"/>
-            <a:ext cx="9139320" cy="354960"/>
+            <a:ext cx="9138960" cy="354600"/>
           </a:xfrm>
           <a:prstGeom prst="rect">
             <a:avLst/>
@@ -15856,14 +16002,14 @@
       </p:pic>
       <p:sp>
         <p:nvSpPr>
-          <p:cNvPr id="199" name="CustomShape 1"/>
+          <p:cNvPr id="201" name="CustomShape 1"/>
           <p:cNvSpPr/>
           <p:nvPr/>
         </p:nvSpPr>
         <p:spPr>
           <a:xfrm>
             <a:off x="360000" y="1800000"/>
-            <a:ext cx="8408520" cy="516240"/>
+            <a:ext cx="8408160" cy="516240"/>
           </a:xfrm>
           <a:prstGeom prst="rect">
             <a:avLst/>
@@ -15940,7 +16086,7 @@
       </p:grpSpPr>
       <p:pic>
         <p:nvPicPr>
-          <p:cNvPr id="200" name="Google Shape;96;p2_8" descr=""/>
+          <p:cNvPr id="202" name="Google Shape;96;p2_8" descr=""/>
           <p:cNvPicPr/>
           <p:nvPr/>
         </p:nvPicPr>
@@ -15951,7 +16097,7 @@
         <p:spPr>
           <a:xfrm>
             <a:off x="0" y="-38160"/>
-            <a:ext cx="9139320" cy="534960"/>
+            <a:ext cx="9138960" cy="534600"/>
           </a:xfrm>
           <a:prstGeom prst="rect">
             <a:avLst/>
@@ -15970,7 +16116,7 @@
       </p:pic>
       <p:pic>
         <p:nvPicPr>
-          <p:cNvPr id="201" name="Google Shape;97;p2_9" descr=""/>
+          <p:cNvPr id="203" name="Google Shape;97;p2_9" descr=""/>
           <p:cNvPicPr/>
           <p:nvPr/>
         </p:nvPicPr>
@@ -15981,7 +16127,7 @@
         <p:spPr>
           <a:xfrm>
             <a:off x="0" y="4774320"/>
-            <a:ext cx="9139320" cy="354960"/>
+            <a:ext cx="9138960" cy="354600"/>
           </a:xfrm>
           <a:prstGeom prst="rect">
             <a:avLst/>
@@ -16000,7 +16146,7 @@
       </p:pic>
       <p:pic>
         <p:nvPicPr>
-          <p:cNvPr id="202" name="" descr=""/>
+          <p:cNvPr id="204" name="" descr=""/>
           <p:cNvPicPr/>
           <p:nvPr/>
         </p:nvPicPr>
@@ -16011,7 +16157,7 @@
         <p:spPr>
           <a:xfrm>
             <a:off x="2241360" y="1056240"/>
-            <a:ext cx="4596120" cy="3441240"/>
+            <a:ext cx="4595760" cy="3440880"/>
           </a:xfrm>
           <a:prstGeom prst="rect">
             <a:avLst/>
@@ -16053,7 +16199,7 @@
       </p:grpSpPr>
       <p:pic>
         <p:nvPicPr>
-          <p:cNvPr id="203" name="Google Shape;96;p2_21" descr=""/>
+          <p:cNvPr id="205" name="Google Shape;96;p2_21" descr=""/>
           <p:cNvPicPr/>
           <p:nvPr/>
         </p:nvPicPr>
@@ -16064,7 +16210,7 @@
         <p:spPr>
           <a:xfrm>
             <a:off x="0" y="-38160"/>
-            <a:ext cx="9139320" cy="534960"/>
+            <a:ext cx="9138960" cy="534600"/>
           </a:xfrm>
           <a:prstGeom prst="rect">
             <a:avLst/>
@@ -16083,7 +16229,7 @@
       </p:pic>
       <p:pic>
         <p:nvPicPr>
-          <p:cNvPr id="204" name="Google Shape;97;p2_22" descr=""/>
+          <p:cNvPr id="206" name="Google Shape;97;p2_22" descr=""/>
           <p:cNvPicPr/>
           <p:nvPr/>
         </p:nvPicPr>
@@ -16094,7 +16240,7 @@
         <p:spPr>
           <a:xfrm>
             <a:off x="0" y="4774320"/>
-            <a:ext cx="9139320" cy="354960"/>
+            <a:ext cx="9138960" cy="354600"/>
           </a:xfrm>
           <a:prstGeom prst="rect">
             <a:avLst/>
@@ -16113,7 +16259,7 @@
       </p:pic>
       <p:pic>
         <p:nvPicPr>
-          <p:cNvPr id="205" name="" descr=""/>
+          <p:cNvPr id="207" name="" descr=""/>
           <p:cNvPicPr/>
           <p:nvPr/>
         </p:nvPicPr>
@@ -16124,7 +16270,7 @@
         <p:spPr>
           <a:xfrm>
             <a:off x="2340000" y="1080000"/>
-            <a:ext cx="4777200" cy="3184560"/>
+            <a:ext cx="4776840" cy="3184200"/>
           </a:xfrm>
           <a:prstGeom prst="rect">
             <a:avLst/>
@@ -16166,7 +16312,7 @@
       </p:grpSpPr>
       <p:pic>
         <p:nvPicPr>
-          <p:cNvPr id="206" name="Google Shape;96;p2_22" descr=""/>
+          <p:cNvPr id="208" name="Google Shape;96;p2_22" descr=""/>
           <p:cNvPicPr/>
           <p:nvPr/>
         </p:nvPicPr>
@@ -16177,7 +16323,7 @@
         <p:spPr>
           <a:xfrm>
             <a:off x="0" y="-38160"/>
-            <a:ext cx="9139320" cy="534960"/>
+            <a:ext cx="9138960" cy="534600"/>
           </a:xfrm>
           <a:prstGeom prst="rect">
             <a:avLst/>
@@ -16196,7 +16342,7 @@
       </p:pic>
       <p:pic>
         <p:nvPicPr>
-          <p:cNvPr id="207" name="Google Shape;97;p2_23" descr=""/>
+          <p:cNvPr id="209" name="Google Shape;97;p2_23" descr=""/>
           <p:cNvPicPr/>
           <p:nvPr/>
         </p:nvPicPr>
@@ -16207,7 +16353,7 @@
         <p:spPr>
           <a:xfrm>
             <a:off x="0" y="4774320"/>
-            <a:ext cx="9139320" cy="354960"/>
+            <a:ext cx="9138960" cy="354600"/>
           </a:xfrm>
           <a:prstGeom prst="rect">
             <a:avLst/>
@@ -16226,7 +16372,7 @@
       </p:pic>
       <p:pic>
         <p:nvPicPr>
-          <p:cNvPr id="208" name="" descr=""/>
+          <p:cNvPr id="210" name="" descr=""/>
           <p:cNvPicPr/>
           <p:nvPr/>
         </p:nvPicPr>
@@ -16237,7 +16383,7 @@
         <p:spPr>
           <a:xfrm>
             <a:off x="2412000" y="900000"/>
-            <a:ext cx="4067640" cy="3517920"/>
+            <a:ext cx="4067280" cy="3517560"/>
           </a:xfrm>
           <a:prstGeom prst="rect">
             <a:avLst/>
@@ -16279,7 +16425,7 @@
       </p:grpSpPr>
       <p:pic>
         <p:nvPicPr>
-          <p:cNvPr id="209" name="Google Shape;96;p2_16" descr=""/>
+          <p:cNvPr id="211" name="Google Shape;96;p2_16" descr=""/>
           <p:cNvPicPr/>
           <p:nvPr/>
         </p:nvPicPr>
@@ -16290,7 +16436,7 @@
         <p:spPr>
           <a:xfrm>
             <a:off x="0" y="-38160"/>
-            <a:ext cx="9139320" cy="534960"/>
+            <a:ext cx="9138960" cy="534600"/>
           </a:xfrm>
           <a:prstGeom prst="rect">
             <a:avLst/>
@@ -16309,7 +16455,7 @@
       </p:pic>
       <p:pic>
         <p:nvPicPr>
-          <p:cNvPr id="210" name="Google Shape;97;p2_17" descr=""/>
+          <p:cNvPr id="212" name="Google Shape;97;p2_17" descr=""/>
           <p:cNvPicPr/>
           <p:nvPr/>
         </p:nvPicPr>
@@ -16320,7 +16466,7 @@
         <p:spPr>
           <a:xfrm>
             <a:off x="0" y="4774320"/>
-            <a:ext cx="9139320" cy="354960"/>
+            <a:ext cx="9138960" cy="354600"/>
           </a:xfrm>
           <a:prstGeom prst="rect">
             <a:avLst/>
@@ -16339,14 +16485,14 @@
       </p:pic>
       <p:sp>
         <p:nvSpPr>
-          <p:cNvPr id="211" name="CustomShape 1"/>
+          <p:cNvPr id="213" name="CustomShape 1"/>
           <p:cNvSpPr/>
           <p:nvPr/>
         </p:nvSpPr>
         <p:spPr>
           <a:xfrm>
             <a:off x="360000" y="1800000"/>
-            <a:ext cx="8408520" cy="516240"/>
+            <a:ext cx="8408160" cy="516240"/>
           </a:xfrm>
           <a:prstGeom prst="rect">
             <a:avLst/>
@@ -16443,7 +16589,7 @@
       </p:grpSpPr>
       <p:pic>
         <p:nvPicPr>
-          <p:cNvPr id="212" name="Google Shape;96;p2_9" descr=""/>
+          <p:cNvPr id="214" name="Google Shape;96;p2_9" descr=""/>
           <p:cNvPicPr/>
           <p:nvPr/>
         </p:nvPicPr>
@@ -16454,7 +16600,7 @@
         <p:spPr>
           <a:xfrm>
             <a:off x="0" y="-38160"/>
-            <a:ext cx="9139320" cy="534960"/>
+            <a:ext cx="9138960" cy="534600"/>
           </a:xfrm>
           <a:prstGeom prst="rect">
             <a:avLst/>
@@ -16473,7 +16619,7 @@
       </p:pic>
       <p:pic>
         <p:nvPicPr>
-          <p:cNvPr id="213" name="Google Shape;97;p2_10" descr=""/>
+          <p:cNvPr id="215" name="Google Shape;97;p2_10" descr=""/>
           <p:cNvPicPr/>
           <p:nvPr/>
         </p:nvPicPr>
@@ -16484,7 +16630,7 @@
         <p:spPr>
           <a:xfrm>
             <a:off x="0" y="4774320"/>
-            <a:ext cx="9139320" cy="354960"/>
+            <a:ext cx="9138960" cy="354600"/>
           </a:xfrm>
           <a:prstGeom prst="rect">
             <a:avLst/>
@@ -16503,7 +16649,7 @@
       </p:pic>
       <p:pic>
         <p:nvPicPr>
-          <p:cNvPr id="214" name="" descr=""/>
+          <p:cNvPr id="216" name="" descr=""/>
           <p:cNvPicPr/>
           <p:nvPr/>
         </p:nvPicPr>
@@ -16514,7 +16660,7 @@
         <p:spPr>
           <a:xfrm>
             <a:off x="2104560" y="1027080"/>
-            <a:ext cx="4784040" cy="3399840"/>
+            <a:ext cx="4783680" cy="3399480"/>
           </a:xfrm>
           <a:prstGeom prst="rect">
             <a:avLst/>
@@ -16556,7 +16702,7 @@
       </p:grpSpPr>
       <p:pic>
         <p:nvPicPr>
-          <p:cNvPr id="215" name="Google Shape;96;p2_15" descr=""/>
+          <p:cNvPr id="217" name="Google Shape;96;p2_15" descr=""/>
           <p:cNvPicPr/>
           <p:nvPr/>
         </p:nvPicPr>
@@ -16567,7 +16713,7 @@
         <p:spPr>
           <a:xfrm>
             <a:off x="0" y="-38160"/>
-            <a:ext cx="9139320" cy="534960"/>
+            <a:ext cx="9138960" cy="534600"/>
           </a:xfrm>
           <a:prstGeom prst="rect">
             <a:avLst/>
@@ -16586,7 +16732,7 @@
       </p:pic>
       <p:pic>
         <p:nvPicPr>
-          <p:cNvPr id="216" name="Google Shape;97;p2_16" descr=""/>
+          <p:cNvPr id="218" name="Google Shape;97;p2_16" descr=""/>
           <p:cNvPicPr/>
           <p:nvPr/>
         </p:nvPicPr>
@@ -16597,7 +16743,7 @@
         <p:spPr>
           <a:xfrm>
             <a:off x="0" y="4774320"/>
-            <a:ext cx="9139320" cy="354960"/>
+            <a:ext cx="9138960" cy="354600"/>
           </a:xfrm>
           <a:prstGeom prst="rect">
             <a:avLst/>
@@ -16616,14 +16762,14 @@
       </p:pic>
       <p:sp>
         <p:nvSpPr>
-          <p:cNvPr id="217" name="CustomShape 1"/>
+          <p:cNvPr id="219" name="CustomShape 1"/>
           <p:cNvSpPr/>
           <p:nvPr/>
         </p:nvSpPr>
         <p:spPr>
           <a:xfrm>
             <a:off x="360000" y="1800000"/>
-            <a:ext cx="8408520" cy="516240"/>
+            <a:ext cx="8408160" cy="516240"/>
           </a:xfrm>
           <a:prstGeom prst="rect">
             <a:avLst/>
@@ -16720,7 +16866,7 @@
       </p:grpSpPr>
       <p:pic>
         <p:nvPicPr>
-          <p:cNvPr id="218" name="Google Shape;96;p2_10" descr=""/>
+          <p:cNvPr id="220" name="Google Shape;96;p2_10" descr=""/>
           <p:cNvPicPr/>
           <p:nvPr/>
         </p:nvPicPr>
@@ -16731,7 +16877,7 @@
         <p:spPr>
           <a:xfrm>
             <a:off x="0" y="-38160"/>
-            <a:ext cx="9139320" cy="534960"/>
+            <a:ext cx="9138960" cy="534600"/>
           </a:xfrm>
           <a:prstGeom prst="rect">
             <a:avLst/>
@@ -16750,7 +16896,7 @@
       </p:pic>
       <p:pic>
         <p:nvPicPr>
-          <p:cNvPr id="219" name="Google Shape;97;p2_11" descr=""/>
+          <p:cNvPr id="221" name="Google Shape;97;p2_11" descr=""/>
           <p:cNvPicPr/>
           <p:nvPr/>
         </p:nvPicPr>
@@ -16761,7 +16907,7 @@
         <p:spPr>
           <a:xfrm>
             <a:off x="0" y="4774320"/>
-            <a:ext cx="9139320" cy="354960"/>
+            <a:ext cx="9138960" cy="354600"/>
           </a:xfrm>
           <a:prstGeom prst="rect">
             <a:avLst/>
@@ -16780,7 +16926,7 @@
       </p:pic>
       <p:pic>
         <p:nvPicPr>
-          <p:cNvPr id="220" name="" descr=""/>
+          <p:cNvPr id="222" name="" descr=""/>
           <p:cNvPicPr/>
           <p:nvPr/>
         </p:nvPicPr>
@@ -16791,7 +16937,7 @@
         <p:spPr>
           <a:xfrm>
             <a:off x="2868480" y="888480"/>
-            <a:ext cx="3609360" cy="3609360"/>
+            <a:ext cx="3609000" cy="3609000"/>
           </a:xfrm>
           <a:prstGeom prst="rect">
             <a:avLst/>
@@ -16844,7 +16990,7 @@
         <p:spPr>
           <a:xfrm>
             <a:off x="0" y="-38160"/>
-            <a:ext cx="9139320" cy="534960"/>
+            <a:ext cx="9138960" cy="534600"/>
           </a:xfrm>
           <a:prstGeom prst="rect">
             <a:avLst/>
@@ -16874,7 +17020,7 @@
         <p:spPr>
           <a:xfrm>
             <a:off x="0" y="4774320"/>
-            <a:ext cx="9139320" cy="354960"/>
+            <a:ext cx="9138960" cy="354600"/>
           </a:xfrm>
           <a:prstGeom prst="rect">
             <a:avLst/>
@@ -16900,7 +17046,7 @@
         <p:spPr>
           <a:xfrm>
             <a:off x="360000" y="1260000"/>
-            <a:ext cx="8408520" cy="559080"/>
+            <a:ext cx="8408160" cy="558720"/>
           </a:xfrm>
           <a:prstGeom prst="rect">
             <a:avLst/>
@@ -16926,7 +17072,7 @@
         <p:spPr>
           <a:xfrm>
             <a:off x="407160" y="1980000"/>
-            <a:ext cx="8408520" cy="455040"/>
+            <a:ext cx="8408160" cy="454680"/>
           </a:xfrm>
           <a:prstGeom prst="rect">
             <a:avLst/>
@@ -16956,7 +17102,7 @@
         <p:spPr>
           <a:xfrm>
             <a:off x="360000" y="1080000"/>
-            <a:ext cx="4139640" cy="3117960"/>
+            <a:ext cx="4139280" cy="3117600"/>
           </a:xfrm>
           <a:prstGeom prst="rect">
             <a:avLst/>
@@ -16966,6 +17112,65 @@
           </a:ln>
         </p:spPr>
       </p:pic>
+      <p:pic>
+        <p:nvPicPr>
+          <p:cNvPr id="133" name="" descr=""/>
+          <p:cNvPicPr/>
+          <p:nvPr/>
+        </p:nvPicPr>
+        <p:blipFill>
+          <a:blip r:embed="rId4"/>
+          <a:stretch/>
+        </p:blipFill>
+        <p:spPr>
+          <a:xfrm>
+            <a:off x="5229000" y="1080000"/>
+            <a:ext cx="3231000" cy="3231000"/>
+          </a:xfrm>
+          <a:prstGeom prst="rect">
+            <a:avLst/>
+          </a:prstGeom>
+          <a:ln w="0">
+            <a:noFill/>
+          </a:ln>
+        </p:spPr>
+      </p:pic>
+      <p:sp>
+        <p:nvSpPr>
+          <p:cNvPr id="134" name="TextShape 3"/>
+          <p:cNvSpPr txBox="1"/>
+          <p:nvPr/>
+        </p:nvSpPr>
+        <p:spPr>
+          <a:xfrm>
+            <a:off x="360000" y="4320000"/>
+            <a:ext cx="8460000" cy="602280"/>
+          </a:xfrm>
+          <a:prstGeom prst="rect">
+            <a:avLst/>
+          </a:prstGeom>
+          <a:noFill/>
+          <a:ln w="0">
+            <a:noFill/>
+          </a:ln>
+        </p:spPr>
+        <p:txBody>
+          <a:bodyPr lIns="90000" rIns="90000" tIns="45000" bIns="45000">
+            <a:noAutofit/>
+          </a:bodyPr>
+          <a:p>
+            <a:r>
+              <a:rPr b="0" lang="en-AU" sz="1800" spc="-1" strike="noStrike">
+                <a:latin typeface="Arial"/>
+              </a:rPr>
+              <a:t>https://github.com/GeneralStrike/slides_and_things/tree/master/CyberCon2023</a:t>
+            </a:r>
+            <a:endParaRPr b="0" lang="en-AU" sz="1800" spc="-1" strike="noStrike">
+              <a:latin typeface="Arial"/>
+            </a:endParaRPr>
+          </a:p>
+        </p:txBody>
+      </p:sp>
     </p:spTree>
   </p:cSld>
   <mc:AlternateContent>
@@ -16998,7 +17203,7 @@
       </p:grpSpPr>
       <p:pic>
         <p:nvPicPr>
-          <p:cNvPr id="221" name="Google Shape;96;p2_26" descr=""/>
+          <p:cNvPr id="223" name="Google Shape;96;p2_26" descr=""/>
           <p:cNvPicPr/>
           <p:nvPr/>
         </p:nvPicPr>
@@ -17009,7 +17214,7 @@
         <p:spPr>
           <a:xfrm>
             <a:off x="0" y="-38160"/>
-            <a:ext cx="9139320" cy="534960"/>
+            <a:ext cx="9138960" cy="534600"/>
           </a:xfrm>
           <a:prstGeom prst="rect">
             <a:avLst/>
@@ -17028,7 +17233,7 @@
       </p:pic>
       <p:pic>
         <p:nvPicPr>
-          <p:cNvPr id="222" name="Google Shape;97;p2_0" descr=""/>
+          <p:cNvPr id="224" name="Google Shape;97;p2_0" descr=""/>
           <p:cNvPicPr/>
           <p:nvPr/>
         </p:nvPicPr>
@@ -17039,7 +17244,7 @@
         <p:spPr>
           <a:xfrm>
             <a:off x="0" y="4774320"/>
-            <a:ext cx="9139320" cy="354960"/>
+            <a:ext cx="9138960" cy="354600"/>
           </a:xfrm>
           <a:prstGeom prst="rect">
             <a:avLst/>
@@ -17058,7 +17263,7 @@
       </p:pic>
       <p:pic>
         <p:nvPicPr>
-          <p:cNvPr id="223" name="" descr=""/>
+          <p:cNvPr id="225" name="" descr=""/>
           <p:cNvPicPr/>
           <p:nvPr/>
         </p:nvPicPr>
@@ -17069,7 +17274,7 @@
         <p:spPr>
           <a:xfrm>
             <a:off x="2786040" y="773280"/>
-            <a:ext cx="3611160" cy="3611160"/>
+            <a:ext cx="3610800" cy="3610800"/>
           </a:xfrm>
           <a:prstGeom prst="rect">
             <a:avLst/>
@@ -17111,7 +17316,7 @@
       </p:grpSpPr>
       <p:pic>
         <p:nvPicPr>
-          <p:cNvPr id="224" name="Google Shape;96;p2_27" descr=""/>
+          <p:cNvPr id="226" name="Google Shape;96;p2_27" descr=""/>
           <p:cNvPicPr/>
           <p:nvPr/>
         </p:nvPicPr>
@@ -17122,7 +17327,7 @@
         <p:spPr>
           <a:xfrm>
             <a:off x="0" y="-38160"/>
-            <a:ext cx="9139320" cy="534960"/>
+            <a:ext cx="9138960" cy="534600"/>
           </a:xfrm>
           <a:prstGeom prst="rect">
             <a:avLst/>
@@ -17141,7 +17346,7 @@
       </p:pic>
       <p:pic>
         <p:nvPicPr>
-          <p:cNvPr id="225" name="Google Shape;97;p2_27" descr=""/>
+          <p:cNvPr id="227" name="Google Shape;97;p2_27" descr=""/>
           <p:cNvPicPr/>
           <p:nvPr/>
         </p:nvPicPr>
@@ -17152,7 +17357,7 @@
         <p:spPr>
           <a:xfrm>
             <a:off x="0" y="4774320"/>
-            <a:ext cx="9139320" cy="354960"/>
+            <a:ext cx="9138960" cy="354600"/>
           </a:xfrm>
           <a:prstGeom prst="rect">
             <a:avLst/>
@@ -17171,7 +17376,7 @@
       </p:pic>
       <p:pic>
         <p:nvPicPr>
-          <p:cNvPr id="226" name="" descr=""/>
+          <p:cNvPr id="228" name="" descr=""/>
           <p:cNvPicPr/>
           <p:nvPr/>
         </p:nvPicPr>
@@ -17182,7 +17387,7 @@
         <p:spPr>
           <a:xfrm>
             <a:off x="2786040" y="773280"/>
-            <a:ext cx="3611160" cy="3611160"/>
+            <a:ext cx="3610800" cy="3610800"/>
           </a:xfrm>
           <a:prstGeom prst="rect">
             <a:avLst/>
@@ -17224,7 +17429,7 @@
       </p:grpSpPr>
       <p:pic>
         <p:nvPicPr>
-          <p:cNvPr id="227" name="Google Shape;96;p2_11" descr=""/>
+          <p:cNvPr id="229" name="Google Shape;96;p2_11" descr=""/>
           <p:cNvPicPr/>
           <p:nvPr/>
         </p:nvPicPr>
@@ -17235,7 +17440,7 @@
         <p:spPr>
           <a:xfrm>
             <a:off x="0" y="-38160"/>
-            <a:ext cx="9139320" cy="534960"/>
+            <a:ext cx="9138960" cy="534600"/>
           </a:xfrm>
           <a:prstGeom prst="rect">
             <a:avLst/>
@@ -17254,7 +17459,7 @@
       </p:pic>
       <p:pic>
         <p:nvPicPr>
-          <p:cNvPr id="228" name="Google Shape;97;p2_12" descr=""/>
+          <p:cNvPr id="230" name="Google Shape;97;p2_12" descr=""/>
           <p:cNvPicPr/>
           <p:nvPr/>
         </p:nvPicPr>
@@ -17265,7 +17470,7 @@
         <p:spPr>
           <a:xfrm>
             <a:off x="0" y="4774320"/>
-            <a:ext cx="9139320" cy="354960"/>
+            <a:ext cx="9138960" cy="354600"/>
           </a:xfrm>
           <a:prstGeom prst="rect">
             <a:avLst/>
@@ -17284,14 +17489,14 @@
       </p:pic>
       <p:sp>
         <p:nvSpPr>
-          <p:cNvPr id="229" name="CustomShape 1"/>
+          <p:cNvPr id="231" name="CustomShape 1"/>
           <p:cNvSpPr/>
           <p:nvPr/>
         </p:nvSpPr>
         <p:spPr>
           <a:xfrm>
             <a:off x="227160" y="1800000"/>
-            <a:ext cx="8408520" cy="1918440"/>
+            <a:ext cx="8408160" cy="1918440"/>
           </a:xfrm>
           <a:prstGeom prst="rect">
             <a:avLst/>
@@ -17440,7 +17645,7 @@
       </p:grpSpPr>
       <p:pic>
         <p:nvPicPr>
-          <p:cNvPr id="230" name="Google Shape;104;g25ddbdbdadb_0_0" descr=""/>
+          <p:cNvPr id="232" name="Google Shape;104;g25ddbdbdadb_0_0" descr=""/>
           <p:cNvPicPr/>
           <p:nvPr/>
         </p:nvPicPr>
@@ -17451,7 +17656,7 @@
         <p:spPr>
           <a:xfrm>
             <a:off x="0" y="0"/>
-            <a:ext cx="7192440" cy="5139000"/>
+            <a:ext cx="7192080" cy="5138640"/>
           </a:xfrm>
           <a:prstGeom prst="rect">
             <a:avLst/>
@@ -17463,14 +17668,14 @@
       </p:pic>
       <p:sp>
         <p:nvSpPr>
-          <p:cNvPr id="231" name="CustomShape 1"/>
+          <p:cNvPr id="233" name="CustomShape 1"/>
           <p:cNvSpPr/>
           <p:nvPr/>
         </p:nvSpPr>
         <p:spPr>
           <a:xfrm>
             <a:off x="1398960" y="913680"/>
-            <a:ext cx="7570080" cy="1962000"/>
+            <a:ext cx="7569720" cy="1961640"/>
           </a:xfrm>
           <a:prstGeom prst="rect">
             <a:avLst/>
@@ -17517,14 +17722,14 @@
       </p:sp>
       <p:sp>
         <p:nvSpPr>
-          <p:cNvPr id="232" name="CustomShape 2"/>
+          <p:cNvPr id="234" name="CustomShape 2"/>
           <p:cNvSpPr/>
           <p:nvPr/>
         </p:nvSpPr>
         <p:spPr>
           <a:xfrm>
             <a:off x="2234160" y="2995560"/>
-            <a:ext cx="6671880" cy="960120"/>
+            <a:ext cx="6671520" cy="959760"/>
           </a:xfrm>
           <a:prstGeom prst="rect">
             <a:avLst/>
@@ -17637,7 +17842,7 @@
       </p:grpSpPr>
       <p:pic>
         <p:nvPicPr>
-          <p:cNvPr id="133" name="Google Shape;96;p2_0" descr=""/>
+          <p:cNvPr id="135" name="Google Shape;96;p2_0" descr=""/>
           <p:cNvPicPr/>
           <p:nvPr/>
         </p:nvPicPr>
@@ -17648,7 +17853,7 @@
         <p:spPr>
           <a:xfrm>
             <a:off x="0" y="-38160"/>
-            <a:ext cx="9139320" cy="534960"/>
+            <a:ext cx="9138960" cy="534600"/>
           </a:xfrm>
           <a:prstGeom prst="rect">
             <a:avLst/>
@@ -17667,7 +17872,7 @@
       </p:pic>
       <p:pic>
         <p:nvPicPr>
-          <p:cNvPr id="134" name="Google Shape;97;p2_1" descr=""/>
+          <p:cNvPr id="136" name="Google Shape;97;p2_1" descr=""/>
           <p:cNvPicPr/>
           <p:nvPr/>
         </p:nvPicPr>
@@ -17678,7 +17883,7 @@
         <p:spPr>
           <a:xfrm>
             <a:off x="0" y="4774320"/>
-            <a:ext cx="9139320" cy="354960"/>
+            <a:ext cx="9138960" cy="354600"/>
           </a:xfrm>
           <a:prstGeom prst="rect">
             <a:avLst/>
@@ -17697,14 +17902,14 @@
       </p:pic>
       <p:sp>
         <p:nvSpPr>
-          <p:cNvPr id="135" name="CustomShape 1"/>
+          <p:cNvPr id="137" name="CustomShape 1"/>
           <p:cNvSpPr/>
           <p:nvPr/>
         </p:nvSpPr>
         <p:spPr>
           <a:xfrm>
             <a:off x="227160" y="1800000"/>
-            <a:ext cx="8408520" cy="1918440"/>
+            <a:ext cx="8408160" cy="1918440"/>
           </a:xfrm>
           <a:prstGeom prst="rect">
             <a:avLst/>
@@ -17853,7 +18058,7 @@
       </p:grpSpPr>
       <p:pic>
         <p:nvPicPr>
-          <p:cNvPr id="136" name="Google Shape;96;p2_1" descr=""/>
+          <p:cNvPr id="138" name="Google Shape;96;p2_1" descr=""/>
           <p:cNvPicPr/>
           <p:nvPr/>
         </p:nvPicPr>
@@ -17864,7 +18069,7 @@
         <p:spPr>
           <a:xfrm>
             <a:off x="0" y="-38160"/>
-            <a:ext cx="9139320" cy="534960"/>
+            <a:ext cx="9138960" cy="534600"/>
           </a:xfrm>
           <a:prstGeom prst="rect">
             <a:avLst/>
@@ -17883,7 +18088,7 @@
       </p:pic>
       <p:pic>
         <p:nvPicPr>
-          <p:cNvPr id="137" name="Google Shape;97;p2_2" descr=""/>
+          <p:cNvPr id="139" name="Google Shape;97;p2_2" descr=""/>
           <p:cNvPicPr/>
           <p:nvPr/>
         </p:nvPicPr>
@@ -17894,7 +18099,7 @@
         <p:spPr>
           <a:xfrm>
             <a:off x="0" y="4774320"/>
-            <a:ext cx="9139320" cy="354960"/>
+            <a:ext cx="9138960" cy="354600"/>
           </a:xfrm>
           <a:prstGeom prst="rect">
             <a:avLst/>
@@ -17913,14 +18118,14 @@
       </p:pic>
       <p:sp>
         <p:nvSpPr>
-          <p:cNvPr id="138" name="CustomShape 1"/>
+          <p:cNvPr id="140" name="CustomShape 1"/>
           <p:cNvSpPr/>
           <p:nvPr/>
         </p:nvSpPr>
         <p:spPr>
           <a:xfrm>
             <a:off x="360000" y="712800"/>
-            <a:ext cx="8408520" cy="363960"/>
+            <a:ext cx="8408160" cy="363960"/>
           </a:xfrm>
           <a:prstGeom prst="rect">
             <a:avLst/>
@@ -17967,7 +18172,7 @@
       </p:sp>
       <p:pic>
         <p:nvPicPr>
-          <p:cNvPr id="139" name="" descr=""/>
+          <p:cNvPr id="141" name="" descr=""/>
           <p:cNvPicPr/>
           <p:nvPr/>
         </p:nvPicPr>
@@ -17978,7 +18183,7 @@
         <p:spPr>
           <a:xfrm>
             <a:off x="456480" y="1231200"/>
-            <a:ext cx="8179920" cy="3539520"/>
+            <a:ext cx="8179560" cy="3539160"/>
           </a:xfrm>
           <a:prstGeom prst="rect">
             <a:avLst/>
@@ -18020,7 +18225,7 @@
       </p:grpSpPr>
       <p:pic>
         <p:nvPicPr>
-          <p:cNvPr id="140" name="Google Shape;96;p2_3" descr=""/>
+          <p:cNvPr id="142" name="Google Shape;96;p2_3" descr=""/>
           <p:cNvPicPr/>
           <p:nvPr/>
         </p:nvPicPr>
@@ -18031,7 +18236,7 @@
         <p:spPr>
           <a:xfrm>
             <a:off x="0" y="-38160"/>
-            <a:ext cx="9139320" cy="534960"/>
+            <a:ext cx="9138960" cy="534600"/>
           </a:xfrm>
           <a:prstGeom prst="rect">
             <a:avLst/>
@@ -18050,7 +18255,7 @@
       </p:pic>
       <p:pic>
         <p:nvPicPr>
-          <p:cNvPr id="141" name="Google Shape;97;p2_4" descr=""/>
+          <p:cNvPr id="143" name="Google Shape;97;p2_4" descr=""/>
           <p:cNvPicPr/>
           <p:nvPr/>
         </p:nvPicPr>
@@ -18061,7 +18266,7 @@
         <p:spPr>
           <a:xfrm>
             <a:off x="0" y="4774320"/>
-            <a:ext cx="9139320" cy="354960"/>
+            <a:ext cx="9138960" cy="354600"/>
           </a:xfrm>
           <a:prstGeom prst="rect">
             <a:avLst/>
@@ -18080,14 +18285,14 @@
       </p:pic>
       <p:sp>
         <p:nvSpPr>
-          <p:cNvPr id="142" name="CustomShape 1"/>
+          <p:cNvPr id="144" name="CustomShape 1"/>
           <p:cNvSpPr/>
           <p:nvPr/>
         </p:nvSpPr>
         <p:spPr>
           <a:xfrm>
             <a:off x="360000" y="1800000"/>
-            <a:ext cx="8408520" cy="516240"/>
+            <a:ext cx="8408160" cy="516240"/>
           </a:xfrm>
           <a:prstGeom prst="rect">
             <a:avLst/>
@@ -18164,7 +18369,7 @@
       </p:grpSpPr>
       <p:pic>
         <p:nvPicPr>
-          <p:cNvPr id="143" name="Google Shape;96;p2_18" descr=""/>
+          <p:cNvPr id="145" name="Google Shape;96;p2_18" descr=""/>
           <p:cNvPicPr/>
           <p:nvPr/>
         </p:nvPicPr>
@@ -18175,7 +18380,7 @@
         <p:spPr>
           <a:xfrm>
             <a:off x="0" y="-38160"/>
-            <a:ext cx="9139320" cy="534960"/>
+            <a:ext cx="9138960" cy="534600"/>
           </a:xfrm>
           <a:prstGeom prst="rect">
             <a:avLst/>
@@ -18194,7 +18399,7 @@
       </p:pic>
       <p:pic>
         <p:nvPicPr>
-          <p:cNvPr id="144" name="Google Shape;97;p2_19" descr=""/>
+          <p:cNvPr id="146" name="Google Shape;97;p2_19" descr=""/>
           <p:cNvPicPr/>
           <p:nvPr/>
         </p:nvPicPr>
@@ -18205,7 +18410,7 @@
         <p:spPr>
           <a:xfrm>
             <a:off x="0" y="4774320"/>
-            <a:ext cx="9139320" cy="354960"/>
+            <a:ext cx="9138960" cy="354600"/>
           </a:xfrm>
           <a:prstGeom prst="rect">
             <a:avLst/>
@@ -18224,14 +18429,14 @@
       </p:pic>
       <p:sp>
         <p:nvSpPr>
-          <p:cNvPr id="145" name="CustomShape 1"/>
+          <p:cNvPr id="147" name="CustomShape 1"/>
           <p:cNvSpPr/>
           <p:nvPr/>
         </p:nvSpPr>
         <p:spPr>
           <a:xfrm>
             <a:off x="360000" y="1800000"/>
-            <a:ext cx="8408520" cy="516240"/>
+            <a:ext cx="8408160" cy="516240"/>
           </a:xfrm>
           <a:prstGeom prst="rect">
             <a:avLst/>
@@ -18278,14 +18483,14 @@
       </p:sp>
       <p:sp>
         <p:nvSpPr>
-          <p:cNvPr id="146" name="CustomShape 2"/>
+          <p:cNvPr id="148" name="CustomShape 2"/>
           <p:cNvSpPr/>
           <p:nvPr/>
         </p:nvSpPr>
         <p:spPr>
           <a:xfrm>
             <a:off x="3295080" y="2916360"/>
-            <a:ext cx="2640600" cy="499320"/>
+            <a:ext cx="2640240" cy="498960"/>
           </a:xfrm>
           <a:prstGeom prst="rect">
             <a:avLst/>
@@ -18359,7 +18564,7 @@
       </p:grpSpPr>
       <p:pic>
         <p:nvPicPr>
-          <p:cNvPr id="147" name="Google Shape;96;p2_2" descr=""/>
+          <p:cNvPr id="149" name="Google Shape;96;p2_2" descr=""/>
           <p:cNvPicPr/>
           <p:nvPr/>
         </p:nvPicPr>
@@ -18370,7 +18575,7 @@
         <p:spPr>
           <a:xfrm>
             <a:off x="0" y="-38160"/>
-            <a:ext cx="9139320" cy="534960"/>
+            <a:ext cx="9138960" cy="534600"/>
           </a:xfrm>
           <a:prstGeom prst="rect">
             <a:avLst/>
@@ -18389,7 +18594,7 @@
       </p:pic>
       <p:pic>
         <p:nvPicPr>
-          <p:cNvPr id="148" name="Google Shape;97;p2_3" descr=""/>
+          <p:cNvPr id="150" name="Google Shape;97;p2_3" descr=""/>
           <p:cNvPicPr/>
           <p:nvPr/>
         </p:nvPicPr>
@@ -18400,7 +18605,7 @@
         <p:spPr>
           <a:xfrm>
             <a:off x="0" y="4774320"/>
-            <a:ext cx="9139320" cy="354960"/>
+            <a:ext cx="9138960" cy="354600"/>
           </a:xfrm>
           <a:prstGeom prst="rect">
             <a:avLst/>
@@ -18419,14 +18624,14 @@
       </p:pic>
       <p:sp>
         <p:nvSpPr>
-          <p:cNvPr id="149" name="CustomShape 1"/>
+          <p:cNvPr id="151" name="CustomShape 1"/>
           <p:cNvSpPr/>
           <p:nvPr/>
         </p:nvSpPr>
         <p:spPr>
           <a:xfrm>
             <a:off x="360000" y="1800000"/>
-            <a:ext cx="8408520" cy="516240"/>
+            <a:ext cx="8408160" cy="516240"/>
           </a:xfrm>
           <a:prstGeom prst="rect">
             <a:avLst/>
@@ -18503,7 +18708,7 @@
       </p:grpSpPr>
       <p:pic>
         <p:nvPicPr>
-          <p:cNvPr id="150" name="Google Shape;96;p2_19" descr=""/>
+          <p:cNvPr id="152" name="Google Shape;96;p2_19" descr=""/>
           <p:cNvPicPr/>
           <p:nvPr/>
         </p:nvPicPr>
@@ -18514,7 +18719,7 @@
         <p:spPr>
           <a:xfrm>
             <a:off x="0" y="-38160"/>
-            <a:ext cx="9139320" cy="534960"/>
+            <a:ext cx="9138960" cy="534600"/>
           </a:xfrm>
           <a:prstGeom prst="rect">
             <a:avLst/>
@@ -18533,7 +18738,7 @@
       </p:pic>
       <p:pic>
         <p:nvPicPr>
-          <p:cNvPr id="151" name="Google Shape;97;p2_20" descr=""/>
+          <p:cNvPr id="153" name="Google Shape;97;p2_20" descr=""/>
           <p:cNvPicPr/>
           <p:nvPr/>
         </p:nvPicPr>
@@ -18544,7 +18749,7 @@
         <p:spPr>
           <a:xfrm>
             <a:off x="0" y="4774320"/>
-            <a:ext cx="9139320" cy="354960"/>
+            <a:ext cx="9138960" cy="354600"/>
           </a:xfrm>
           <a:prstGeom prst="rect">
             <a:avLst/>
@@ -18563,7 +18768,7 @@
       </p:pic>
       <p:pic>
         <p:nvPicPr>
-          <p:cNvPr id="152" name="" descr=""/>
+          <p:cNvPr id="154" name="" descr=""/>
           <p:cNvPicPr/>
           <p:nvPr/>
         </p:nvPicPr>
@@ -18574,7 +18779,7 @@
         <p:spPr>
           <a:xfrm>
             <a:off x="1620360" y="1351080"/>
-            <a:ext cx="6115320" cy="3144600"/>
+            <a:ext cx="6114960" cy="3144240"/>
           </a:xfrm>
           <a:prstGeom prst="rect">
             <a:avLst/>
@@ -18586,7 +18791,7 @@
       </p:pic>
       <p:pic>
         <p:nvPicPr>
-          <p:cNvPr id="153" name="" descr=""/>
+          <p:cNvPr id="155" name="" descr=""/>
           <p:cNvPicPr/>
           <p:nvPr/>
         </p:nvPicPr>
@@ -18597,7 +18802,7 @@
         <p:spPr>
           <a:xfrm>
             <a:off x="1285200" y="1086840"/>
-            <a:ext cx="6632280" cy="3410640"/>
+            <a:ext cx="6631920" cy="3410280"/>
           </a:xfrm>
           <a:prstGeom prst="rect">
             <a:avLst/>

--- a/CyberCon2023/KeiraPaterson_Cyber_2023.pptx
+++ b/CyberCon2023/KeiraPaterson_Cyber_2023.pptx
@@ -95,7 +95,13 @@
               <a:rPr b="0" lang="en-AU" sz="4400" spc="-1" strike="noStrike">
                 <a:latin typeface="Arial"/>
               </a:rPr>
-              <a:t>Click to move the slide</a:t>
+              <a:t>Click to move the </a:t>
+            </a:r>
+            <a:r>
+              <a:rPr b="0" lang="en-AU" sz="4400" spc="-1" strike="noStrike">
+                <a:latin typeface="Arial"/>
+              </a:rPr>
+              <a:t>slide</a:t>
             </a:r>
             <a:endParaRPr b="0" lang="en-AU" sz="4400" spc="-1" strike="noStrike">
               <a:latin typeface="Arial"/>
@@ -273,7 +279,7 @@
           </a:bodyPr>
           <a:p>
             <a:pPr algn="r"/>
-            <a:fld id="{206A42D6-B77B-4E57-8A95-7BE09DCAA934}" type="slidenum">
+            <a:fld id="{C643B488-95C6-4248-95D1-5B66837B60F4}" type="slidenum">
               <a:rPr b="0" lang="en-AU" sz="1400" spc="-1" strike="noStrike">
                 <a:latin typeface="Times New Roman"/>
               </a:rPr>
@@ -310,7 +316,7 @@
       </p:grpSpPr>
       <p:sp>
         <p:nvSpPr>
-          <p:cNvPr id="235" name="PlaceHolder 1"/>
+          <p:cNvPr id="236" name="PlaceHolder 1"/>
           <p:cNvSpPr>
             <a:spLocks noGrp="1"/>
           </p:cNvSpPr>
@@ -321,16 +327,16 @@
         <p:spPr>
           <a:xfrm>
             <a:off x="216000" y="812520"/>
-            <a:ext cx="7125120" cy="4006800"/>
-          </a:xfrm>
-          <a:prstGeom prst="rect">
-            <a:avLst/>
-          </a:prstGeom>
-        </p:spPr>
-      </p:sp>
-      <p:sp>
-        <p:nvSpPr>
-          <p:cNvPr id="236" name="PlaceHolder 2"/>
+            <a:ext cx="7124760" cy="4006440"/>
+          </a:xfrm>
+          <a:prstGeom prst="rect">
+            <a:avLst/>
+          </a:prstGeom>
+        </p:spPr>
+      </p:sp>
+      <p:sp>
+        <p:nvSpPr>
+          <p:cNvPr id="237" name="PlaceHolder 2"/>
           <p:cNvSpPr>
             <a:spLocks noGrp="1"/>
           </p:cNvSpPr>
@@ -341,7 +347,7 @@
         <p:spPr>
           <a:xfrm>
             <a:off x="360000" y="5078520"/>
-            <a:ext cx="6118560" cy="3740040"/>
+            <a:ext cx="6118200" cy="3739680"/>
           </a:xfrm>
           <a:prstGeom prst="rect">
             <a:avLst/>
@@ -352,7 +358,7 @@
             <a:noAutofit/>
           </a:bodyPr>
           <a:p>
-            <a:pPr marL="216000" indent="-214920">
+            <a:pPr marL="216000" indent="-214560">
               <a:lnSpc>
                 <a:spcPct val="100000"/>
               </a:lnSpc>
@@ -368,7 +374,7 @@
             </a:endParaRPr>
           </a:p>
           <a:p>
-            <a:pPr marL="216000" indent="-214920">
+            <a:pPr marL="216000" indent="-214560">
               <a:lnSpc>
                 <a:spcPct val="100000"/>
               </a:lnSpc>
@@ -406,7 +412,7 @@
       </p:grpSpPr>
       <p:sp>
         <p:nvSpPr>
-          <p:cNvPr id="268" name="PlaceHolder 1"/>
+          <p:cNvPr id="269" name="PlaceHolder 1"/>
           <p:cNvSpPr>
             <a:spLocks noGrp="1"/>
           </p:cNvSpPr>
@@ -417,16 +423,16 @@
         <p:spPr>
           <a:xfrm>
             <a:off x="685800" y="1143000"/>
-            <a:ext cx="5481360" cy="3081240"/>
-          </a:xfrm>
-          <a:prstGeom prst="rect">
-            <a:avLst/>
-          </a:prstGeom>
-        </p:spPr>
-      </p:sp>
-      <p:sp>
-        <p:nvSpPr>
-          <p:cNvPr id="269" name="PlaceHolder 2"/>
+            <a:ext cx="5481000" cy="3080880"/>
+          </a:xfrm>
+          <a:prstGeom prst="rect">
+            <a:avLst/>
+          </a:prstGeom>
+        </p:spPr>
+      </p:sp>
+      <p:sp>
+        <p:nvSpPr>
+          <p:cNvPr id="270" name="PlaceHolder 2"/>
           <p:cNvSpPr>
             <a:spLocks noGrp="1"/>
           </p:cNvSpPr>
@@ -437,7 +443,7 @@
         <p:spPr>
           <a:xfrm>
             <a:off x="685800" y="4400640"/>
-            <a:ext cx="5481360" cy="3595320"/>
+            <a:ext cx="5481000" cy="3594960"/>
           </a:xfrm>
           <a:prstGeom prst="rect">
             <a:avLst/>
@@ -448,7 +454,7 @@
             <a:noAutofit/>
           </a:bodyPr>
           <a:p>
-            <a:pPr marL="216000" indent="-214920">
+            <a:pPr marL="216000" indent="-214560">
               <a:lnSpc>
                 <a:spcPct val="100000"/>
               </a:lnSpc>
@@ -467,7 +473,7 @@
             </a:endParaRPr>
           </a:p>
           <a:p>
-            <a:pPr marL="216000" indent="-214920">
+            <a:pPr marL="216000" indent="-214560">
               <a:lnSpc>
                 <a:spcPct val="100000"/>
               </a:lnSpc>
@@ -493,7 +499,7 @@
             </a:endParaRPr>
           </a:p>
           <a:p>
-            <a:pPr marL="216000" indent="-214920">
+            <a:pPr marL="216000" indent="-214560">
               <a:lnSpc>
                 <a:spcPct val="100000"/>
               </a:lnSpc>
@@ -519,7 +525,7 @@
             </a:endParaRPr>
           </a:p>
           <a:p>
-            <a:pPr marL="216000" indent="-214920">
+            <a:pPr marL="216000" indent="-214560">
               <a:lnSpc>
                 <a:spcPct val="100000"/>
               </a:lnSpc>
@@ -545,7 +551,7 @@
             </a:endParaRPr>
           </a:p>
           <a:p>
-            <a:pPr marL="216000" indent="-214920">
+            <a:pPr marL="216000" indent="-214560">
               <a:lnSpc>
                 <a:spcPct val="100000"/>
               </a:lnSpc>
@@ -561,14 +567,14 @@
       </p:sp>
       <p:sp>
         <p:nvSpPr>
-          <p:cNvPr id="270" name="CustomShape 3"/>
+          <p:cNvPr id="271" name="CustomShape 3"/>
           <p:cNvSpPr/>
           <p:nvPr/>
         </p:nvSpPr>
         <p:spPr>
           <a:xfrm>
             <a:off x="3884760" y="8685360"/>
-            <a:ext cx="2966760" cy="453600"/>
+            <a:ext cx="2966400" cy="453240"/>
           </a:xfrm>
           <a:prstGeom prst="rect">
             <a:avLst/>
@@ -597,7 +603,7 @@
                 <a:tab algn="l" pos="0"/>
               </a:tabLst>
             </a:pPr>
-            <a:fld id="{96BBCB62-F271-4A63-ACEA-A17C297EAD16}" type="slidenum">
+            <a:fld id="{48AC81F1-98A1-4281-A0C8-8D40C0657CFC}" type="slidenum">
               <a:rPr b="0" lang="en-US" sz="1400" spc="-1" strike="noStrike">
                 <a:solidFill>
                   <a:srgbClr val="000000"/>
@@ -636,7 +642,7 @@
       </p:grpSpPr>
       <p:sp>
         <p:nvSpPr>
-          <p:cNvPr id="271" name="PlaceHolder 1"/>
+          <p:cNvPr id="272" name="PlaceHolder 1"/>
           <p:cNvSpPr>
             <a:spLocks noGrp="1"/>
           </p:cNvSpPr>
@@ -647,16 +653,16 @@
         <p:spPr>
           <a:xfrm>
             <a:off x="685800" y="1143000"/>
-            <a:ext cx="5481360" cy="3081240"/>
-          </a:xfrm>
-          <a:prstGeom prst="rect">
-            <a:avLst/>
-          </a:prstGeom>
-        </p:spPr>
-      </p:sp>
-      <p:sp>
-        <p:nvSpPr>
-          <p:cNvPr id="272" name="PlaceHolder 2"/>
+            <a:ext cx="5481000" cy="3080880"/>
+          </a:xfrm>
+          <a:prstGeom prst="rect">
+            <a:avLst/>
+          </a:prstGeom>
+        </p:spPr>
+      </p:sp>
+      <p:sp>
+        <p:nvSpPr>
+          <p:cNvPr id="273" name="PlaceHolder 2"/>
           <p:cNvSpPr>
             <a:spLocks noGrp="1"/>
           </p:cNvSpPr>
@@ -667,7 +673,7 @@
         <p:spPr>
           <a:xfrm>
             <a:off x="685800" y="4400640"/>
-            <a:ext cx="5481360" cy="3595320"/>
+            <a:ext cx="5481000" cy="3594960"/>
           </a:xfrm>
           <a:prstGeom prst="rect">
             <a:avLst/>
@@ -678,7 +684,7 @@
             <a:noAutofit/>
           </a:bodyPr>
           <a:p>
-            <a:pPr marL="216000" indent="-216000">
+            <a:pPr marL="216000" indent="-215640">
               <a:lnSpc>
                 <a:spcPct val="100000"/>
               </a:lnSpc>
@@ -703,7 +709,7 @@
             </a:endParaRPr>
           </a:p>
           <a:p>
-            <a:pPr marL="216000" indent="-216000">
+            <a:pPr marL="216000" indent="-215640">
               <a:lnSpc>
                 <a:spcPct val="100000"/>
               </a:lnSpc>
@@ -728,7 +734,7 @@
             </a:endParaRPr>
           </a:p>
           <a:p>
-            <a:pPr marL="216000" indent="-216000">
+            <a:pPr marL="216000" indent="-215640">
               <a:lnSpc>
                 <a:spcPct val="100000"/>
               </a:lnSpc>
@@ -762,7 +768,7 @@
             </a:endParaRPr>
           </a:p>
           <a:p>
-            <a:pPr marL="216000" indent="-216000">
+            <a:pPr marL="216000" indent="-215640">
               <a:lnSpc>
                 <a:spcPct val="100000"/>
               </a:lnSpc>
@@ -799,7 +805,7 @@
             </a:endParaRPr>
           </a:p>
           <a:p>
-            <a:pPr marL="216000" indent="-216000">
+            <a:pPr marL="216000" indent="-215640">
               <a:lnSpc>
                 <a:spcPct val="100000"/>
               </a:lnSpc>
@@ -828,14 +834,14 @@
       </p:sp>
       <p:sp>
         <p:nvSpPr>
-          <p:cNvPr id="273" name="CustomShape 3"/>
+          <p:cNvPr id="274" name="CustomShape 3"/>
           <p:cNvSpPr/>
           <p:nvPr/>
         </p:nvSpPr>
         <p:spPr>
           <a:xfrm>
             <a:off x="3884760" y="8685360"/>
-            <a:ext cx="2966760" cy="453600"/>
+            <a:ext cx="2966400" cy="453240"/>
           </a:xfrm>
           <a:prstGeom prst="rect">
             <a:avLst/>
@@ -864,7 +870,7 @@
                 <a:tab algn="l" pos="0"/>
               </a:tabLst>
             </a:pPr>
-            <a:fld id="{40C3AF16-18AB-4123-9864-B030A69DC6C6}" type="slidenum">
+            <a:fld id="{DEB0BD39-F5DB-4AD2-B9C4-BC1E6DBDAFDD}" type="slidenum">
               <a:rPr b="0" lang="en-US" sz="1400" spc="-1" strike="noStrike">
                 <a:solidFill>
                   <a:srgbClr val="000000"/>
@@ -881,14 +887,14 @@
       </p:sp>
       <p:sp>
         <p:nvSpPr>
-          <p:cNvPr id="274" name="CustomShape 4"/>
+          <p:cNvPr id="275" name="CustomShape 4"/>
           <p:cNvSpPr/>
           <p:nvPr/>
         </p:nvSpPr>
         <p:spPr>
           <a:xfrm>
             <a:off x="685800" y="4400640"/>
-            <a:ext cx="5577840" cy="4685400"/>
+            <a:ext cx="5577480" cy="4685040"/>
           </a:xfrm>
           <a:prstGeom prst="rect">
             <a:avLst/>
@@ -929,7 +935,7 @@
       </p:grpSpPr>
       <p:sp>
         <p:nvSpPr>
-          <p:cNvPr id="275" name="PlaceHolder 1"/>
+          <p:cNvPr id="276" name="PlaceHolder 1"/>
           <p:cNvSpPr>
             <a:spLocks noGrp="1"/>
           </p:cNvSpPr>
@@ -940,23 +946,23 @@
         <p:spPr>
           <a:xfrm>
             <a:off x="685800" y="1143000"/>
-            <a:ext cx="5481360" cy="3081240"/>
-          </a:xfrm>
-          <a:prstGeom prst="rect">
-            <a:avLst/>
-          </a:prstGeom>
-        </p:spPr>
-      </p:sp>
-      <p:sp>
-        <p:nvSpPr>
-          <p:cNvPr id="276" name="CustomShape 2"/>
+            <a:ext cx="5481000" cy="3080880"/>
+          </a:xfrm>
+          <a:prstGeom prst="rect">
+            <a:avLst/>
+          </a:prstGeom>
+        </p:spPr>
+      </p:sp>
+      <p:sp>
+        <p:nvSpPr>
+          <p:cNvPr id="277" name="CustomShape 2"/>
           <p:cNvSpPr/>
           <p:nvPr/>
         </p:nvSpPr>
         <p:spPr>
           <a:xfrm>
             <a:off x="3884760" y="8685360"/>
-            <a:ext cx="2966760" cy="453600"/>
+            <a:ext cx="2966400" cy="453240"/>
           </a:xfrm>
           <a:prstGeom prst="rect">
             <a:avLst/>
@@ -985,7 +991,7 @@
                 <a:tab algn="l" pos="0"/>
               </a:tabLst>
             </a:pPr>
-            <a:fld id="{69656FCA-3A7F-4A20-920F-DEC237B7A4C8}" type="slidenum">
+            <a:fld id="{F16EDDAE-5289-4F7C-8254-8F4B06F33857}" type="slidenum">
               <a:rPr b="0" lang="en-US" sz="1400" spc="-1" strike="noStrike">
                 <a:solidFill>
                   <a:srgbClr val="000000"/>
@@ -1002,14 +1008,14 @@
       </p:sp>
       <p:sp>
         <p:nvSpPr>
-          <p:cNvPr id="277" name="CustomShape 3"/>
+          <p:cNvPr id="278" name="CustomShape 3"/>
           <p:cNvSpPr/>
           <p:nvPr/>
         </p:nvSpPr>
         <p:spPr>
           <a:xfrm>
             <a:off x="720000" y="4415400"/>
-            <a:ext cx="5398560" cy="4685400"/>
+            <a:ext cx="5398200" cy="4685040"/>
           </a:xfrm>
           <a:prstGeom prst="rect">
             <a:avLst/>
@@ -1028,14 +1034,14 @@
       </p:sp>
       <p:sp>
         <p:nvSpPr>
-          <p:cNvPr id="278" name="CustomShape 4"/>
+          <p:cNvPr id="279" name="CustomShape 4"/>
           <p:cNvSpPr/>
           <p:nvPr/>
         </p:nvSpPr>
         <p:spPr>
           <a:xfrm>
             <a:off x="721080" y="4415400"/>
-            <a:ext cx="5398560" cy="3595320"/>
+            <a:ext cx="5398200" cy="3594960"/>
           </a:xfrm>
           <a:prstGeom prst="rect">
             <a:avLst/>
@@ -1056,7 +1062,7 @@
             <a:noAutofit/>
           </a:bodyPr>
           <a:p>
-            <a:pPr marL="360" indent="-214920">
+            <a:pPr marL="360" indent="-214560">
               <a:lnSpc>
                 <a:spcPct val="100000"/>
               </a:lnSpc>
@@ -1069,6 +1075,9 @@
             </a:pPr>
             <a:r>
               <a:rPr b="0" lang="en-AU" sz="1400" spc="-1" strike="noStrike">
+                <a:solidFill>
+                  <a:srgbClr val="000000"/>
+                </a:solidFill>
                 <a:latin typeface="Arial"/>
                 <a:ea typeface="DejaVu Sans"/>
               </a:rPr>
@@ -1079,7 +1088,7 @@
             </a:endParaRPr>
           </a:p>
           <a:p>
-            <a:pPr marL="360" indent="-214920">
+            <a:pPr marL="360" indent="-214560">
               <a:lnSpc>
                 <a:spcPct val="100000"/>
               </a:lnSpc>
@@ -1095,7 +1104,7 @@
             </a:endParaRPr>
           </a:p>
           <a:p>
-            <a:pPr marL="360" indent="-214920">
+            <a:pPr marL="360" indent="-214560">
               <a:lnSpc>
                 <a:spcPct val="100000"/>
               </a:lnSpc>
@@ -1108,6 +1117,9 @@
             </a:pPr>
             <a:r>
               <a:rPr b="0" lang="en-AU" sz="1400" spc="-1" strike="noStrike">
+                <a:solidFill>
+                  <a:srgbClr val="000000"/>
+                </a:solidFill>
                 <a:latin typeface="Arial"/>
                 <a:ea typeface="DejaVu Sans"/>
               </a:rPr>
@@ -1118,7 +1130,7 @@
             </a:endParaRPr>
           </a:p>
           <a:p>
-            <a:pPr marL="360" indent="-214920">
+            <a:pPr marL="360" indent="-214560">
               <a:lnSpc>
                 <a:spcPct val="100000"/>
               </a:lnSpc>
@@ -1134,7 +1146,7 @@
             </a:endParaRPr>
           </a:p>
           <a:p>
-            <a:pPr marL="360" indent="-214920">
+            <a:pPr marL="360" indent="-214560">
               <a:lnSpc>
                 <a:spcPct val="100000"/>
               </a:lnSpc>
@@ -1147,6 +1159,9 @@
             </a:pPr>
             <a:r>
               <a:rPr b="0" lang="en-AU" sz="1400" spc="-1" strike="noStrike">
+                <a:solidFill>
+                  <a:srgbClr val="000000"/>
+                </a:solidFill>
                 <a:latin typeface="Arial"/>
                 <a:ea typeface="DejaVu Sans"/>
               </a:rPr>
@@ -1157,7 +1172,7 @@
             </a:endParaRPr>
           </a:p>
           <a:p>
-            <a:pPr marL="360" indent="-214920">
+            <a:pPr marL="360" indent="-214560">
               <a:lnSpc>
                 <a:spcPct val="100000"/>
               </a:lnSpc>
@@ -1173,7 +1188,7 @@
             </a:endParaRPr>
           </a:p>
           <a:p>
-            <a:pPr marL="360" indent="-214920">
+            <a:pPr marL="360" indent="-214560">
               <a:lnSpc>
                 <a:spcPct val="100000"/>
               </a:lnSpc>
@@ -1186,6 +1201,9 @@
             </a:pPr>
             <a:r>
               <a:rPr b="0" lang="en-AU" sz="1400" spc="-1" strike="noStrike">
+                <a:solidFill>
+                  <a:srgbClr val="000000"/>
+                </a:solidFill>
                 <a:latin typeface="Arial"/>
                 <a:ea typeface="DejaVu Sans"/>
               </a:rPr>
@@ -1221,7 +1239,7 @@
       </p:grpSpPr>
       <p:sp>
         <p:nvSpPr>
-          <p:cNvPr id="279" name="PlaceHolder 1"/>
+          <p:cNvPr id="280" name="PlaceHolder 1"/>
           <p:cNvSpPr>
             <a:spLocks noGrp="1"/>
           </p:cNvSpPr>
@@ -1232,16 +1250,16 @@
         <p:spPr>
           <a:xfrm>
             <a:off x="685800" y="1143000"/>
-            <a:ext cx="5481360" cy="3081240"/>
-          </a:xfrm>
-          <a:prstGeom prst="rect">
-            <a:avLst/>
-          </a:prstGeom>
-        </p:spPr>
-      </p:sp>
-      <p:sp>
-        <p:nvSpPr>
-          <p:cNvPr id="280" name="PlaceHolder 2"/>
+            <a:ext cx="5481000" cy="3080880"/>
+          </a:xfrm>
+          <a:prstGeom prst="rect">
+            <a:avLst/>
+          </a:prstGeom>
+        </p:spPr>
+      </p:sp>
+      <p:sp>
+        <p:nvSpPr>
+          <p:cNvPr id="281" name="PlaceHolder 2"/>
           <p:cNvSpPr>
             <a:spLocks noGrp="1"/>
           </p:cNvSpPr>
@@ -1252,7 +1270,7 @@
         <p:spPr>
           <a:xfrm>
             <a:off x="900000" y="4500000"/>
-            <a:ext cx="5398560" cy="3595320"/>
+            <a:ext cx="5398200" cy="3594960"/>
           </a:xfrm>
           <a:prstGeom prst="rect">
             <a:avLst/>
@@ -1263,7 +1281,7 @@
             <a:noAutofit/>
           </a:bodyPr>
           <a:p>
-            <a:pPr marL="360" indent="-214920">
+            <a:pPr marL="360" indent="-214560">
               <a:lnSpc>
                 <a:spcPct val="100000"/>
               </a:lnSpc>
@@ -1286,7 +1304,7 @@
             </a:endParaRPr>
           </a:p>
           <a:p>
-            <a:pPr marL="360" indent="-214920">
+            <a:pPr marL="360" indent="-214560">
               <a:lnSpc>
                 <a:spcPct val="100000"/>
               </a:lnSpc>
@@ -1309,7 +1327,7 @@
             </a:endParaRPr>
           </a:p>
           <a:p>
-            <a:pPr marL="360" indent="-214920">
+            <a:pPr marL="360" indent="-214560">
               <a:lnSpc>
                 <a:spcPct val="100000"/>
               </a:lnSpc>
@@ -1332,7 +1350,7 @@
             </a:endParaRPr>
           </a:p>
           <a:p>
-            <a:pPr marL="360" indent="-214920">
+            <a:pPr marL="360" indent="-214560">
               <a:lnSpc>
                 <a:spcPct val="100000"/>
               </a:lnSpc>
@@ -1355,7 +1373,7 @@
             </a:endParaRPr>
           </a:p>
           <a:p>
-            <a:pPr marL="360" indent="-214920">
+            <a:pPr marL="360" indent="-214560">
               <a:lnSpc>
                 <a:spcPct val="100000"/>
               </a:lnSpc>
@@ -1378,7 +1396,7 @@
             </a:endParaRPr>
           </a:p>
           <a:p>
-            <a:pPr marL="360" indent="-214920">
+            <a:pPr marL="360" indent="-214560">
               <a:lnSpc>
                 <a:spcPct val="100000"/>
               </a:lnSpc>
@@ -1404,14 +1422,14 @@
       </p:sp>
       <p:sp>
         <p:nvSpPr>
-          <p:cNvPr id="281" name="CustomShape 3"/>
+          <p:cNvPr id="282" name="CustomShape 3"/>
           <p:cNvSpPr/>
           <p:nvPr/>
         </p:nvSpPr>
         <p:spPr>
           <a:xfrm>
             <a:off x="3884760" y="8685360"/>
-            <a:ext cx="2966760" cy="453600"/>
+            <a:ext cx="2966400" cy="453240"/>
           </a:xfrm>
           <a:prstGeom prst="rect">
             <a:avLst/>
@@ -1440,7 +1458,7 @@
                 <a:tab algn="l" pos="0"/>
               </a:tabLst>
             </a:pPr>
-            <a:fld id="{E652FEA7-5280-4625-9310-317C4619A87E}" type="slidenum">
+            <a:fld id="{588F246B-387A-4585-8335-B42FED684FDB}" type="slidenum">
               <a:rPr b="0" lang="en-US" sz="1400" spc="-1" strike="noStrike">
                 <a:solidFill>
                   <a:srgbClr val="000000"/>
@@ -1479,7 +1497,7 @@
       </p:grpSpPr>
       <p:sp>
         <p:nvSpPr>
-          <p:cNvPr id="282" name="PlaceHolder 1"/>
+          <p:cNvPr id="283" name="PlaceHolder 1"/>
           <p:cNvSpPr>
             <a:spLocks noGrp="1"/>
           </p:cNvSpPr>
@@ -1490,16 +1508,16 @@
         <p:spPr>
           <a:xfrm>
             <a:off x="685800" y="1143000"/>
-            <a:ext cx="5481360" cy="3081240"/>
-          </a:xfrm>
-          <a:prstGeom prst="rect">
-            <a:avLst/>
-          </a:prstGeom>
-        </p:spPr>
-      </p:sp>
-      <p:sp>
-        <p:nvSpPr>
-          <p:cNvPr id="283" name="PlaceHolder 2"/>
+            <a:ext cx="5481000" cy="3080880"/>
+          </a:xfrm>
+          <a:prstGeom prst="rect">
+            <a:avLst/>
+          </a:prstGeom>
+        </p:spPr>
+      </p:sp>
+      <p:sp>
+        <p:nvSpPr>
+          <p:cNvPr id="284" name="PlaceHolder 2"/>
           <p:cNvSpPr>
             <a:spLocks noGrp="1"/>
           </p:cNvSpPr>
@@ -1510,7 +1528,7 @@
         <p:spPr>
           <a:xfrm>
             <a:off x="900000" y="4500000"/>
-            <a:ext cx="5398560" cy="3595320"/>
+            <a:ext cx="5398200" cy="3594960"/>
           </a:xfrm>
           <a:prstGeom prst="rect">
             <a:avLst/>
@@ -1521,7 +1539,7 @@
             <a:noAutofit/>
           </a:bodyPr>
           <a:p>
-            <a:pPr marL="216000" indent="-215640">
+            <a:pPr marL="216000" indent="-215280">
               <a:lnSpc>
                 <a:spcPct val="100000"/>
               </a:lnSpc>
@@ -1544,7 +1562,7 @@
             </a:endParaRPr>
           </a:p>
           <a:p>
-            <a:pPr marL="216000" indent="-215640">
+            <a:pPr marL="216000" indent="-215280">
               <a:lnSpc>
                 <a:spcPct val="100000"/>
               </a:lnSpc>
@@ -1557,7 +1575,7 @@
             </a:endParaRPr>
           </a:p>
           <a:p>
-            <a:pPr marL="216000" indent="-215640">
+            <a:pPr marL="216000" indent="-215280">
               <a:lnSpc>
                 <a:spcPct val="100000"/>
               </a:lnSpc>
@@ -1580,7 +1598,7 @@
             </a:endParaRPr>
           </a:p>
           <a:p>
-            <a:pPr marL="216000" indent="-215640">
+            <a:pPr marL="216000" indent="-215280">
               <a:lnSpc>
                 <a:spcPct val="100000"/>
               </a:lnSpc>
@@ -1593,7 +1611,7 @@
             </a:endParaRPr>
           </a:p>
           <a:p>
-            <a:pPr marL="216000" indent="-215640">
+            <a:pPr marL="216000" indent="-215280">
               <a:lnSpc>
                 <a:spcPct val="100000"/>
               </a:lnSpc>
@@ -1616,7 +1634,7 @@
             </a:endParaRPr>
           </a:p>
           <a:p>
-            <a:pPr marL="216000" indent="-215640">
+            <a:pPr marL="216000" indent="-215280">
               <a:lnSpc>
                 <a:spcPct val="100000"/>
               </a:lnSpc>
@@ -1629,7 +1647,7 @@
             </a:endParaRPr>
           </a:p>
           <a:p>
-            <a:pPr marL="216000" indent="-215640">
+            <a:pPr marL="216000" indent="-215280">
               <a:lnSpc>
                 <a:spcPct val="100000"/>
               </a:lnSpc>
@@ -1645,14 +1663,14 @@
                 <a:latin typeface="Arial"/>
                 <a:ea typeface="DejaVu Sans"/>
               </a:rPr>
-              <a:t>Push government cyber roles into defence and policing. Ignore the decades of research and media findings that women and other minorities in these industries face significant harassment, assault, and discrimination. Maybe young people haven't noticed.</a:t>
+              <a:t>Outsource cyber as much as possible, to start ups without the capacity to take on juniors, and centralise public service cyber capacity into defence and policing.</a:t>
             </a:r>
             <a:endParaRPr b="0" lang="en-AU" sz="1400" spc="-1" strike="noStrike">
               <a:latin typeface="Arial"/>
             </a:endParaRPr>
           </a:p>
           <a:p>
-            <a:pPr marL="216000" indent="-215640">
+            <a:pPr marL="216000" indent="-215280">
               <a:lnSpc>
                 <a:spcPct val="100000"/>
               </a:lnSpc>
@@ -1665,7 +1683,7 @@
             </a:endParaRPr>
           </a:p>
           <a:p>
-            <a:pPr marL="216000" indent="-215640">
+            <a:pPr marL="216000" indent="-215280">
               <a:lnSpc>
                 <a:spcPct val="100000"/>
               </a:lnSpc>
@@ -1681,14 +1699,14 @@
       </p:sp>
       <p:sp>
         <p:nvSpPr>
-          <p:cNvPr id="284" name="CustomShape 3"/>
+          <p:cNvPr id="285" name="CustomShape 3"/>
           <p:cNvSpPr/>
           <p:nvPr/>
         </p:nvSpPr>
         <p:spPr>
           <a:xfrm>
             <a:off x="3884760" y="8685360"/>
-            <a:ext cx="2966760" cy="453600"/>
+            <a:ext cx="2966400" cy="453240"/>
           </a:xfrm>
           <a:prstGeom prst="rect">
             <a:avLst/>
@@ -1717,7 +1735,7 @@
                 <a:tab algn="l" pos="0"/>
               </a:tabLst>
             </a:pPr>
-            <a:fld id="{47F9EC76-6A6E-4B83-BBB9-A75054775A26}" type="slidenum">
+            <a:fld id="{6A217182-482D-4C9F-B15B-DEFD1749581B}" type="slidenum">
               <a:rPr b="0" lang="en-US" sz="1400" spc="-1" strike="noStrike">
                 <a:solidFill>
                   <a:srgbClr val="000000"/>
@@ -1756,7 +1774,7 @@
       </p:grpSpPr>
       <p:sp>
         <p:nvSpPr>
-          <p:cNvPr id="285" name="PlaceHolder 1"/>
+          <p:cNvPr id="286" name="PlaceHolder 1"/>
           <p:cNvSpPr>
             <a:spLocks noGrp="1"/>
           </p:cNvSpPr>
@@ -1767,16 +1785,16 @@
         <p:spPr>
           <a:xfrm>
             <a:off x="685800" y="1143000"/>
-            <a:ext cx="5481360" cy="3081240"/>
-          </a:xfrm>
-          <a:prstGeom prst="rect">
-            <a:avLst/>
-          </a:prstGeom>
-        </p:spPr>
-      </p:sp>
-      <p:sp>
-        <p:nvSpPr>
-          <p:cNvPr id="286" name="PlaceHolder 2"/>
+            <a:ext cx="5481000" cy="3080880"/>
+          </a:xfrm>
+          <a:prstGeom prst="rect">
+            <a:avLst/>
+          </a:prstGeom>
+        </p:spPr>
+      </p:sp>
+      <p:sp>
+        <p:nvSpPr>
+          <p:cNvPr id="287" name="PlaceHolder 2"/>
           <p:cNvSpPr>
             <a:spLocks noGrp="1"/>
           </p:cNvSpPr>
@@ -1787,7 +1805,7 @@
         <p:spPr>
           <a:xfrm>
             <a:off x="685800" y="4400640"/>
-            <a:ext cx="5481360" cy="3595320"/>
+            <a:ext cx="5481000" cy="3594960"/>
           </a:xfrm>
           <a:prstGeom prst="rect">
             <a:avLst/>
@@ -1798,7 +1816,7 @@
             <a:noAutofit/>
           </a:bodyPr>
           <a:p>
-            <a:pPr marL="216000" indent="-216000">
+            <a:pPr marL="216000" indent="-215640">
               <a:lnSpc>
                 <a:spcPct val="100000"/>
               </a:lnSpc>
@@ -1823,7 +1841,7 @@
             </a:endParaRPr>
           </a:p>
           <a:p>
-            <a:pPr marL="216000" indent="-216000">
+            <a:pPr marL="216000" indent="-215640">
               <a:lnSpc>
                 <a:spcPct val="100000"/>
               </a:lnSpc>
@@ -1848,7 +1866,7 @@
             </a:endParaRPr>
           </a:p>
           <a:p>
-            <a:pPr marL="216000" indent="-216000">
+            <a:pPr marL="216000" indent="-215640">
               <a:lnSpc>
                 <a:spcPct val="100000"/>
               </a:lnSpc>
@@ -1891,7 +1909,7 @@
             </a:endParaRPr>
           </a:p>
           <a:p>
-            <a:pPr marL="216000" indent="-216000">
+            <a:pPr marL="216000" indent="-215640">
               <a:lnSpc>
                 <a:spcPct val="100000"/>
               </a:lnSpc>
@@ -1916,7 +1934,7 @@
             </a:endParaRPr>
           </a:p>
           <a:p>
-            <a:pPr marL="216000" indent="-216000">
+            <a:pPr marL="216000" indent="-215640">
               <a:lnSpc>
                 <a:spcPct val="100000"/>
               </a:lnSpc>
@@ -1935,14 +1953,14 @@
       </p:sp>
       <p:sp>
         <p:nvSpPr>
-          <p:cNvPr id="287" name="CustomShape 3"/>
+          <p:cNvPr id="288" name="CustomShape 3"/>
           <p:cNvSpPr/>
           <p:nvPr/>
         </p:nvSpPr>
         <p:spPr>
           <a:xfrm>
             <a:off x="3884760" y="8685360"/>
-            <a:ext cx="2966760" cy="453600"/>
+            <a:ext cx="2966400" cy="453240"/>
           </a:xfrm>
           <a:prstGeom prst="rect">
             <a:avLst/>
@@ -1971,7 +1989,7 @@
                 <a:tab algn="l" pos="0"/>
               </a:tabLst>
             </a:pPr>
-            <a:fld id="{6D8EACB2-3862-4B4B-9B87-C3A4170C13F4}" type="slidenum">
+            <a:fld id="{552D6645-CA74-440F-B62E-2F40C856763B}" type="slidenum">
               <a:rPr b="0" lang="en-US" sz="1400" spc="-1" strike="noStrike">
                 <a:solidFill>
                   <a:srgbClr val="000000"/>
@@ -1988,14 +2006,14 @@
       </p:sp>
       <p:sp>
         <p:nvSpPr>
-          <p:cNvPr id="288" name="CustomShape 4"/>
+          <p:cNvPr id="289" name="CustomShape 4"/>
           <p:cNvSpPr/>
           <p:nvPr/>
         </p:nvSpPr>
         <p:spPr>
           <a:xfrm>
             <a:off x="720000" y="4860000"/>
-            <a:ext cx="5397840" cy="3957840"/>
+            <a:ext cx="5397480" cy="3957480"/>
           </a:xfrm>
           <a:prstGeom prst="rect">
             <a:avLst/>
@@ -2038,14 +2056,14 @@
       </p:sp>
       <p:sp>
         <p:nvSpPr>
-          <p:cNvPr id="289" name="CustomShape 5"/>
+          <p:cNvPr id="290" name="CustomShape 5"/>
           <p:cNvSpPr/>
           <p:nvPr/>
         </p:nvSpPr>
         <p:spPr>
           <a:xfrm>
             <a:off x="685800" y="4500000"/>
-            <a:ext cx="5432040" cy="4138560"/>
+            <a:ext cx="5431680" cy="4138200"/>
           </a:xfrm>
           <a:prstGeom prst="rect">
             <a:avLst/>
@@ -2086,7 +2104,7 @@
       </p:grpSpPr>
       <p:sp>
         <p:nvSpPr>
-          <p:cNvPr id="290" name="PlaceHolder 1"/>
+          <p:cNvPr id="291" name="PlaceHolder 1"/>
           <p:cNvSpPr>
             <a:spLocks noGrp="1"/>
           </p:cNvSpPr>
@@ -2097,16 +2115,16 @@
         <p:spPr>
           <a:xfrm>
             <a:off x="685800" y="1143000"/>
-            <a:ext cx="5481360" cy="3081240"/>
-          </a:xfrm>
-          <a:prstGeom prst="rect">
-            <a:avLst/>
-          </a:prstGeom>
-        </p:spPr>
-      </p:sp>
-      <p:sp>
-        <p:nvSpPr>
-          <p:cNvPr id="291" name="PlaceHolder 2"/>
+            <a:ext cx="5481000" cy="3080880"/>
+          </a:xfrm>
+          <a:prstGeom prst="rect">
+            <a:avLst/>
+          </a:prstGeom>
+        </p:spPr>
+      </p:sp>
+      <p:sp>
+        <p:nvSpPr>
+          <p:cNvPr id="292" name="PlaceHolder 2"/>
           <p:cNvSpPr>
             <a:spLocks noGrp="1"/>
           </p:cNvSpPr>
@@ -2117,7 +2135,7 @@
         <p:spPr>
           <a:xfrm>
             <a:off x="720000" y="4500000"/>
-            <a:ext cx="5481360" cy="3595320"/>
+            <a:ext cx="5481000" cy="3594960"/>
           </a:xfrm>
           <a:prstGeom prst="rect">
             <a:avLst/>
@@ -2128,7 +2146,7 @@
             <a:noAutofit/>
           </a:bodyPr>
           <a:p>
-            <a:pPr marL="216000" indent="-216000">
+            <a:pPr marL="216000" indent="-215640">
               <a:lnSpc>
                 <a:spcPct val="100000"/>
               </a:lnSpc>
@@ -2153,7 +2171,7 @@
             </a:endParaRPr>
           </a:p>
           <a:p>
-            <a:pPr marL="216000" indent="-216000">
+            <a:pPr marL="216000" indent="-215640">
               <a:lnSpc>
                 <a:spcPct val="100000"/>
               </a:lnSpc>
@@ -2178,7 +2196,7 @@
             </a:endParaRPr>
           </a:p>
           <a:p>
-            <a:pPr marL="216000" indent="-216000">
+            <a:pPr marL="216000" indent="-215640">
               <a:lnSpc>
                 <a:spcPct val="100000"/>
               </a:lnSpc>
@@ -2203,7 +2221,7 @@
             </a:endParaRPr>
           </a:p>
           <a:p>
-            <a:pPr marL="216000" indent="-216000">
+            <a:pPr marL="216000" indent="-215640">
               <a:lnSpc>
                 <a:spcPct val="100000"/>
               </a:lnSpc>
@@ -2228,7 +2246,7 @@
             </a:endParaRPr>
           </a:p>
           <a:p>
-            <a:pPr marL="216000" indent="-216000">
+            <a:pPr marL="216000" indent="-215640">
               <a:lnSpc>
                 <a:spcPct val="100000"/>
               </a:lnSpc>
@@ -2253,7 +2271,7 @@
             </a:endParaRPr>
           </a:p>
           <a:p>
-            <a:pPr marL="216000" indent="-216000">
+            <a:pPr marL="216000" indent="-215640">
               <a:lnSpc>
                 <a:spcPct val="100000"/>
               </a:lnSpc>
@@ -2278,7 +2296,7 @@
             </a:endParaRPr>
           </a:p>
           <a:p>
-            <a:pPr marL="216000" indent="-212760">
+            <a:pPr marL="216000" indent="-212400">
               <a:lnSpc>
                 <a:spcPct val="100000"/>
               </a:lnSpc>
@@ -2294,14 +2312,14 @@
       </p:sp>
       <p:sp>
         <p:nvSpPr>
-          <p:cNvPr id="292" name="CustomShape 3"/>
+          <p:cNvPr id="293" name="CustomShape 3"/>
           <p:cNvSpPr/>
           <p:nvPr/>
         </p:nvSpPr>
         <p:spPr>
           <a:xfrm>
             <a:off x="3884760" y="8685360"/>
-            <a:ext cx="2966760" cy="453600"/>
+            <a:ext cx="2966400" cy="453240"/>
           </a:xfrm>
           <a:prstGeom prst="rect">
             <a:avLst/>
@@ -2330,7 +2348,7 @@
                 <a:tab algn="l" pos="0"/>
               </a:tabLst>
             </a:pPr>
-            <a:fld id="{5E39291B-DC1F-4CA4-BE22-9A4F8884F1D1}" type="slidenum">
+            <a:fld id="{6290317C-9760-46D5-812E-C858FD080836}" type="slidenum">
               <a:rPr b="0" lang="en-US" sz="1400" spc="-1" strike="noStrike">
                 <a:solidFill>
                   <a:srgbClr val="000000"/>
@@ -2347,14 +2365,14 @@
       </p:sp>
       <p:sp>
         <p:nvSpPr>
-          <p:cNvPr id="293" name="CustomShape 4"/>
+          <p:cNvPr id="294" name="CustomShape 4"/>
           <p:cNvSpPr/>
           <p:nvPr/>
         </p:nvSpPr>
         <p:spPr>
           <a:xfrm>
             <a:off x="720000" y="4860000"/>
-            <a:ext cx="5397840" cy="3957840"/>
+            <a:ext cx="5397480" cy="3957480"/>
           </a:xfrm>
           <a:prstGeom prst="rect">
             <a:avLst/>
@@ -2397,14 +2415,14 @@
       </p:sp>
       <p:sp>
         <p:nvSpPr>
-          <p:cNvPr id="294" name="CustomShape 5"/>
+          <p:cNvPr id="295" name="CustomShape 5"/>
           <p:cNvSpPr/>
           <p:nvPr/>
         </p:nvSpPr>
         <p:spPr>
           <a:xfrm>
             <a:off x="720000" y="4500000"/>
-            <a:ext cx="5578560" cy="4363920"/>
+            <a:ext cx="5578200" cy="4363560"/>
           </a:xfrm>
           <a:prstGeom prst="rect">
             <a:avLst/>
@@ -2445,7 +2463,7 @@
       </p:grpSpPr>
       <p:sp>
         <p:nvSpPr>
-          <p:cNvPr id="295" name="PlaceHolder 1"/>
+          <p:cNvPr id="296" name="PlaceHolder 1"/>
           <p:cNvSpPr>
             <a:spLocks noGrp="1"/>
           </p:cNvSpPr>
@@ -2456,16 +2474,16 @@
         <p:spPr>
           <a:xfrm>
             <a:off x="685800" y="1143000"/>
-            <a:ext cx="5481360" cy="3081240"/>
-          </a:xfrm>
-          <a:prstGeom prst="rect">
-            <a:avLst/>
-          </a:prstGeom>
-        </p:spPr>
-      </p:sp>
-      <p:sp>
-        <p:nvSpPr>
-          <p:cNvPr id="296" name="PlaceHolder 2"/>
+            <a:ext cx="5481000" cy="3080880"/>
+          </a:xfrm>
+          <a:prstGeom prst="rect">
+            <a:avLst/>
+          </a:prstGeom>
+        </p:spPr>
+      </p:sp>
+      <p:sp>
+        <p:nvSpPr>
+          <p:cNvPr id="297" name="PlaceHolder 2"/>
           <p:cNvSpPr>
             <a:spLocks noGrp="1"/>
           </p:cNvSpPr>
@@ -2476,7 +2494,7 @@
         <p:spPr>
           <a:xfrm>
             <a:off x="685800" y="4400640"/>
-            <a:ext cx="5481360" cy="3595320"/>
+            <a:ext cx="5481000" cy="3594960"/>
           </a:xfrm>
           <a:prstGeom prst="rect">
             <a:avLst/>
@@ -2487,7 +2505,7 @@
             <a:noAutofit/>
           </a:bodyPr>
           <a:p>
-            <a:pPr marL="216000" indent="-216000">
+            <a:pPr marL="216000" indent="-215640">
               <a:lnSpc>
                 <a:spcPct val="100000"/>
               </a:lnSpc>
@@ -2509,7 +2527,7 @@
             </a:endParaRPr>
           </a:p>
           <a:p>
-            <a:pPr marL="216000" indent="-216000">
+            <a:pPr marL="216000" indent="-215640">
               <a:lnSpc>
                 <a:spcPct val="100000"/>
               </a:lnSpc>
@@ -2522,7 +2540,7 @@
             </a:endParaRPr>
           </a:p>
           <a:p>
-            <a:pPr marL="216000" indent="-216000">
+            <a:pPr marL="216000" indent="-215640">
               <a:lnSpc>
                 <a:spcPct val="100000"/>
               </a:lnSpc>
@@ -2544,7 +2562,7 @@
             </a:endParaRPr>
           </a:p>
           <a:p>
-            <a:pPr marL="216000" indent="-216000">
+            <a:pPr marL="216000" indent="-215640">
               <a:lnSpc>
                 <a:spcPct val="100000"/>
               </a:lnSpc>
@@ -2557,7 +2575,7 @@
             </a:endParaRPr>
           </a:p>
           <a:p>
-            <a:pPr marL="216000" indent="-216000">
+            <a:pPr marL="216000" indent="-215640">
               <a:lnSpc>
                 <a:spcPct val="100000"/>
               </a:lnSpc>
@@ -2579,7 +2597,7 @@
             </a:endParaRPr>
           </a:p>
           <a:p>
-            <a:pPr marL="216000" indent="-216000">
+            <a:pPr marL="216000" indent="-215640">
               <a:lnSpc>
                 <a:spcPct val="100000"/>
               </a:lnSpc>
@@ -2604,7 +2622,7 @@
             </a:endParaRPr>
           </a:p>
           <a:p>
-            <a:pPr marL="216000" indent="-212760">
+            <a:pPr marL="216000" indent="-212400">
               <a:lnSpc>
                 <a:spcPct val="100000"/>
               </a:lnSpc>
@@ -2620,14 +2638,14 @@
       </p:sp>
       <p:sp>
         <p:nvSpPr>
-          <p:cNvPr id="297" name="CustomShape 3"/>
+          <p:cNvPr id="298" name="CustomShape 3"/>
           <p:cNvSpPr/>
           <p:nvPr/>
         </p:nvSpPr>
         <p:spPr>
           <a:xfrm>
             <a:off x="3884760" y="8685360"/>
-            <a:ext cx="2966760" cy="453600"/>
+            <a:ext cx="2966400" cy="453240"/>
           </a:xfrm>
           <a:prstGeom prst="rect">
             <a:avLst/>
@@ -2656,7 +2674,7 @@
                 <a:tab algn="l" pos="0"/>
               </a:tabLst>
             </a:pPr>
-            <a:fld id="{F552311C-8EE5-4CFB-85B8-7D2BA1DE80DB}" type="slidenum">
+            <a:fld id="{E6EC5588-06B6-4EDB-B724-6E20C1253ABE}" type="slidenum">
               <a:rPr b="0" lang="en-US" sz="1400" spc="-1" strike="noStrike">
                 <a:solidFill>
                   <a:srgbClr val="000000"/>
@@ -2673,14 +2691,14 @@
       </p:sp>
       <p:sp>
         <p:nvSpPr>
-          <p:cNvPr id="298" name="CustomShape 4"/>
+          <p:cNvPr id="299" name="CustomShape 4"/>
           <p:cNvSpPr/>
           <p:nvPr/>
         </p:nvSpPr>
         <p:spPr>
           <a:xfrm>
             <a:off x="360000" y="4400640"/>
-            <a:ext cx="6477840" cy="5378040"/>
+            <a:ext cx="6477480" cy="5377680"/>
           </a:xfrm>
           <a:prstGeom prst="rect">
             <a:avLst/>
@@ -2790,14 +2808,14 @@
       </p:sp>
       <p:sp>
         <p:nvSpPr>
-          <p:cNvPr id="299" name="CustomShape 5"/>
+          <p:cNvPr id="300" name="CustomShape 5"/>
           <p:cNvSpPr/>
           <p:nvPr/>
         </p:nvSpPr>
         <p:spPr>
           <a:xfrm>
             <a:off x="536760" y="4695480"/>
-            <a:ext cx="5941800" cy="3988440"/>
+            <a:ext cx="5941440" cy="3988080"/>
           </a:xfrm>
           <a:prstGeom prst="rect">
             <a:avLst/>
@@ -2838,7 +2856,7 @@
       </p:grpSpPr>
       <p:sp>
         <p:nvSpPr>
-          <p:cNvPr id="300" name="PlaceHolder 1"/>
+          <p:cNvPr id="301" name="PlaceHolder 1"/>
           <p:cNvSpPr>
             <a:spLocks noGrp="1"/>
           </p:cNvSpPr>
@@ -2849,16 +2867,16 @@
         <p:spPr>
           <a:xfrm>
             <a:off x="685800" y="1143000"/>
-            <a:ext cx="5481360" cy="3081240"/>
-          </a:xfrm>
-          <a:prstGeom prst="rect">
-            <a:avLst/>
-          </a:prstGeom>
-        </p:spPr>
-      </p:sp>
-      <p:sp>
-        <p:nvSpPr>
-          <p:cNvPr id="301" name="PlaceHolder 2"/>
+            <a:ext cx="5481000" cy="3080880"/>
+          </a:xfrm>
+          <a:prstGeom prst="rect">
+            <a:avLst/>
+          </a:prstGeom>
+        </p:spPr>
+      </p:sp>
+      <p:sp>
+        <p:nvSpPr>
+          <p:cNvPr id="302" name="PlaceHolder 2"/>
           <p:cNvSpPr>
             <a:spLocks noGrp="1"/>
           </p:cNvSpPr>
@@ -2869,7 +2887,7 @@
         <p:spPr>
           <a:xfrm>
             <a:off x="685800" y="4400640"/>
-            <a:ext cx="5481360" cy="3595320"/>
+            <a:ext cx="5481000" cy="3594960"/>
           </a:xfrm>
           <a:prstGeom prst="rect">
             <a:avLst/>
@@ -2880,7 +2898,7 @@
             <a:noAutofit/>
           </a:bodyPr>
           <a:p>
-            <a:pPr marL="216000" indent="-216000">
+            <a:pPr marL="216000" indent="-215640">
               <a:lnSpc>
                 <a:spcPct val="100000"/>
               </a:lnSpc>
@@ -2905,7 +2923,7 @@
             </a:endParaRPr>
           </a:p>
           <a:p>
-            <a:pPr marL="216000" indent="-216000">
+            <a:pPr marL="216000" indent="-215640">
               <a:lnSpc>
                 <a:spcPct val="100000"/>
               </a:lnSpc>
@@ -2918,7 +2936,7 @@
             </a:endParaRPr>
           </a:p>
           <a:p>
-            <a:pPr marL="216000" indent="-216000">
+            <a:pPr marL="216000" indent="-215640">
               <a:lnSpc>
                 <a:spcPct val="100000"/>
               </a:lnSpc>
@@ -2940,7 +2958,7 @@
             </a:endParaRPr>
           </a:p>
           <a:p>
-            <a:pPr marL="216000" indent="-216000">
+            <a:pPr marL="216000" indent="-215640">
               <a:lnSpc>
                 <a:spcPct val="100000"/>
               </a:lnSpc>
@@ -2953,7 +2971,7 @@
             </a:endParaRPr>
           </a:p>
           <a:p>
-            <a:pPr marL="216000" indent="-216000">
+            <a:pPr marL="216000" indent="-215640">
               <a:lnSpc>
                 <a:spcPct val="100000"/>
               </a:lnSpc>
@@ -2975,7 +2993,7 @@
             </a:endParaRPr>
           </a:p>
           <a:p>
-            <a:pPr marL="216000" indent="-216000">
+            <a:pPr marL="216000" indent="-215640">
               <a:lnSpc>
                 <a:spcPct val="100000"/>
               </a:lnSpc>
@@ -2988,7 +3006,7 @@
             </a:endParaRPr>
           </a:p>
           <a:p>
-            <a:pPr marL="216000" indent="-216000">
+            <a:pPr marL="216000" indent="-215640">
               <a:lnSpc>
                 <a:spcPct val="100000"/>
               </a:lnSpc>
@@ -3010,7 +3028,7 @@
             </a:endParaRPr>
           </a:p>
           <a:p>
-            <a:pPr marL="216000" indent="-216000">
+            <a:pPr marL="216000" indent="-215640">
               <a:lnSpc>
                 <a:spcPct val="100000"/>
               </a:lnSpc>
@@ -3026,14 +3044,14 @@
       </p:sp>
       <p:sp>
         <p:nvSpPr>
-          <p:cNvPr id="302" name="CustomShape 3"/>
+          <p:cNvPr id="303" name="CustomShape 3"/>
           <p:cNvSpPr/>
           <p:nvPr/>
         </p:nvSpPr>
         <p:spPr>
           <a:xfrm>
             <a:off x="3884760" y="8685360"/>
-            <a:ext cx="2966760" cy="453600"/>
+            <a:ext cx="2966400" cy="453240"/>
           </a:xfrm>
           <a:prstGeom prst="rect">
             <a:avLst/>
@@ -3062,7 +3080,7 @@
                 <a:tab algn="l" pos="0"/>
               </a:tabLst>
             </a:pPr>
-            <a:fld id="{B10814D9-800B-4985-B6DE-02C8E04DB24A}" type="slidenum">
+            <a:fld id="{6BA76642-33A7-4A56-8C7C-E94D4FBB2209}" type="slidenum">
               <a:rPr b="0" lang="en-US" sz="1400" spc="-1" strike="noStrike">
                 <a:solidFill>
                   <a:srgbClr val="000000"/>
@@ -3079,14 +3097,14 @@
       </p:sp>
       <p:sp>
         <p:nvSpPr>
-          <p:cNvPr id="303" name="CustomShape 4"/>
+          <p:cNvPr id="304" name="CustomShape 4"/>
           <p:cNvSpPr/>
           <p:nvPr/>
         </p:nvSpPr>
         <p:spPr>
           <a:xfrm>
             <a:off x="685800" y="4584960"/>
-            <a:ext cx="5578560" cy="4233600"/>
+            <a:ext cx="5578200" cy="4233240"/>
           </a:xfrm>
           <a:prstGeom prst="rect">
             <a:avLst/>
@@ -3127,7 +3145,7 @@
       </p:grpSpPr>
       <p:sp>
         <p:nvSpPr>
-          <p:cNvPr id="304" name="PlaceHolder 1"/>
+          <p:cNvPr id="305" name="PlaceHolder 1"/>
           <p:cNvSpPr>
             <a:spLocks noGrp="1"/>
           </p:cNvSpPr>
@@ -3138,16 +3156,16 @@
         <p:spPr>
           <a:xfrm>
             <a:off x="685800" y="1143000"/>
-            <a:ext cx="5481360" cy="3081240"/>
-          </a:xfrm>
-          <a:prstGeom prst="rect">
-            <a:avLst/>
-          </a:prstGeom>
-        </p:spPr>
-      </p:sp>
-      <p:sp>
-        <p:nvSpPr>
-          <p:cNvPr id="305" name="PlaceHolder 2"/>
+            <a:ext cx="5481000" cy="3080880"/>
+          </a:xfrm>
+          <a:prstGeom prst="rect">
+            <a:avLst/>
+          </a:prstGeom>
+        </p:spPr>
+      </p:sp>
+      <p:sp>
+        <p:nvSpPr>
+          <p:cNvPr id="306" name="PlaceHolder 2"/>
           <p:cNvSpPr>
             <a:spLocks noGrp="1"/>
           </p:cNvSpPr>
@@ -3158,7 +3176,7 @@
         <p:spPr>
           <a:xfrm>
             <a:off x="685800" y="4400640"/>
-            <a:ext cx="5481360" cy="3595320"/>
+            <a:ext cx="5481000" cy="3594960"/>
           </a:xfrm>
           <a:prstGeom prst="rect">
             <a:avLst/>
@@ -3169,7 +3187,7 @@
             <a:noAutofit/>
           </a:bodyPr>
           <a:p>
-            <a:pPr marL="216000" indent="-216000">
+            <a:pPr marL="216000" indent="-215640">
               <a:lnSpc>
                 <a:spcPct val="100000"/>
               </a:lnSpc>
@@ -3191,7 +3209,7 @@
             </a:endParaRPr>
           </a:p>
           <a:p>
-            <a:pPr marL="216000" indent="-216000">
+            <a:pPr marL="216000" indent="-215640">
               <a:lnSpc>
                 <a:spcPct val="100000"/>
               </a:lnSpc>
@@ -3213,7 +3231,7 @@
             </a:endParaRPr>
           </a:p>
           <a:p>
-            <a:pPr marL="216000" indent="-216000">
+            <a:pPr marL="216000" indent="-215640">
               <a:lnSpc>
                 <a:spcPct val="100000"/>
               </a:lnSpc>
@@ -3235,7 +3253,7 @@
             </a:endParaRPr>
           </a:p>
           <a:p>
-            <a:pPr marL="216000" indent="-216000">
+            <a:pPr marL="216000" indent="-215640">
               <a:lnSpc>
                 <a:spcPct val="100000"/>
               </a:lnSpc>
@@ -3248,7 +3266,7 @@
             </a:endParaRPr>
           </a:p>
           <a:p>
-            <a:pPr marL="216000" indent="-216000">
+            <a:pPr marL="216000" indent="-215640">
               <a:lnSpc>
                 <a:spcPct val="100000"/>
               </a:lnSpc>
@@ -3270,7 +3288,7 @@
             </a:endParaRPr>
           </a:p>
           <a:p>
-            <a:pPr marL="216000" indent="-216000">
+            <a:pPr marL="216000" indent="-215640">
               <a:lnSpc>
                 <a:spcPct val="100000"/>
               </a:lnSpc>
@@ -3283,7 +3301,7 @@
             </a:endParaRPr>
           </a:p>
           <a:p>
-            <a:pPr marL="216000" indent="-216000">
+            <a:pPr marL="216000" indent="-215640">
               <a:lnSpc>
                 <a:spcPct val="100000"/>
               </a:lnSpc>
@@ -3323,7 +3341,7 @@
             </a:endParaRPr>
           </a:p>
           <a:p>
-            <a:pPr marL="216000" indent="-216000">
+            <a:pPr marL="216000" indent="-215640">
               <a:lnSpc>
                 <a:spcPct val="100000"/>
               </a:lnSpc>
@@ -3336,7 +3354,7 @@
             </a:endParaRPr>
           </a:p>
           <a:p>
-            <a:pPr marL="216000" indent="-216000">
+            <a:pPr marL="216000" indent="-215640">
               <a:lnSpc>
                 <a:spcPct val="100000"/>
               </a:lnSpc>
@@ -3358,7 +3376,7 @@
             </a:endParaRPr>
           </a:p>
           <a:p>
-            <a:pPr marL="216000" indent="-216000">
+            <a:pPr marL="216000" indent="-215640">
               <a:lnSpc>
                 <a:spcPct val="100000"/>
               </a:lnSpc>
@@ -3371,7 +3389,7 @@
             </a:endParaRPr>
           </a:p>
           <a:p>
-            <a:pPr marL="216000" indent="-212760">
+            <a:pPr marL="216000" indent="-212400">
               <a:lnSpc>
                 <a:spcPct val="100000"/>
               </a:lnSpc>
@@ -3387,14 +3405,14 @@
       </p:sp>
       <p:sp>
         <p:nvSpPr>
-          <p:cNvPr id="306" name="CustomShape 3"/>
+          <p:cNvPr id="307" name="CustomShape 3"/>
           <p:cNvSpPr/>
           <p:nvPr/>
         </p:nvSpPr>
         <p:spPr>
           <a:xfrm>
             <a:off x="3884760" y="8685360"/>
-            <a:ext cx="2966760" cy="453600"/>
+            <a:ext cx="2966400" cy="453240"/>
           </a:xfrm>
           <a:prstGeom prst="rect">
             <a:avLst/>
@@ -3423,7 +3441,7 @@
                 <a:tab algn="l" pos="0"/>
               </a:tabLst>
             </a:pPr>
-            <a:fld id="{9AC5828E-AC82-4E7C-A526-26509F43513B}" type="slidenum">
+            <a:fld id="{0670D22D-D1A9-4A18-95E7-828D6C258BD6}" type="slidenum">
               <a:rPr b="0" lang="en-US" sz="1400" spc="-1" strike="noStrike">
                 <a:solidFill>
                   <a:srgbClr val="000000"/>
@@ -3440,14 +3458,14 @@
       </p:sp>
       <p:sp>
         <p:nvSpPr>
-          <p:cNvPr id="307" name="CustomShape 4"/>
+          <p:cNvPr id="308" name="CustomShape 4"/>
           <p:cNvSpPr/>
           <p:nvPr/>
         </p:nvSpPr>
         <p:spPr>
           <a:xfrm>
             <a:off x="685800" y="4584960"/>
-            <a:ext cx="5578560" cy="4233600"/>
+            <a:ext cx="5578200" cy="4233240"/>
           </a:xfrm>
           <a:prstGeom prst="rect">
             <a:avLst/>
@@ -3488,7 +3506,7 @@
       </p:grpSpPr>
       <p:sp>
         <p:nvSpPr>
-          <p:cNvPr id="237" name="PlaceHolder 1"/>
+          <p:cNvPr id="238" name="PlaceHolder 1"/>
           <p:cNvSpPr>
             <a:spLocks noGrp="1"/>
           </p:cNvSpPr>
@@ -3499,23 +3517,23 @@
         <p:spPr>
           <a:xfrm>
             <a:off x="685800" y="1143000"/>
-            <a:ext cx="5481360" cy="3081240"/>
-          </a:xfrm>
-          <a:prstGeom prst="rect">
-            <a:avLst/>
-          </a:prstGeom>
-        </p:spPr>
-      </p:sp>
-      <p:sp>
-        <p:nvSpPr>
-          <p:cNvPr id="238" name="CustomShape 2"/>
+            <a:ext cx="5481000" cy="3080880"/>
+          </a:xfrm>
+          <a:prstGeom prst="rect">
+            <a:avLst/>
+          </a:prstGeom>
+        </p:spPr>
+      </p:sp>
+      <p:sp>
+        <p:nvSpPr>
+          <p:cNvPr id="239" name="CustomShape 2"/>
           <p:cNvSpPr/>
           <p:nvPr/>
         </p:nvSpPr>
         <p:spPr>
           <a:xfrm>
             <a:off x="3884760" y="8685360"/>
-            <a:ext cx="2966760" cy="453600"/>
+            <a:ext cx="2966400" cy="453240"/>
           </a:xfrm>
           <a:prstGeom prst="rect">
             <a:avLst/>
@@ -3544,7 +3562,7 @@
                 <a:tab algn="l" pos="0"/>
               </a:tabLst>
             </a:pPr>
-            <a:fld id="{923FE910-B287-4A13-85CD-556400B275E0}" type="slidenum">
+            <a:fld id="{AF72C842-8D89-418D-B289-D255BBB91DC3}" type="slidenum">
               <a:rPr b="0" lang="en-US" sz="1400" spc="-1" strike="noStrike">
                 <a:solidFill>
                   <a:srgbClr val="000000"/>
@@ -3561,14 +3579,14 @@
       </p:sp>
       <p:sp>
         <p:nvSpPr>
-          <p:cNvPr id="239" name="CustomShape 3"/>
+          <p:cNvPr id="240" name="CustomShape 3"/>
           <p:cNvSpPr/>
           <p:nvPr/>
         </p:nvSpPr>
         <p:spPr>
           <a:xfrm>
             <a:off x="360360" y="4424040"/>
-            <a:ext cx="6297480" cy="5653800"/>
+            <a:ext cx="6297120" cy="5653440"/>
           </a:xfrm>
           <a:prstGeom prst="rect">
             <a:avLst/>
@@ -3587,14 +3605,14 @@
       </p:sp>
       <p:sp>
         <p:nvSpPr>
-          <p:cNvPr id="240" name="CustomShape 4"/>
+          <p:cNvPr id="241" name="CustomShape 4"/>
           <p:cNvSpPr/>
           <p:nvPr/>
         </p:nvSpPr>
         <p:spPr>
           <a:xfrm>
             <a:off x="360360" y="5078520"/>
-            <a:ext cx="6118560" cy="3740040"/>
+            <a:ext cx="6118200" cy="3739680"/>
           </a:xfrm>
           <a:prstGeom prst="rect">
             <a:avLst/>
@@ -3615,7 +3633,7 @@
             <a:noAutofit/>
           </a:bodyPr>
           <a:p>
-            <a:pPr marL="216000" indent="-214920">
+            <a:pPr marL="216000" indent="-214560">
               <a:lnSpc>
                 <a:spcPct val="100000"/>
               </a:lnSpc>
@@ -3631,7 +3649,7 @@
             </a:endParaRPr>
           </a:p>
           <a:p>
-            <a:pPr marL="216000" indent="-214920">
+            <a:pPr marL="216000" indent="-214560">
               <a:lnSpc>
                 <a:spcPct val="100000"/>
               </a:lnSpc>
@@ -3647,14 +3665,14 @@
       </p:sp>
       <p:sp>
         <p:nvSpPr>
-          <p:cNvPr id="241" name="CustomShape 5"/>
+          <p:cNvPr id="242" name="CustomShape 5"/>
           <p:cNvSpPr/>
           <p:nvPr/>
         </p:nvSpPr>
         <p:spPr>
           <a:xfrm>
             <a:off x="360360" y="5078520"/>
-            <a:ext cx="6118560" cy="3740040"/>
+            <a:ext cx="6118200" cy="3739680"/>
           </a:xfrm>
           <a:prstGeom prst="rect">
             <a:avLst/>
@@ -3675,7 +3693,7 @@
             <a:noAutofit/>
           </a:bodyPr>
           <a:p>
-            <a:pPr marL="216000" indent="-214920">
+            <a:pPr marL="216000" indent="-214560">
               <a:lnSpc>
                 <a:spcPct val="100000"/>
               </a:lnSpc>
@@ -3691,7 +3709,7 @@
             </a:endParaRPr>
           </a:p>
           <a:p>
-            <a:pPr marL="216000" indent="-214920">
+            <a:pPr marL="216000" indent="-214560">
               <a:lnSpc>
                 <a:spcPct val="100000"/>
               </a:lnSpc>
@@ -3707,14 +3725,14 @@
       </p:sp>
       <p:sp>
         <p:nvSpPr>
-          <p:cNvPr id="242" name="CustomShape 6"/>
+          <p:cNvPr id="243" name="CustomShape 6"/>
           <p:cNvSpPr/>
           <p:nvPr/>
         </p:nvSpPr>
         <p:spPr>
           <a:xfrm>
-            <a:off x="483120" y="4500000"/>
-            <a:ext cx="5995800" cy="4685400"/>
+            <a:off x="483120" y="4419360"/>
+            <a:ext cx="5995440" cy="4685040"/>
           </a:xfrm>
           <a:prstGeom prst="rect">
             <a:avLst/>
@@ -3742,9 +3760,12 @@
             </a:pPr>
             <a:r>
               <a:rPr b="0" lang="en-AU" sz="1400" spc="-1" strike="noStrike">
+                <a:solidFill>
+                  <a:srgbClr val="000000"/>
+                </a:solidFill>
                 <a:latin typeface="Arial"/>
               </a:rPr>
-              <a:t>Hi, I’m Keira. I’m a web developer. I work on energy reporting and citizen science software, I maintain an open source project and run a SASS platform for activist groups.</a:t>
+              <a:t>Hi, I’m Keira, my pronouns are she/her. I’m a web developer. I work on energy reporting and citizen science software, I maintain an open source project and run a SASS platform for activist groups.</a:t>
             </a:r>
             <a:endParaRPr b="0" lang="en-AU" sz="1400" spc="-1" strike="noStrike">
               <a:latin typeface="Arial"/>
@@ -3768,9 +3789,12 @@
             </a:pPr>
             <a:r>
               <a:rPr b="0" lang="en-AU" sz="1400" spc="-1" strike="noStrike">
+                <a:solidFill>
+                  <a:srgbClr val="000000"/>
+                </a:solidFill>
                 <a:latin typeface="Arial"/>
               </a:rPr>
-              <a:t>Working in tiny teams and not-for-profits, it means I handle back and front end development, testing, ops, and security – this is the reality of small budgets. This is the world of no training budget, no security team, no managed services. </a:t>
+              <a:t>Working in tiny teams and not-for-profits, it means I handle back and front end development, testing, ops, and security – this is the reality of small budgets. This is the world no security team, no managed services. </a:t>
             </a:r>
             <a:endParaRPr b="0" lang="en-AU" sz="1400" spc="-1" strike="noStrike">
               <a:latin typeface="Arial"/>
@@ -3794,6 +3818,9 @@
             </a:pPr>
             <a:r>
               <a:rPr b="0" lang="en-AU" sz="1400" spc="-1" strike="noStrike">
+                <a:solidFill>
+                  <a:srgbClr val="000000"/>
+                </a:solidFill>
                 <a:latin typeface="Arial"/>
               </a:rPr>
               <a:t>So I read about, take courses in, and have attended a LOT of events about cyber security over the past 8 years.</a:t>
@@ -3820,6 +3847,9 @@
             </a:pPr>
             <a:r>
               <a:rPr b="0" lang="en-AU" sz="1400" spc="-1" strike="noStrike">
+                <a:solidFill>
+                  <a:srgbClr val="000000"/>
+                </a:solidFill>
                 <a:latin typeface="Arial"/>
               </a:rPr>
               <a:t>I didn’t formally study computer science, instead my degree is in Gender, Sexuality and Culture, the other side of this talk.</a:t>
@@ -3846,9 +3876,12 @@
             </a:pPr>
             <a:r>
               <a:rPr b="0" lang="en-AU" sz="1400" spc="-1" strike="noStrike">
+                <a:solidFill>
+                  <a:srgbClr val="000000"/>
+                </a:solidFill>
                 <a:latin typeface="Arial"/>
               </a:rPr>
-              <a:t>That’s more about myself than I’d usually share in a talk, but, perhaps ironically, researching the myriad terrible opinions about women in cyber slowly got to me over time, so I need to remind myself, more than you all, that I’m “allowed” to talk about this issue.</a:t>
+              <a:t>That’s more about myself than I’d usually share in a talk, but, perhaps ironically, researching the myriad terrible opinions about women in cyber got to me over time, so I need to remind myself, more than you all, that I’m “allowed” to talk about this issue.</a:t>
             </a:r>
             <a:endParaRPr b="0" lang="en-AU" sz="1400" spc="-1" strike="noStrike">
               <a:latin typeface="Arial"/>
@@ -3872,6 +3905,9 @@
             </a:pPr>
             <a:r>
               <a:rPr b="0" lang="en-AU" sz="1400" spc="-1" strike="noStrike">
+                <a:solidFill>
+                  <a:srgbClr val="000000"/>
+                </a:solidFill>
                 <a:latin typeface="Arial"/>
               </a:rPr>
               <a:t>I care deeply about cyber security not because I love computers – I really don’t – but because I love people. And because I care about security, I care about diversity in security. It makes everyone safer.</a:t>
@@ -3906,7 +3942,7 @@
       </p:grpSpPr>
       <p:sp>
         <p:nvSpPr>
-          <p:cNvPr id="308" name="PlaceHolder 1"/>
+          <p:cNvPr id="309" name="PlaceHolder 1"/>
           <p:cNvSpPr>
             <a:spLocks noGrp="1"/>
           </p:cNvSpPr>
@@ -3917,16 +3953,16 @@
         <p:spPr>
           <a:xfrm>
             <a:off x="685800" y="1143000"/>
-            <a:ext cx="5481360" cy="3081240"/>
-          </a:xfrm>
-          <a:prstGeom prst="rect">
-            <a:avLst/>
-          </a:prstGeom>
-        </p:spPr>
-      </p:sp>
-      <p:sp>
-        <p:nvSpPr>
-          <p:cNvPr id="309" name="PlaceHolder 2"/>
+            <a:ext cx="5481000" cy="3080880"/>
+          </a:xfrm>
+          <a:prstGeom prst="rect">
+            <a:avLst/>
+          </a:prstGeom>
+        </p:spPr>
+      </p:sp>
+      <p:sp>
+        <p:nvSpPr>
+          <p:cNvPr id="310" name="PlaceHolder 2"/>
           <p:cNvSpPr>
             <a:spLocks noGrp="1"/>
           </p:cNvSpPr>
@@ -3937,7 +3973,7 @@
         <p:spPr>
           <a:xfrm>
             <a:off x="540000" y="4401360"/>
-            <a:ext cx="5578560" cy="4417200"/>
+            <a:ext cx="5578200" cy="4416840"/>
           </a:xfrm>
           <a:prstGeom prst="rect">
             <a:avLst/>
@@ -3948,7 +3984,7 @@
             <a:noAutofit/>
           </a:bodyPr>
           <a:p>
-            <a:pPr marL="216000" indent="-214920">
+            <a:pPr marL="216000" indent="-214560">
               <a:lnSpc>
                 <a:spcPct val="100000"/>
               </a:lnSpc>
@@ -3971,7 +4007,7 @@
             </a:endParaRPr>
           </a:p>
           <a:p>
-            <a:pPr marL="216000" indent="-214920">
+            <a:pPr marL="216000" indent="-214560">
               <a:lnSpc>
                 <a:spcPct val="100000"/>
               </a:lnSpc>
@@ -3994,7 +4030,7 @@
             </a:endParaRPr>
           </a:p>
           <a:p>
-            <a:pPr marL="216000" indent="-214920">
+            <a:pPr marL="216000" indent="-214560">
               <a:lnSpc>
                 <a:spcPct val="100000"/>
               </a:lnSpc>
@@ -4017,7 +4053,7 @@
             </a:endParaRPr>
           </a:p>
           <a:p>
-            <a:pPr marL="216000" indent="-214920">
+            <a:pPr marL="216000" indent="-214560">
               <a:lnSpc>
                 <a:spcPct val="100000"/>
               </a:lnSpc>
@@ -4040,7 +4076,7 @@
             </a:endParaRPr>
           </a:p>
           <a:p>
-            <a:pPr marL="216000" indent="-214920">
+            <a:pPr marL="216000" indent="-214560">
               <a:lnSpc>
                 <a:spcPct val="100000"/>
               </a:lnSpc>
@@ -4063,7 +4099,7 @@
             </a:endParaRPr>
           </a:p>
           <a:p>
-            <a:pPr marL="216000" indent="-214920">
+            <a:pPr marL="216000" indent="-214560">
               <a:lnSpc>
                 <a:spcPct val="100000"/>
               </a:lnSpc>
@@ -4086,7 +4122,7 @@
             </a:endParaRPr>
           </a:p>
           <a:p>
-            <a:pPr marL="216000" indent="-214920">
+            <a:pPr marL="216000" indent="-214560">
               <a:lnSpc>
                 <a:spcPct val="100000"/>
               </a:lnSpc>
@@ -4109,7 +4145,7 @@
             </a:endParaRPr>
           </a:p>
           <a:p>
-            <a:pPr marL="216000" indent="-214920">
+            <a:pPr marL="216000" indent="-214560">
               <a:lnSpc>
                 <a:spcPct val="100000"/>
               </a:lnSpc>
@@ -4132,7 +4168,7 @@
             </a:endParaRPr>
           </a:p>
           <a:p>
-            <a:pPr marL="216000" indent="-214920">
+            <a:pPr marL="216000" indent="-214560">
               <a:lnSpc>
                 <a:spcPct val="100000"/>
               </a:lnSpc>
@@ -4148,7 +4184,7 @@
             </a:endParaRPr>
           </a:p>
           <a:p>
-            <a:pPr marL="216000" indent="-214920">
+            <a:pPr marL="216000" indent="-214560">
               <a:lnSpc>
                 <a:spcPct val="100000"/>
               </a:lnSpc>
@@ -4167,14 +4203,14 @@
       </p:sp>
       <p:sp>
         <p:nvSpPr>
-          <p:cNvPr id="310" name="CustomShape 3"/>
+          <p:cNvPr id="311" name="CustomShape 3"/>
           <p:cNvSpPr/>
           <p:nvPr/>
         </p:nvSpPr>
         <p:spPr>
           <a:xfrm>
             <a:off x="3884760" y="8685360"/>
-            <a:ext cx="2966760" cy="453600"/>
+            <a:ext cx="2966400" cy="453240"/>
           </a:xfrm>
           <a:prstGeom prst="rect">
             <a:avLst/>
@@ -4203,7 +4239,7 @@
                 <a:tab algn="l" pos="0"/>
               </a:tabLst>
             </a:pPr>
-            <a:fld id="{2A7909B3-D189-43AB-AA7B-D5646EF5FCC4}" type="slidenum">
+            <a:fld id="{6AA4E26C-974E-47EE-BB20-0D299A5FCFB6}" type="slidenum">
               <a:rPr b="0" lang="en-US" sz="1400" spc="-1" strike="noStrike">
                 <a:solidFill>
                   <a:srgbClr val="000000"/>
@@ -4242,7 +4278,7 @@
       </p:grpSpPr>
       <p:sp>
         <p:nvSpPr>
-          <p:cNvPr id="311" name="PlaceHolder 1"/>
+          <p:cNvPr id="312" name="PlaceHolder 1"/>
           <p:cNvSpPr>
             <a:spLocks noGrp="1"/>
           </p:cNvSpPr>
@@ -4253,16 +4289,16 @@
         <p:spPr>
           <a:xfrm>
             <a:off x="685800" y="1143000"/>
-            <a:ext cx="5481360" cy="3081240"/>
-          </a:xfrm>
-          <a:prstGeom prst="rect">
-            <a:avLst/>
-          </a:prstGeom>
-        </p:spPr>
-      </p:sp>
-      <p:sp>
-        <p:nvSpPr>
-          <p:cNvPr id="312" name="PlaceHolder 2"/>
+            <a:ext cx="5481000" cy="3080880"/>
+          </a:xfrm>
+          <a:prstGeom prst="rect">
+            <a:avLst/>
+          </a:prstGeom>
+        </p:spPr>
+      </p:sp>
+      <p:sp>
+        <p:nvSpPr>
+          <p:cNvPr id="313" name="PlaceHolder 2"/>
           <p:cNvSpPr>
             <a:spLocks noGrp="1"/>
           </p:cNvSpPr>
@@ -4273,7 +4309,7 @@
         <p:spPr>
           <a:xfrm>
             <a:off x="685800" y="4400640"/>
-            <a:ext cx="5481360" cy="3595320"/>
+            <a:ext cx="5481000" cy="3594960"/>
           </a:xfrm>
           <a:prstGeom prst="rect">
             <a:avLst/>
@@ -4284,7 +4320,7 @@
             <a:noAutofit/>
           </a:bodyPr>
           <a:p>
-            <a:pPr marL="216000" indent="-214920">
+            <a:pPr marL="216000" indent="-214560">
               <a:lnSpc>
                 <a:spcPct val="100000"/>
               </a:lnSpc>
@@ -4306,7 +4342,7 @@
             </a:endParaRPr>
           </a:p>
           <a:p>
-            <a:pPr marL="216000" indent="-214920">
+            <a:pPr marL="216000" indent="-214560">
               <a:lnSpc>
                 <a:spcPct val="100000"/>
               </a:lnSpc>
@@ -4329,7 +4365,7 @@
             </a:endParaRPr>
           </a:p>
           <a:p>
-            <a:pPr marL="216000" indent="-214920">
+            <a:pPr marL="216000" indent="-214560">
               <a:lnSpc>
                 <a:spcPct val="100000"/>
               </a:lnSpc>
@@ -4352,7 +4388,7 @@
             </a:endParaRPr>
           </a:p>
           <a:p>
-            <a:pPr marL="216000" indent="-214920">
+            <a:pPr marL="216000" indent="-214560">
               <a:lnSpc>
                 <a:spcPct val="100000"/>
               </a:lnSpc>
@@ -4375,7 +4411,7 @@
             </a:endParaRPr>
           </a:p>
           <a:p>
-            <a:pPr marL="216000" indent="-214920">
+            <a:pPr marL="216000" indent="-214560">
               <a:lnSpc>
                 <a:spcPct val="100000"/>
               </a:lnSpc>
@@ -4398,7 +4434,7 @@
             </a:endParaRPr>
           </a:p>
           <a:p>
-            <a:pPr marL="216000" indent="-214920">
+            <a:pPr marL="216000" indent="-214560">
               <a:lnSpc>
                 <a:spcPct val="100000"/>
               </a:lnSpc>
@@ -4421,7 +4457,7 @@
             </a:endParaRPr>
           </a:p>
           <a:p>
-            <a:pPr marL="216000" indent="-214920">
+            <a:pPr marL="216000" indent="-214560">
               <a:lnSpc>
                 <a:spcPct val="100000"/>
               </a:lnSpc>
@@ -4447,14 +4483,14 @@
       </p:sp>
       <p:sp>
         <p:nvSpPr>
-          <p:cNvPr id="313" name="CustomShape 3"/>
+          <p:cNvPr id="314" name="CustomShape 3"/>
           <p:cNvSpPr/>
           <p:nvPr/>
         </p:nvSpPr>
         <p:spPr>
           <a:xfrm>
             <a:off x="3884760" y="8685360"/>
-            <a:ext cx="2966760" cy="453600"/>
+            <a:ext cx="2966400" cy="453240"/>
           </a:xfrm>
           <a:prstGeom prst="rect">
             <a:avLst/>
@@ -4483,7 +4519,7 @@
                 <a:tab algn="l" pos="0"/>
               </a:tabLst>
             </a:pPr>
-            <a:fld id="{6D921168-D484-4E1B-A5C6-39B3B35530FD}" type="slidenum">
+            <a:fld id="{298D7099-96BE-4325-BD5A-0E2CF5D66A18}" type="slidenum">
               <a:rPr b="0" lang="en-US" sz="1400" spc="-1" strike="noStrike">
                 <a:solidFill>
                   <a:srgbClr val="000000"/>
@@ -4522,7 +4558,7 @@
       </p:grpSpPr>
       <p:sp>
         <p:nvSpPr>
-          <p:cNvPr id="314" name="PlaceHolder 1"/>
+          <p:cNvPr id="315" name="PlaceHolder 1"/>
           <p:cNvSpPr>
             <a:spLocks noGrp="1"/>
           </p:cNvSpPr>
@@ -4533,16 +4569,16 @@
         <p:spPr>
           <a:xfrm>
             <a:off x="685800" y="1143000"/>
-            <a:ext cx="5481360" cy="3081240"/>
-          </a:xfrm>
-          <a:prstGeom prst="rect">
-            <a:avLst/>
-          </a:prstGeom>
-        </p:spPr>
-      </p:sp>
-      <p:sp>
-        <p:nvSpPr>
-          <p:cNvPr id="315" name="PlaceHolder 2"/>
+            <a:ext cx="5481000" cy="3080880"/>
+          </a:xfrm>
+          <a:prstGeom prst="rect">
+            <a:avLst/>
+          </a:prstGeom>
+        </p:spPr>
+      </p:sp>
+      <p:sp>
+        <p:nvSpPr>
+          <p:cNvPr id="316" name="PlaceHolder 2"/>
           <p:cNvSpPr>
             <a:spLocks noGrp="1"/>
           </p:cNvSpPr>
@@ -4553,7 +4589,7 @@
         <p:spPr>
           <a:xfrm>
             <a:off x="707760" y="4400640"/>
-            <a:ext cx="5481360" cy="3595320"/>
+            <a:ext cx="5481000" cy="3594960"/>
           </a:xfrm>
           <a:prstGeom prst="rect">
             <a:avLst/>
@@ -4564,7 +4600,7 @@
             <a:noAutofit/>
           </a:bodyPr>
           <a:p>
-            <a:pPr marL="216000" indent="-212760">
+            <a:pPr marL="216000" indent="-212400">
               <a:lnSpc>
                 <a:spcPct val="100000"/>
               </a:lnSpc>
@@ -4586,7 +4622,7 @@
             </a:endParaRPr>
           </a:p>
           <a:p>
-            <a:pPr marL="216000" indent="-212760">
+            <a:pPr marL="216000" indent="-212400">
               <a:lnSpc>
                 <a:spcPct val="100000"/>
               </a:lnSpc>
@@ -4608,7 +4644,7 @@
             </a:endParaRPr>
           </a:p>
           <a:p>
-            <a:pPr marL="216000" indent="-212760">
+            <a:pPr marL="216000" indent="-212400">
               <a:lnSpc>
                 <a:spcPct val="100000"/>
               </a:lnSpc>
@@ -4630,7 +4666,7 @@
             </a:endParaRPr>
           </a:p>
           <a:p>
-            <a:pPr marL="216000" indent="-212760">
+            <a:pPr marL="216000" indent="-212400">
               <a:lnSpc>
                 <a:spcPct val="100000"/>
               </a:lnSpc>
@@ -4652,7 +4688,7 @@
             </a:endParaRPr>
           </a:p>
           <a:p>
-            <a:pPr marL="216000" indent="-212760">
+            <a:pPr marL="216000" indent="-212400">
               <a:lnSpc>
                 <a:spcPct val="100000"/>
               </a:lnSpc>
@@ -4674,7 +4710,7 @@
             </a:endParaRPr>
           </a:p>
           <a:p>
-            <a:pPr marL="216000" indent="-212760">
+            <a:pPr marL="216000" indent="-212400">
               <a:lnSpc>
                 <a:spcPct val="100000"/>
               </a:lnSpc>
@@ -4696,7 +4732,7 @@
             </a:endParaRPr>
           </a:p>
           <a:p>
-            <a:pPr marL="216000" indent="-212760">
+            <a:pPr marL="216000" indent="-212400">
               <a:lnSpc>
                 <a:spcPct val="100000"/>
               </a:lnSpc>
@@ -4718,7 +4754,7 @@
             </a:endParaRPr>
           </a:p>
           <a:p>
-            <a:pPr marL="216000" indent="-212760">
+            <a:pPr marL="216000" indent="-212400">
               <a:lnSpc>
                 <a:spcPct val="100000"/>
               </a:lnSpc>
@@ -4743,14 +4779,14 @@
       </p:sp>
       <p:sp>
         <p:nvSpPr>
-          <p:cNvPr id="316" name="CustomShape 3"/>
+          <p:cNvPr id="317" name="CustomShape 3"/>
           <p:cNvSpPr/>
           <p:nvPr/>
         </p:nvSpPr>
         <p:spPr>
           <a:xfrm>
             <a:off x="3884760" y="8685360"/>
-            <a:ext cx="2966760" cy="453600"/>
+            <a:ext cx="2966400" cy="453240"/>
           </a:xfrm>
           <a:prstGeom prst="rect">
             <a:avLst/>
@@ -4779,14 +4815,14 @@
                 <a:tab algn="l" pos="0"/>
               </a:tabLst>
             </a:pPr>
-            <a:fld id="{C404CA37-945E-4413-BB3C-C6628DC0776D}" type="slidenum">
+            <a:fld id="{E9597A64-078D-4972-A27E-FE651F15805A}" type="slidenum">
               <a:rPr b="0" lang="en-US" sz="1400" spc="-1" strike="noStrike">
                 <a:solidFill>
                   <a:srgbClr val="000000"/>
                 </a:solidFill>
                 <a:latin typeface="Times New Roman"/>
               </a:rPr>
-              <a:t>&lt;number&gt;</a:t>
+              <a:t>33</a:t>
             </a:fld>
             <a:endParaRPr b="0" lang="en-AU" sz="1400" spc="-1" strike="noStrike">
               <a:latin typeface="Arial"/>
@@ -4796,14 +4832,14 @@
       </p:sp>
       <p:sp>
         <p:nvSpPr>
-          <p:cNvPr id="317" name="CustomShape 4"/>
+          <p:cNvPr id="318" name="CustomShape 4"/>
           <p:cNvSpPr/>
           <p:nvPr/>
         </p:nvSpPr>
         <p:spPr>
           <a:xfrm>
             <a:off x="707760" y="4535280"/>
-            <a:ext cx="5411880" cy="4283280"/>
+            <a:ext cx="5411520" cy="4282920"/>
           </a:xfrm>
           <a:prstGeom prst="rect">
             <a:avLst/>
@@ -4844,7 +4880,7 @@
       </p:grpSpPr>
       <p:sp>
         <p:nvSpPr>
-          <p:cNvPr id="318" name="PlaceHolder 1"/>
+          <p:cNvPr id="319" name="PlaceHolder 1"/>
           <p:cNvSpPr>
             <a:spLocks noGrp="1"/>
           </p:cNvSpPr>
@@ -4855,16 +4891,16 @@
         <p:spPr>
           <a:xfrm>
             <a:off x="685800" y="1143000"/>
-            <a:ext cx="5481360" cy="3081240"/>
-          </a:xfrm>
-          <a:prstGeom prst="rect">
-            <a:avLst/>
-          </a:prstGeom>
-        </p:spPr>
-      </p:sp>
-      <p:sp>
-        <p:nvSpPr>
-          <p:cNvPr id="319" name="PlaceHolder 2"/>
+            <a:ext cx="5481000" cy="3080880"/>
+          </a:xfrm>
+          <a:prstGeom prst="rect">
+            <a:avLst/>
+          </a:prstGeom>
+        </p:spPr>
+      </p:sp>
+      <p:sp>
+        <p:nvSpPr>
+          <p:cNvPr id="320" name="PlaceHolder 2"/>
           <p:cNvSpPr>
             <a:spLocks noGrp="1"/>
           </p:cNvSpPr>
@@ -4875,7 +4911,7 @@
         <p:spPr>
           <a:xfrm>
             <a:off x="685800" y="4400640"/>
-            <a:ext cx="5481360" cy="3595320"/>
+            <a:ext cx="5481000" cy="3594960"/>
           </a:xfrm>
           <a:prstGeom prst="rect">
             <a:avLst/>
@@ -4886,7 +4922,7 @@
             <a:noAutofit/>
           </a:bodyPr>
           <a:p>
-            <a:pPr marL="216000" indent="-215640">
+            <a:pPr marL="216000" indent="-215280">
               <a:lnSpc>
                 <a:spcPct val="100000"/>
               </a:lnSpc>
@@ -4908,7 +4944,7 @@
             </a:endParaRPr>
           </a:p>
           <a:p>
-            <a:pPr marL="216000" indent="-215640">
+            <a:pPr marL="216000" indent="-215280">
               <a:lnSpc>
                 <a:spcPct val="100000"/>
               </a:lnSpc>
@@ -4931,7 +4967,7 @@
             </a:endParaRPr>
           </a:p>
           <a:p>
-            <a:pPr marL="216000" indent="-215640">
+            <a:pPr marL="216000" indent="-215280">
               <a:lnSpc>
                 <a:spcPct val="100000"/>
               </a:lnSpc>
@@ -4954,7 +4990,7 @@
             </a:endParaRPr>
           </a:p>
           <a:p>
-            <a:pPr marL="216000" indent="-215640">
+            <a:pPr marL="216000" indent="-215280">
               <a:lnSpc>
                 <a:spcPct val="100000"/>
               </a:lnSpc>
@@ -4977,7 +5013,7 @@
             </a:endParaRPr>
           </a:p>
           <a:p>
-            <a:pPr marL="216000" indent="-215640">
+            <a:pPr marL="216000" indent="-215280">
               <a:lnSpc>
                 <a:spcPct val="100000"/>
               </a:lnSpc>
@@ -5000,7 +5036,7 @@
             </a:endParaRPr>
           </a:p>
           <a:p>
-            <a:pPr marL="216000" indent="-215640">
+            <a:pPr marL="216000" indent="-215280">
               <a:lnSpc>
                 <a:spcPct val="100000"/>
               </a:lnSpc>
@@ -5023,7 +5059,7 @@
             </a:endParaRPr>
           </a:p>
           <a:p>
-            <a:pPr marL="216000" indent="-215640">
+            <a:pPr marL="216000" indent="-215280">
               <a:lnSpc>
                 <a:spcPct val="100000"/>
               </a:lnSpc>
@@ -5049,14 +5085,14 @@
       </p:sp>
       <p:sp>
         <p:nvSpPr>
-          <p:cNvPr id="320" name="CustomShape 3"/>
+          <p:cNvPr id="321" name="CustomShape 3"/>
           <p:cNvSpPr/>
           <p:nvPr/>
         </p:nvSpPr>
         <p:spPr>
           <a:xfrm>
             <a:off x="3884760" y="8685360"/>
-            <a:ext cx="2966760" cy="453600"/>
+            <a:ext cx="2966400" cy="453240"/>
           </a:xfrm>
           <a:prstGeom prst="rect">
             <a:avLst/>
@@ -5085,14 +5121,14 @@
                 <a:tab algn="l" pos="0"/>
               </a:tabLst>
             </a:pPr>
-            <a:fld id="{F99B801A-8FCC-4D54-9F8A-3116F58ECEBE}" type="slidenum">
+            <a:fld id="{E1A6B4AF-85B8-4060-BB2F-FB543C53CD58}" type="slidenum">
               <a:rPr b="0" lang="en-US" sz="1400" spc="-1" strike="noStrike">
                 <a:solidFill>
                   <a:srgbClr val="000000"/>
                 </a:solidFill>
                 <a:latin typeface="Times New Roman"/>
               </a:rPr>
-              <a:t>&lt;number&gt;</a:t>
+              <a:t>33</a:t>
             </a:fld>
             <a:endParaRPr b="0" lang="en-AU" sz="1400" spc="-1" strike="noStrike">
               <a:latin typeface="Arial"/>
@@ -5124,7 +5160,7 @@
       </p:grpSpPr>
       <p:sp>
         <p:nvSpPr>
-          <p:cNvPr id="321" name="PlaceHolder 1"/>
+          <p:cNvPr id="322" name="PlaceHolder 1"/>
           <p:cNvSpPr>
             <a:spLocks noGrp="1"/>
           </p:cNvSpPr>
@@ -5135,16 +5171,16 @@
         <p:spPr>
           <a:xfrm>
             <a:off x="685800" y="1143000"/>
-            <a:ext cx="5481360" cy="3081240"/>
-          </a:xfrm>
-          <a:prstGeom prst="rect">
-            <a:avLst/>
-          </a:prstGeom>
-        </p:spPr>
-      </p:sp>
-      <p:sp>
-        <p:nvSpPr>
-          <p:cNvPr id="322" name="PlaceHolder 2"/>
+            <a:ext cx="5481000" cy="3080880"/>
+          </a:xfrm>
+          <a:prstGeom prst="rect">
+            <a:avLst/>
+          </a:prstGeom>
+        </p:spPr>
+      </p:sp>
+      <p:sp>
+        <p:nvSpPr>
+          <p:cNvPr id="323" name="PlaceHolder 2"/>
           <p:cNvSpPr>
             <a:spLocks noGrp="1"/>
           </p:cNvSpPr>
@@ -5155,7 +5191,7 @@
         <p:spPr>
           <a:xfrm>
             <a:off x="685800" y="4400640"/>
-            <a:ext cx="5481360" cy="3595320"/>
+            <a:ext cx="5481000" cy="3594960"/>
           </a:xfrm>
           <a:prstGeom prst="rect">
             <a:avLst/>
@@ -5166,7 +5202,7 @@
             <a:noAutofit/>
           </a:bodyPr>
           <a:p>
-            <a:pPr marL="216000" indent="-215640">
+            <a:pPr marL="216000" indent="-215280">
               <a:lnSpc>
                 <a:spcPct val="100000"/>
               </a:lnSpc>
@@ -5185,7 +5221,7 @@
             </a:endParaRPr>
           </a:p>
           <a:p>
-            <a:pPr marL="216000" indent="-215640">
+            <a:pPr marL="216000" indent="-215280">
               <a:lnSpc>
                 <a:spcPct val="100000"/>
               </a:lnSpc>
@@ -5198,7 +5234,7 @@
             </a:endParaRPr>
           </a:p>
           <a:p>
-            <a:pPr marL="216000" indent="-215640">
+            <a:pPr marL="216000" indent="-215280">
               <a:lnSpc>
                 <a:spcPct val="100000"/>
               </a:lnSpc>
@@ -5218,7 +5254,7 @@
             </a:endParaRPr>
           </a:p>
           <a:p>
-            <a:pPr marL="216000" indent="-215640">
+            <a:pPr marL="216000" indent="-215280">
               <a:lnSpc>
                 <a:spcPct val="100000"/>
               </a:lnSpc>
@@ -5231,7 +5267,7 @@
             </a:endParaRPr>
           </a:p>
           <a:p>
-            <a:pPr marL="216000" indent="-215640">
+            <a:pPr marL="216000" indent="-215280">
               <a:lnSpc>
                 <a:spcPct val="100000"/>
               </a:lnSpc>
@@ -5251,7 +5287,7 @@
             </a:endParaRPr>
           </a:p>
           <a:p>
-            <a:pPr marL="216000" indent="-215640">
+            <a:pPr marL="216000" indent="-215280">
               <a:lnSpc>
                 <a:spcPct val="100000"/>
               </a:lnSpc>
@@ -5264,7 +5300,7 @@
             </a:endParaRPr>
           </a:p>
           <a:p>
-            <a:pPr marL="216000" indent="-215640">
+            <a:pPr marL="216000" indent="-215280">
               <a:lnSpc>
                 <a:spcPct val="100000"/>
               </a:lnSpc>
@@ -5284,7 +5320,7 @@
             </a:endParaRPr>
           </a:p>
           <a:p>
-            <a:pPr marL="216000" indent="-215640">
+            <a:pPr marL="216000" indent="-215280">
               <a:lnSpc>
                 <a:spcPct val="100000"/>
               </a:lnSpc>
@@ -5297,7 +5333,7 @@
             </a:endParaRPr>
           </a:p>
           <a:p>
-            <a:pPr marL="216000" indent="-215640">
+            <a:pPr marL="216000" indent="-215280">
               <a:lnSpc>
                 <a:spcPct val="100000"/>
               </a:lnSpc>
@@ -5320,14 +5356,14 @@
       </p:sp>
       <p:sp>
         <p:nvSpPr>
-          <p:cNvPr id="323" name="CustomShape 3"/>
+          <p:cNvPr id="324" name="CustomShape 3"/>
           <p:cNvSpPr/>
           <p:nvPr/>
         </p:nvSpPr>
         <p:spPr>
           <a:xfrm>
             <a:off x="3884760" y="8685360"/>
-            <a:ext cx="2966760" cy="453600"/>
+            <a:ext cx="2966400" cy="453240"/>
           </a:xfrm>
           <a:prstGeom prst="rect">
             <a:avLst/>
@@ -5356,14 +5392,14 @@
                 <a:tab algn="l" pos="0"/>
               </a:tabLst>
             </a:pPr>
-            <a:fld id="{B91F0FDD-D899-47B3-8C02-9DE638418640}" type="slidenum">
+            <a:fld id="{BFC51E1C-E3A1-4E55-90D6-EC10B871E221}" type="slidenum">
               <a:rPr b="0" lang="en-US" sz="1400" spc="-1" strike="noStrike">
                 <a:solidFill>
                   <a:srgbClr val="000000"/>
                 </a:solidFill>
                 <a:latin typeface="Times New Roman"/>
               </a:rPr>
-              <a:t>&lt;number&gt;</a:t>
+              <a:t>33</a:t>
             </a:fld>
             <a:endParaRPr b="0" lang="en-AU" sz="1400" spc="-1" strike="noStrike">
               <a:latin typeface="Arial"/>
@@ -5395,7 +5431,7 @@
       </p:grpSpPr>
       <p:sp>
         <p:nvSpPr>
-          <p:cNvPr id="324" name="PlaceHolder 1"/>
+          <p:cNvPr id="325" name="PlaceHolder 1"/>
           <p:cNvSpPr>
             <a:spLocks noGrp="1"/>
           </p:cNvSpPr>
@@ -5406,16 +5442,16 @@
         <p:spPr>
           <a:xfrm>
             <a:off x="685800" y="1143000"/>
-            <a:ext cx="5481360" cy="3081240"/>
-          </a:xfrm>
-          <a:prstGeom prst="rect">
-            <a:avLst/>
-          </a:prstGeom>
-        </p:spPr>
-      </p:sp>
-      <p:sp>
-        <p:nvSpPr>
-          <p:cNvPr id="325" name="PlaceHolder 2"/>
+            <a:ext cx="5481000" cy="3080880"/>
+          </a:xfrm>
+          <a:prstGeom prst="rect">
+            <a:avLst/>
+          </a:prstGeom>
+        </p:spPr>
+      </p:sp>
+      <p:sp>
+        <p:nvSpPr>
+          <p:cNvPr id="326" name="PlaceHolder 2"/>
           <p:cNvSpPr>
             <a:spLocks noGrp="1"/>
           </p:cNvSpPr>
@@ -5426,7 +5462,7 @@
         <p:spPr>
           <a:xfrm>
             <a:off x="685800" y="4400640"/>
-            <a:ext cx="5481360" cy="3595320"/>
+            <a:ext cx="5481000" cy="3594960"/>
           </a:xfrm>
           <a:prstGeom prst="rect">
             <a:avLst/>
@@ -5437,7 +5473,7 @@
             <a:noAutofit/>
           </a:bodyPr>
           <a:p>
-            <a:pPr marL="216000" indent="-214920">
+            <a:pPr marL="216000" indent="-214560">
               <a:lnSpc>
                 <a:spcPct val="100000"/>
               </a:lnSpc>
@@ -5457,7 +5493,7 @@
             </a:endParaRPr>
           </a:p>
           <a:p>
-            <a:pPr marL="216000" indent="-214920">
+            <a:pPr marL="216000" indent="-214560">
               <a:lnSpc>
                 <a:spcPct val="100000"/>
               </a:lnSpc>
@@ -5470,7 +5506,7 @@
             </a:endParaRPr>
           </a:p>
           <a:p>
-            <a:pPr marL="216000" indent="-214920">
+            <a:pPr marL="216000" indent="-214560">
               <a:lnSpc>
                 <a:spcPct val="100000"/>
               </a:lnSpc>
@@ -5490,7 +5526,7 @@
             </a:endParaRPr>
           </a:p>
           <a:p>
-            <a:pPr marL="216000" indent="-214920">
+            <a:pPr marL="216000" indent="-214560">
               <a:lnSpc>
                 <a:spcPct val="100000"/>
               </a:lnSpc>
@@ -5503,7 +5539,7 @@
             </a:endParaRPr>
           </a:p>
           <a:p>
-            <a:pPr marL="216000" indent="-214920">
+            <a:pPr marL="216000" indent="-214560">
               <a:lnSpc>
                 <a:spcPct val="100000"/>
               </a:lnSpc>
@@ -5523,7 +5559,7 @@
             </a:endParaRPr>
           </a:p>
           <a:p>
-            <a:pPr marL="216000" indent="-214920">
+            <a:pPr marL="216000" indent="-214560">
               <a:lnSpc>
                 <a:spcPct val="100000"/>
               </a:lnSpc>
@@ -5536,7 +5572,7 @@
             </a:endParaRPr>
           </a:p>
           <a:p>
-            <a:pPr marL="216000" indent="-214920">
+            <a:pPr marL="216000" indent="-214560">
               <a:lnSpc>
                 <a:spcPct val="100000"/>
               </a:lnSpc>
@@ -5559,14 +5595,14 @@
       </p:sp>
       <p:sp>
         <p:nvSpPr>
-          <p:cNvPr id="326" name="CustomShape 3"/>
+          <p:cNvPr id="327" name="CustomShape 3"/>
           <p:cNvSpPr/>
           <p:nvPr/>
         </p:nvSpPr>
         <p:spPr>
           <a:xfrm>
             <a:off x="3884760" y="8685360"/>
-            <a:ext cx="2966760" cy="453600"/>
+            <a:ext cx="2966400" cy="453240"/>
           </a:xfrm>
           <a:prstGeom prst="rect">
             <a:avLst/>
@@ -5595,14 +5631,14 @@
                 <a:tab algn="l" pos="0"/>
               </a:tabLst>
             </a:pPr>
-            <a:fld id="{B02C546E-1E5B-47D8-B26D-3387B7B0DF66}" type="slidenum">
+            <a:fld id="{EF89668D-36AA-49A5-8414-EE5BDE8DAEB8}" type="slidenum">
               <a:rPr b="0" lang="en-US" sz="1400" spc="-1" strike="noStrike">
                 <a:solidFill>
                   <a:srgbClr val="000000"/>
                 </a:solidFill>
                 <a:latin typeface="Times New Roman"/>
               </a:rPr>
-              <a:t>&lt;number&gt;</a:t>
+              <a:t>33</a:t>
             </a:fld>
             <a:endParaRPr b="0" lang="en-AU" sz="1400" spc="-1" strike="noStrike">
               <a:latin typeface="Arial"/>
@@ -5634,7 +5670,7 @@
       </p:grpSpPr>
       <p:sp>
         <p:nvSpPr>
-          <p:cNvPr id="327" name="PlaceHolder 1"/>
+          <p:cNvPr id="328" name="PlaceHolder 1"/>
           <p:cNvSpPr>
             <a:spLocks noGrp="1"/>
           </p:cNvSpPr>
@@ -5645,16 +5681,16 @@
         <p:spPr>
           <a:xfrm>
             <a:off x="685800" y="1143000"/>
-            <a:ext cx="5481360" cy="3081240"/>
-          </a:xfrm>
-          <a:prstGeom prst="rect">
-            <a:avLst/>
-          </a:prstGeom>
-        </p:spPr>
-      </p:sp>
-      <p:sp>
-        <p:nvSpPr>
-          <p:cNvPr id="328" name="PlaceHolder 2"/>
+            <a:ext cx="5481000" cy="3080880"/>
+          </a:xfrm>
+          <a:prstGeom prst="rect">
+            <a:avLst/>
+          </a:prstGeom>
+        </p:spPr>
+      </p:sp>
+      <p:sp>
+        <p:nvSpPr>
+          <p:cNvPr id="329" name="PlaceHolder 2"/>
           <p:cNvSpPr>
             <a:spLocks noGrp="1"/>
           </p:cNvSpPr>
@@ -5665,7 +5701,7 @@
         <p:spPr>
           <a:xfrm>
             <a:off x="685800" y="4400640"/>
-            <a:ext cx="5481360" cy="3595320"/>
+            <a:ext cx="5481000" cy="3594960"/>
           </a:xfrm>
           <a:prstGeom prst="rect">
             <a:avLst/>
@@ -5676,7 +5712,7 @@
             <a:noAutofit/>
           </a:bodyPr>
           <a:p>
-            <a:pPr marL="216000" indent="-214920">
+            <a:pPr marL="216000" indent="-214560">
               <a:lnSpc>
                 <a:spcPct val="100000"/>
               </a:lnSpc>
@@ -5689,7 +5725,7 @@
             </a:endParaRPr>
           </a:p>
           <a:p>
-            <a:pPr marL="216000" indent="-214920">
+            <a:pPr marL="216000" indent="-214560">
               <a:lnSpc>
                 <a:spcPct val="100000"/>
               </a:lnSpc>
@@ -5709,7 +5745,7 @@
             </a:endParaRPr>
           </a:p>
           <a:p>
-            <a:pPr marL="216000" indent="-214920">
+            <a:pPr marL="216000" indent="-214560">
               <a:lnSpc>
                 <a:spcPct val="100000"/>
               </a:lnSpc>
@@ -5722,7 +5758,7 @@
             </a:endParaRPr>
           </a:p>
           <a:p>
-            <a:pPr marL="216000" indent="-214920">
+            <a:pPr marL="216000" indent="-214560">
               <a:lnSpc>
                 <a:spcPct val="100000"/>
               </a:lnSpc>
@@ -5742,7 +5778,7 @@
             </a:endParaRPr>
           </a:p>
           <a:p>
-            <a:pPr marL="216000" indent="-214920">
+            <a:pPr marL="216000" indent="-214560">
               <a:lnSpc>
                 <a:spcPct val="100000"/>
               </a:lnSpc>
@@ -5755,7 +5791,7 @@
             </a:endParaRPr>
           </a:p>
           <a:p>
-            <a:pPr marL="216000" indent="-214920">
+            <a:pPr marL="216000" indent="-214560">
               <a:lnSpc>
                 <a:spcPct val="100000"/>
               </a:lnSpc>
@@ -5775,7 +5811,7 @@
             </a:endParaRPr>
           </a:p>
           <a:p>
-            <a:pPr marL="216000" indent="-214920">
+            <a:pPr marL="216000" indent="-214560">
               <a:lnSpc>
                 <a:spcPct val="100000"/>
               </a:lnSpc>
@@ -5788,7 +5824,7 @@
             </a:endParaRPr>
           </a:p>
           <a:p>
-            <a:pPr marL="216000" indent="-214920">
+            <a:pPr marL="216000" indent="-214560">
               <a:lnSpc>
                 <a:spcPct val="100000"/>
               </a:lnSpc>
@@ -5811,14 +5847,14 @@
       </p:sp>
       <p:sp>
         <p:nvSpPr>
-          <p:cNvPr id="329" name="CustomShape 3"/>
+          <p:cNvPr id="330" name="CustomShape 3"/>
           <p:cNvSpPr/>
           <p:nvPr/>
         </p:nvSpPr>
         <p:spPr>
           <a:xfrm>
             <a:off x="3884760" y="8685360"/>
-            <a:ext cx="2966760" cy="453600"/>
+            <a:ext cx="2966400" cy="453240"/>
           </a:xfrm>
           <a:prstGeom prst="rect">
             <a:avLst/>
@@ -5847,14 +5883,14 @@
                 <a:tab algn="l" pos="0"/>
               </a:tabLst>
             </a:pPr>
-            <a:fld id="{7A7E3C70-7E1E-4342-8D00-8EFD95EBC56F}" type="slidenum">
+            <a:fld id="{88CED523-F2A0-45B3-92CF-EE7436D94D59}" type="slidenum">
               <a:rPr b="0" lang="en-US" sz="1400" spc="-1" strike="noStrike">
                 <a:solidFill>
                   <a:srgbClr val="000000"/>
                 </a:solidFill>
                 <a:latin typeface="Times New Roman"/>
               </a:rPr>
-              <a:t>&lt;number&gt;</a:t>
+              <a:t>33</a:t>
             </a:fld>
             <a:endParaRPr b="0" lang="en-AU" sz="1400" spc="-1" strike="noStrike">
               <a:latin typeface="Arial"/>
@@ -5886,7 +5922,7 @@
       </p:grpSpPr>
       <p:sp>
         <p:nvSpPr>
-          <p:cNvPr id="330" name="PlaceHolder 1"/>
+          <p:cNvPr id="331" name="PlaceHolder 1"/>
           <p:cNvSpPr>
             <a:spLocks noGrp="1"/>
           </p:cNvSpPr>
@@ -5897,16 +5933,16 @@
         <p:spPr>
           <a:xfrm>
             <a:off x="685800" y="1143000"/>
-            <a:ext cx="5481360" cy="3081240"/>
-          </a:xfrm>
-          <a:prstGeom prst="rect">
-            <a:avLst/>
-          </a:prstGeom>
-        </p:spPr>
-      </p:sp>
-      <p:sp>
-        <p:nvSpPr>
-          <p:cNvPr id="331" name="PlaceHolder 2"/>
+            <a:ext cx="5481000" cy="3080880"/>
+          </a:xfrm>
+          <a:prstGeom prst="rect">
+            <a:avLst/>
+          </a:prstGeom>
+        </p:spPr>
+      </p:sp>
+      <p:sp>
+        <p:nvSpPr>
+          <p:cNvPr id="332" name="PlaceHolder 2"/>
           <p:cNvSpPr>
             <a:spLocks noGrp="1"/>
           </p:cNvSpPr>
@@ -5917,7 +5953,7 @@
         <p:spPr>
           <a:xfrm>
             <a:off x="685800" y="4400640"/>
-            <a:ext cx="5481360" cy="3595320"/>
+            <a:ext cx="5481000" cy="3594960"/>
           </a:xfrm>
           <a:prstGeom prst="rect">
             <a:avLst/>
@@ -5928,7 +5964,7 @@
             <a:noAutofit/>
           </a:bodyPr>
           <a:p>
-            <a:pPr marL="216000" indent="-214920">
+            <a:pPr marL="216000" indent="-214560">
               <a:lnSpc>
                 <a:spcPct val="100000"/>
               </a:lnSpc>
@@ -5951,7 +5987,7 @@
             </a:endParaRPr>
           </a:p>
           <a:p>
-            <a:pPr marL="216000" indent="-214920">
+            <a:pPr marL="216000" indent="-214560">
               <a:lnSpc>
                 <a:spcPct val="100000"/>
               </a:lnSpc>
@@ -5974,7 +6010,7 @@
             </a:endParaRPr>
           </a:p>
           <a:p>
-            <a:pPr marL="216000" indent="-214920">
+            <a:pPr marL="216000" indent="-214560">
               <a:lnSpc>
                 <a:spcPct val="100000"/>
               </a:lnSpc>
@@ -5997,7 +6033,7 @@
             </a:endParaRPr>
           </a:p>
           <a:p>
-            <a:pPr marL="216000" indent="-214920">
+            <a:pPr marL="216000" indent="-214560">
               <a:lnSpc>
                 <a:spcPct val="100000"/>
               </a:lnSpc>
@@ -6020,7 +6056,7 @@
             </a:endParaRPr>
           </a:p>
           <a:p>
-            <a:pPr marL="216000" indent="-214920">
+            <a:pPr marL="216000" indent="-214560">
               <a:lnSpc>
                 <a:spcPct val="100000"/>
               </a:lnSpc>
@@ -6046,14 +6082,14 @@
       </p:sp>
       <p:sp>
         <p:nvSpPr>
-          <p:cNvPr id="332" name="CustomShape 3"/>
+          <p:cNvPr id="333" name="CustomShape 3"/>
           <p:cNvSpPr/>
           <p:nvPr/>
         </p:nvSpPr>
         <p:spPr>
           <a:xfrm>
             <a:off x="3884760" y="8685360"/>
-            <a:ext cx="2966760" cy="453600"/>
+            <a:ext cx="2966400" cy="453240"/>
           </a:xfrm>
           <a:prstGeom prst="rect">
             <a:avLst/>
@@ -6082,14 +6118,14 @@
                 <a:tab algn="l" pos="0"/>
               </a:tabLst>
             </a:pPr>
-            <a:fld id="{5C574EBD-67EB-4EC3-89D5-349FC161ECEB}" type="slidenum">
+            <a:fld id="{524ED921-68F5-4FE1-80FF-F3165FD411AF}" type="slidenum">
               <a:rPr b="0" lang="en-US" sz="1400" spc="-1" strike="noStrike">
                 <a:solidFill>
                   <a:srgbClr val="000000"/>
                 </a:solidFill>
                 <a:latin typeface="Times New Roman"/>
               </a:rPr>
-              <a:t>&lt;number&gt;</a:t>
+              <a:t>33</a:t>
             </a:fld>
             <a:endParaRPr b="0" lang="en-AU" sz="1400" spc="-1" strike="noStrike">
               <a:latin typeface="Arial"/>
@@ -6121,7 +6157,7 @@
       </p:grpSpPr>
       <p:sp>
         <p:nvSpPr>
-          <p:cNvPr id="333" name="PlaceHolder 1"/>
+          <p:cNvPr id="334" name="PlaceHolder 1"/>
           <p:cNvSpPr>
             <a:spLocks noGrp="1"/>
           </p:cNvSpPr>
@@ -6132,16 +6168,16 @@
         <p:spPr>
           <a:xfrm>
             <a:off x="685800" y="1143000"/>
-            <a:ext cx="5481360" cy="3081240"/>
-          </a:xfrm>
-          <a:prstGeom prst="rect">
-            <a:avLst/>
-          </a:prstGeom>
-        </p:spPr>
-      </p:sp>
-      <p:sp>
-        <p:nvSpPr>
-          <p:cNvPr id="334" name="PlaceHolder 2"/>
+            <a:ext cx="5481000" cy="3080880"/>
+          </a:xfrm>
+          <a:prstGeom prst="rect">
+            <a:avLst/>
+          </a:prstGeom>
+        </p:spPr>
+      </p:sp>
+      <p:sp>
+        <p:nvSpPr>
+          <p:cNvPr id="335" name="PlaceHolder 2"/>
           <p:cNvSpPr>
             <a:spLocks noGrp="1"/>
           </p:cNvSpPr>
@@ -6152,7 +6188,7 @@
         <p:spPr>
           <a:xfrm>
             <a:off x="685800" y="4400640"/>
-            <a:ext cx="5481360" cy="3595320"/>
+            <a:ext cx="5481000" cy="3594960"/>
           </a:xfrm>
           <a:prstGeom prst="rect">
             <a:avLst/>
@@ -6163,7 +6199,7 @@
             <a:noAutofit/>
           </a:bodyPr>
           <a:p>
-            <a:pPr marL="216000" indent="-212760">
+            <a:pPr marL="216000" indent="-212400">
               <a:lnSpc>
                 <a:spcPct val="100000"/>
               </a:lnSpc>
@@ -6176,7 +6212,7 @@
             </a:endParaRPr>
           </a:p>
           <a:p>
-            <a:pPr marL="1800" indent="-212760">
+            <a:pPr marL="1800" indent="-212400">
               <a:lnSpc>
                 <a:spcPct val="100000"/>
               </a:lnSpc>
@@ -6198,14 +6234,14 @@
       </p:sp>
       <p:sp>
         <p:nvSpPr>
-          <p:cNvPr id="335" name="CustomShape 3"/>
+          <p:cNvPr id="336" name="CustomShape 3"/>
           <p:cNvSpPr/>
           <p:nvPr/>
         </p:nvSpPr>
         <p:spPr>
           <a:xfrm>
             <a:off x="3884760" y="8685360"/>
-            <a:ext cx="2966760" cy="453600"/>
+            <a:ext cx="2966400" cy="453240"/>
           </a:xfrm>
           <a:prstGeom prst="rect">
             <a:avLst/>
@@ -6234,14 +6270,14 @@
                 <a:tab algn="l" pos="0"/>
               </a:tabLst>
             </a:pPr>
-            <a:fld id="{252996FB-D92D-45A1-8DAF-AA257699C0EB}" type="slidenum">
+            <a:fld id="{6C92330E-E4BB-4BAE-9927-B826EEC01CFC}" type="slidenum">
               <a:rPr b="0" lang="en-US" sz="1400" spc="-1" strike="noStrike">
                 <a:solidFill>
                   <a:srgbClr val="000000"/>
                 </a:solidFill>
                 <a:latin typeface="Times New Roman"/>
               </a:rPr>
-              <a:t>&lt;number&gt;</a:t>
+              <a:t>33</a:t>
             </a:fld>
             <a:endParaRPr b="0" lang="en-AU" sz="1400" spc="-1" strike="noStrike">
               <a:latin typeface="Arial"/>
@@ -6273,7 +6309,7 @@
       </p:grpSpPr>
       <p:sp>
         <p:nvSpPr>
-          <p:cNvPr id="336" name="PlaceHolder 1"/>
+          <p:cNvPr id="337" name="PlaceHolder 1"/>
           <p:cNvSpPr>
             <a:spLocks noGrp="1"/>
           </p:cNvSpPr>
@@ -6284,16 +6320,16 @@
         <p:spPr>
           <a:xfrm>
             <a:off x="685800" y="1143000"/>
-            <a:ext cx="5481360" cy="3081240"/>
-          </a:xfrm>
-          <a:prstGeom prst="rect">
-            <a:avLst/>
-          </a:prstGeom>
-        </p:spPr>
-      </p:sp>
-      <p:sp>
-        <p:nvSpPr>
-          <p:cNvPr id="337" name="PlaceHolder 2"/>
+            <a:ext cx="5481000" cy="3080880"/>
+          </a:xfrm>
+          <a:prstGeom prst="rect">
+            <a:avLst/>
+          </a:prstGeom>
+        </p:spPr>
+      </p:sp>
+      <p:sp>
+        <p:nvSpPr>
+          <p:cNvPr id="338" name="PlaceHolder 2"/>
           <p:cNvSpPr>
             <a:spLocks noGrp="1"/>
           </p:cNvSpPr>
@@ -6304,7 +6340,7 @@
         <p:spPr>
           <a:xfrm>
             <a:off x="685800" y="4400640"/>
-            <a:ext cx="5481360" cy="3595320"/>
+            <a:ext cx="5481000" cy="3594960"/>
           </a:xfrm>
           <a:prstGeom prst="rect">
             <a:avLst/>
@@ -6315,7 +6351,7 @@
             <a:noAutofit/>
           </a:bodyPr>
           <a:p>
-            <a:pPr marL="216000" indent="-214920">
+            <a:pPr marL="216000" indent="-214560">
               <a:lnSpc>
                 <a:spcPct val="100000"/>
               </a:lnSpc>
@@ -6335,7 +6371,7 @@
             </a:endParaRPr>
           </a:p>
           <a:p>
-            <a:pPr marL="216000" indent="-214920">
+            <a:pPr marL="216000" indent="-214560">
               <a:lnSpc>
                 <a:spcPct val="100000"/>
               </a:lnSpc>
@@ -6348,7 +6384,7 @@
             </a:endParaRPr>
           </a:p>
           <a:p>
-            <a:pPr marL="216000" indent="-214920">
+            <a:pPr marL="216000" indent="-214560">
               <a:lnSpc>
                 <a:spcPct val="100000"/>
               </a:lnSpc>
@@ -6368,7 +6404,7 @@
             </a:endParaRPr>
           </a:p>
           <a:p>
-            <a:pPr marL="216000" indent="-214920">
+            <a:pPr marL="216000" indent="-214560">
               <a:lnSpc>
                 <a:spcPct val="100000"/>
               </a:lnSpc>
@@ -6381,7 +6417,7 @@
             </a:endParaRPr>
           </a:p>
           <a:p>
-            <a:pPr marL="216000" indent="-214920">
+            <a:pPr marL="216000" indent="-214560">
               <a:lnSpc>
                 <a:spcPct val="100000"/>
               </a:lnSpc>
@@ -6401,7 +6437,7 @@
             </a:endParaRPr>
           </a:p>
           <a:p>
-            <a:pPr marL="216000" indent="-214920">
+            <a:pPr marL="216000" indent="-214560">
               <a:lnSpc>
                 <a:spcPct val="100000"/>
               </a:lnSpc>
@@ -6414,7 +6450,7 @@
             </a:endParaRPr>
           </a:p>
           <a:p>
-            <a:pPr marL="216000" indent="-214920">
+            <a:pPr marL="216000" indent="-214560">
               <a:lnSpc>
                 <a:spcPct val="100000"/>
               </a:lnSpc>
@@ -6434,7 +6470,7 @@
             </a:endParaRPr>
           </a:p>
           <a:p>
-            <a:pPr marL="216000" indent="-214920">
+            <a:pPr marL="216000" indent="-214560">
               <a:lnSpc>
                 <a:spcPct val="100000"/>
               </a:lnSpc>
@@ -6447,7 +6483,7 @@
             </a:endParaRPr>
           </a:p>
           <a:p>
-            <a:pPr marL="216000" indent="-214920">
+            <a:pPr marL="216000" indent="-214560">
               <a:lnSpc>
                 <a:spcPct val="100000"/>
               </a:lnSpc>
@@ -6467,7 +6503,7 @@
             </a:endParaRPr>
           </a:p>
           <a:p>
-            <a:pPr marL="216000" indent="-214920">
+            <a:pPr marL="216000" indent="-214560">
               <a:lnSpc>
                 <a:spcPct val="100000"/>
               </a:lnSpc>
@@ -6480,7 +6516,7 @@
             </a:endParaRPr>
           </a:p>
           <a:p>
-            <a:pPr marL="216000" indent="-214920">
+            <a:pPr marL="216000" indent="-214560">
               <a:lnSpc>
                 <a:spcPct val="100000"/>
               </a:lnSpc>
@@ -6500,7 +6536,7 @@
             </a:endParaRPr>
           </a:p>
           <a:p>
-            <a:pPr marL="216000" indent="-214920">
+            <a:pPr marL="216000" indent="-214560">
               <a:lnSpc>
                 <a:spcPct val="100000"/>
               </a:lnSpc>
@@ -6513,7 +6549,7 @@
             </a:endParaRPr>
           </a:p>
           <a:p>
-            <a:pPr marL="216000" indent="-214920">
+            <a:pPr marL="216000" indent="-214560">
               <a:lnSpc>
                 <a:spcPct val="100000"/>
               </a:lnSpc>
@@ -6536,14 +6572,14 @@
       </p:sp>
       <p:sp>
         <p:nvSpPr>
-          <p:cNvPr id="338" name="CustomShape 3"/>
+          <p:cNvPr id="339" name="CustomShape 3"/>
           <p:cNvSpPr/>
           <p:nvPr/>
         </p:nvSpPr>
         <p:spPr>
           <a:xfrm>
             <a:off x="3884760" y="8685360"/>
-            <a:ext cx="2966760" cy="453600"/>
+            <a:ext cx="2966400" cy="453240"/>
           </a:xfrm>
           <a:prstGeom prst="rect">
             <a:avLst/>
@@ -6572,14 +6608,14 @@
                 <a:tab algn="l" pos="0"/>
               </a:tabLst>
             </a:pPr>
-            <a:fld id="{1B96D524-5374-47F3-8B10-BFABD85715F1}" type="slidenum">
+            <a:fld id="{500E699F-D2CE-4FA5-B831-F6756CEFB01C}" type="slidenum">
               <a:rPr b="0" lang="en-US" sz="1400" spc="-1" strike="noStrike">
                 <a:solidFill>
                   <a:srgbClr val="000000"/>
                 </a:solidFill>
                 <a:latin typeface="Times New Roman"/>
               </a:rPr>
-              <a:t>&lt;number&gt;</a:t>
+              <a:t>33</a:t>
             </a:fld>
             <a:endParaRPr b="0" lang="en-AU" sz="1400" spc="-1" strike="noStrike">
               <a:latin typeface="Arial"/>
@@ -6611,7 +6647,7 @@
       </p:grpSpPr>
       <p:sp>
         <p:nvSpPr>
-          <p:cNvPr id="243" name="PlaceHolder 1"/>
+          <p:cNvPr id="244" name="PlaceHolder 1"/>
           <p:cNvSpPr>
             <a:spLocks noGrp="1"/>
           </p:cNvSpPr>
@@ -6622,23 +6658,23 @@
         <p:spPr>
           <a:xfrm>
             <a:off x="685800" y="1143000"/>
-            <a:ext cx="5481360" cy="3081240"/>
-          </a:xfrm>
-          <a:prstGeom prst="rect">
-            <a:avLst/>
-          </a:prstGeom>
-        </p:spPr>
-      </p:sp>
-      <p:sp>
-        <p:nvSpPr>
-          <p:cNvPr id="244" name="CustomShape 2"/>
+            <a:ext cx="5481000" cy="3080880"/>
+          </a:xfrm>
+          <a:prstGeom prst="rect">
+            <a:avLst/>
+          </a:prstGeom>
+        </p:spPr>
+      </p:sp>
+      <p:sp>
+        <p:nvSpPr>
+          <p:cNvPr id="245" name="CustomShape 2"/>
           <p:cNvSpPr/>
           <p:nvPr/>
         </p:nvSpPr>
         <p:spPr>
           <a:xfrm>
             <a:off x="3884760" y="8685360"/>
-            <a:ext cx="2966760" cy="453600"/>
+            <a:ext cx="2966400" cy="453240"/>
           </a:xfrm>
           <a:prstGeom prst="rect">
             <a:avLst/>
@@ -6667,7 +6703,7 @@
                 <a:tab algn="l" pos="0"/>
               </a:tabLst>
             </a:pPr>
-            <a:fld id="{3F69DFAE-6729-475B-B04F-430881670631}" type="slidenum">
+            <a:fld id="{378AE18B-AB13-424D-A25B-BED163FBCC9E}" type="slidenum">
               <a:rPr b="0" lang="en-US" sz="1400" spc="-1" strike="noStrike">
                 <a:solidFill>
                   <a:srgbClr val="000000"/>
@@ -6684,14 +6720,14 @@
       </p:sp>
       <p:sp>
         <p:nvSpPr>
-          <p:cNvPr id="245" name="CustomShape 3"/>
+          <p:cNvPr id="246" name="CustomShape 3"/>
           <p:cNvSpPr/>
           <p:nvPr/>
         </p:nvSpPr>
         <p:spPr>
           <a:xfrm>
             <a:off x="360360" y="5078520"/>
-            <a:ext cx="6118560" cy="3740040"/>
+            <a:ext cx="6118200" cy="3739680"/>
           </a:xfrm>
           <a:prstGeom prst="rect">
             <a:avLst/>
@@ -6712,7 +6748,7 @@
             <a:noAutofit/>
           </a:bodyPr>
           <a:p>
-            <a:pPr marL="216000" indent="-214920">
+            <a:pPr marL="216000" indent="-214560">
               <a:lnSpc>
                 <a:spcPct val="100000"/>
               </a:lnSpc>
@@ -6728,7 +6764,7 @@
             </a:endParaRPr>
           </a:p>
           <a:p>
-            <a:pPr marL="216000" indent="-214920">
+            <a:pPr marL="216000" indent="-214560">
               <a:lnSpc>
                 <a:spcPct val="100000"/>
               </a:lnSpc>
@@ -6744,14 +6780,14 @@
       </p:sp>
       <p:sp>
         <p:nvSpPr>
-          <p:cNvPr id="246" name="CustomShape 4"/>
+          <p:cNvPr id="247" name="CustomShape 4"/>
           <p:cNvSpPr/>
           <p:nvPr/>
         </p:nvSpPr>
         <p:spPr>
           <a:xfrm>
             <a:off x="292680" y="4320000"/>
-            <a:ext cx="6366960" cy="4885200"/>
+            <a:ext cx="6366600" cy="4884840"/>
           </a:xfrm>
           <a:prstGeom prst="rect">
             <a:avLst/>
@@ -6779,6 +6815,9 @@
             </a:pPr>
             <a:r>
               <a:rPr b="0" lang="en-AU" sz="1400" spc="-1" strike="noStrike">
+                <a:solidFill>
+                  <a:srgbClr val="000000"/>
+                </a:solidFill>
                 <a:latin typeface="Arial"/>
               </a:rPr>
               <a:t>A little housekeeping before the satire starts: I've put the slides, the full text of this talk on my github, so if you're hard of hearing or you'd like to catch up later, you can follow along there. It’s OK to take photos, but please keep questions to the end.</a:t>
@@ -6805,6 +6844,9 @@
             </a:pPr>
             <a:r>
               <a:rPr b="0" lang="en-AU" sz="1400" spc="-1" strike="noStrike">
+                <a:solidFill>
+                  <a:srgbClr val="000000"/>
+                </a:solidFill>
                 <a:latin typeface="Arial"/>
               </a:rPr>
               <a:t>This is satire. I don't want anyone to think for a second that I or the organisers of CyberCon want to prevent women joining cyber security. This talk is a way to have a laugh while engaging with some deeper material, and hopefully leaving you with some ideas of how NOT to be the problem.</a:t>
@@ -6831,6 +6873,9 @@
             </a:pPr>
             <a:r>
               <a:rPr b="0" lang="en-AU" sz="1400" spc="-1" strike="noStrike">
+                <a:solidFill>
+                  <a:srgbClr val="000000"/>
+                </a:solidFill>
                 <a:latin typeface="Arial"/>
               </a:rPr>
               <a:t>Second, where examples are given they are real and have happened to me or people I trust, within the last 8 years. This isn't ancient history.</a:t>
@@ -6857,6 +6902,9 @@
             </a:pPr>
             <a:r>
               <a:rPr b="0" lang="en-AU" sz="1400" spc="-1" strike="noStrike">
+                <a:solidFill>
+                  <a:srgbClr val="000000"/>
+                </a:solidFill>
                 <a:latin typeface="Arial"/>
               </a:rPr>
               <a:t>Gender is my wheelhouse, but know there are many other diversity issues and marginalised identities. Not all women will have the same concerns, and you can assume that these examples are definitely NOT the worst things anyone has experienced.</a:t>
@@ -6883,6 +6931,9 @@
             </a:pPr>
             <a:r>
               <a:rPr b="0" lang="en-AU" sz="1400" spc="-1" strike="noStrike">
+                <a:solidFill>
+                  <a:srgbClr val="000000"/>
+                </a:solidFill>
                 <a:latin typeface="Arial"/>
               </a:rPr>
               <a:t>Researches have repeatedly found that the lack of gender diversity in tech is due to systemic gender bias. I’m willing to to bet that applies cyber security, and my talk is about what that looks like, day to day.</a:t>
@@ -6909,6 +6960,9 @@
             </a:pPr>
             <a:r>
               <a:rPr b="0" lang="en-AU" sz="1400" spc="-1" strike="noStrike">
+                <a:solidFill>
+                  <a:srgbClr val="000000"/>
+                </a:solidFill>
                 <a:latin typeface="Arial"/>
               </a:rPr>
               <a:t>Last, I know this isn't a problem caused by all men, or exclusively caused by men. If the shoe doesn't fit, don't wear it.</a:t>
@@ -6943,7 +6997,7 @@
       </p:grpSpPr>
       <p:sp>
         <p:nvSpPr>
-          <p:cNvPr id="339" name="PlaceHolder 1"/>
+          <p:cNvPr id="340" name="PlaceHolder 1"/>
           <p:cNvSpPr>
             <a:spLocks noGrp="1"/>
           </p:cNvSpPr>
@@ -6954,16 +7008,16 @@
         <p:spPr>
           <a:xfrm>
             <a:off x="685800" y="1143000"/>
-            <a:ext cx="5481360" cy="3081240"/>
-          </a:xfrm>
-          <a:prstGeom prst="rect">
-            <a:avLst/>
-          </a:prstGeom>
-        </p:spPr>
-      </p:sp>
-      <p:sp>
-        <p:nvSpPr>
-          <p:cNvPr id="340" name="PlaceHolder 2"/>
+            <a:ext cx="5481000" cy="3080880"/>
+          </a:xfrm>
+          <a:prstGeom prst="rect">
+            <a:avLst/>
+          </a:prstGeom>
+        </p:spPr>
+      </p:sp>
+      <p:sp>
+        <p:nvSpPr>
+          <p:cNvPr id="341" name="PlaceHolder 2"/>
           <p:cNvSpPr>
             <a:spLocks noGrp="1"/>
           </p:cNvSpPr>
@@ -6974,7 +7028,7 @@
         <p:spPr>
           <a:xfrm>
             <a:off x="685800" y="4400640"/>
-            <a:ext cx="5481360" cy="3595320"/>
+            <a:ext cx="5481000" cy="3594960"/>
           </a:xfrm>
           <a:prstGeom prst="rect">
             <a:avLst/>
@@ -6985,7 +7039,7 @@
             <a:noAutofit/>
           </a:bodyPr>
           <a:p>
-            <a:pPr marL="216000" indent="-214920">
+            <a:pPr marL="216000" indent="-214560">
               <a:lnSpc>
                 <a:spcPct val="100000"/>
               </a:lnSpc>
@@ -7013,7 +7067,7 @@
             </a:endParaRPr>
           </a:p>
           <a:p>
-            <a:pPr marL="216000" indent="-214920">
+            <a:pPr marL="216000" indent="-214560">
               <a:lnSpc>
                 <a:spcPct val="100000"/>
               </a:lnSpc>
@@ -7026,7 +7080,7 @@
             </a:endParaRPr>
           </a:p>
           <a:p>
-            <a:pPr marL="216000" indent="-214920">
+            <a:pPr marL="216000" indent="-214560">
               <a:lnSpc>
                 <a:spcPct val="100000"/>
               </a:lnSpc>
@@ -7049,14 +7103,14 @@
       </p:sp>
       <p:sp>
         <p:nvSpPr>
-          <p:cNvPr id="341" name="CustomShape 3"/>
+          <p:cNvPr id="342" name="CustomShape 3"/>
           <p:cNvSpPr/>
           <p:nvPr/>
         </p:nvSpPr>
         <p:spPr>
           <a:xfrm>
             <a:off x="3884760" y="8685360"/>
-            <a:ext cx="2966760" cy="453600"/>
+            <a:ext cx="2966400" cy="453240"/>
           </a:xfrm>
           <a:prstGeom prst="rect">
             <a:avLst/>
@@ -7085,14 +7139,14 @@
                 <a:tab algn="l" pos="0"/>
               </a:tabLst>
             </a:pPr>
-            <a:fld id="{A97046E9-CD3A-461E-93E1-9C6E3DADBC05}" type="slidenum">
+            <a:fld id="{C9ADF41A-77CE-452D-B13D-0571515B6A29}" type="slidenum">
               <a:rPr b="0" lang="en-US" sz="1400" spc="-1" strike="noStrike">
                 <a:solidFill>
                   <a:srgbClr val="000000"/>
                 </a:solidFill>
                 <a:latin typeface="Times New Roman"/>
               </a:rPr>
-              <a:t>&lt;number&gt;</a:t>
+              <a:t>33</a:t>
             </a:fld>
             <a:endParaRPr b="0" lang="en-AU" sz="1400" spc="-1" strike="noStrike">
               <a:latin typeface="Arial"/>
@@ -7124,7 +7178,7 @@
       </p:grpSpPr>
       <p:sp>
         <p:nvSpPr>
-          <p:cNvPr id="342" name="PlaceHolder 1"/>
+          <p:cNvPr id="343" name="PlaceHolder 1"/>
           <p:cNvSpPr>
             <a:spLocks noGrp="1"/>
           </p:cNvSpPr>
@@ -7135,16 +7189,16 @@
         <p:spPr>
           <a:xfrm>
             <a:off x="685800" y="1143000"/>
-            <a:ext cx="5481360" cy="3081240"/>
-          </a:xfrm>
-          <a:prstGeom prst="rect">
-            <a:avLst/>
-          </a:prstGeom>
-        </p:spPr>
-      </p:sp>
-      <p:sp>
-        <p:nvSpPr>
-          <p:cNvPr id="343" name="PlaceHolder 2"/>
+            <a:ext cx="5481000" cy="3080880"/>
+          </a:xfrm>
+          <a:prstGeom prst="rect">
+            <a:avLst/>
+          </a:prstGeom>
+        </p:spPr>
+      </p:sp>
+      <p:sp>
+        <p:nvSpPr>
+          <p:cNvPr id="344" name="PlaceHolder 2"/>
           <p:cNvSpPr>
             <a:spLocks noGrp="1"/>
           </p:cNvSpPr>
@@ -7155,7 +7209,7 @@
         <p:spPr>
           <a:xfrm>
             <a:off x="685800" y="4400640"/>
-            <a:ext cx="5481360" cy="3595320"/>
+            <a:ext cx="5481000" cy="3594960"/>
           </a:xfrm>
           <a:prstGeom prst="rect">
             <a:avLst/>
@@ -7166,7 +7220,7 @@
             <a:noAutofit/>
           </a:bodyPr>
           <a:p>
-            <a:pPr marL="216000" indent="-214920">
+            <a:pPr marL="216000" indent="-214560">
               <a:lnSpc>
                 <a:spcPct val="100000"/>
               </a:lnSpc>
@@ -7179,7 +7233,7 @@
             </a:endParaRPr>
           </a:p>
           <a:p>
-            <a:pPr marL="216000" indent="-214920">
+            <a:pPr marL="216000" indent="-214560">
               <a:lnSpc>
                 <a:spcPct val="100000"/>
               </a:lnSpc>
@@ -7213,7 +7267,7 @@
             </a:endParaRPr>
           </a:p>
           <a:p>
-            <a:pPr marL="216000" indent="-214920">
+            <a:pPr marL="216000" indent="-214560">
               <a:lnSpc>
                 <a:spcPct val="100000"/>
               </a:lnSpc>
@@ -7226,7 +7280,7 @@
             </a:endParaRPr>
           </a:p>
           <a:p>
-            <a:pPr marL="216000" indent="-214920">
+            <a:pPr marL="216000" indent="-214560">
               <a:lnSpc>
                 <a:spcPct val="100000"/>
               </a:lnSpc>
@@ -7246,7 +7300,7 @@
             </a:endParaRPr>
           </a:p>
           <a:p>
-            <a:pPr marL="216000" indent="-214920">
+            <a:pPr marL="216000" indent="-214560">
               <a:lnSpc>
                 <a:spcPct val="100000"/>
               </a:lnSpc>
@@ -7259,7 +7313,7 @@
             </a:endParaRPr>
           </a:p>
           <a:p>
-            <a:pPr marL="216000" indent="-214920">
+            <a:pPr marL="216000" indent="-214560">
               <a:lnSpc>
                 <a:spcPct val="100000"/>
               </a:lnSpc>
@@ -7279,7 +7333,7 @@
             </a:endParaRPr>
           </a:p>
           <a:p>
-            <a:pPr marL="216000" indent="-214920">
+            <a:pPr marL="216000" indent="-214560">
               <a:lnSpc>
                 <a:spcPct val="100000"/>
               </a:lnSpc>
@@ -7295,14 +7349,14 @@
       </p:sp>
       <p:sp>
         <p:nvSpPr>
-          <p:cNvPr id="344" name="CustomShape 3"/>
+          <p:cNvPr id="345" name="CustomShape 3"/>
           <p:cNvSpPr/>
           <p:nvPr/>
         </p:nvSpPr>
         <p:spPr>
           <a:xfrm>
             <a:off x="3884760" y="8685360"/>
-            <a:ext cx="2966760" cy="453600"/>
+            <a:ext cx="2966400" cy="453240"/>
           </a:xfrm>
           <a:prstGeom prst="rect">
             <a:avLst/>
@@ -7331,14 +7385,14 @@
                 <a:tab algn="l" pos="0"/>
               </a:tabLst>
             </a:pPr>
-            <a:fld id="{95F060C4-7474-4BE8-925F-49C45027525B}" type="slidenum">
+            <a:fld id="{73844E74-3115-4EBB-9876-635098B28C46}" type="slidenum">
               <a:rPr b="0" lang="en-US" sz="1400" spc="-1" strike="noStrike">
                 <a:solidFill>
                   <a:srgbClr val="000000"/>
                 </a:solidFill>
                 <a:latin typeface="Times New Roman"/>
               </a:rPr>
-              <a:t>&lt;number&gt;</a:t>
+              <a:t>33</a:t>
             </a:fld>
             <a:endParaRPr b="0" lang="en-AU" sz="1400" spc="-1" strike="noStrike">
               <a:latin typeface="Arial"/>
@@ -7370,7 +7424,7 @@
       </p:grpSpPr>
       <p:sp>
         <p:nvSpPr>
-          <p:cNvPr id="345" name="PlaceHolder 1"/>
+          <p:cNvPr id="346" name="PlaceHolder 1"/>
           <p:cNvSpPr>
             <a:spLocks noGrp="1"/>
           </p:cNvSpPr>
@@ -7381,16 +7435,16 @@
         <p:spPr>
           <a:xfrm>
             <a:off x="685800" y="1143000"/>
-            <a:ext cx="5481360" cy="3081240"/>
-          </a:xfrm>
-          <a:prstGeom prst="rect">
-            <a:avLst/>
-          </a:prstGeom>
-        </p:spPr>
-      </p:sp>
-      <p:sp>
-        <p:nvSpPr>
-          <p:cNvPr id="346" name="PlaceHolder 2"/>
+            <a:ext cx="5481000" cy="3080880"/>
+          </a:xfrm>
+          <a:prstGeom prst="rect">
+            <a:avLst/>
+          </a:prstGeom>
+        </p:spPr>
+      </p:sp>
+      <p:sp>
+        <p:nvSpPr>
+          <p:cNvPr id="347" name="PlaceHolder 2"/>
           <p:cNvSpPr>
             <a:spLocks noGrp="1"/>
           </p:cNvSpPr>
@@ -7401,7 +7455,7 @@
         <p:spPr>
           <a:xfrm>
             <a:off x="685800" y="4400640"/>
-            <a:ext cx="5481360" cy="3595320"/>
+            <a:ext cx="5481000" cy="3594960"/>
           </a:xfrm>
           <a:prstGeom prst="rect">
             <a:avLst/>
@@ -7412,7 +7466,7 @@
             <a:noAutofit/>
           </a:bodyPr>
           <a:p>
-            <a:pPr marL="216000" indent="-214920">
+            <a:pPr marL="216000" indent="-214560">
               <a:lnSpc>
                 <a:spcPct val="100000"/>
               </a:lnSpc>
@@ -7431,7 +7485,7 @@
             </a:endParaRPr>
           </a:p>
           <a:p>
-            <a:pPr marL="216000" indent="-214920">
+            <a:pPr marL="216000" indent="-214560">
               <a:lnSpc>
                 <a:spcPct val="100000"/>
               </a:lnSpc>
@@ -7444,7 +7498,7 @@
             </a:endParaRPr>
           </a:p>
           <a:p>
-            <a:pPr marL="216000" indent="-214920">
+            <a:pPr marL="216000" indent="-214560">
               <a:lnSpc>
                 <a:spcPct val="100000"/>
               </a:lnSpc>
@@ -7468,14 +7522,14 @@
       </p:sp>
       <p:sp>
         <p:nvSpPr>
-          <p:cNvPr id="347" name="CustomShape 3"/>
+          <p:cNvPr id="348" name="CustomShape 3"/>
           <p:cNvSpPr/>
           <p:nvPr/>
         </p:nvSpPr>
         <p:spPr>
           <a:xfrm>
             <a:off x="3884760" y="8685360"/>
-            <a:ext cx="2966760" cy="453600"/>
+            <a:ext cx="2966400" cy="453240"/>
           </a:xfrm>
           <a:prstGeom prst="rect">
             <a:avLst/>
@@ -7504,7 +7558,7 @@
                 <a:tab algn="l" pos="0"/>
               </a:tabLst>
             </a:pPr>
-            <a:fld id="{72110E32-BE89-484B-97A0-F9B4AEC63E5D}" type="slidenum">
+            <a:fld id="{9C619BCB-E5CD-4E9C-8FDD-E5C9EFD6ACD1}" type="slidenum">
               <a:rPr b="0" lang="en-US" sz="1800" spc="-1" strike="noStrike">
                 <a:solidFill>
                   <a:srgbClr val="000000"/>
@@ -7543,7 +7597,7 @@
       </p:grpSpPr>
       <p:sp>
         <p:nvSpPr>
-          <p:cNvPr id="348" name="PlaceHolder 1"/>
+          <p:cNvPr id="349" name="PlaceHolder 1"/>
           <p:cNvSpPr>
             <a:spLocks noGrp="1"/>
           </p:cNvSpPr>
@@ -7554,16 +7608,16 @@
         <p:spPr>
           <a:xfrm>
             <a:off x="73440" y="812520"/>
-            <a:ext cx="7124760" cy="4006800"/>
-          </a:xfrm>
-          <a:prstGeom prst="rect">
-            <a:avLst/>
-          </a:prstGeom>
-        </p:spPr>
-      </p:sp>
-      <p:sp>
-        <p:nvSpPr>
-          <p:cNvPr id="349" name="PlaceHolder 2"/>
+            <a:ext cx="7124400" cy="4006440"/>
+          </a:xfrm>
+          <a:prstGeom prst="rect">
+            <a:avLst/>
+          </a:prstGeom>
+        </p:spPr>
+      </p:sp>
+      <p:sp>
+        <p:nvSpPr>
+          <p:cNvPr id="350" name="PlaceHolder 2"/>
           <p:cNvSpPr>
             <a:spLocks noGrp="1"/>
           </p:cNvSpPr>
@@ -7574,7 +7628,7 @@
         <p:spPr>
           <a:xfrm>
             <a:off x="756000" y="5078520"/>
-            <a:ext cx="5182560" cy="3020040"/>
+            <a:ext cx="5182200" cy="3019680"/>
           </a:xfrm>
           <a:prstGeom prst="rect">
             <a:avLst/>
@@ -7585,7 +7639,7 @@
             <a:noAutofit/>
           </a:bodyPr>
           <a:p>
-            <a:pPr marL="216000" indent="-214920">
+            <a:pPr marL="216000" indent="-214560">
               <a:lnSpc>
                 <a:spcPct val="100000"/>
               </a:lnSpc>
@@ -7598,7 +7652,7 @@
             </a:endParaRPr>
           </a:p>
           <a:p>
-            <a:pPr marL="216000" indent="-214920">
+            <a:pPr marL="216000" indent="-214560">
               <a:lnSpc>
                 <a:spcPct val="100000"/>
               </a:lnSpc>
@@ -7618,7 +7672,7 @@
             </a:endParaRPr>
           </a:p>
           <a:p>
-            <a:pPr marL="216000" indent="-214920">
+            <a:pPr marL="216000" indent="-214560">
               <a:lnSpc>
                 <a:spcPct val="100000"/>
               </a:lnSpc>
@@ -7631,7 +7685,7 @@
             </a:endParaRPr>
           </a:p>
           <a:p>
-            <a:pPr marL="216000" indent="-214920">
+            <a:pPr marL="216000" indent="-214560">
               <a:lnSpc>
                 <a:spcPct val="100000"/>
               </a:lnSpc>
@@ -7676,7 +7730,7 @@
       </p:grpSpPr>
       <p:sp>
         <p:nvSpPr>
-          <p:cNvPr id="247" name="PlaceHolder 1"/>
+          <p:cNvPr id="248" name="PlaceHolder 1"/>
           <p:cNvSpPr>
             <a:spLocks noGrp="1"/>
           </p:cNvSpPr>
@@ -7687,16 +7741,16 @@
         <p:spPr>
           <a:xfrm>
             <a:off x="685800" y="1143000"/>
-            <a:ext cx="5481360" cy="3081240"/>
-          </a:xfrm>
-          <a:prstGeom prst="rect">
-            <a:avLst/>
-          </a:prstGeom>
-        </p:spPr>
-      </p:sp>
-      <p:sp>
-        <p:nvSpPr>
-          <p:cNvPr id="248" name="PlaceHolder 2"/>
+            <a:ext cx="5481000" cy="3080880"/>
+          </a:xfrm>
+          <a:prstGeom prst="rect">
+            <a:avLst/>
+          </a:prstGeom>
+        </p:spPr>
+      </p:sp>
+      <p:sp>
+        <p:nvSpPr>
+          <p:cNvPr id="249" name="PlaceHolder 2"/>
           <p:cNvSpPr>
             <a:spLocks noGrp="1"/>
           </p:cNvSpPr>
@@ -7707,7 +7761,7 @@
         <p:spPr>
           <a:xfrm>
             <a:off x="685800" y="4400640"/>
-            <a:ext cx="5481360" cy="3595320"/>
+            <a:ext cx="5481000" cy="3594960"/>
           </a:xfrm>
           <a:prstGeom prst="rect">
             <a:avLst/>
@@ -7718,7 +7772,7 @@
             <a:noAutofit/>
           </a:bodyPr>
           <a:p>
-            <a:pPr marL="216000" indent="-212400">
+            <a:pPr marL="216000" indent="-212040">
               <a:lnSpc>
                 <a:spcPct val="100000"/>
               </a:lnSpc>
@@ -7731,7 +7785,7 @@
             </a:endParaRPr>
           </a:p>
           <a:p>
-            <a:pPr marL="216000" indent="-212400">
+            <a:pPr marL="216000" indent="-212040">
               <a:lnSpc>
                 <a:spcPct val="100000"/>
               </a:lnSpc>
@@ -7747,14 +7801,14 @@
       </p:sp>
       <p:sp>
         <p:nvSpPr>
-          <p:cNvPr id="249" name="CustomShape 3"/>
+          <p:cNvPr id="250" name="CustomShape 3"/>
           <p:cNvSpPr/>
           <p:nvPr/>
         </p:nvSpPr>
         <p:spPr>
           <a:xfrm>
             <a:off x="3884760" y="8685360"/>
-            <a:ext cx="2966760" cy="453600"/>
+            <a:ext cx="2966400" cy="453240"/>
           </a:xfrm>
           <a:prstGeom prst="rect">
             <a:avLst/>
@@ -7783,7 +7837,7 @@
                 <a:tab algn="l" pos="0"/>
               </a:tabLst>
             </a:pPr>
-            <a:fld id="{B983A66A-6C1D-4B93-996E-C4785C14F4C3}" type="slidenum">
+            <a:fld id="{2B5F4A89-F450-4BF2-9D9D-38D7126E4B06}" type="slidenum">
               <a:rPr b="0" lang="en-US" sz="1400" spc="-1" strike="noStrike">
                 <a:solidFill>
                   <a:srgbClr val="000000"/>
@@ -7822,7 +7876,7 @@
       </p:grpSpPr>
       <p:sp>
         <p:nvSpPr>
-          <p:cNvPr id="250" name="PlaceHolder 1"/>
+          <p:cNvPr id="251" name="PlaceHolder 1"/>
           <p:cNvSpPr>
             <a:spLocks noGrp="1"/>
           </p:cNvSpPr>
@@ -7833,16 +7887,16 @@
         <p:spPr>
           <a:xfrm>
             <a:off x="685800" y="1143000"/>
-            <a:ext cx="5481360" cy="3081240"/>
-          </a:xfrm>
-          <a:prstGeom prst="rect">
-            <a:avLst/>
-          </a:prstGeom>
-        </p:spPr>
-      </p:sp>
-      <p:sp>
-        <p:nvSpPr>
-          <p:cNvPr id="251" name="PlaceHolder 2"/>
+            <a:ext cx="5481000" cy="3080880"/>
+          </a:xfrm>
+          <a:prstGeom prst="rect">
+            <a:avLst/>
+          </a:prstGeom>
+        </p:spPr>
+      </p:sp>
+      <p:sp>
+        <p:nvSpPr>
+          <p:cNvPr id="252" name="PlaceHolder 2"/>
           <p:cNvSpPr>
             <a:spLocks noGrp="1"/>
           </p:cNvSpPr>
@@ -7853,7 +7907,7 @@
         <p:spPr>
           <a:xfrm>
             <a:off x="685800" y="4400640"/>
-            <a:ext cx="5481360" cy="3595320"/>
+            <a:ext cx="5481000" cy="3594960"/>
           </a:xfrm>
           <a:prstGeom prst="rect">
             <a:avLst/>
@@ -7864,7 +7918,7 @@
             <a:noAutofit/>
           </a:bodyPr>
           <a:p>
-            <a:pPr marL="216000" indent="-216000">
+            <a:pPr marL="216000" indent="-215640">
               <a:lnSpc>
                 <a:spcPct val="100000"/>
               </a:lnSpc>
@@ -7886,7 +7940,7 @@
             </a:endParaRPr>
           </a:p>
           <a:p>
-            <a:pPr marL="216000" indent="-216000">
+            <a:pPr marL="216000" indent="-215640">
               <a:lnSpc>
                 <a:spcPct val="100000"/>
               </a:lnSpc>
@@ -7899,7 +7953,7 @@
             </a:endParaRPr>
           </a:p>
           <a:p>
-            <a:pPr marL="216000" indent="-216000">
+            <a:pPr marL="216000" indent="-215640">
               <a:lnSpc>
                 <a:spcPct val="100000"/>
               </a:lnSpc>
@@ -7921,7 +7975,7 @@
             </a:endParaRPr>
           </a:p>
           <a:p>
-            <a:pPr marL="216000" indent="-216000">
+            <a:pPr marL="216000" indent="-215640">
               <a:lnSpc>
                 <a:spcPct val="100000"/>
               </a:lnSpc>
@@ -7934,7 +7988,7 @@
             </a:endParaRPr>
           </a:p>
           <a:p>
-            <a:pPr marL="216000" indent="-216000">
+            <a:pPr marL="216000" indent="-215640">
               <a:lnSpc>
                 <a:spcPct val="100000"/>
               </a:lnSpc>
@@ -7957,7 +8011,7 @@
             </a:endParaRPr>
           </a:p>
           <a:p>
-            <a:pPr marL="216000" indent="-216000">
+            <a:pPr marL="216000" indent="-215640">
               <a:lnSpc>
                 <a:spcPct val="100000"/>
               </a:lnSpc>
@@ -7970,7 +8024,7 @@
             </a:endParaRPr>
           </a:p>
           <a:p>
-            <a:pPr marL="216000" indent="-216000">
+            <a:pPr marL="216000" indent="-215640">
               <a:lnSpc>
                 <a:spcPct val="100000"/>
               </a:lnSpc>
@@ -7993,7 +8047,7 @@
             </a:endParaRPr>
           </a:p>
           <a:p>
-            <a:pPr marL="216000" indent="-216000">
+            <a:pPr marL="216000" indent="-215640">
               <a:lnSpc>
                 <a:spcPct val="100000"/>
               </a:lnSpc>
@@ -8006,7 +8060,7 @@
             </a:endParaRPr>
           </a:p>
           <a:p>
-            <a:pPr marL="216000" indent="-212760">
+            <a:pPr marL="216000" indent="-212400">
               <a:lnSpc>
                 <a:spcPct val="100000"/>
               </a:lnSpc>
@@ -8022,14 +8076,14 @@
       </p:sp>
       <p:sp>
         <p:nvSpPr>
-          <p:cNvPr id="252" name="CustomShape 3"/>
+          <p:cNvPr id="253" name="CustomShape 3"/>
           <p:cNvSpPr/>
           <p:nvPr/>
         </p:nvSpPr>
         <p:spPr>
           <a:xfrm>
             <a:off x="3884760" y="8685360"/>
-            <a:ext cx="2966760" cy="453600"/>
+            <a:ext cx="2966400" cy="453240"/>
           </a:xfrm>
           <a:prstGeom prst="rect">
             <a:avLst/>
@@ -8058,7 +8112,7 @@
                 <a:tab algn="l" pos="0"/>
               </a:tabLst>
             </a:pPr>
-            <a:fld id="{09AC71BF-E6FC-4B8C-8F0D-4182C84ED93F}" type="slidenum">
+            <a:fld id="{6E408D95-E098-4013-88DA-E3EF6D3C5C87}" type="slidenum">
               <a:rPr b="0" lang="en-US" sz="1400" spc="-1" strike="noStrike">
                 <a:solidFill>
                   <a:srgbClr val="000000"/>
@@ -8075,14 +8129,14 @@
       </p:sp>
       <p:sp>
         <p:nvSpPr>
-          <p:cNvPr id="253" name="CustomShape 4"/>
+          <p:cNvPr id="254" name="CustomShape 4"/>
           <p:cNvSpPr/>
           <p:nvPr/>
         </p:nvSpPr>
         <p:spPr>
           <a:xfrm>
             <a:off x="540000" y="5040000"/>
-            <a:ext cx="5937840" cy="2877840"/>
+            <a:ext cx="5937480" cy="2877480"/>
           </a:xfrm>
           <a:prstGeom prst="rect">
             <a:avLst/>
@@ -8123,7 +8177,7 @@
       </p:grpSpPr>
       <p:sp>
         <p:nvSpPr>
-          <p:cNvPr id="254" name="PlaceHolder 1"/>
+          <p:cNvPr id="255" name="PlaceHolder 1"/>
           <p:cNvSpPr>
             <a:spLocks noGrp="1"/>
           </p:cNvSpPr>
@@ -8134,16 +8188,16 @@
         <p:spPr>
           <a:xfrm>
             <a:off x="685800" y="1143000"/>
-            <a:ext cx="5481360" cy="3081240"/>
-          </a:xfrm>
-          <a:prstGeom prst="rect">
-            <a:avLst/>
-          </a:prstGeom>
-        </p:spPr>
-      </p:sp>
-      <p:sp>
-        <p:nvSpPr>
-          <p:cNvPr id="255" name="PlaceHolder 2"/>
+            <a:ext cx="5481000" cy="3080880"/>
+          </a:xfrm>
+          <a:prstGeom prst="rect">
+            <a:avLst/>
+          </a:prstGeom>
+        </p:spPr>
+      </p:sp>
+      <p:sp>
+        <p:nvSpPr>
+          <p:cNvPr id="256" name="PlaceHolder 2"/>
           <p:cNvSpPr>
             <a:spLocks noGrp="1"/>
           </p:cNvSpPr>
@@ -8154,7 +8208,7 @@
         <p:spPr>
           <a:xfrm>
             <a:off x="685800" y="4400640"/>
-            <a:ext cx="5481360" cy="3595320"/>
+            <a:ext cx="5481000" cy="3594960"/>
           </a:xfrm>
           <a:prstGeom prst="rect">
             <a:avLst/>
@@ -8165,7 +8219,7 @@
             <a:noAutofit/>
           </a:bodyPr>
           <a:p>
-            <a:pPr marL="216000" indent="-216000">
+            <a:pPr marL="216000" indent="-215640">
               <a:lnSpc>
                 <a:spcPct val="100000"/>
               </a:lnSpc>
@@ -8188,7 +8242,7 @@
             </a:endParaRPr>
           </a:p>
           <a:p>
-            <a:pPr marL="216000" indent="-213840">
+            <a:pPr marL="216000" indent="-213480">
               <a:lnSpc>
                 <a:spcPct val="100000"/>
               </a:lnSpc>
@@ -8201,7 +8255,7 @@
             </a:endParaRPr>
           </a:p>
           <a:p>
-            <a:pPr marL="216000" indent="-213840">
+            <a:pPr marL="216000" indent="-213480">
               <a:lnSpc>
                 <a:spcPct val="100000"/>
               </a:lnSpc>
@@ -8224,7 +8278,7 @@
             </a:endParaRPr>
           </a:p>
           <a:p>
-            <a:pPr marL="216000" indent="-213840">
+            <a:pPr marL="216000" indent="-213480">
               <a:lnSpc>
                 <a:spcPct val="100000"/>
               </a:lnSpc>
@@ -8237,7 +8291,7 @@
             </a:endParaRPr>
           </a:p>
           <a:p>
-            <a:pPr marL="216000" indent="-212760">
+            <a:pPr marL="216000" indent="-212400">
               <a:lnSpc>
                 <a:spcPct val="100000"/>
               </a:lnSpc>
@@ -8253,14 +8307,14 @@
       </p:sp>
       <p:sp>
         <p:nvSpPr>
-          <p:cNvPr id="256" name="CustomShape 3"/>
+          <p:cNvPr id="257" name="CustomShape 3"/>
           <p:cNvSpPr/>
           <p:nvPr/>
         </p:nvSpPr>
         <p:spPr>
           <a:xfrm>
             <a:off x="3884760" y="8685360"/>
-            <a:ext cx="2966760" cy="453600"/>
+            <a:ext cx="2966400" cy="453240"/>
           </a:xfrm>
           <a:prstGeom prst="rect">
             <a:avLst/>
@@ -8289,7 +8343,7 @@
                 <a:tab algn="l" pos="0"/>
               </a:tabLst>
             </a:pPr>
-            <a:fld id="{E1115FC2-2639-4F47-BE53-132F8CE312D1}" type="slidenum">
+            <a:fld id="{13332FEA-2560-4097-9334-70D6CBC17EB8}" type="slidenum">
               <a:rPr b="0" lang="en-US" sz="1400" spc="-1" strike="noStrike">
                 <a:solidFill>
                   <a:srgbClr val="000000"/>
@@ -8306,14 +8360,14 @@
       </p:sp>
       <p:sp>
         <p:nvSpPr>
-          <p:cNvPr id="257" name="CustomShape 4"/>
+          <p:cNvPr id="258" name="CustomShape 4"/>
           <p:cNvSpPr/>
           <p:nvPr/>
         </p:nvSpPr>
         <p:spPr>
           <a:xfrm>
             <a:off x="635760" y="4400640"/>
-            <a:ext cx="5482440" cy="3596400"/>
+            <a:ext cx="5482080" cy="3596040"/>
           </a:xfrm>
           <a:prstGeom prst="rect">
             <a:avLst/>
@@ -8354,7 +8408,7 @@
       </p:grpSpPr>
       <p:sp>
         <p:nvSpPr>
-          <p:cNvPr id="258" name="PlaceHolder 1"/>
+          <p:cNvPr id="259" name="PlaceHolder 1"/>
           <p:cNvSpPr>
             <a:spLocks noGrp="1"/>
           </p:cNvSpPr>
@@ -8365,16 +8419,16 @@
         <p:spPr>
           <a:xfrm>
             <a:off x="685800" y="1143000"/>
-            <a:ext cx="5481360" cy="3081240"/>
-          </a:xfrm>
-          <a:prstGeom prst="rect">
-            <a:avLst/>
-          </a:prstGeom>
-        </p:spPr>
-      </p:sp>
-      <p:sp>
-        <p:nvSpPr>
-          <p:cNvPr id="259" name="PlaceHolder 2"/>
+            <a:ext cx="5481000" cy="3080880"/>
+          </a:xfrm>
+          <a:prstGeom prst="rect">
+            <a:avLst/>
+          </a:prstGeom>
+        </p:spPr>
+      </p:sp>
+      <p:sp>
+        <p:nvSpPr>
+          <p:cNvPr id="260" name="PlaceHolder 2"/>
           <p:cNvSpPr>
             <a:spLocks noGrp="1"/>
           </p:cNvSpPr>
@@ -8385,7 +8439,7 @@
         <p:spPr>
           <a:xfrm>
             <a:off x="685800" y="4400640"/>
-            <a:ext cx="5481360" cy="3595320"/>
+            <a:ext cx="5481000" cy="3594960"/>
           </a:xfrm>
           <a:prstGeom prst="rect">
             <a:avLst/>
@@ -8396,7 +8450,7 @@
             <a:noAutofit/>
           </a:bodyPr>
           <a:p>
-            <a:pPr marL="216000" indent="-213840">
+            <a:pPr marL="216000" indent="-213480">
               <a:lnSpc>
                 <a:spcPct val="100000"/>
               </a:lnSpc>
@@ -8416,7 +8470,7 @@
             </a:endParaRPr>
           </a:p>
           <a:p>
-            <a:pPr marL="216000" indent="-213840">
+            <a:pPr marL="216000" indent="-213480">
               <a:lnSpc>
                 <a:spcPct val="100000"/>
               </a:lnSpc>
@@ -8429,7 +8483,7 @@
             </a:endParaRPr>
           </a:p>
           <a:p>
-            <a:pPr marL="216000" indent="-213840">
+            <a:pPr marL="216000" indent="-213480">
               <a:lnSpc>
                 <a:spcPct val="100000"/>
               </a:lnSpc>
@@ -8452,14 +8506,14 @@
       </p:sp>
       <p:sp>
         <p:nvSpPr>
-          <p:cNvPr id="260" name="CustomShape 3"/>
+          <p:cNvPr id="261" name="CustomShape 3"/>
           <p:cNvSpPr/>
           <p:nvPr/>
         </p:nvSpPr>
         <p:spPr>
           <a:xfrm>
             <a:off x="3884760" y="8685360"/>
-            <a:ext cx="2966760" cy="453600"/>
+            <a:ext cx="2966400" cy="453240"/>
           </a:xfrm>
           <a:prstGeom prst="rect">
             <a:avLst/>
@@ -8488,7 +8542,7 @@
                 <a:tab algn="l" pos="0"/>
               </a:tabLst>
             </a:pPr>
-            <a:fld id="{9CE5AD14-87CE-480D-8B44-4991A5AE5E97}" type="slidenum">
+            <a:fld id="{663CC87D-D1DB-4690-9030-11403EFD0FEC}" type="slidenum">
               <a:rPr b="0" lang="en-US" sz="1400" spc="-1" strike="noStrike">
                 <a:solidFill>
                   <a:srgbClr val="000000"/>
@@ -8527,7 +8581,7 @@
       </p:grpSpPr>
       <p:sp>
         <p:nvSpPr>
-          <p:cNvPr id="261" name="PlaceHolder 1"/>
+          <p:cNvPr id="262" name="PlaceHolder 1"/>
           <p:cNvSpPr>
             <a:spLocks noGrp="1"/>
           </p:cNvSpPr>
@@ -8538,16 +8592,16 @@
         <p:spPr>
           <a:xfrm>
             <a:off x="721800" y="1179000"/>
-            <a:ext cx="5481360" cy="3081240"/>
-          </a:xfrm>
-          <a:prstGeom prst="rect">
-            <a:avLst/>
-          </a:prstGeom>
-        </p:spPr>
-      </p:sp>
-      <p:sp>
-        <p:nvSpPr>
-          <p:cNvPr id="262" name="PlaceHolder 2"/>
+            <a:ext cx="5481000" cy="3080880"/>
+          </a:xfrm>
+          <a:prstGeom prst="rect">
+            <a:avLst/>
+          </a:prstGeom>
+        </p:spPr>
+      </p:sp>
+      <p:sp>
+        <p:nvSpPr>
+          <p:cNvPr id="263" name="PlaceHolder 2"/>
           <p:cNvSpPr>
             <a:spLocks noGrp="1"/>
           </p:cNvSpPr>
@@ -8558,7 +8612,7 @@
         <p:spPr>
           <a:xfrm>
             <a:off x="685800" y="4400640"/>
-            <a:ext cx="5481360" cy="3595320"/>
+            <a:ext cx="5481000" cy="3594960"/>
           </a:xfrm>
           <a:prstGeom prst="rect">
             <a:avLst/>
@@ -8569,7 +8623,7 @@
             <a:noAutofit/>
           </a:bodyPr>
           <a:p>
-            <a:pPr marL="216000" indent="-216000">
+            <a:pPr marL="216000" indent="-215640">
               <a:lnSpc>
                 <a:spcPct val="100000"/>
               </a:lnSpc>
@@ -8581,7 +8635,7 @@
               </a:tabLst>
             </a:pPr>
             <a:r>
-              <a:rPr b="0" lang="en-AU" sz="1600" spc="-1" strike="noStrike">
+              <a:rPr b="0" lang="en-AU" sz="1400" spc="-1" strike="noStrike">
                 <a:solidFill>
                   <a:srgbClr val="000000"/>
                 </a:solidFill>
@@ -8589,12 +8643,12 @@
               </a:rPr>
               <a:t>Obviously the best bet is to prevent people getting in the door in the first place. So how can we keep our places of learning suitably masculine?</a:t>
             </a:r>
-            <a:endParaRPr b="0" lang="en-AU" sz="1600" spc="-1" strike="noStrike">
-              <a:latin typeface="Arial"/>
-            </a:endParaRPr>
-          </a:p>
-          <a:p>
-            <a:pPr marL="216000" indent="-216000">
+            <a:endParaRPr b="0" lang="en-AU" sz="1400" spc="-1" strike="noStrike">
+              <a:latin typeface="Arial"/>
+            </a:endParaRPr>
+          </a:p>
+          <a:p>
+            <a:pPr marL="216000" indent="-215640">
               <a:lnSpc>
                 <a:spcPct val="100000"/>
               </a:lnSpc>
@@ -8606,7 +8660,7 @@
               </a:tabLst>
             </a:pPr>
             <a:r>
-              <a:rPr b="0" lang="en-AU" sz="1600" spc="-1" strike="noStrike">
+              <a:rPr b="0" lang="en-AU" sz="1400" spc="-1" strike="noStrike">
                 <a:solidFill>
                   <a:srgbClr val="000000"/>
                 </a:solidFill>
@@ -8614,12 +8668,12 @@
               </a:rPr>
               <a:t>Make sure teachers say things like “you don’t look like a nerd”, or “I’m surprised you want to hang out with the geeks” when girls show interest in STEM subjects. </a:t>
             </a:r>
-            <a:endParaRPr b="0" lang="en-AU" sz="1600" spc="-1" strike="noStrike">
-              <a:latin typeface="Arial"/>
-            </a:endParaRPr>
-          </a:p>
-          <a:p>
-            <a:pPr marL="216000" indent="-216000">
+            <a:endParaRPr b="0" lang="en-AU" sz="1400" spc="-1" strike="noStrike">
+              <a:latin typeface="Arial"/>
+            </a:endParaRPr>
+          </a:p>
+          <a:p>
+            <a:pPr marL="216000" indent="-215640">
               <a:lnSpc>
                 <a:spcPct val="100000"/>
               </a:lnSpc>
@@ -8631,20 +8685,20 @@
               </a:tabLst>
             </a:pPr>
             <a:r>
-              <a:rPr b="0" lang="en-AU" sz="1600" spc="-1" strike="noStrike">
+              <a:rPr b="0" lang="en-AU" sz="1400" spc="-1" strike="noStrike">
                 <a:solidFill>
                   <a:srgbClr val="000000"/>
                 </a:solidFill>
                 <a:latin typeface="Arial"/>
               </a:rPr>
-              <a:t>Don’t ask pronouns, don’t give yours. If possible, discourage the display of pronouns on lanyards, pins, slack bios or in email signatures as "divisive".</a:t>
-            </a:r>
-            <a:endParaRPr b="0" lang="en-AU" sz="1600" spc="-1" strike="noStrike">
-              <a:latin typeface="Arial"/>
-            </a:endParaRPr>
-          </a:p>
-          <a:p>
-            <a:pPr marL="216000" indent="-216000">
+              <a:t>Don’t ask pronouns, don’t give yours. Ask someone if they are “sure” that their pronopuns really are they/them. If possible, discourage the use of pronouns in email signatures as "divisive".</a:t>
+            </a:r>
+            <a:endParaRPr b="0" lang="en-AU" sz="1400" spc="-1" strike="noStrike">
+              <a:latin typeface="Arial"/>
+            </a:endParaRPr>
+          </a:p>
+          <a:p>
+            <a:pPr marL="216000" indent="-215640">
               <a:lnSpc>
                 <a:spcPct val="100000"/>
               </a:lnSpc>
@@ -8656,7 +8710,7 @@
               </a:tabLst>
             </a:pPr>
             <a:r>
-              <a:rPr b="0" lang="en-AU" sz="1600" spc="-1" strike="noStrike">
+              <a:rPr b="0" lang="en-AU" sz="1400" spc="-1" strike="noStrike">
                 <a:solidFill>
                   <a:srgbClr val="000000"/>
                 </a:solidFill>
@@ -8664,12 +8718,12 @@
               </a:rPr>
               <a:t>Make sure the toilet situation is binary, causing discomfort and risk for many people. Only have two gender fields on any given form. And, if you can, make sure your systems have no way to handle non-anglo names, and no way to handle name changes.</a:t>
             </a:r>
-            <a:endParaRPr b="0" lang="en-AU" sz="1600" spc="-1" strike="noStrike">
-              <a:latin typeface="Arial"/>
-            </a:endParaRPr>
-          </a:p>
-          <a:p>
-            <a:pPr marL="216000" indent="-216000">
+            <a:endParaRPr b="0" lang="en-AU" sz="1400" spc="-1" strike="noStrike">
+              <a:latin typeface="Arial"/>
+            </a:endParaRPr>
+          </a:p>
+          <a:p>
+            <a:pPr marL="216000" indent="-215640">
               <a:lnSpc>
                 <a:spcPct val="100000"/>
               </a:lnSpc>
@@ -8681,7 +8735,7 @@
               </a:tabLst>
             </a:pPr>
             <a:r>
-              <a:rPr b="0" lang="en-AU" sz="1600" spc="-1" strike="noStrike">
+              <a:rPr b="0" lang="en-AU" sz="1400" spc="-1" strike="noStrike">
                 <a:solidFill>
                   <a:srgbClr val="000000"/>
                 </a:solidFill>
@@ -8689,35 +8743,35 @@
               </a:rPr>
               <a:t>Never have women professors or guest lecturers, ensure any reading is of male authors, and assign only male mentors.</a:t>
             </a:r>
-            <a:endParaRPr b="0" lang="en-AU" sz="1600" spc="-1" strike="noStrike">
-              <a:latin typeface="Arial"/>
-            </a:endParaRPr>
-          </a:p>
-          <a:p>
-            <a:pPr marL="216000" indent="-212760">
-              <a:lnSpc>
-                <a:spcPct val="100000"/>
-              </a:lnSpc>
-              <a:tabLst>
-                <a:tab algn="l" pos="0"/>
-              </a:tabLst>
-            </a:pPr>
-            <a:endParaRPr b="0" lang="en-AU" sz="1600" spc="-1" strike="noStrike">
-              <a:latin typeface="Arial"/>
-            </a:endParaRPr>
-          </a:p>
-        </p:txBody>
-      </p:sp>
-      <p:sp>
-        <p:nvSpPr>
-          <p:cNvPr id="263" name="CustomShape 3"/>
+            <a:endParaRPr b="0" lang="en-AU" sz="1400" spc="-1" strike="noStrike">
+              <a:latin typeface="Arial"/>
+            </a:endParaRPr>
+          </a:p>
+          <a:p>
+            <a:pPr marL="216000" indent="-212400">
+              <a:lnSpc>
+                <a:spcPct val="100000"/>
+              </a:lnSpc>
+              <a:tabLst>
+                <a:tab algn="l" pos="0"/>
+              </a:tabLst>
+            </a:pPr>
+            <a:endParaRPr b="0" lang="en-AU" sz="1400" spc="-1" strike="noStrike">
+              <a:latin typeface="Arial"/>
+            </a:endParaRPr>
+          </a:p>
+        </p:txBody>
+      </p:sp>
+      <p:sp>
+        <p:nvSpPr>
+          <p:cNvPr id="264" name="CustomShape 3"/>
           <p:cNvSpPr/>
           <p:nvPr/>
         </p:nvSpPr>
         <p:spPr>
           <a:xfrm>
             <a:off x="3884760" y="8685360"/>
-            <a:ext cx="2966760" cy="453600"/>
+            <a:ext cx="2966400" cy="453240"/>
           </a:xfrm>
           <a:prstGeom prst="rect">
             <a:avLst/>
@@ -8746,7 +8800,7 @@
                 <a:tab algn="l" pos="0"/>
               </a:tabLst>
             </a:pPr>
-            <a:fld id="{80A572B2-EFE5-492F-AD06-171A227E0A87}" type="slidenum">
+            <a:fld id="{82C3D36C-8DB3-422E-9305-F354071C8DB9}" type="slidenum">
               <a:rPr b="0" lang="en-US" sz="1400" spc="-1" strike="noStrike">
                 <a:solidFill>
                   <a:srgbClr val="000000"/>
@@ -8763,14 +8817,14 @@
       </p:sp>
       <p:sp>
         <p:nvSpPr>
-          <p:cNvPr id="264" name="CustomShape 4"/>
+          <p:cNvPr id="265" name="CustomShape 4"/>
           <p:cNvSpPr/>
           <p:nvPr/>
         </p:nvSpPr>
         <p:spPr>
           <a:xfrm>
             <a:off x="685800" y="4518360"/>
-            <a:ext cx="5792760" cy="4480200"/>
+            <a:ext cx="5792400" cy="4479840"/>
           </a:xfrm>
           <a:prstGeom prst="rect">
             <a:avLst/>
@@ -8811,7 +8865,7 @@
       </p:grpSpPr>
       <p:sp>
         <p:nvSpPr>
-          <p:cNvPr id="265" name="PlaceHolder 1"/>
+          <p:cNvPr id="266" name="PlaceHolder 1"/>
           <p:cNvSpPr>
             <a:spLocks noGrp="1"/>
           </p:cNvSpPr>
@@ -8822,16 +8876,16 @@
         <p:spPr>
           <a:xfrm>
             <a:off x="685800" y="1143000"/>
-            <a:ext cx="5481360" cy="3081240"/>
-          </a:xfrm>
-          <a:prstGeom prst="rect">
-            <a:avLst/>
-          </a:prstGeom>
-        </p:spPr>
-      </p:sp>
-      <p:sp>
-        <p:nvSpPr>
-          <p:cNvPr id="266" name="PlaceHolder 2"/>
+            <a:ext cx="5481000" cy="3080880"/>
+          </a:xfrm>
+          <a:prstGeom prst="rect">
+            <a:avLst/>
+          </a:prstGeom>
+        </p:spPr>
+      </p:sp>
+      <p:sp>
+        <p:nvSpPr>
+          <p:cNvPr id="267" name="PlaceHolder 2"/>
           <p:cNvSpPr>
             <a:spLocks noGrp="1"/>
           </p:cNvSpPr>
@@ -8842,7 +8896,7 @@
         <p:spPr>
           <a:xfrm>
             <a:off x="685800" y="4400640"/>
-            <a:ext cx="5481360" cy="3595320"/>
+            <a:ext cx="5481000" cy="3594960"/>
           </a:xfrm>
           <a:prstGeom prst="rect">
             <a:avLst/>
@@ -8853,7 +8907,7 @@
             <a:noAutofit/>
           </a:bodyPr>
           <a:p>
-            <a:pPr marL="216000" indent="-214920">
+            <a:pPr marL="216000" indent="-214560">
               <a:lnSpc>
                 <a:spcPct val="100000"/>
               </a:lnSpc>
@@ -8872,7 +8926,7 @@
             </a:endParaRPr>
           </a:p>
           <a:p>
-            <a:pPr marL="216000" indent="-213840">
+            <a:pPr marL="216000" indent="-213480">
               <a:lnSpc>
                 <a:spcPct val="100000"/>
               </a:lnSpc>
@@ -8885,7 +8939,7 @@
             </a:endParaRPr>
           </a:p>
           <a:p>
-            <a:pPr marL="216000" indent="-213840">
+            <a:pPr marL="216000" indent="-213480">
               <a:lnSpc>
                 <a:spcPct val="100000"/>
               </a:lnSpc>
@@ -8904,7 +8958,7 @@
             </a:endParaRPr>
           </a:p>
           <a:p>
-            <a:pPr marL="216000" indent="-213840">
+            <a:pPr marL="216000" indent="-213480">
               <a:lnSpc>
                 <a:spcPct val="100000"/>
               </a:lnSpc>
@@ -8917,7 +8971,7 @@
             </a:endParaRPr>
           </a:p>
           <a:p>
-            <a:pPr marL="216000" indent="-213840">
+            <a:pPr marL="216000" indent="-213480">
               <a:lnSpc>
                 <a:spcPct val="100000"/>
               </a:lnSpc>
@@ -8939,14 +8993,14 @@
       </p:sp>
       <p:sp>
         <p:nvSpPr>
-          <p:cNvPr id="267" name="CustomShape 3"/>
+          <p:cNvPr id="268" name="CustomShape 3"/>
           <p:cNvSpPr/>
           <p:nvPr/>
         </p:nvSpPr>
         <p:spPr>
           <a:xfrm>
             <a:off x="3884760" y="8685360"/>
-            <a:ext cx="2966760" cy="453600"/>
+            <a:ext cx="2966400" cy="453240"/>
           </a:xfrm>
           <a:prstGeom prst="rect">
             <a:avLst/>
@@ -8975,7 +9029,7 @@
                 <a:tab algn="l" pos="0"/>
               </a:tabLst>
             </a:pPr>
-            <a:fld id="{52A8F01D-AE67-45AF-B4BA-63A86FDDF371}" type="slidenum">
+            <a:fld id="{EF53E306-05D9-4B4F-876B-9196E1AC0E57}" type="slidenum">
               <a:rPr b="0" lang="en-US" sz="1400" spc="-1" strike="noStrike">
                 <a:solidFill>
                   <a:srgbClr val="000000"/>
@@ -13100,7 +13154,7 @@
         <p:spPr>
           <a:xfrm>
             <a:off x="457200" y="205200"/>
-            <a:ext cx="8228880" cy="858240"/>
+            <a:ext cx="8229240" cy="858600"/>
           </a:xfrm>
           <a:prstGeom prst="rect">
             <a:avLst/>
@@ -13111,13 +13165,32 @@
             <a:noAutofit/>
           </a:bodyPr>
           <a:p>
-            <a:r>
-              <a:rPr b="0" lang="en-AU" sz="1800" spc="-1" strike="noStrike">
+            <a:pPr algn="ctr"/>
+            <a:r>
+              <a:rPr b="0" lang="en-AU" sz="4400" spc="-1" strike="noStrike">
                 <a:latin typeface="Arial"/>
               </a:rPr>
-              <a:t>Click to edit the title text format</a:t>
-            </a:r>
-            <a:endParaRPr b="0" lang="en-AU" sz="1800" spc="-1" strike="noStrike">
+              <a:t>Click to </a:t>
+            </a:r>
+            <a:r>
+              <a:rPr b="0" lang="en-AU" sz="4400" spc="-1" strike="noStrike">
+                <a:latin typeface="Arial"/>
+              </a:rPr>
+              <a:t>edit the </a:t>
+            </a:r>
+            <a:r>
+              <a:rPr b="0" lang="en-AU" sz="4400" spc="-1" strike="noStrike">
+                <a:latin typeface="Arial"/>
+              </a:rPr>
+              <a:t>title text </a:t>
+            </a:r>
+            <a:r>
+              <a:rPr b="0" lang="en-AU" sz="4400" spc="-1" strike="noStrike">
+                <a:latin typeface="Arial"/>
+              </a:rPr>
+              <a:t>format</a:t>
+            </a:r>
+            <a:endParaRPr b="0" lang="en-AU" sz="4400" spc="-1" strike="noStrike">
               <a:latin typeface="Arial"/>
             </a:endParaRPr>
           </a:p>
@@ -13136,7 +13209,7 @@
         <p:spPr>
           <a:xfrm>
             <a:off x="457200" y="1203480"/>
-            <a:ext cx="8228880" cy="2982600"/>
+            <a:ext cx="8229240" cy="2982960"/>
           </a:xfrm>
           <a:prstGeom prst="rect">
             <a:avLst/>
@@ -13159,12 +13232,12 @@
               <a:buChar char=""/>
             </a:pPr>
             <a:r>
-              <a:rPr b="0" lang="en-AU" sz="1800" spc="-1" strike="noStrike">
+              <a:rPr b="0" lang="en-AU" sz="3200" spc="-1" strike="noStrike">
                 <a:latin typeface="Arial"/>
               </a:rPr>
               <a:t>Click to edit the outline text format</a:t>
             </a:r>
-            <a:endParaRPr b="0" lang="en-AU" sz="1800" spc="-1" strike="noStrike">
+            <a:endParaRPr b="0" lang="en-AU" sz="3200" spc="-1" strike="noStrike">
               <a:latin typeface="Arial"/>
             </a:endParaRPr>
           </a:p>
@@ -13181,12 +13254,12 @@
               <a:buChar char=""/>
             </a:pPr>
             <a:r>
-              <a:rPr b="0" lang="en-AU" sz="1800" spc="-1" strike="noStrike">
+              <a:rPr b="0" lang="en-AU" sz="2800" spc="-1" strike="noStrike">
                 <a:latin typeface="Arial"/>
               </a:rPr>
               <a:t>Second Outline Level</a:t>
             </a:r>
-            <a:endParaRPr b="0" lang="en-AU" sz="1800" spc="-1" strike="noStrike">
+            <a:endParaRPr b="0" lang="en-AU" sz="2800" spc="-1" strike="noStrike">
               <a:latin typeface="Arial"/>
             </a:endParaRPr>
           </a:p>
@@ -13203,12 +13276,12 @@
               <a:buChar char=""/>
             </a:pPr>
             <a:r>
-              <a:rPr b="0" lang="en-AU" sz="1800" spc="-1" strike="noStrike">
+              <a:rPr b="0" lang="en-AU" sz="2400" spc="-1" strike="noStrike">
                 <a:latin typeface="Arial"/>
               </a:rPr>
               <a:t>Third Outline Level</a:t>
             </a:r>
-            <a:endParaRPr b="0" lang="en-AU" sz="1800" spc="-1" strike="noStrike">
+            <a:endParaRPr b="0" lang="en-AU" sz="2400" spc="-1" strike="noStrike">
               <a:latin typeface="Arial"/>
             </a:endParaRPr>
           </a:p>
@@ -13225,12 +13298,12 @@
               <a:buChar char=""/>
             </a:pPr>
             <a:r>
-              <a:rPr b="0" lang="en-AU" sz="1800" spc="-1" strike="noStrike">
+              <a:rPr b="0" lang="en-AU" sz="2000" spc="-1" strike="noStrike">
                 <a:latin typeface="Arial"/>
               </a:rPr>
               <a:t>Fourth Outline Level</a:t>
             </a:r>
-            <a:endParaRPr b="0" lang="en-AU" sz="1800" spc="-1" strike="noStrike">
+            <a:endParaRPr b="0" lang="en-AU" sz="2000" spc="-1" strike="noStrike">
               <a:latin typeface="Arial"/>
             </a:endParaRPr>
           </a:p>
@@ -13247,12 +13320,12 @@
               <a:buChar char=""/>
             </a:pPr>
             <a:r>
-              <a:rPr b="0" lang="en-AU" sz="1800" spc="-1" strike="noStrike">
+              <a:rPr b="0" lang="en-AU" sz="2000" spc="-1" strike="noStrike">
                 <a:latin typeface="Arial"/>
               </a:rPr>
               <a:t>Fifth Outline Level</a:t>
             </a:r>
-            <a:endParaRPr b="0" lang="en-AU" sz="1800" spc="-1" strike="noStrike">
+            <a:endParaRPr b="0" lang="en-AU" sz="2000" spc="-1" strike="noStrike">
               <a:latin typeface="Arial"/>
             </a:endParaRPr>
           </a:p>
@@ -13269,12 +13342,12 @@
               <a:buChar char=""/>
             </a:pPr>
             <a:r>
-              <a:rPr b="0" lang="en-AU" sz="1800" spc="-1" strike="noStrike">
+              <a:rPr b="0" lang="en-AU" sz="2000" spc="-1" strike="noStrike">
                 <a:latin typeface="Arial"/>
               </a:rPr>
               <a:t>Sixth Outline Level</a:t>
             </a:r>
-            <a:endParaRPr b="0" lang="en-AU" sz="1800" spc="-1" strike="noStrike">
+            <a:endParaRPr b="0" lang="en-AU" sz="2000" spc="-1" strike="noStrike">
               <a:latin typeface="Arial"/>
             </a:endParaRPr>
           </a:p>
@@ -13291,12 +13364,12 @@
               <a:buChar char=""/>
             </a:pPr>
             <a:r>
-              <a:rPr b="0" lang="en-AU" sz="1800" spc="-1" strike="noStrike">
+              <a:rPr b="0" lang="en-AU" sz="2000" spc="-1" strike="noStrike">
                 <a:latin typeface="Arial"/>
               </a:rPr>
               <a:t>Seventh Outline Level</a:t>
             </a:r>
-            <a:endParaRPr b="0" lang="en-AU" sz="1800" spc="-1" strike="noStrike">
+            <a:endParaRPr b="0" lang="en-AU" sz="2000" spc="-1" strike="noStrike">
               <a:latin typeface="Arial"/>
             </a:endParaRPr>
           </a:p>
@@ -13375,7 +13448,13 @@
               <a:rPr b="0" lang="en-AU" sz="4400" spc="-1" strike="noStrike">
                 <a:latin typeface="Arial"/>
               </a:rPr>
-              <a:t>Click to edit the title text format</a:t>
+              <a:t>Click to edit the title </a:t>
+            </a:r>
+            <a:r>
+              <a:rPr b="0" lang="en-AU" sz="4400" spc="-1" strike="noStrike">
+                <a:latin typeface="Arial"/>
+              </a:rPr>
+              <a:t>text format</a:t>
             </a:r>
             <a:endParaRPr b="0" lang="en-AU" sz="4400" spc="-1" strike="noStrike">
               <a:latin typeface="Arial"/>
@@ -13635,7 +13714,25 @@
               <a:rPr b="0" lang="en-AU" sz="4400" spc="-1" strike="noStrike">
                 <a:latin typeface="Arial"/>
               </a:rPr>
-              <a:t>Click to edit the title text format</a:t>
+              <a:t>Click to </a:t>
+            </a:r>
+            <a:r>
+              <a:rPr b="0" lang="en-AU" sz="4400" spc="-1" strike="noStrike">
+                <a:latin typeface="Arial"/>
+              </a:rPr>
+              <a:t>edit the </a:t>
+            </a:r>
+            <a:r>
+              <a:rPr b="0" lang="en-AU" sz="4400" spc="-1" strike="noStrike">
+                <a:latin typeface="Arial"/>
+              </a:rPr>
+              <a:t>title text </a:t>
+            </a:r>
+            <a:r>
+              <a:rPr b="0" lang="en-AU" sz="4400" spc="-1" strike="noStrike">
+                <a:latin typeface="Arial"/>
+              </a:rPr>
+              <a:t>format</a:t>
             </a:r>
             <a:endParaRPr b="0" lang="en-AU" sz="4400" spc="-1" strike="noStrike">
               <a:latin typeface="Arial"/>
@@ -13872,7 +13969,7 @@
         <p:spPr>
           <a:xfrm>
             <a:off x="0" y="0"/>
-            <a:ext cx="7192080" cy="5138280"/>
+            <a:ext cx="7191720" cy="5137920"/>
           </a:xfrm>
           <a:prstGeom prst="rect">
             <a:avLst/>
@@ -13891,7 +13988,7 @@
         <p:spPr>
           <a:xfrm>
             <a:off x="3960000" y="1270800"/>
-            <a:ext cx="5008680" cy="1961640"/>
+            <a:ext cx="5008320" cy="1961280"/>
           </a:xfrm>
           <a:prstGeom prst="rect">
             <a:avLst/>
@@ -14038,7 +14135,7 @@
         <p:spPr>
           <a:xfrm>
             <a:off x="2240280" y="3561840"/>
-            <a:ext cx="6671160" cy="676800"/>
+            <a:ext cx="6670800" cy="676440"/>
           </a:xfrm>
           <a:prstGeom prst="rect">
             <a:avLst/>
@@ -14126,7 +14223,7 @@
         <p:spPr>
           <a:xfrm>
             <a:off x="0" y="-38160"/>
-            <a:ext cx="9138960" cy="534600"/>
+            <a:ext cx="9138600" cy="534240"/>
           </a:xfrm>
           <a:prstGeom prst="rect">
             <a:avLst/>
@@ -14156,7 +14253,7 @@
         <p:spPr>
           <a:xfrm>
             <a:off x="0" y="4774320"/>
-            <a:ext cx="9138960" cy="354600"/>
+            <a:ext cx="9138600" cy="354240"/>
           </a:xfrm>
           <a:prstGeom prst="rect">
             <a:avLst/>
@@ -14186,7 +14283,7 @@
         <p:spPr>
           <a:xfrm>
             <a:off x="2766240" y="1365120"/>
-            <a:ext cx="3610080" cy="2406240"/>
+            <a:ext cx="3609720" cy="2405880"/>
           </a:xfrm>
           <a:prstGeom prst="rect">
             <a:avLst/>
@@ -14209,7 +14306,7 @@
         <p:spPr>
           <a:xfrm>
             <a:off x="2160000" y="1028160"/>
-            <a:ext cx="4936320" cy="3290400"/>
+            <a:ext cx="4935960" cy="3290040"/>
           </a:xfrm>
           <a:prstGeom prst="rect">
             <a:avLst/>
@@ -14262,7 +14359,7 @@
         <p:spPr>
           <a:xfrm>
             <a:off x="0" y="-38160"/>
-            <a:ext cx="9138960" cy="534600"/>
+            <a:ext cx="9138600" cy="534240"/>
           </a:xfrm>
           <a:prstGeom prst="rect">
             <a:avLst/>
@@ -14292,7 +14389,7 @@
         <p:spPr>
           <a:xfrm>
             <a:off x="0" y="4774320"/>
-            <a:ext cx="9138960" cy="354600"/>
+            <a:ext cx="9138600" cy="354240"/>
           </a:xfrm>
           <a:prstGeom prst="rect">
             <a:avLst/>
@@ -14318,7 +14415,7 @@
         <p:spPr>
           <a:xfrm>
             <a:off x="360000" y="1800000"/>
-            <a:ext cx="8408160" cy="516240"/>
+            <a:ext cx="8407800" cy="516240"/>
           </a:xfrm>
           <a:prstGeom prst="rect">
             <a:avLst/>
@@ -14406,7 +14503,7 @@
         <p:spPr>
           <a:xfrm>
             <a:off x="0" y="-38160"/>
-            <a:ext cx="9138960" cy="534600"/>
+            <a:ext cx="9138600" cy="534240"/>
           </a:xfrm>
           <a:prstGeom prst="rect">
             <a:avLst/>
@@ -14436,7 +14533,7 @@
         <p:spPr>
           <a:xfrm>
             <a:off x="0" y="4774320"/>
-            <a:ext cx="9138960" cy="354600"/>
+            <a:ext cx="9138600" cy="354240"/>
           </a:xfrm>
           <a:prstGeom prst="rect">
             <a:avLst/>
@@ -14466,7 +14563,7 @@
         <p:spPr>
           <a:xfrm>
             <a:off x="2766240" y="1365120"/>
-            <a:ext cx="3610080" cy="2406240"/>
+            <a:ext cx="3609720" cy="2405880"/>
           </a:xfrm>
           <a:prstGeom prst="rect">
             <a:avLst/>
@@ -14489,7 +14586,7 @@
         <p:spPr>
           <a:xfrm>
             <a:off x="2442240" y="1260000"/>
-            <a:ext cx="4576320" cy="3050280"/>
+            <a:ext cx="4575960" cy="3049920"/>
           </a:xfrm>
           <a:prstGeom prst="rect">
             <a:avLst/>
@@ -14542,7 +14639,7 @@
         <p:spPr>
           <a:xfrm>
             <a:off x="0" y="-38160"/>
-            <a:ext cx="9138960" cy="534600"/>
+            <a:ext cx="9138600" cy="534240"/>
           </a:xfrm>
           <a:prstGeom prst="rect">
             <a:avLst/>
@@ -14572,7 +14669,7 @@
         <p:spPr>
           <a:xfrm>
             <a:off x="0" y="4774320"/>
-            <a:ext cx="9138960" cy="354600"/>
+            <a:ext cx="9138600" cy="354240"/>
           </a:xfrm>
           <a:prstGeom prst="rect">
             <a:avLst/>
@@ -14602,7 +14699,7 @@
         <p:spPr>
           <a:xfrm>
             <a:off x="226080" y="1260000"/>
-            <a:ext cx="8593200" cy="2335320"/>
+            <a:ext cx="8592840" cy="2334960"/>
           </a:xfrm>
           <a:prstGeom prst="rect">
             <a:avLst/>
@@ -14708,7 +14805,7 @@
         <p:spPr>
           <a:xfrm>
             <a:off x="1769400" y="3857760"/>
-            <a:ext cx="898560" cy="600840"/>
+            <a:ext cx="898200" cy="600480"/>
           </a:xfrm>
           <a:prstGeom prst="rect">
             <a:avLst/>
@@ -14759,7 +14856,7 @@
         <p:spPr>
           <a:xfrm>
             <a:off x="180000" y="3060000"/>
-            <a:ext cx="719280" cy="359280"/>
+            <a:ext cx="718920" cy="358920"/>
           </a:xfrm>
           <a:prstGeom prst="ellipse">
             <a:avLst/>
@@ -14822,7 +14919,7 @@
         <p:spPr>
           <a:xfrm>
             <a:off x="0" y="-38160"/>
-            <a:ext cx="9138960" cy="534600"/>
+            <a:ext cx="9138600" cy="534240"/>
           </a:xfrm>
           <a:prstGeom prst="rect">
             <a:avLst/>
@@ -14852,7 +14949,7 @@
         <p:spPr>
           <a:xfrm>
             <a:off x="0" y="4774320"/>
-            <a:ext cx="9138960" cy="354600"/>
+            <a:ext cx="9138600" cy="354240"/>
           </a:xfrm>
           <a:prstGeom prst="rect">
             <a:avLst/>
@@ -14882,7 +14979,7 @@
         <p:spPr>
           <a:xfrm>
             <a:off x="2253960" y="1080000"/>
-            <a:ext cx="4945320" cy="3380040"/>
+            <a:ext cx="4944960" cy="3379680"/>
           </a:xfrm>
           <a:prstGeom prst="rect">
             <a:avLst/>
@@ -14935,7 +15032,7 @@
         <p:spPr>
           <a:xfrm>
             <a:off x="0" y="-38160"/>
-            <a:ext cx="9138960" cy="534600"/>
+            <a:ext cx="9138600" cy="534240"/>
           </a:xfrm>
           <a:prstGeom prst="rect">
             <a:avLst/>
@@ -14965,7 +15062,7 @@
         <p:spPr>
           <a:xfrm>
             <a:off x="0" y="4774320"/>
-            <a:ext cx="9138960" cy="354600"/>
+            <a:ext cx="9138600" cy="354240"/>
           </a:xfrm>
           <a:prstGeom prst="rect">
             <a:avLst/>
@@ -14991,7 +15088,7 @@
         <p:spPr>
           <a:xfrm>
             <a:off x="360000" y="1800000"/>
-            <a:ext cx="8408160" cy="516240"/>
+            <a:ext cx="8407800" cy="516240"/>
           </a:xfrm>
           <a:prstGeom prst="rect">
             <a:avLst/>
@@ -15079,7 +15176,7 @@
         <p:spPr>
           <a:xfrm>
             <a:off x="0" y="-38160"/>
-            <a:ext cx="9138960" cy="534600"/>
+            <a:ext cx="9138600" cy="534240"/>
           </a:xfrm>
           <a:prstGeom prst="rect">
             <a:avLst/>
@@ -15109,7 +15206,7 @@
         <p:spPr>
           <a:xfrm>
             <a:off x="0" y="4774320"/>
-            <a:ext cx="9138960" cy="354600"/>
+            <a:ext cx="9138600" cy="354240"/>
           </a:xfrm>
           <a:prstGeom prst="rect">
             <a:avLst/>
@@ -15139,7 +15236,7 @@
         <p:spPr>
           <a:xfrm>
             <a:off x="1980000" y="1260000"/>
-            <a:ext cx="5296320" cy="2971080"/>
+            <a:ext cx="5295960" cy="2970720"/>
           </a:xfrm>
           <a:prstGeom prst="rect">
             <a:avLst/>
@@ -15192,7 +15289,7 @@
         <p:spPr>
           <a:xfrm>
             <a:off x="0" y="-38160"/>
-            <a:ext cx="9138960" cy="534600"/>
+            <a:ext cx="9138600" cy="534240"/>
           </a:xfrm>
           <a:prstGeom prst="rect">
             <a:avLst/>
@@ -15222,7 +15319,7 @@
         <p:spPr>
           <a:xfrm>
             <a:off x="0" y="4774320"/>
-            <a:ext cx="9138960" cy="354600"/>
+            <a:ext cx="9138600" cy="354240"/>
           </a:xfrm>
           <a:prstGeom prst="rect">
             <a:avLst/>
@@ -15252,7 +15349,7 @@
         <p:spPr>
           <a:xfrm>
             <a:off x="2741040" y="838800"/>
-            <a:ext cx="3643920" cy="4106160"/>
+            <a:ext cx="3643560" cy="4105800"/>
           </a:xfrm>
           <a:prstGeom prst="rect">
             <a:avLst/>
@@ -15305,7 +15402,7 @@
         <p:spPr>
           <a:xfrm>
             <a:off x="0" y="-38160"/>
-            <a:ext cx="9138960" cy="534600"/>
+            <a:ext cx="9138600" cy="534240"/>
           </a:xfrm>
           <a:prstGeom prst="rect">
             <a:avLst/>
@@ -15335,7 +15432,7 @@
         <p:spPr>
           <a:xfrm>
             <a:off x="0" y="4774320"/>
-            <a:ext cx="9138960" cy="354600"/>
+            <a:ext cx="9138600" cy="354240"/>
           </a:xfrm>
           <a:prstGeom prst="rect">
             <a:avLst/>
@@ -15365,7 +15462,7 @@
         <p:spPr>
           <a:xfrm>
             <a:off x="2340000" y="1260000"/>
-            <a:ext cx="4607280" cy="3119400"/>
+            <a:ext cx="4606920" cy="3119040"/>
           </a:xfrm>
           <a:prstGeom prst="rect">
             <a:avLst/>
@@ -15418,7 +15515,7 @@
         <p:spPr>
           <a:xfrm>
             <a:off x="0" y="-38160"/>
-            <a:ext cx="9138960" cy="534600"/>
+            <a:ext cx="9138600" cy="534240"/>
           </a:xfrm>
           <a:prstGeom prst="rect">
             <a:avLst/>
@@ -15448,7 +15545,7 @@
         <p:spPr>
           <a:xfrm>
             <a:off x="0" y="4774320"/>
-            <a:ext cx="9138960" cy="354600"/>
+            <a:ext cx="9138600" cy="354240"/>
           </a:xfrm>
           <a:prstGeom prst="rect">
             <a:avLst/>
@@ -15478,7 +15575,7 @@
         <p:spPr>
           <a:xfrm>
             <a:off x="1620000" y="1080000"/>
-            <a:ext cx="5841000" cy="3056040"/>
+            <a:ext cx="5840640" cy="3055680"/>
           </a:xfrm>
           <a:prstGeom prst="rect">
             <a:avLst/>
@@ -15531,7 +15628,7 @@
         <p:spPr>
           <a:xfrm>
             <a:off x="0" y="-38160"/>
-            <a:ext cx="9138960" cy="534600"/>
+            <a:ext cx="9138600" cy="534240"/>
           </a:xfrm>
           <a:prstGeom prst="rect">
             <a:avLst/>
@@ -15561,7 +15658,7 @@
         <p:spPr>
           <a:xfrm>
             <a:off x="0" y="4774320"/>
-            <a:ext cx="9138960" cy="354600"/>
+            <a:ext cx="9138600" cy="354240"/>
           </a:xfrm>
           <a:prstGeom prst="rect">
             <a:avLst/>
@@ -15587,7 +15684,7 @@
         <p:spPr>
           <a:xfrm>
             <a:off x="360000" y="1260000"/>
-            <a:ext cx="8408160" cy="558720"/>
+            <a:ext cx="8407800" cy="558360"/>
           </a:xfrm>
           <a:prstGeom prst="rect">
             <a:avLst/>
@@ -15613,7 +15710,7 @@
         <p:spPr>
           <a:xfrm>
             <a:off x="407160" y="1980000"/>
-            <a:ext cx="8408160" cy="454680"/>
+            <a:ext cx="8407800" cy="454320"/>
           </a:xfrm>
           <a:prstGeom prst="rect">
             <a:avLst/>
@@ -15643,7 +15740,7 @@
         <p:spPr>
           <a:xfrm>
             <a:off x="2422440" y="995760"/>
-            <a:ext cx="4236840" cy="3503520"/>
+            <a:ext cx="4236480" cy="3503160"/>
           </a:xfrm>
           <a:prstGeom prst="rect">
             <a:avLst/>
@@ -15696,7 +15793,7 @@
         <p:spPr>
           <a:xfrm>
             <a:off x="0" y="-38160"/>
-            <a:ext cx="9138960" cy="534600"/>
+            <a:ext cx="9138600" cy="534240"/>
           </a:xfrm>
           <a:prstGeom prst="rect">
             <a:avLst/>
@@ -15726,7 +15823,7 @@
         <p:spPr>
           <a:xfrm>
             <a:off x="0" y="4774320"/>
-            <a:ext cx="9138960" cy="354600"/>
+            <a:ext cx="9138600" cy="354240"/>
           </a:xfrm>
           <a:prstGeom prst="rect">
             <a:avLst/>
@@ -15752,7 +15849,7 @@
         <p:spPr>
           <a:xfrm>
             <a:off x="360000" y="1800000"/>
-            <a:ext cx="8408160" cy="516240"/>
+            <a:ext cx="8407800" cy="516240"/>
           </a:xfrm>
           <a:prstGeom prst="rect">
             <a:avLst/>
@@ -15840,7 +15937,7 @@
         <p:spPr>
           <a:xfrm>
             <a:off x="0" y="-38160"/>
-            <a:ext cx="9138960" cy="534600"/>
+            <a:ext cx="9138600" cy="534240"/>
           </a:xfrm>
           <a:prstGeom prst="rect">
             <a:avLst/>
@@ -15870,7 +15967,7 @@
         <p:spPr>
           <a:xfrm>
             <a:off x="0" y="4774320"/>
-            <a:ext cx="9138960" cy="354600"/>
+            <a:ext cx="9138600" cy="354240"/>
           </a:xfrm>
           <a:prstGeom prst="rect">
             <a:avLst/>
@@ -15900,7 +15997,7 @@
         <p:spPr>
           <a:xfrm>
             <a:off x="1794960" y="1800000"/>
-            <a:ext cx="5762160" cy="1617120"/>
+            <a:ext cx="5761800" cy="1616760"/>
           </a:xfrm>
           <a:prstGeom prst="rect">
             <a:avLst/>
@@ -15953,7 +16050,7 @@
         <p:spPr>
           <a:xfrm>
             <a:off x="0" y="-38160"/>
-            <a:ext cx="9138960" cy="534600"/>
+            <a:ext cx="9138600" cy="534240"/>
           </a:xfrm>
           <a:prstGeom prst="rect">
             <a:avLst/>
@@ -15983,7 +16080,7 @@
         <p:spPr>
           <a:xfrm>
             <a:off x="0" y="4774320"/>
-            <a:ext cx="9138960" cy="354600"/>
+            <a:ext cx="9138600" cy="354240"/>
           </a:xfrm>
           <a:prstGeom prst="rect">
             <a:avLst/>
@@ -16009,7 +16106,7 @@
         <p:spPr>
           <a:xfrm>
             <a:off x="360000" y="1800000"/>
-            <a:ext cx="8408160" cy="516240"/>
+            <a:ext cx="8407800" cy="516240"/>
           </a:xfrm>
           <a:prstGeom prst="rect">
             <a:avLst/>
@@ -16097,7 +16194,7 @@
         <p:spPr>
           <a:xfrm>
             <a:off x="0" y="-38160"/>
-            <a:ext cx="9138960" cy="534600"/>
+            <a:ext cx="9138600" cy="534240"/>
           </a:xfrm>
           <a:prstGeom prst="rect">
             <a:avLst/>
@@ -16127,7 +16224,7 @@
         <p:spPr>
           <a:xfrm>
             <a:off x="0" y="4774320"/>
-            <a:ext cx="9138960" cy="354600"/>
+            <a:ext cx="9138600" cy="354240"/>
           </a:xfrm>
           <a:prstGeom prst="rect">
             <a:avLst/>
@@ -16157,7 +16254,7 @@
         <p:spPr>
           <a:xfrm>
             <a:off x="2241360" y="1056240"/>
-            <a:ext cx="4595760" cy="3440880"/>
+            <a:ext cx="4595400" cy="3440520"/>
           </a:xfrm>
           <a:prstGeom prst="rect">
             <a:avLst/>
@@ -16210,7 +16307,7 @@
         <p:spPr>
           <a:xfrm>
             <a:off x="0" y="-38160"/>
-            <a:ext cx="9138960" cy="534600"/>
+            <a:ext cx="9138600" cy="534240"/>
           </a:xfrm>
           <a:prstGeom prst="rect">
             <a:avLst/>
@@ -16240,7 +16337,7 @@
         <p:spPr>
           <a:xfrm>
             <a:off x="0" y="4774320"/>
-            <a:ext cx="9138960" cy="354600"/>
+            <a:ext cx="9138600" cy="354240"/>
           </a:xfrm>
           <a:prstGeom prst="rect">
             <a:avLst/>
@@ -16270,7 +16367,7 @@
         <p:spPr>
           <a:xfrm>
             <a:off x="2340000" y="1080000"/>
-            <a:ext cx="4776840" cy="3184200"/>
+            <a:ext cx="4776480" cy="3183840"/>
           </a:xfrm>
           <a:prstGeom prst="rect">
             <a:avLst/>
@@ -16323,7 +16420,7 @@
         <p:spPr>
           <a:xfrm>
             <a:off x="0" y="-38160"/>
-            <a:ext cx="9138960" cy="534600"/>
+            <a:ext cx="9138600" cy="534240"/>
           </a:xfrm>
           <a:prstGeom prst="rect">
             <a:avLst/>
@@ -16353,7 +16450,7 @@
         <p:spPr>
           <a:xfrm>
             <a:off x="0" y="4774320"/>
-            <a:ext cx="9138960" cy="354600"/>
+            <a:ext cx="9138600" cy="354240"/>
           </a:xfrm>
           <a:prstGeom prst="rect">
             <a:avLst/>
@@ -16383,7 +16480,7 @@
         <p:spPr>
           <a:xfrm>
             <a:off x="2412000" y="900000"/>
-            <a:ext cx="4067280" cy="3517560"/>
+            <a:ext cx="4066920" cy="3517200"/>
           </a:xfrm>
           <a:prstGeom prst="rect">
             <a:avLst/>
@@ -16436,7 +16533,7 @@
         <p:spPr>
           <a:xfrm>
             <a:off x="0" y="-38160"/>
-            <a:ext cx="9138960" cy="534600"/>
+            <a:ext cx="9138600" cy="534240"/>
           </a:xfrm>
           <a:prstGeom prst="rect">
             <a:avLst/>
@@ -16466,7 +16563,7 @@
         <p:spPr>
           <a:xfrm>
             <a:off x="0" y="4774320"/>
-            <a:ext cx="9138960" cy="354600"/>
+            <a:ext cx="9138600" cy="354240"/>
           </a:xfrm>
           <a:prstGeom prst="rect">
             <a:avLst/>
@@ -16492,7 +16589,7 @@
         <p:spPr>
           <a:xfrm>
             <a:off x="360000" y="1800000"/>
-            <a:ext cx="8408160" cy="516240"/>
+            <a:ext cx="8407800" cy="516240"/>
           </a:xfrm>
           <a:prstGeom prst="rect">
             <a:avLst/>
@@ -16600,7 +16697,7 @@
         <p:spPr>
           <a:xfrm>
             <a:off x="0" y="-38160"/>
-            <a:ext cx="9138960" cy="534600"/>
+            <a:ext cx="9138600" cy="534240"/>
           </a:xfrm>
           <a:prstGeom prst="rect">
             <a:avLst/>
@@ -16630,7 +16727,7 @@
         <p:spPr>
           <a:xfrm>
             <a:off x="0" y="4774320"/>
-            <a:ext cx="9138960" cy="354600"/>
+            <a:ext cx="9138600" cy="354240"/>
           </a:xfrm>
           <a:prstGeom prst="rect">
             <a:avLst/>
@@ -16660,7 +16757,7 @@
         <p:spPr>
           <a:xfrm>
             <a:off x="2104560" y="1027080"/>
-            <a:ext cx="4783680" cy="3399480"/>
+            <a:ext cx="4783320" cy="3399120"/>
           </a:xfrm>
           <a:prstGeom prst="rect">
             <a:avLst/>
@@ -16713,7 +16810,7 @@
         <p:spPr>
           <a:xfrm>
             <a:off x="0" y="-38160"/>
-            <a:ext cx="9138960" cy="534600"/>
+            <a:ext cx="9138600" cy="534240"/>
           </a:xfrm>
           <a:prstGeom prst="rect">
             <a:avLst/>
@@ -16743,7 +16840,7 @@
         <p:spPr>
           <a:xfrm>
             <a:off x="0" y="4774320"/>
-            <a:ext cx="9138960" cy="354600"/>
+            <a:ext cx="9138600" cy="354240"/>
           </a:xfrm>
           <a:prstGeom prst="rect">
             <a:avLst/>
@@ -16769,7 +16866,7 @@
         <p:spPr>
           <a:xfrm>
             <a:off x="360000" y="1800000"/>
-            <a:ext cx="8408160" cy="516240"/>
+            <a:ext cx="8407800" cy="516240"/>
           </a:xfrm>
           <a:prstGeom prst="rect">
             <a:avLst/>
@@ -16877,7 +16974,7 @@
         <p:spPr>
           <a:xfrm>
             <a:off x="0" y="-38160"/>
-            <a:ext cx="9138960" cy="534600"/>
+            <a:ext cx="9138600" cy="534240"/>
           </a:xfrm>
           <a:prstGeom prst="rect">
             <a:avLst/>
@@ -16907,7 +17004,7 @@
         <p:spPr>
           <a:xfrm>
             <a:off x="0" y="4774320"/>
-            <a:ext cx="9138960" cy="354600"/>
+            <a:ext cx="9138600" cy="354240"/>
           </a:xfrm>
           <a:prstGeom prst="rect">
             <a:avLst/>
@@ -16936,8 +17033,31 @@
         </p:blipFill>
         <p:spPr>
           <a:xfrm>
-            <a:off x="2868480" y="888480"/>
-            <a:ext cx="3609000" cy="3609000"/>
+            <a:off x="351360" y="900000"/>
+            <a:ext cx="3608640" cy="3608640"/>
+          </a:xfrm>
+          <a:prstGeom prst="rect">
+            <a:avLst/>
+          </a:prstGeom>
+          <a:ln w="0">
+            <a:noFill/>
+          </a:ln>
+        </p:spPr>
+      </p:pic>
+      <p:pic>
+        <p:nvPicPr>
+          <p:cNvPr id="223" name="" descr=""/>
+          <p:cNvPicPr/>
+          <p:nvPr/>
+        </p:nvPicPr>
+        <p:blipFill>
+          <a:blip r:embed="rId4"/>
+          <a:stretch/>
+        </p:blipFill>
+        <p:spPr>
+          <a:xfrm>
+            <a:off x="4993200" y="900000"/>
+            <a:ext cx="3852000" cy="3600000"/>
           </a:xfrm>
           <a:prstGeom prst="rect">
             <a:avLst/>
@@ -16990,7 +17110,7 @@
         <p:spPr>
           <a:xfrm>
             <a:off x="0" y="-38160"/>
-            <a:ext cx="9138960" cy="534600"/>
+            <a:ext cx="9138600" cy="534240"/>
           </a:xfrm>
           <a:prstGeom prst="rect">
             <a:avLst/>
@@ -17020,7 +17140,7 @@
         <p:spPr>
           <a:xfrm>
             <a:off x="0" y="4774320"/>
-            <a:ext cx="9138960" cy="354600"/>
+            <a:ext cx="9138600" cy="354240"/>
           </a:xfrm>
           <a:prstGeom prst="rect">
             <a:avLst/>
@@ -17046,7 +17166,7 @@
         <p:spPr>
           <a:xfrm>
             <a:off x="360000" y="1260000"/>
-            <a:ext cx="8408160" cy="558720"/>
+            <a:ext cx="8407800" cy="558360"/>
           </a:xfrm>
           <a:prstGeom prst="rect">
             <a:avLst/>
@@ -17072,7 +17192,7 @@
         <p:spPr>
           <a:xfrm>
             <a:off x="407160" y="1980000"/>
-            <a:ext cx="8408160" cy="454680"/>
+            <a:ext cx="8407800" cy="454320"/>
           </a:xfrm>
           <a:prstGeom prst="rect">
             <a:avLst/>
@@ -17102,7 +17222,7 @@
         <p:spPr>
           <a:xfrm>
             <a:off x="360000" y="1080000"/>
-            <a:ext cx="4139280" cy="3117600"/>
+            <a:ext cx="4138920" cy="3117240"/>
           </a:xfrm>
           <a:prstGeom prst="rect">
             <a:avLst/>
@@ -17125,7 +17245,7 @@
         <p:spPr>
           <a:xfrm>
             <a:off x="5229000" y="1080000"/>
-            <a:ext cx="3231000" cy="3231000"/>
+            <a:ext cx="3230640" cy="3230640"/>
           </a:xfrm>
           <a:prstGeom prst="rect">
             <a:avLst/>
@@ -17137,14 +17257,14 @@
       </p:pic>
       <p:sp>
         <p:nvSpPr>
-          <p:cNvPr id="134" name="TextShape 3"/>
-          <p:cNvSpPr txBox="1"/>
+          <p:cNvPr id="134" name="CustomShape 3"/>
+          <p:cNvSpPr/>
           <p:nvPr/>
         </p:nvSpPr>
         <p:spPr>
           <a:xfrm>
             <a:off x="360000" y="4320000"/>
-            <a:ext cx="8460000" cy="602280"/>
+            <a:ext cx="8459640" cy="601920"/>
           </a:xfrm>
           <a:prstGeom prst="rect">
             <a:avLst/>
@@ -17154,11 +17274,22 @@
             <a:noFill/>
           </a:ln>
         </p:spPr>
+        <p:style>
+          <a:lnRef idx="0"/>
+          <a:fillRef idx="0"/>
+          <a:effectRef idx="0"/>
+          <a:fontRef idx="minor"/>
+        </p:style>
         <p:txBody>
           <a:bodyPr lIns="90000" rIns="90000" tIns="45000" bIns="45000">
             <a:noAutofit/>
           </a:bodyPr>
           <a:p>
+            <a:pPr>
+              <a:lnSpc>
+                <a:spcPct val="100000"/>
+              </a:lnSpc>
+            </a:pPr>
             <a:r>
               <a:rPr b="0" lang="en-AU" sz="1800" spc="-1" strike="noStrike">
                 <a:latin typeface="Arial"/>
@@ -17203,7 +17334,7 @@
       </p:grpSpPr>
       <p:pic>
         <p:nvPicPr>
-          <p:cNvPr id="223" name="Google Shape;96;p2_26" descr=""/>
+          <p:cNvPr id="224" name="Google Shape;96;p2_26" descr=""/>
           <p:cNvPicPr/>
           <p:nvPr/>
         </p:nvPicPr>
@@ -17214,7 +17345,7 @@
         <p:spPr>
           <a:xfrm>
             <a:off x="0" y="-38160"/>
-            <a:ext cx="9138960" cy="534600"/>
+            <a:ext cx="9138600" cy="534240"/>
           </a:xfrm>
           <a:prstGeom prst="rect">
             <a:avLst/>
@@ -17233,7 +17364,7 @@
       </p:pic>
       <p:pic>
         <p:nvPicPr>
-          <p:cNvPr id="224" name="Google Shape;97;p2_0" descr=""/>
+          <p:cNvPr id="225" name="Google Shape;97;p2_0" descr=""/>
           <p:cNvPicPr/>
           <p:nvPr/>
         </p:nvPicPr>
@@ -17244,7 +17375,7 @@
         <p:spPr>
           <a:xfrm>
             <a:off x="0" y="4774320"/>
-            <a:ext cx="9138960" cy="354600"/>
+            <a:ext cx="9138600" cy="354240"/>
           </a:xfrm>
           <a:prstGeom prst="rect">
             <a:avLst/>
@@ -17263,7 +17394,7 @@
       </p:pic>
       <p:pic>
         <p:nvPicPr>
-          <p:cNvPr id="225" name="" descr=""/>
+          <p:cNvPr id="226" name="" descr=""/>
           <p:cNvPicPr/>
           <p:nvPr/>
         </p:nvPicPr>
@@ -17274,7 +17405,7 @@
         <p:spPr>
           <a:xfrm>
             <a:off x="2786040" y="773280"/>
-            <a:ext cx="3610800" cy="3610800"/>
+            <a:ext cx="3610440" cy="3610440"/>
           </a:xfrm>
           <a:prstGeom prst="rect">
             <a:avLst/>
@@ -17316,7 +17447,7 @@
       </p:grpSpPr>
       <p:pic>
         <p:nvPicPr>
-          <p:cNvPr id="226" name="Google Shape;96;p2_27" descr=""/>
+          <p:cNvPr id="227" name="Google Shape;96;p2_27" descr=""/>
           <p:cNvPicPr/>
           <p:nvPr/>
         </p:nvPicPr>
@@ -17327,7 +17458,7 @@
         <p:spPr>
           <a:xfrm>
             <a:off x="0" y="-38160"/>
-            <a:ext cx="9138960" cy="534600"/>
+            <a:ext cx="9138600" cy="534240"/>
           </a:xfrm>
           <a:prstGeom prst="rect">
             <a:avLst/>
@@ -17346,7 +17477,7 @@
       </p:pic>
       <p:pic>
         <p:nvPicPr>
-          <p:cNvPr id="227" name="Google Shape;97;p2_27" descr=""/>
+          <p:cNvPr id="228" name="Google Shape;97;p2_27" descr=""/>
           <p:cNvPicPr/>
           <p:nvPr/>
         </p:nvPicPr>
@@ -17357,7 +17488,7 @@
         <p:spPr>
           <a:xfrm>
             <a:off x="0" y="4774320"/>
-            <a:ext cx="9138960" cy="354600"/>
+            <a:ext cx="9138600" cy="354240"/>
           </a:xfrm>
           <a:prstGeom prst="rect">
             <a:avLst/>
@@ -17376,7 +17507,7 @@
       </p:pic>
       <p:pic>
         <p:nvPicPr>
-          <p:cNvPr id="228" name="" descr=""/>
+          <p:cNvPr id="229" name="" descr=""/>
           <p:cNvPicPr/>
           <p:nvPr/>
         </p:nvPicPr>
@@ -17387,7 +17518,7 @@
         <p:spPr>
           <a:xfrm>
             <a:off x="2786040" y="773280"/>
-            <a:ext cx="3610800" cy="3610800"/>
+            <a:ext cx="3610440" cy="3610440"/>
           </a:xfrm>
           <a:prstGeom prst="rect">
             <a:avLst/>
@@ -17429,7 +17560,7 @@
       </p:grpSpPr>
       <p:pic>
         <p:nvPicPr>
-          <p:cNvPr id="229" name="Google Shape;96;p2_11" descr=""/>
+          <p:cNvPr id="230" name="Google Shape;96;p2_11" descr=""/>
           <p:cNvPicPr/>
           <p:nvPr/>
         </p:nvPicPr>
@@ -17440,7 +17571,7 @@
         <p:spPr>
           <a:xfrm>
             <a:off x="0" y="-38160"/>
-            <a:ext cx="9138960" cy="534600"/>
+            <a:ext cx="9138600" cy="534240"/>
           </a:xfrm>
           <a:prstGeom prst="rect">
             <a:avLst/>
@@ -17459,7 +17590,7 @@
       </p:pic>
       <p:pic>
         <p:nvPicPr>
-          <p:cNvPr id="230" name="Google Shape;97;p2_12" descr=""/>
+          <p:cNvPr id="231" name="Google Shape;97;p2_12" descr=""/>
           <p:cNvPicPr/>
           <p:nvPr/>
         </p:nvPicPr>
@@ -17470,7 +17601,7 @@
         <p:spPr>
           <a:xfrm>
             <a:off x="0" y="4774320"/>
-            <a:ext cx="9138960" cy="354600"/>
+            <a:ext cx="9138600" cy="354240"/>
           </a:xfrm>
           <a:prstGeom prst="rect">
             <a:avLst/>
@@ -17489,14 +17620,14 @@
       </p:pic>
       <p:sp>
         <p:nvSpPr>
-          <p:cNvPr id="231" name="CustomShape 1"/>
+          <p:cNvPr id="232" name="CustomShape 1"/>
           <p:cNvSpPr/>
           <p:nvPr/>
         </p:nvSpPr>
         <p:spPr>
           <a:xfrm>
             <a:off x="227160" y="1800000"/>
-            <a:ext cx="8408160" cy="1918440"/>
+            <a:ext cx="8407800" cy="1918440"/>
           </a:xfrm>
           <a:prstGeom prst="rect">
             <a:avLst/>
@@ -17645,7 +17776,7 @@
       </p:grpSpPr>
       <p:pic>
         <p:nvPicPr>
-          <p:cNvPr id="232" name="Google Shape;104;g25ddbdbdadb_0_0" descr=""/>
+          <p:cNvPr id="233" name="Google Shape;104;g25ddbdbdadb_0_0" descr=""/>
           <p:cNvPicPr/>
           <p:nvPr/>
         </p:nvPicPr>
@@ -17656,7 +17787,7 @@
         <p:spPr>
           <a:xfrm>
             <a:off x="0" y="0"/>
-            <a:ext cx="7192080" cy="5138640"/>
+            <a:ext cx="7191720" cy="5138280"/>
           </a:xfrm>
           <a:prstGeom prst="rect">
             <a:avLst/>
@@ -17668,14 +17799,14 @@
       </p:pic>
       <p:sp>
         <p:nvSpPr>
-          <p:cNvPr id="233" name="CustomShape 1"/>
+          <p:cNvPr id="234" name="CustomShape 1"/>
           <p:cNvSpPr/>
           <p:nvPr/>
         </p:nvSpPr>
         <p:spPr>
           <a:xfrm>
             <a:off x="1398960" y="913680"/>
-            <a:ext cx="7569720" cy="1961640"/>
+            <a:ext cx="7569360" cy="1961280"/>
           </a:xfrm>
           <a:prstGeom prst="rect">
             <a:avLst/>
@@ -17722,14 +17853,14 @@
       </p:sp>
       <p:sp>
         <p:nvSpPr>
-          <p:cNvPr id="234" name="CustomShape 2"/>
+          <p:cNvPr id="235" name="CustomShape 2"/>
           <p:cNvSpPr/>
           <p:nvPr/>
         </p:nvSpPr>
         <p:spPr>
           <a:xfrm>
             <a:off x="2234160" y="2995560"/>
-            <a:ext cx="6671520" cy="959760"/>
+            <a:ext cx="6671160" cy="959400"/>
           </a:xfrm>
           <a:prstGeom prst="rect">
             <a:avLst/>
@@ -17853,7 +17984,7 @@
         <p:spPr>
           <a:xfrm>
             <a:off x="0" y="-38160"/>
-            <a:ext cx="9138960" cy="534600"/>
+            <a:ext cx="9138600" cy="534240"/>
           </a:xfrm>
           <a:prstGeom prst="rect">
             <a:avLst/>
@@ -17883,7 +18014,7 @@
         <p:spPr>
           <a:xfrm>
             <a:off x="0" y="4774320"/>
-            <a:ext cx="9138960" cy="354600"/>
+            <a:ext cx="9138600" cy="354240"/>
           </a:xfrm>
           <a:prstGeom prst="rect">
             <a:avLst/>
@@ -17909,7 +18040,7 @@
         <p:spPr>
           <a:xfrm>
             <a:off x="227160" y="1800000"/>
-            <a:ext cx="8408160" cy="1918440"/>
+            <a:ext cx="8407800" cy="1918440"/>
           </a:xfrm>
           <a:prstGeom prst="rect">
             <a:avLst/>
@@ -18069,7 +18200,7 @@
         <p:spPr>
           <a:xfrm>
             <a:off x="0" y="-38160"/>
-            <a:ext cx="9138960" cy="534600"/>
+            <a:ext cx="9138600" cy="534240"/>
           </a:xfrm>
           <a:prstGeom prst="rect">
             <a:avLst/>
@@ -18099,7 +18230,7 @@
         <p:spPr>
           <a:xfrm>
             <a:off x="0" y="4774320"/>
-            <a:ext cx="9138960" cy="354600"/>
+            <a:ext cx="9138600" cy="354240"/>
           </a:xfrm>
           <a:prstGeom prst="rect">
             <a:avLst/>
@@ -18125,7 +18256,7 @@
         <p:spPr>
           <a:xfrm>
             <a:off x="360000" y="712800"/>
-            <a:ext cx="8408160" cy="363960"/>
+            <a:ext cx="8407800" cy="363960"/>
           </a:xfrm>
           <a:prstGeom prst="rect">
             <a:avLst/>
@@ -18183,7 +18314,7 @@
         <p:spPr>
           <a:xfrm>
             <a:off x="456480" y="1231200"/>
-            <a:ext cx="8179560" cy="3539160"/>
+            <a:ext cx="8179200" cy="3538800"/>
           </a:xfrm>
           <a:prstGeom prst="rect">
             <a:avLst/>
@@ -18236,7 +18367,7 @@
         <p:spPr>
           <a:xfrm>
             <a:off x="0" y="-38160"/>
-            <a:ext cx="9138960" cy="534600"/>
+            <a:ext cx="9138600" cy="534240"/>
           </a:xfrm>
           <a:prstGeom prst="rect">
             <a:avLst/>
@@ -18266,7 +18397,7 @@
         <p:spPr>
           <a:xfrm>
             <a:off x="0" y="4774320"/>
-            <a:ext cx="9138960" cy="354600"/>
+            <a:ext cx="9138600" cy="354240"/>
           </a:xfrm>
           <a:prstGeom prst="rect">
             <a:avLst/>
@@ -18292,7 +18423,7 @@
         <p:spPr>
           <a:xfrm>
             <a:off x="360000" y="1800000"/>
-            <a:ext cx="8408160" cy="516240"/>
+            <a:ext cx="8407800" cy="516240"/>
           </a:xfrm>
           <a:prstGeom prst="rect">
             <a:avLst/>
@@ -18380,7 +18511,7 @@
         <p:spPr>
           <a:xfrm>
             <a:off x="0" y="-38160"/>
-            <a:ext cx="9138960" cy="534600"/>
+            <a:ext cx="9138600" cy="534240"/>
           </a:xfrm>
           <a:prstGeom prst="rect">
             <a:avLst/>
@@ -18410,7 +18541,7 @@
         <p:spPr>
           <a:xfrm>
             <a:off x="0" y="4774320"/>
-            <a:ext cx="9138960" cy="354600"/>
+            <a:ext cx="9138600" cy="354240"/>
           </a:xfrm>
           <a:prstGeom prst="rect">
             <a:avLst/>
@@ -18436,7 +18567,7 @@
         <p:spPr>
           <a:xfrm>
             <a:off x="360000" y="1800000"/>
-            <a:ext cx="8408160" cy="516240"/>
+            <a:ext cx="8407800" cy="516240"/>
           </a:xfrm>
           <a:prstGeom prst="rect">
             <a:avLst/>
@@ -18490,7 +18621,7 @@
         <p:spPr>
           <a:xfrm>
             <a:off x="3295080" y="2916360"/>
-            <a:ext cx="2640240" cy="498960"/>
+            <a:ext cx="2639880" cy="498600"/>
           </a:xfrm>
           <a:prstGeom prst="rect">
             <a:avLst/>
@@ -18575,7 +18706,7 @@
         <p:spPr>
           <a:xfrm>
             <a:off x="0" y="-38160"/>
-            <a:ext cx="9138960" cy="534600"/>
+            <a:ext cx="9138600" cy="534240"/>
           </a:xfrm>
           <a:prstGeom prst="rect">
             <a:avLst/>
@@ -18605,7 +18736,7 @@
         <p:spPr>
           <a:xfrm>
             <a:off x="0" y="4774320"/>
-            <a:ext cx="9138960" cy="354600"/>
+            <a:ext cx="9138600" cy="354240"/>
           </a:xfrm>
           <a:prstGeom prst="rect">
             <a:avLst/>
@@ -18631,7 +18762,7 @@
         <p:spPr>
           <a:xfrm>
             <a:off x="360000" y="1800000"/>
-            <a:ext cx="8408160" cy="516240"/>
+            <a:ext cx="8407800" cy="516240"/>
           </a:xfrm>
           <a:prstGeom prst="rect">
             <a:avLst/>
@@ -18719,7 +18850,7 @@
         <p:spPr>
           <a:xfrm>
             <a:off x="0" y="-38160"/>
-            <a:ext cx="9138960" cy="534600"/>
+            <a:ext cx="9138600" cy="534240"/>
           </a:xfrm>
           <a:prstGeom prst="rect">
             <a:avLst/>
@@ -18749,7 +18880,7 @@
         <p:spPr>
           <a:xfrm>
             <a:off x="0" y="4774320"/>
-            <a:ext cx="9138960" cy="354600"/>
+            <a:ext cx="9138600" cy="354240"/>
           </a:xfrm>
           <a:prstGeom prst="rect">
             <a:avLst/>
@@ -18779,7 +18910,7 @@
         <p:spPr>
           <a:xfrm>
             <a:off x="1620360" y="1351080"/>
-            <a:ext cx="6114960" cy="3144240"/>
+            <a:ext cx="6114600" cy="3143880"/>
           </a:xfrm>
           <a:prstGeom prst="rect">
             <a:avLst/>
@@ -18802,7 +18933,7 @@
         <p:spPr>
           <a:xfrm>
             <a:off x="1285200" y="1086840"/>
-            <a:ext cx="6631920" cy="3410280"/>
+            <a:ext cx="6631560" cy="3409920"/>
           </a:xfrm>
           <a:prstGeom prst="rect">
             <a:avLst/>
